--- a/Design/웹디자인 투표대상.pptx
+++ b/Design/웹디자인 투표대상.pptx
@@ -6,7 +6,8 @@
   </p:sldMasterIdLst>
   <p:sldIdLst>
     <p:sldId id="256" r:id="rId2"/>
-    <p:sldId id="257" r:id="rId3"/>
+    <p:sldId id="259" r:id="rId3"/>
+    <p:sldId id="257" r:id="rId4"/>
   </p:sldIdLst>
   <p:sldSz cx="12192000" cy="6858000"/>
   <p:notesSz cx="6858000" cy="9144000"/>
@@ -150,7 +151,7 @@
           <p:cNvPr id="2" name="제목 1">
             <a:extLst>
               <a:ext uri="{FF2B5EF4-FFF2-40B4-BE49-F238E27FC236}">
-                <a16:creationId xmlns:a16="http://schemas.microsoft.com/office/drawing/2014/main" id="{3D718CDF-5076-44C8-A41F-C23E272BF536}"/>
+                <a16:creationId xmlns:a16="http://schemas.microsoft.com/office/drawing/2014/main" xmlns="" id="{3D718CDF-5076-44C8-A41F-C23E272BF536}"/>
               </a:ext>
             </a:extLst>
           </p:cNvPr>
@@ -187,7 +188,7 @@
           <p:cNvPr id="3" name="부제목 2">
             <a:extLst>
               <a:ext uri="{FF2B5EF4-FFF2-40B4-BE49-F238E27FC236}">
-                <a16:creationId xmlns:a16="http://schemas.microsoft.com/office/drawing/2014/main" id="{24E4D17E-8D18-442C-B6EA-BA95F27EF4CE}"/>
+                <a16:creationId xmlns:a16="http://schemas.microsoft.com/office/drawing/2014/main" xmlns="" id="{24E4D17E-8D18-442C-B6EA-BA95F27EF4CE}"/>
               </a:ext>
             </a:extLst>
           </p:cNvPr>
@@ -257,7 +258,7 @@
           <p:cNvPr id="4" name="날짜 개체 틀 3">
             <a:extLst>
               <a:ext uri="{FF2B5EF4-FFF2-40B4-BE49-F238E27FC236}">
-                <a16:creationId xmlns:a16="http://schemas.microsoft.com/office/drawing/2014/main" id="{FCE690C3-3221-4FD0-B37B-3E5AF03BEF0F}"/>
+                <a16:creationId xmlns:a16="http://schemas.microsoft.com/office/drawing/2014/main" xmlns="" id="{FCE690C3-3221-4FD0-B37B-3E5AF03BEF0F}"/>
               </a:ext>
             </a:extLst>
           </p:cNvPr>
@@ -286,7 +287,7 @@
           <p:cNvPr id="5" name="바닥글 개체 틀 4">
             <a:extLst>
               <a:ext uri="{FF2B5EF4-FFF2-40B4-BE49-F238E27FC236}">
-                <a16:creationId xmlns:a16="http://schemas.microsoft.com/office/drawing/2014/main" id="{3DFEE629-4C92-461C-8FD3-A80C23419192}"/>
+                <a16:creationId xmlns:a16="http://schemas.microsoft.com/office/drawing/2014/main" xmlns="" id="{3DFEE629-4C92-461C-8FD3-A80C23419192}"/>
               </a:ext>
             </a:extLst>
           </p:cNvPr>
@@ -311,7 +312,7 @@
           <p:cNvPr id="6" name="슬라이드 번호 개체 틀 5">
             <a:extLst>
               <a:ext uri="{FF2B5EF4-FFF2-40B4-BE49-F238E27FC236}">
-                <a16:creationId xmlns:a16="http://schemas.microsoft.com/office/drawing/2014/main" id="{0DFBE53D-C93E-4D15-9144-8389E2FA25E2}"/>
+                <a16:creationId xmlns:a16="http://schemas.microsoft.com/office/drawing/2014/main" xmlns="" id="{0DFBE53D-C93E-4D15-9144-8389E2FA25E2}"/>
               </a:ext>
             </a:extLst>
           </p:cNvPr>
@@ -370,7 +371,7 @@
           <p:cNvPr id="2" name="제목 1">
             <a:extLst>
               <a:ext uri="{FF2B5EF4-FFF2-40B4-BE49-F238E27FC236}">
-                <a16:creationId xmlns:a16="http://schemas.microsoft.com/office/drawing/2014/main" id="{F1C67C5F-6B94-402C-870A-10A45B488F2D}"/>
+                <a16:creationId xmlns:a16="http://schemas.microsoft.com/office/drawing/2014/main" xmlns="" id="{F1C67C5F-6B94-402C-870A-10A45B488F2D}"/>
               </a:ext>
             </a:extLst>
           </p:cNvPr>
@@ -398,7 +399,7 @@
           <p:cNvPr id="3" name="세로 텍스트 개체 틀 2">
             <a:extLst>
               <a:ext uri="{FF2B5EF4-FFF2-40B4-BE49-F238E27FC236}">
-                <a16:creationId xmlns:a16="http://schemas.microsoft.com/office/drawing/2014/main" id="{F79896D2-C9D3-41D6-8709-A155057E4220}"/>
+                <a16:creationId xmlns:a16="http://schemas.microsoft.com/office/drawing/2014/main" xmlns="" id="{F79896D2-C9D3-41D6-8709-A155057E4220}"/>
               </a:ext>
             </a:extLst>
           </p:cNvPr>
@@ -455,7 +456,7 @@
           <p:cNvPr id="4" name="날짜 개체 틀 3">
             <a:extLst>
               <a:ext uri="{FF2B5EF4-FFF2-40B4-BE49-F238E27FC236}">
-                <a16:creationId xmlns:a16="http://schemas.microsoft.com/office/drawing/2014/main" id="{031F266B-2082-43CC-9EB6-5D5DBD8879FA}"/>
+                <a16:creationId xmlns:a16="http://schemas.microsoft.com/office/drawing/2014/main" xmlns="" id="{031F266B-2082-43CC-9EB6-5D5DBD8879FA}"/>
               </a:ext>
             </a:extLst>
           </p:cNvPr>
@@ -484,7 +485,7 @@
           <p:cNvPr id="5" name="바닥글 개체 틀 4">
             <a:extLst>
               <a:ext uri="{FF2B5EF4-FFF2-40B4-BE49-F238E27FC236}">
-                <a16:creationId xmlns:a16="http://schemas.microsoft.com/office/drawing/2014/main" id="{1D0C8BC6-C1C1-4799-8210-697B88A099EA}"/>
+                <a16:creationId xmlns:a16="http://schemas.microsoft.com/office/drawing/2014/main" xmlns="" id="{1D0C8BC6-C1C1-4799-8210-697B88A099EA}"/>
               </a:ext>
             </a:extLst>
           </p:cNvPr>
@@ -509,7 +510,7 @@
           <p:cNvPr id="6" name="슬라이드 번호 개체 틀 5">
             <a:extLst>
               <a:ext uri="{FF2B5EF4-FFF2-40B4-BE49-F238E27FC236}">
-                <a16:creationId xmlns:a16="http://schemas.microsoft.com/office/drawing/2014/main" id="{349CDC45-F3A9-4D4D-9DC9-3537327DEDAD}"/>
+                <a16:creationId xmlns:a16="http://schemas.microsoft.com/office/drawing/2014/main" xmlns="" id="{349CDC45-F3A9-4D4D-9DC9-3537327DEDAD}"/>
               </a:ext>
             </a:extLst>
           </p:cNvPr>
@@ -568,7 +569,7 @@
           <p:cNvPr id="2" name="세로 제목 1">
             <a:extLst>
               <a:ext uri="{FF2B5EF4-FFF2-40B4-BE49-F238E27FC236}">
-                <a16:creationId xmlns:a16="http://schemas.microsoft.com/office/drawing/2014/main" id="{EAF3CC00-3669-46AF-AA8F-7DDF0A7D9DAA}"/>
+                <a16:creationId xmlns:a16="http://schemas.microsoft.com/office/drawing/2014/main" xmlns="" id="{EAF3CC00-3669-46AF-AA8F-7DDF0A7D9DAA}"/>
               </a:ext>
             </a:extLst>
           </p:cNvPr>
@@ -601,7 +602,7 @@
           <p:cNvPr id="3" name="세로 텍스트 개체 틀 2">
             <a:extLst>
               <a:ext uri="{FF2B5EF4-FFF2-40B4-BE49-F238E27FC236}">
-                <a16:creationId xmlns:a16="http://schemas.microsoft.com/office/drawing/2014/main" id="{C1BDD695-FB5F-4388-A80B-DC9958C119A6}"/>
+                <a16:creationId xmlns:a16="http://schemas.microsoft.com/office/drawing/2014/main" xmlns="" id="{C1BDD695-FB5F-4388-A80B-DC9958C119A6}"/>
               </a:ext>
             </a:extLst>
           </p:cNvPr>
@@ -663,7 +664,7 @@
           <p:cNvPr id="4" name="날짜 개체 틀 3">
             <a:extLst>
               <a:ext uri="{FF2B5EF4-FFF2-40B4-BE49-F238E27FC236}">
-                <a16:creationId xmlns:a16="http://schemas.microsoft.com/office/drawing/2014/main" id="{F4405B84-40A3-4081-9EE9-6E8ED7FF8839}"/>
+                <a16:creationId xmlns:a16="http://schemas.microsoft.com/office/drawing/2014/main" xmlns="" id="{F4405B84-40A3-4081-9EE9-6E8ED7FF8839}"/>
               </a:ext>
             </a:extLst>
           </p:cNvPr>
@@ -692,7 +693,7 @@
           <p:cNvPr id="5" name="바닥글 개체 틀 4">
             <a:extLst>
               <a:ext uri="{FF2B5EF4-FFF2-40B4-BE49-F238E27FC236}">
-                <a16:creationId xmlns:a16="http://schemas.microsoft.com/office/drawing/2014/main" id="{2E51AF1E-2310-4664-978C-449B94A95782}"/>
+                <a16:creationId xmlns:a16="http://schemas.microsoft.com/office/drawing/2014/main" xmlns="" id="{2E51AF1E-2310-4664-978C-449B94A95782}"/>
               </a:ext>
             </a:extLst>
           </p:cNvPr>
@@ -717,7 +718,7 @@
           <p:cNvPr id="6" name="슬라이드 번호 개체 틀 5">
             <a:extLst>
               <a:ext uri="{FF2B5EF4-FFF2-40B4-BE49-F238E27FC236}">
-                <a16:creationId xmlns:a16="http://schemas.microsoft.com/office/drawing/2014/main" id="{433E3F72-E4BF-460C-973D-8A5D11B0EF9C}"/>
+                <a16:creationId xmlns:a16="http://schemas.microsoft.com/office/drawing/2014/main" xmlns="" id="{433E3F72-E4BF-460C-973D-8A5D11B0EF9C}"/>
               </a:ext>
             </a:extLst>
           </p:cNvPr>
@@ -776,7 +777,7 @@
           <p:cNvPr id="2" name="제목 1">
             <a:extLst>
               <a:ext uri="{FF2B5EF4-FFF2-40B4-BE49-F238E27FC236}">
-                <a16:creationId xmlns:a16="http://schemas.microsoft.com/office/drawing/2014/main" id="{7F6667E2-7343-4B6F-A157-51250CFD2ACB}"/>
+                <a16:creationId xmlns:a16="http://schemas.microsoft.com/office/drawing/2014/main" xmlns="" id="{7F6667E2-7343-4B6F-A157-51250CFD2ACB}"/>
               </a:ext>
             </a:extLst>
           </p:cNvPr>
@@ -804,7 +805,7 @@
           <p:cNvPr id="3" name="내용 개체 틀 2">
             <a:extLst>
               <a:ext uri="{FF2B5EF4-FFF2-40B4-BE49-F238E27FC236}">
-                <a16:creationId xmlns:a16="http://schemas.microsoft.com/office/drawing/2014/main" id="{822EA309-AD4F-4063-99CD-89B6C4F44511}"/>
+                <a16:creationId xmlns:a16="http://schemas.microsoft.com/office/drawing/2014/main" xmlns="" id="{822EA309-AD4F-4063-99CD-89B6C4F44511}"/>
               </a:ext>
             </a:extLst>
           </p:cNvPr>
@@ -861,7 +862,7 @@
           <p:cNvPr id="4" name="날짜 개체 틀 3">
             <a:extLst>
               <a:ext uri="{FF2B5EF4-FFF2-40B4-BE49-F238E27FC236}">
-                <a16:creationId xmlns:a16="http://schemas.microsoft.com/office/drawing/2014/main" id="{60365FED-F448-4D61-BA02-45203FDDAF1C}"/>
+                <a16:creationId xmlns:a16="http://schemas.microsoft.com/office/drawing/2014/main" xmlns="" id="{60365FED-F448-4D61-BA02-45203FDDAF1C}"/>
               </a:ext>
             </a:extLst>
           </p:cNvPr>
@@ -890,7 +891,7 @@
           <p:cNvPr id="5" name="바닥글 개체 틀 4">
             <a:extLst>
               <a:ext uri="{FF2B5EF4-FFF2-40B4-BE49-F238E27FC236}">
-                <a16:creationId xmlns:a16="http://schemas.microsoft.com/office/drawing/2014/main" id="{5231BD7D-9EEB-4170-944C-A5408C7F7B9D}"/>
+                <a16:creationId xmlns:a16="http://schemas.microsoft.com/office/drawing/2014/main" xmlns="" id="{5231BD7D-9EEB-4170-944C-A5408C7F7B9D}"/>
               </a:ext>
             </a:extLst>
           </p:cNvPr>
@@ -915,7 +916,7 @@
           <p:cNvPr id="6" name="슬라이드 번호 개체 틀 5">
             <a:extLst>
               <a:ext uri="{FF2B5EF4-FFF2-40B4-BE49-F238E27FC236}">
-                <a16:creationId xmlns:a16="http://schemas.microsoft.com/office/drawing/2014/main" id="{2E89F1CB-70C2-4BC9-B41A-251025CE227B}"/>
+                <a16:creationId xmlns:a16="http://schemas.microsoft.com/office/drawing/2014/main" xmlns="" id="{2E89F1CB-70C2-4BC9-B41A-251025CE227B}"/>
               </a:ext>
             </a:extLst>
           </p:cNvPr>
@@ -974,7 +975,7 @@
           <p:cNvPr id="2" name="제목 1">
             <a:extLst>
               <a:ext uri="{FF2B5EF4-FFF2-40B4-BE49-F238E27FC236}">
-                <a16:creationId xmlns:a16="http://schemas.microsoft.com/office/drawing/2014/main" id="{448A4913-9B32-4BED-B376-742B884EB28C}"/>
+                <a16:creationId xmlns:a16="http://schemas.microsoft.com/office/drawing/2014/main" xmlns="" id="{448A4913-9B32-4BED-B376-742B884EB28C}"/>
               </a:ext>
             </a:extLst>
           </p:cNvPr>
@@ -1011,7 +1012,7 @@
           <p:cNvPr id="3" name="텍스트 개체 틀 2">
             <a:extLst>
               <a:ext uri="{FF2B5EF4-FFF2-40B4-BE49-F238E27FC236}">
-                <a16:creationId xmlns:a16="http://schemas.microsoft.com/office/drawing/2014/main" id="{3076CA7F-2EDB-4F0E-991A-3DC879B1941A}"/>
+                <a16:creationId xmlns:a16="http://schemas.microsoft.com/office/drawing/2014/main" xmlns="" id="{3076CA7F-2EDB-4F0E-991A-3DC879B1941A}"/>
               </a:ext>
             </a:extLst>
           </p:cNvPr>
@@ -1136,7 +1137,7 @@
           <p:cNvPr id="4" name="날짜 개체 틀 3">
             <a:extLst>
               <a:ext uri="{FF2B5EF4-FFF2-40B4-BE49-F238E27FC236}">
-                <a16:creationId xmlns:a16="http://schemas.microsoft.com/office/drawing/2014/main" id="{3E27DF61-1912-406A-AF28-636FF67F825B}"/>
+                <a16:creationId xmlns:a16="http://schemas.microsoft.com/office/drawing/2014/main" xmlns="" id="{3E27DF61-1912-406A-AF28-636FF67F825B}"/>
               </a:ext>
             </a:extLst>
           </p:cNvPr>
@@ -1165,7 +1166,7 @@
           <p:cNvPr id="5" name="바닥글 개체 틀 4">
             <a:extLst>
               <a:ext uri="{FF2B5EF4-FFF2-40B4-BE49-F238E27FC236}">
-                <a16:creationId xmlns:a16="http://schemas.microsoft.com/office/drawing/2014/main" id="{7EAFF839-1D56-4773-A610-E085ECDC89DB}"/>
+                <a16:creationId xmlns:a16="http://schemas.microsoft.com/office/drawing/2014/main" xmlns="" id="{7EAFF839-1D56-4773-A610-E085ECDC89DB}"/>
               </a:ext>
             </a:extLst>
           </p:cNvPr>
@@ -1190,7 +1191,7 @@
           <p:cNvPr id="6" name="슬라이드 번호 개체 틀 5">
             <a:extLst>
               <a:ext uri="{FF2B5EF4-FFF2-40B4-BE49-F238E27FC236}">
-                <a16:creationId xmlns:a16="http://schemas.microsoft.com/office/drawing/2014/main" id="{98C630B2-A530-44E4-876A-B96D41F082BA}"/>
+                <a16:creationId xmlns:a16="http://schemas.microsoft.com/office/drawing/2014/main" xmlns="" id="{98C630B2-A530-44E4-876A-B96D41F082BA}"/>
               </a:ext>
             </a:extLst>
           </p:cNvPr>
@@ -1249,7 +1250,7 @@
           <p:cNvPr id="2" name="제목 1">
             <a:extLst>
               <a:ext uri="{FF2B5EF4-FFF2-40B4-BE49-F238E27FC236}">
-                <a16:creationId xmlns:a16="http://schemas.microsoft.com/office/drawing/2014/main" id="{DA5DAF21-CF65-4E06-88C8-881E776B0C9B}"/>
+                <a16:creationId xmlns:a16="http://schemas.microsoft.com/office/drawing/2014/main" xmlns="" id="{DA5DAF21-CF65-4E06-88C8-881E776B0C9B}"/>
               </a:ext>
             </a:extLst>
           </p:cNvPr>
@@ -1277,7 +1278,7 @@
           <p:cNvPr id="3" name="내용 개체 틀 2">
             <a:extLst>
               <a:ext uri="{FF2B5EF4-FFF2-40B4-BE49-F238E27FC236}">
-                <a16:creationId xmlns:a16="http://schemas.microsoft.com/office/drawing/2014/main" id="{1C4043FB-08AD-4656-988B-8B955705E163}"/>
+                <a16:creationId xmlns:a16="http://schemas.microsoft.com/office/drawing/2014/main" xmlns="" id="{1C4043FB-08AD-4656-988B-8B955705E163}"/>
               </a:ext>
             </a:extLst>
           </p:cNvPr>
@@ -1339,7 +1340,7 @@
           <p:cNvPr id="4" name="내용 개체 틀 3">
             <a:extLst>
               <a:ext uri="{FF2B5EF4-FFF2-40B4-BE49-F238E27FC236}">
-                <a16:creationId xmlns:a16="http://schemas.microsoft.com/office/drawing/2014/main" id="{A230D728-CC03-4510-A2A1-02867BFA816B}"/>
+                <a16:creationId xmlns:a16="http://schemas.microsoft.com/office/drawing/2014/main" xmlns="" id="{A230D728-CC03-4510-A2A1-02867BFA816B}"/>
               </a:ext>
             </a:extLst>
           </p:cNvPr>
@@ -1401,7 +1402,7 @@
           <p:cNvPr id="5" name="날짜 개체 틀 4">
             <a:extLst>
               <a:ext uri="{FF2B5EF4-FFF2-40B4-BE49-F238E27FC236}">
-                <a16:creationId xmlns:a16="http://schemas.microsoft.com/office/drawing/2014/main" id="{F3FEE36D-3B7D-432B-967B-DB734C0A98B3}"/>
+                <a16:creationId xmlns:a16="http://schemas.microsoft.com/office/drawing/2014/main" xmlns="" id="{F3FEE36D-3B7D-432B-967B-DB734C0A98B3}"/>
               </a:ext>
             </a:extLst>
           </p:cNvPr>
@@ -1430,7 +1431,7 @@
           <p:cNvPr id="6" name="바닥글 개체 틀 5">
             <a:extLst>
               <a:ext uri="{FF2B5EF4-FFF2-40B4-BE49-F238E27FC236}">
-                <a16:creationId xmlns:a16="http://schemas.microsoft.com/office/drawing/2014/main" id="{5D2BB8A6-7055-4A14-9EE6-910171434BCC}"/>
+                <a16:creationId xmlns:a16="http://schemas.microsoft.com/office/drawing/2014/main" xmlns="" id="{5D2BB8A6-7055-4A14-9EE6-910171434BCC}"/>
               </a:ext>
             </a:extLst>
           </p:cNvPr>
@@ -1455,7 +1456,7 @@
           <p:cNvPr id="7" name="슬라이드 번호 개체 틀 6">
             <a:extLst>
               <a:ext uri="{FF2B5EF4-FFF2-40B4-BE49-F238E27FC236}">
-                <a16:creationId xmlns:a16="http://schemas.microsoft.com/office/drawing/2014/main" id="{F78A8B3F-D287-4BF1-8B46-22CCC57B21FA}"/>
+                <a16:creationId xmlns:a16="http://schemas.microsoft.com/office/drawing/2014/main" xmlns="" id="{F78A8B3F-D287-4BF1-8B46-22CCC57B21FA}"/>
               </a:ext>
             </a:extLst>
           </p:cNvPr>
@@ -1514,7 +1515,7 @@
           <p:cNvPr id="2" name="제목 1">
             <a:extLst>
               <a:ext uri="{FF2B5EF4-FFF2-40B4-BE49-F238E27FC236}">
-                <a16:creationId xmlns:a16="http://schemas.microsoft.com/office/drawing/2014/main" id="{16FB949D-5453-4660-ABFF-1B82ED6E4C80}"/>
+                <a16:creationId xmlns:a16="http://schemas.microsoft.com/office/drawing/2014/main" xmlns="" id="{16FB949D-5453-4660-ABFF-1B82ED6E4C80}"/>
               </a:ext>
             </a:extLst>
           </p:cNvPr>
@@ -1547,7 +1548,7 @@
           <p:cNvPr id="3" name="텍스트 개체 틀 2">
             <a:extLst>
               <a:ext uri="{FF2B5EF4-FFF2-40B4-BE49-F238E27FC236}">
-                <a16:creationId xmlns:a16="http://schemas.microsoft.com/office/drawing/2014/main" id="{10EAB21A-2692-4407-8F93-922D5078287D}"/>
+                <a16:creationId xmlns:a16="http://schemas.microsoft.com/office/drawing/2014/main" xmlns="" id="{10EAB21A-2692-4407-8F93-922D5078287D}"/>
               </a:ext>
             </a:extLst>
           </p:cNvPr>
@@ -1618,7 +1619,7 @@
           <p:cNvPr id="4" name="내용 개체 틀 3">
             <a:extLst>
               <a:ext uri="{FF2B5EF4-FFF2-40B4-BE49-F238E27FC236}">
-                <a16:creationId xmlns:a16="http://schemas.microsoft.com/office/drawing/2014/main" id="{58F1ACB2-4E4E-4EA1-B115-6ED160D92203}"/>
+                <a16:creationId xmlns:a16="http://schemas.microsoft.com/office/drawing/2014/main" xmlns="" id="{58F1ACB2-4E4E-4EA1-B115-6ED160D92203}"/>
               </a:ext>
             </a:extLst>
           </p:cNvPr>
@@ -1680,7 +1681,7 @@
           <p:cNvPr id="5" name="텍스트 개체 틀 4">
             <a:extLst>
               <a:ext uri="{FF2B5EF4-FFF2-40B4-BE49-F238E27FC236}">
-                <a16:creationId xmlns:a16="http://schemas.microsoft.com/office/drawing/2014/main" id="{A2CE13B2-EDE9-4C9F-9BC0-2B5181942145}"/>
+                <a16:creationId xmlns:a16="http://schemas.microsoft.com/office/drawing/2014/main" xmlns="" id="{A2CE13B2-EDE9-4C9F-9BC0-2B5181942145}"/>
               </a:ext>
             </a:extLst>
           </p:cNvPr>
@@ -1751,7 +1752,7 @@
           <p:cNvPr id="6" name="내용 개체 틀 5">
             <a:extLst>
               <a:ext uri="{FF2B5EF4-FFF2-40B4-BE49-F238E27FC236}">
-                <a16:creationId xmlns:a16="http://schemas.microsoft.com/office/drawing/2014/main" id="{B04BECE8-D7F0-4599-A251-261D58B78666}"/>
+                <a16:creationId xmlns:a16="http://schemas.microsoft.com/office/drawing/2014/main" xmlns="" id="{B04BECE8-D7F0-4599-A251-261D58B78666}"/>
               </a:ext>
             </a:extLst>
           </p:cNvPr>
@@ -1813,7 +1814,7 @@
           <p:cNvPr id="7" name="날짜 개체 틀 6">
             <a:extLst>
               <a:ext uri="{FF2B5EF4-FFF2-40B4-BE49-F238E27FC236}">
-                <a16:creationId xmlns:a16="http://schemas.microsoft.com/office/drawing/2014/main" id="{8A11A3F7-CBC8-441F-B15E-621B28F53403}"/>
+                <a16:creationId xmlns:a16="http://schemas.microsoft.com/office/drawing/2014/main" xmlns="" id="{8A11A3F7-CBC8-441F-B15E-621B28F53403}"/>
               </a:ext>
             </a:extLst>
           </p:cNvPr>
@@ -1842,7 +1843,7 @@
           <p:cNvPr id="8" name="바닥글 개체 틀 7">
             <a:extLst>
               <a:ext uri="{FF2B5EF4-FFF2-40B4-BE49-F238E27FC236}">
-                <a16:creationId xmlns:a16="http://schemas.microsoft.com/office/drawing/2014/main" id="{A2B2D538-6E49-4AD1-9954-DAF646BEF49D}"/>
+                <a16:creationId xmlns:a16="http://schemas.microsoft.com/office/drawing/2014/main" xmlns="" id="{A2B2D538-6E49-4AD1-9954-DAF646BEF49D}"/>
               </a:ext>
             </a:extLst>
           </p:cNvPr>
@@ -1867,7 +1868,7 @@
           <p:cNvPr id="9" name="슬라이드 번호 개체 틀 8">
             <a:extLst>
               <a:ext uri="{FF2B5EF4-FFF2-40B4-BE49-F238E27FC236}">
-                <a16:creationId xmlns:a16="http://schemas.microsoft.com/office/drawing/2014/main" id="{77DE10AD-578E-4482-99C9-AC48E48B3555}"/>
+                <a16:creationId xmlns:a16="http://schemas.microsoft.com/office/drawing/2014/main" xmlns="" id="{77DE10AD-578E-4482-99C9-AC48E48B3555}"/>
               </a:ext>
             </a:extLst>
           </p:cNvPr>
@@ -1926,7 +1927,7 @@
           <p:cNvPr id="2" name="제목 1">
             <a:extLst>
               <a:ext uri="{FF2B5EF4-FFF2-40B4-BE49-F238E27FC236}">
-                <a16:creationId xmlns:a16="http://schemas.microsoft.com/office/drawing/2014/main" id="{1E64F3D1-CA50-41C8-8BDB-86BD0BDEE25F}"/>
+                <a16:creationId xmlns:a16="http://schemas.microsoft.com/office/drawing/2014/main" xmlns="" id="{1E64F3D1-CA50-41C8-8BDB-86BD0BDEE25F}"/>
               </a:ext>
             </a:extLst>
           </p:cNvPr>
@@ -1954,7 +1955,7 @@
           <p:cNvPr id="3" name="날짜 개체 틀 2">
             <a:extLst>
               <a:ext uri="{FF2B5EF4-FFF2-40B4-BE49-F238E27FC236}">
-                <a16:creationId xmlns:a16="http://schemas.microsoft.com/office/drawing/2014/main" id="{11AF4ED8-4F4B-4C03-9C58-D909982C451B}"/>
+                <a16:creationId xmlns:a16="http://schemas.microsoft.com/office/drawing/2014/main" xmlns="" id="{11AF4ED8-4F4B-4C03-9C58-D909982C451B}"/>
               </a:ext>
             </a:extLst>
           </p:cNvPr>
@@ -1983,7 +1984,7 @@
           <p:cNvPr id="4" name="바닥글 개체 틀 3">
             <a:extLst>
               <a:ext uri="{FF2B5EF4-FFF2-40B4-BE49-F238E27FC236}">
-                <a16:creationId xmlns:a16="http://schemas.microsoft.com/office/drawing/2014/main" id="{45CF7A77-00A1-4A21-A250-E15766306F5B}"/>
+                <a16:creationId xmlns:a16="http://schemas.microsoft.com/office/drawing/2014/main" xmlns="" id="{45CF7A77-00A1-4A21-A250-E15766306F5B}"/>
               </a:ext>
             </a:extLst>
           </p:cNvPr>
@@ -2008,7 +2009,7 @@
           <p:cNvPr id="5" name="슬라이드 번호 개체 틀 4">
             <a:extLst>
               <a:ext uri="{FF2B5EF4-FFF2-40B4-BE49-F238E27FC236}">
-                <a16:creationId xmlns:a16="http://schemas.microsoft.com/office/drawing/2014/main" id="{2C83E5A9-4B37-4C34-A315-0F19FAC9C8DC}"/>
+                <a16:creationId xmlns:a16="http://schemas.microsoft.com/office/drawing/2014/main" xmlns="" id="{2C83E5A9-4B37-4C34-A315-0F19FAC9C8DC}"/>
               </a:ext>
             </a:extLst>
           </p:cNvPr>
@@ -2067,7 +2068,7 @@
           <p:cNvPr id="2" name="날짜 개체 틀 1">
             <a:extLst>
               <a:ext uri="{FF2B5EF4-FFF2-40B4-BE49-F238E27FC236}">
-                <a16:creationId xmlns:a16="http://schemas.microsoft.com/office/drawing/2014/main" id="{FC558634-6C75-4350-8355-792037E76874}"/>
+                <a16:creationId xmlns:a16="http://schemas.microsoft.com/office/drawing/2014/main" xmlns="" id="{FC558634-6C75-4350-8355-792037E76874}"/>
               </a:ext>
             </a:extLst>
           </p:cNvPr>
@@ -2096,7 +2097,7 @@
           <p:cNvPr id="3" name="바닥글 개체 틀 2">
             <a:extLst>
               <a:ext uri="{FF2B5EF4-FFF2-40B4-BE49-F238E27FC236}">
-                <a16:creationId xmlns:a16="http://schemas.microsoft.com/office/drawing/2014/main" id="{59E18F5C-3F44-4651-9646-0070A28ED0DA}"/>
+                <a16:creationId xmlns:a16="http://schemas.microsoft.com/office/drawing/2014/main" xmlns="" id="{59E18F5C-3F44-4651-9646-0070A28ED0DA}"/>
               </a:ext>
             </a:extLst>
           </p:cNvPr>
@@ -2121,7 +2122,7 @@
           <p:cNvPr id="4" name="슬라이드 번호 개체 틀 3">
             <a:extLst>
               <a:ext uri="{FF2B5EF4-FFF2-40B4-BE49-F238E27FC236}">
-                <a16:creationId xmlns:a16="http://schemas.microsoft.com/office/drawing/2014/main" id="{72C8312F-6A83-4411-99A9-E1E04A5C3AC5}"/>
+                <a16:creationId xmlns:a16="http://schemas.microsoft.com/office/drawing/2014/main" xmlns="" id="{72C8312F-6A83-4411-99A9-E1E04A5C3AC5}"/>
               </a:ext>
             </a:extLst>
           </p:cNvPr>
@@ -2180,7 +2181,7 @@
           <p:cNvPr id="2" name="제목 1">
             <a:extLst>
               <a:ext uri="{FF2B5EF4-FFF2-40B4-BE49-F238E27FC236}">
-                <a16:creationId xmlns:a16="http://schemas.microsoft.com/office/drawing/2014/main" id="{620F090E-1AD0-41CB-A247-925512D4F488}"/>
+                <a16:creationId xmlns:a16="http://schemas.microsoft.com/office/drawing/2014/main" xmlns="" id="{620F090E-1AD0-41CB-A247-925512D4F488}"/>
               </a:ext>
             </a:extLst>
           </p:cNvPr>
@@ -2217,7 +2218,7 @@
           <p:cNvPr id="3" name="내용 개체 틀 2">
             <a:extLst>
               <a:ext uri="{FF2B5EF4-FFF2-40B4-BE49-F238E27FC236}">
-                <a16:creationId xmlns:a16="http://schemas.microsoft.com/office/drawing/2014/main" id="{8867E321-DCE5-4C4A-AAF3-17727B1550DB}"/>
+                <a16:creationId xmlns:a16="http://schemas.microsoft.com/office/drawing/2014/main" xmlns="" id="{8867E321-DCE5-4C4A-AAF3-17727B1550DB}"/>
               </a:ext>
             </a:extLst>
           </p:cNvPr>
@@ -2307,7 +2308,7 @@
           <p:cNvPr id="4" name="텍스트 개체 틀 3">
             <a:extLst>
               <a:ext uri="{FF2B5EF4-FFF2-40B4-BE49-F238E27FC236}">
-                <a16:creationId xmlns:a16="http://schemas.microsoft.com/office/drawing/2014/main" id="{54FA6745-235A-4094-A2FF-2F4CE4271587}"/>
+                <a16:creationId xmlns:a16="http://schemas.microsoft.com/office/drawing/2014/main" xmlns="" id="{54FA6745-235A-4094-A2FF-2F4CE4271587}"/>
               </a:ext>
             </a:extLst>
           </p:cNvPr>
@@ -2378,7 +2379,7 @@
           <p:cNvPr id="5" name="날짜 개체 틀 4">
             <a:extLst>
               <a:ext uri="{FF2B5EF4-FFF2-40B4-BE49-F238E27FC236}">
-                <a16:creationId xmlns:a16="http://schemas.microsoft.com/office/drawing/2014/main" id="{E6A214EB-A4B3-4724-A2FF-3644F4382F78}"/>
+                <a16:creationId xmlns:a16="http://schemas.microsoft.com/office/drawing/2014/main" xmlns="" id="{E6A214EB-A4B3-4724-A2FF-3644F4382F78}"/>
               </a:ext>
             </a:extLst>
           </p:cNvPr>
@@ -2407,7 +2408,7 @@
           <p:cNvPr id="6" name="바닥글 개체 틀 5">
             <a:extLst>
               <a:ext uri="{FF2B5EF4-FFF2-40B4-BE49-F238E27FC236}">
-                <a16:creationId xmlns:a16="http://schemas.microsoft.com/office/drawing/2014/main" id="{625E665A-03EA-42F1-ACCC-25FFC824C0C4}"/>
+                <a16:creationId xmlns:a16="http://schemas.microsoft.com/office/drawing/2014/main" xmlns="" id="{625E665A-03EA-42F1-ACCC-25FFC824C0C4}"/>
               </a:ext>
             </a:extLst>
           </p:cNvPr>
@@ -2432,7 +2433,7 @@
           <p:cNvPr id="7" name="슬라이드 번호 개체 틀 6">
             <a:extLst>
               <a:ext uri="{FF2B5EF4-FFF2-40B4-BE49-F238E27FC236}">
-                <a16:creationId xmlns:a16="http://schemas.microsoft.com/office/drawing/2014/main" id="{C3EA5126-11A4-4CBA-AC5A-81827E3B41A5}"/>
+                <a16:creationId xmlns:a16="http://schemas.microsoft.com/office/drawing/2014/main" xmlns="" id="{C3EA5126-11A4-4CBA-AC5A-81827E3B41A5}"/>
               </a:ext>
             </a:extLst>
           </p:cNvPr>
@@ -2491,7 +2492,7 @@
           <p:cNvPr id="2" name="제목 1">
             <a:extLst>
               <a:ext uri="{FF2B5EF4-FFF2-40B4-BE49-F238E27FC236}">
-                <a16:creationId xmlns:a16="http://schemas.microsoft.com/office/drawing/2014/main" id="{92C20EDF-AE79-404F-841A-1C05223DB832}"/>
+                <a16:creationId xmlns:a16="http://schemas.microsoft.com/office/drawing/2014/main" xmlns="" id="{92C20EDF-AE79-404F-841A-1C05223DB832}"/>
               </a:ext>
             </a:extLst>
           </p:cNvPr>
@@ -2528,7 +2529,7 @@
           <p:cNvPr id="3" name="그림 개체 틀 2">
             <a:extLst>
               <a:ext uri="{FF2B5EF4-FFF2-40B4-BE49-F238E27FC236}">
-                <a16:creationId xmlns:a16="http://schemas.microsoft.com/office/drawing/2014/main" id="{B6B799B2-FA54-4A94-A23C-38848776FE72}"/>
+                <a16:creationId xmlns:a16="http://schemas.microsoft.com/office/drawing/2014/main" xmlns="" id="{B6B799B2-FA54-4A94-A23C-38848776FE72}"/>
               </a:ext>
             </a:extLst>
           </p:cNvPr>
@@ -2595,7 +2596,7 @@
           <p:cNvPr id="4" name="텍스트 개체 틀 3">
             <a:extLst>
               <a:ext uri="{FF2B5EF4-FFF2-40B4-BE49-F238E27FC236}">
-                <a16:creationId xmlns:a16="http://schemas.microsoft.com/office/drawing/2014/main" id="{1AA7C9A1-2E70-4628-9024-3BF1D8DE526D}"/>
+                <a16:creationId xmlns:a16="http://schemas.microsoft.com/office/drawing/2014/main" xmlns="" id="{1AA7C9A1-2E70-4628-9024-3BF1D8DE526D}"/>
               </a:ext>
             </a:extLst>
           </p:cNvPr>
@@ -2666,7 +2667,7 @@
           <p:cNvPr id="5" name="날짜 개체 틀 4">
             <a:extLst>
               <a:ext uri="{FF2B5EF4-FFF2-40B4-BE49-F238E27FC236}">
-                <a16:creationId xmlns:a16="http://schemas.microsoft.com/office/drawing/2014/main" id="{2F83DD0D-308B-4ACC-82E8-A96E6D50D75D}"/>
+                <a16:creationId xmlns:a16="http://schemas.microsoft.com/office/drawing/2014/main" xmlns="" id="{2F83DD0D-308B-4ACC-82E8-A96E6D50D75D}"/>
               </a:ext>
             </a:extLst>
           </p:cNvPr>
@@ -2695,7 +2696,7 @@
           <p:cNvPr id="6" name="바닥글 개체 틀 5">
             <a:extLst>
               <a:ext uri="{FF2B5EF4-FFF2-40B4-BE49-F238E27FC236}">
-                <a16:creationId xmlns:a16="http://schemas.microsoft.com/office/drawing/2014/main" id="{524F78DF-8CF9-46B5-8B7B-9E9816FB0C35}"/>
+                <a16:creationId xmlns:a16="http://schemas.microsoft.com/office/drawing/2014/main" xmlns="" id="{524F78DF-8CF9-46B5-8B7B-9E9816FB0C35}"/>
               </a:ext>
             </a:extLst>
           </p:cNvPr>
@@ -2720,7 +2721,7 @@
           <p:cNvPr id="7" name="슬라이드 번호 개체 틀 6">
             <a:extLst>
               <a:ext uri="{FF2B5EF4-FFF2-40B4-BE49-F238E27FC236}">
-                <a16:creationId xmlns:a16="http://schemas.microsoft.com/office/drawing/2014/main" id="{CB055CB8-87A5-48A3-ACB2-EBEAB4A3348B}"/>
+                <a16:creationId xmlns:a16="http://schemas.microsoft.com/office/drawing/2014/main" xmlns="" id="{CB055CB8-87A5-48A3-ACB2-EBEAB4A3348B}"/>
               </a:ext>
             </a:extLst>
           </p:cNvPr>
@@ -2784,7 +2785,7 @@
           <p:cNvPr id="2" name="제목 개체 틀 1">
             <a:extLst>
               <a:ext uri="{FF2B5EF4-FFF2-40B4-BE49-F238E27FC236}">
-                <a16:creationId xmlns:a16="http://schemas.microsoft.com/office/drawing/2014/main" id="{355D815D-A640-47EE-8ED5-FE63DBAD41CA}"/>
+                <a16:creationId xmlns:a16="http://schemas.microsoft.com/office/drawing/2014/main" xmlns="" id="{355D815D-A640-47EE-8ED5-FE63DBAD41CA}"/>
               </a:ext>
             </a:extLst>
           </p:cNvPr>
@@ -2822,7 +2823,7 @@
           <p:cNvPr id="3" name="텍스트 개체 틀 2">
             <a:extLst>
               <a:ext uri="{FF2B5EF4-FFF2-40B4-BE49-F238E27FC236}">
-                <a16:creationId xmlns:a16="http://schemas.microsoft.com/office/drawing/2014/main" id="{C7C81DFA-91F3-412D-8D65-384997DB3613}"/>
+                <a16:creationId xmlns:a16="http://schemas.microsoft.com/office/drawing/2014/main" xmlns="" id="{C7C81DFA-91F3-412D-8D65-384997DB3613}"/>
               </a:ext>
             </a:extLst>
           </p:cNvPr>
@@ -2889,7 +2890,7 @@
           <p:cNvPr id="4" name="날짜 개체 틀 3">
             <a:extLst>
               <a:ext uri="{FF2B5EF4-FFF2-40B4-BE49-F238E27FC236}">
-                <a16:creationId xmlns:a16="http://schemas.microsoft.com/office/drawing/2014/main" id="{8B1939BE-04DC-434F-A290-B7A7D3EFDB4F}"/>
+                <a16:creationId xmlns:a16="http://schemas.microsoft.com/office/drawing/2014/main" xmlns="" id="{8B1939BE-04DC-434F-A290-B7A7D3EFDB4F}"/>
               </a:ext>
             </a:extLst>
           </p:cNvPr>
@@ -2936,7 +2937,7 @@
           <p:cNvPr id="5" name="바닥글 개체 틀 4">
             <a:extLst>
               <a:ext uri="{FF2B5EF4-FFF2-40B4-BE49-F238E27FC236}">
-                <a16:creationId xmlns:a16="http://schemas.microsoft.com/office/drawing/2014/main" id="{A145A54B-3532-40EC-835A-8F6C0EEC2BAC}"/>
+                <a16:creationId xmlns:a16="http://schemas.microsoft.com/office/drawing/2014/main" xmlns="" id="{A145A54B-3532-40EC-835A-8F6C0EEC2BAC}"/>
               </a:ext>
             </a:extLst>
           </p:cNvPr>
@@ -2979,7 +2980,7 @@
           <p:cNvPr id="6" name="슬라이드 번호 개체 틀 5">
             <a:extLst>
               <a:ext uri="{FF2B5EF4-FFF2-40B4-BE49-F238E27FC236}">
-                <a16:creationId xmlns:a16="http://schemas.microsoft.com/office/drawing/2014/main" id="{EF7B4DBC-7265-49FF-AECB-FF30F5CB8C9B}"/>
+                <a16:creationId xmlns:a16="http://schemas.microsoft.com/office/drawing/2014/main" xmlns="" id="{EF7B4DBC-7265-49FF-AECB-FF30F5CB8C9B}"/>
               </a:ext>
             </a:extLst>
           </p:cNvPr>
@@ -3347,7 +3348,7 @@
           <p:cNvPr id="4" name="직사각형 3">
             <a:extLst>
               <a:ext uri="{FF2B5EF4-FFF2-40B4-BE49-F238E27FC236}">
-                <a16:creationId xmlns:a16="http://schemas.microsoft.com/office/drawing/2014/main" id="{9DA53749-6D86-4895-A813-C051EC2C937C}"/>
+                <a16:creationId xmlns:a16="http://schemas.microsoft.com/office/drawing/2014/main" xmlns="" id="{9DA53749-6D86-4895-A813-C051EC2C937C}"/>
               </a:ext>
             </a:extLst>
           </p:cNvPr>
@@ -3399,7 +3400,7 @@
           <p:cNvPr id="5" name="직사각형 4">
             <a:extLst>
               <a:ext uri="{FF2B5EF4-FFF2-40B4-BE49-F238E27FC236}">
-                <a16:creationId xmlns:a16="http://schemas.microsoft.com/office/drawing/2014/main" id="{3DF1F457-CED2-444C-BB6B-FB9EC14A61B4}"/>
+                <a16:creationId xmlns:a16="http://schemas.microsoft.com/office/drawing/2014/main" xmlns="" id="{3DF1F457-CED2-444C-BB6B-FB9EC14A61B4}"/>
               </a:ext>
             </a:extLst>
           </p:cNvPr>
@@ -3451,7 +3452,7 @@
           <p:cNvPr id="6" name="직사각형 5">
             <a:extLst>
               <a:ext uri="{FF2B5EF4-FFF2-40B4-BE49-F238E27FC236}">
-                <a16:creationId xmlns:a16="http://schemas.microsoft.com/office/drawing/2014/main" id="{FF724234-FFC9-45CA-8EFC-A90A17205473}"/>
+                <a16:creationId xmlns:a16="http://schemas.microsoft.com/office/drawing/2014/main" xmlns="" id="{FF724234-FFC9-45CA-8EFC-A90A17205473}"/>
               </a:ext>
             </a:extLst>
           </p:cNvPr>
@@ -3503,7 +3504,7 @@
           <p:cNvPr id="71" name="표 70">
             <a:extLst>
               <a:ext uri="{FF2B5EF4-FFF2-40B4-BE49-F238E27FC236}">
-                <a16:creationId xmlns:a16="http://schemas.microsoft.com/office/drawing/2014/main" id="{A0AB0552-9E15-4EAA-88CE-51440C7943F3}"/>
+                <a16:creationId xmlns:a16="http://schemas.microsoft.com/office/drawing/2014/main" xmlns="" id="{A0AB0552-9E15-4EAA-88CE-51440C7943F3}"/>
               </a:ext>
             </a:extLst>
           </p:cNvPr>
@@ -3526,49 +3527,49 @@
                 <a:gridCol w="1680711">
                   <a:extLst>
                     <a:ext uri="{9D8B030D-6E8A-4147-A177-3AD203B41FA5}">
-                      <a16:colId xmlns:a16="http://schemas.microsoft.com/office/drawing/2014/main" val="3106673681"/>
+                      <a16:colId xmlns:a16="http://schemas.microsoft.com/office/drawing/2014/main" xmlns="" val="3106673681"/>
                     </a:ext>
                   </a:extLst>
                 </a:gridCol>
                 <a:gridCol w="806952">
                   <a:extLst>
                     <a:ext uri="{9D8B030D-6E8A-4147-A177-3AD203B41FA5}">
-                      <a16:colId xmlns:a16="http://schemas.microsoft.com/office/drawing/2014/main" val="680855760"/>
+                      <a16:colId xmlns:a16="http://schemas.microsoft.com/office/drawing/2014/main" xmlns="" val="680855760"/>
                     </a:ext>
                   </a:extLst>
                 </a:gridCol>
                 <a:gridCol w="1640219">
                   <a:extLst>
                     <a:ext uri="{9D8B030D-6E8A-4147-A177-3AD203B41FA5}">
-                      <a16:colId xmlns:a16="http://schemas.microsoft.com/office/drawing/2014/main" val="2082353642"/>
+                      <a16:colId xmlns:a16="http://schemas.microsoft.com/office/drawing/2014/main" xmlns="" val="2082353642"/>
                     </a:ext>
                   </a:extLst>
                 </a:gridCol>
                 <a:gridCol w="823807">
                   <a:extLst>
                     <a:ext uri="{9D8B030D-6E8A-4147-A177-3AD203B41FA5}">
-                      <a16:colId xmlns:a16="http://schemas.microsoft.com/office/drawing/2014/main" val="3962123720"/>
+                      <a16:colId xmlns:a16="http://schemas.microsoft.com/office/drawing/2014/main" xmlns="" val="3962123720"/>
                     </a:ext>
                   </a:extLst>
                 </a:gridCol>
                 <a:gridCol w="648123">
                   <a:extLst>
                     <a:ext uri="{9D8B030D-6E8A-4147-A177-3AD203B41FA5}">
-                      <a16:colId xmlns:a16="http://schemas.microsoft.com/office/drawing/2014/main" val="1264403147"/>
+                      <a16:colId xmlns:a16="http://schemas.microsoft.com/office/drawing/2014/main" xmlns="" val="1264403147"/>
                     </a:ext>
                   </a:extLst>
                 </a:gridCol>
                 <a:gridCol w="277707">
                   <a:extLst>
                     <a:ext uri="{9D8B030D-6E8A-4147-A177-3AD203B41FA5}">
-                      <a16:colId xmlns:a16="http://schemas.microsoft.com/office/drawing/2014/main" val="3150065759"/>
+                      <a16:colId xmlns:a16="http://schemas.microsoft.com/office/drawing/2014/main" xmlns="" val="3150065759"/>
                     </a:ext>
                   </a:extLst>
                 </a:gridCol>
                 <a:gridCol w="2441124">
                   <a:extLst>
                     <a:ext uri="{9D8B030D-6E8A-4147-A177-3AD203B41FA5}">
-                      <a16:colId xmlns:a16="http://schemas.microsoft.com/office/drawing/2014/main" val="2583169310"/>
+                      <a16:colId xmlns:a16="http://schemas.microsoft.com/office/drawing/2014/main" xmlns="" val="2583169310"/>
                     </a:ext>
                   </a:extLst>
                 </a:gridCol>
@@ -3875,7 +3876,7 @@
                 </a:tc>
                 <a:extLst>
                   <a:ext uri="{0D108BD9-81ED-4DB2-BD59-A6C34878D82A}">
-                    <a16:rowId xmlns:a16="http://schemas.microsoft.com/office/drawing/2014/main" val="3506947314"/>
+                    <a16:rowId xmlns:a16="http://schemas.microsoft.com/office/drawing/2014/main" xmlns="" val="3506947314"/>
                   </a:ext>
                 </a:extLst>
               </a:tr>
@@ -4389,7 +4390,7 @@
                 </a:tc>
                 <a:extLst>
                   <a:ext uri="{0D108BD9-81ED-4DB2-BD59-A6C34878D82A}">
-                    <a16:rowId xmlns:a16="http://schemas.microsoft.com/office/drawing/2014/main" val="3153771678"/>
+                    <a16:rowId xmlns:a16="http://schemas.microsoft.com/office/drawing/2014/main" xmlns="" val="3153771678"/>
                   </a:ext>
                 </a:extLst>
               </a:tr>
@@ -4871,7 +4872,7 @@
                 </a:tc>
                 <a:extLst>
                   <a:ext uri="{0D108BD9-81ED-4DB2-BD59-A6C34878D82A}">
-                    <a16:rowId xmlns:a16="http://schemas.microsoft.com/office/drawing/2014/main" val="672683968"/>
+                    <a16:rowId xmlns:a16="http://schemas.microsoft.com/office/drawing/2014/main" xmlns="" val="672683968"/>
                   </a:ext>
                 </a:extLst>
               </a:tr>
@@ -5371,7 +5372,7 @@
                 </a:tc>
                 <a:extLst>
                   <a:ext uri="{0D108BD9-81ED-4DB2-BD59-A6C34878D82A}">
-                    <a16:rowId xmlns:a16="http://schemas.microsoft.com/office/drawing/2014/main" val="1444319488"/>
+                    <a16:rowId xmlns:a16="http://schemas.microsoft.com/office/drawing/2014/main" xmlns="" val="1444319488"/>
                   </a:ext>
                 </a:extLst>
               </a:tr>
@@ -5888,7 +5889,7 @@
                 </a:tc>
                 <a:extLst>
                   <a:ext uri="{0D108BD9-81ED-4DB2-BD59-A6C34878D82A}">
-                    <a16:rowId xmlns:a16="http://schemas.microsoft.com/office/drawing/2014/main" val="2432851687"/>
+                    <a16:rowId xmlns:a16="http://schemas.microsoft.com/office/drawing/2014/main" xmlns="" val="2432851687"/>
                   </a:ext>
                 </a:extLst>
               </a:tr>
@@ -6384,7 +6385,7 @@
                 </a:tc>
                 <a:extLst>
                   <a:ext uri="{0D108BD9-81ED-4DB2-BD59-A6C34878D82A}">
-                    <a16:rowId xmlns:a16="http://schemas.microsoft.com/office/drawing/2014/main" val="3237919002"/>
+                    <a16:rowId xmlns:a16="http://schemas.microsoft.com/office/drawing/2014/main" xmlns="" val="3237919002"/>
                   </a:ext>
                 </a:extLst>
               </a:tr>
@@ -6870,7 +6871,7 @@
                 </a:tc>
                 <a:extLst>
                   <a:ext uri="{0D108BD9-81ED-4DB2-BD59-A6C34878D82A}">
-                    <a16:rowId xmlns:a16="http://schemas.microsoft.com/office/drawing/2014/main" val="590487938"/>
+                    <a16:rowId xmlns:a16="http://schemas.microsoft.com/office/drawing/2014/main" xmlns="" val="590487938"/>
                   </a:ext>
                 </a:extLst>
               </a:tr>
@@ -7262,7 +7263,7 @@
                 </a:tc>
                 <a:extLst>
                   <a:ext uri="{0D108BD9-81ED-4DB2-BD59-A6C34878D82A}">
-                    <a16:rowId xmlns:a16="http://schemas.microsoft.com/office/drawing/2014/main" val="1991131042"/>
+                    <a16:rowId xmlns:a16="http://schemas.microsoft.com/office/drawing/2014/main" xmlns="" val="1991131042"/>
                   </a:ext>
                 </a:extLst>
               </a:tr>
@@ -7275,7 +7276,7 @@
           <p:cNvPr id="73" name="타원 72">
             <a:extLst>
               <a:ext uri="{FF2B5EF4-FFF2-40B4-BE49-F238E27FC236}">
-                <a16:creationId xmlns:a16="http://schemas.microsoft.com/office/drawing/2014/main" id="{FF911744-7476-41AB-BA8D-AF0C4A9D4DA9}"/>
+                <a16:creationId xmlns:a16="http://schemas.microsoft.com/office/drawing/2014/main" xmlns="" id="{FF911744-7476-41AB-BA8D-AF0C4A9D4DA9}"/>
               </a:ext>
             </a:extLst>
           </p:cNvPr>
@@ -7332,7 +7333,7 @@
           <p:cNvPr id="74" name="타원 73">
             <a:extLst>
               <a:ext uri="{FF2B5EF4-FFF2-40B4-BE49-F238E27FC236}">
-                <a16:creationId xmlns:a16="http://schemas.microsoft.com/office/drawing/2014/main" id="{D682B3DE-55A8-411F-81EC-B579DB088E48}"/>
+                <a16:creationId xmlns:a16="http://schemas.microsoft.com/office/drawing/2014/main" xmlns="" id="{D682B3DE-55A8-411F-81EC-B579DB088E48}"/>
               </a:ext>
             </a:extLst>
           </p:cNvPr>
@@ -7389,7 +7390,7 @@
           <p:cNvPr id="75" name="타원 74">
             <a:extLst>
               <a:ext uri="{FF2B5EF4-FFF2-40B4-BE49-F238E27FC236}">
-                <a16:creationId xmlns:a16="http://schemas.microsoft.com/office/drawing/2014/main" id="{39091F08-14E2-46E7-9C6B-6944E1E1AC4A}"/>
+                <a16:creationId xmlns:a16="http://schemas.microsoft.com/office/drawing/2014/main" xmlns="" id="{39091F08-14E2-46E7-9C6B-6944E1E1AC4A}"/>
               </a:ext>
             </a:extLst>
           </p:cNvPr>
@@ -7446,7 +7447,7 @@
           <p:cNvPr id="76" name="타원 75">
             <a:extLst>
               <a:ext uri="{FF2B5EF4-FFF2-40B4-BE49-F238E27FC236}">
-                <a16:creationId xmlns:a16="http://schemas.microsoft.com/office/drawing/2014/main" id="{E5B8E739-1AAA-4C57-97CC-1C102E2B361D}"/>
+                <a16:creationId xmlns:a16="http://schemas.microsoft.com/office/drawing/2014/main" xmlns="" id="{E5B8E739-1AAA-4C57-97CC-1C102E2B361D}"/>
               </a:ext>
             </a:extLst>
           </p:cNvPr>
@@ -7503,7 +7504,7 @@
           <p:cNvPr id="77" name="타원 76">
             <a:extLst>
               <a:ext uri="{FF2B5EF4-FFF2-40B4-BE49-F238E27FC236}">
-                <a16:creationId xmlns:a16="http://schemas.microsoft.com/office/drawing/2014/main" id="{54B4F748-9D26-4E8B-A427-511B7E67F5E2}"/>
+                <a16:creationId xmlns:a16="http://schemas.microsoft.com/office/drawing/2014/main" xmlns="" id="{54B4F748-9D26-4E8B-A427-511B7E67F5E2}"/>
               </a:ext>
             </a:extLst>
           </p:cNvPr>
@@ -7560,7 +7561,7 @@
           <p:cNvPr id="78" name="타원 77">
             <a:extLst>
               <a:ext uri="{FF2B5EF4-FFF2-40B4-BE49-F238E27FC236}">
-                <a16:creationId xmlns:a16="http://schemas.microsoft.com/office/drawing/2014/main" id="{531B2113-F069-4F27-A06C-4397A6104ADA}"/>
+                <a16:creationId xmlns:a16="http://schemas.microsoft.com/office/drawing/2014/main" xmlns="" id="{531B2113-F069-4F27-A06C-4397A6104ADA}"/>
               </a:ext>
             </a:extLst>
           </p:cNvPr>
@@ -7617,7 +7618,7 @@
           <p:cNvPr id="79" name="표 78">
             <a:extLst>
               <a:ext uri="{FF2B5EF4-FFF2-40B4-BE49-F238E27FC236}">
-                <a16:creationId xmlns:a16="http://schemas.microsoft.com/office/drawing/2014/main" id="{A71DACB7-5652-45BA-A8B1-412998560B25}"/>
+                <a16:creationId xmlns:a16="http://schemas.microsoft.com/office/drawing/2014/main" xmlns="" id="{A71DACB7-5652-45BA-A8B1-412998560B25}"/>
               </a:ext>
             </a:extLst>
           </p:cNvPr>
@@ -7640,14 +7641,14 @@
                 <a:gridCol w="908841">
                   <a:extLst>
                     <a:ext uri="{9D8B030D-6E8A-4147-A177-3AD203B41FA5}">
-                      <a16:colId xmlns:a16="http://schemas.microsoft.com/office/drawing/2014/main" val="3106673681"/>
+                      <a16:colId xmlns:a16="http://schemas.microsoft.com/office/drawing/2014/main" xmlns="" val="3106673681"/>
                     </a:ext>
                   </a:extLst>
                 </a:gridCol>
                 <a:gridCol w="1370567">
                   <a:extLst>
                     <a:ext uri="{9D8B030D-6E8A-4147-A177-3AD203B41FA5}">
-                      <a16:colId xmlns:a16="http://schemas.microsoft.com/office/drawing/2014/main" val="680855760"/>
+                      <a16:colId xmlns:a16="http://schemas.microsoft.com/office/drawing/2014/main" xmlns="" val="680855760"/>
                     </a:ext>
                   </a:extLst>
                 </a:gridCol>
@@ -7758,7 +7759,7 @@
                 </a:tc>
                 <a:extLst>
                   <a:ext uri="{0D108BD9-81ED-4DB2-BD59-A6C34878D82A}">
-                    <a16:rowId xmlns:a16="http://schemas.microsoft.com/office/drawing/2014/main" val="3506947314"/>
+                    <a16:rowId xmlns:a16="http://schemas.microsoft.com/office/drawing/2014/main" xmlns="" val="3506947314"/>
                   </a:ext>
                 </a:extLst>
               </a:tr>
@@ -7915,7 +7916,7 @@
                 </a:tc>
                 <a:extLst>
                   <a:ext uri="{0D108BD9-81ED-4DB2-BD59-A6C34878D82A}">
-                    <a16:rowId xmlns:a16="http://schemas.microsoft.com/office/drawing/2014/main" val="3153771678"/>
+                    <a16:rowId xmlns:a16="http://schemas.microsoft.com/office/drawing/2014/main" xmlns="" val="3153771678"/>
                   </a:ext>
                 </a:extLst>
               </a:tr>
@@ -8058,7 +8059,7 @@
                 </a:tc>
                 <a:extLst>
                   <a:ext uri="{0D108BD9-81ED-4DB2-BD59-A6C34878D82A}">
-                    <a16:rowId xmlns:a16="http://schemas.microsoft.com/office/drawing/2014/main" val="672683968"/>
+                    <a16:rowId xmlns:a16="http://schemas.microsoft.com/office/drawing/2014/main" xmlns="" val="672683968"/>
                   </a:ext>
                 </a:extLst>
               </a:tr>
@@ -8201,7 +8202,7 @@
                 </a:tc>
                 <a:extLst>
                   <a:ext uri="{0D108BD9-81ED-4DB2-BD59-A6C34878D82A}">
-                    <a16:rowId xmlns:a16="http://schemas.microsoft.com/office/drawing/2014/main" val="1444319488"/>
+                    <a16:rowId xmlns:a16="http://schemas.microsoft.com/office/drawing/2014/main" xmlns="" val="1444319488"/>
                   </a:ext>
                 </a:extLst>
               </a:tr>
@@ -8369,7 +8370,7 @@
                 </a:tc>
                 <a:extLst>
                   <a:ext uri="{0D108BD9-81ED-4DB2-BD59-A6C34878D82A}">
-                    <a16:rowId xmlns:a16="http://schemas.microsoft.com/office/drawing/2014/main" val="2432851687"/>
+                    <a16:rowId xmlns:a16="http://schemas.microsoft.com/office/drawing/2014/main" xmlns="" val="2432851687"/>
                   </a:ext>
                 </a:extLst>
               </a:tr>
@@ -8499,7 +8500,7 @@
                 </a:tc>
                 <a:extLst>
                   <a:ext uri="{0D108BD9-81ED-4DB2-BD59-A6C34878D82A}">
-                    <a16:rowId xmlns:a16="http://schemas.microsoft.com/office/drawing/2014/main" val="3237919002"/>
+                    <a16:rowId xmlns:a16="http://schemas.microsoft.com/office/drawing/2014/main" xmlns="" val="3237919002"/>
                   </a:ext>
                 </a:extLst>
               </a:tr>
@@ -8512,7 +8513,7 @@
           <p:cNvPr id="80" name="TextBox 79">
             <a:extLst>
               <a:ext uri="{FF2B5EF4-FFF2-40B4-BE49-F238E27FC236}">
-                <a16:creationId xmlns:a16="http://schemas.microsoft.com/office/drawing/2014/main" id="{674C0B4C-E364-490D-9B90-3CEA06BF8830}"/>
+                <a16:creationId xmlns:a16="http://schemas.microsoft.com/office/drawing/2014/main" xmlns="" id="{674C0B4C-E364-490D-9B90-3CEA06BF8830}"/>
               </a:ext>
             </a:extLst>
           </p:cNvPr>
@@ -8551,7 +8552,7 @@
           <p:cNvPr id="81" name="직사각형 80">
             <a:extLst>
               <a:ext uri="{FF2B5EF4-FFF2-40B4-BE49-F238E27FC236}">
-                <a16:creationId xmlns:a16="http://schemas.microsoft.com/office/drawing/2014/main" id="{3D2F9A27-A0DB-436B-B627-A32C7CF2B465}"/>
+                <a16:creationId xmlns:a16="http://schemas.microsoft.com/office/drawing/2014/main" xmlns="" id="{3D2F9A27-A0DB-436B-B627-A32C7CF2B465}"/>
               </a:ext>
             </a:extLst>
           </p:cNvPr>
@@ -8603,14 +8604,20 @@
           <p:cNvPr id="82" name="표 81">
             <a:extLst>
               <a:ext uri="{FF2B5EF4-FFF2-40B4-BE49-F238E27FC236}">
-                <a16:creationId xmlns:a16="http://schemas.microsoft.com/office/drawing/2014/main" id="{9BF05CCC-1826-483F-9401-F4CC24A2F4FB}"/>
+                <a16:creationId xmlns:a16="http://schemas.microsoft.com/office/drawing/2014/main" xmlns="" id="{9BF05CCC-1826-483F-9401-F4CC24A2F4FB}"/>
               </a:ext>
             </a:extLst>
           </p:cNvPr>
           <p:cNvGraphicFramePr>
             <a:graphicFrameLocks noGrp="1"/>
           </p:cNvGraphicFramePr>
-          <p:nvPr/>
+          <p:nvPr>
+            <p:extLst>
+              <p:ext uri="{D42A27DB-BD31-4B8C-83A1-F6EECF244321}">
+                <p14:modId xmlns:p14="http://schemas.microsoft.com/office/powerpoint/2010/main" val="1809506771"/>
+              </p:ext>
+            </p:extLst>
+          </p:nvPr>
         </p:nvGraphicFramePr>
         <p:xfrm>
           <a:off x="9634169" y="2560832"/>
@@ -8626,14 +8633,14 @@
                 <a:gridCol w="898364">
                   <a:extLst>
                     <a:ext uri="{9D8B030D-6E8A-4147-A177-3AD203B41FA5}">
-                      <a16:colId xmlns:a16="http://schemas.microsoft.com/office/drawing/2014/main" val="3106673681"/>
+                      <a16:colId xmlns:a16="http://schemas.microsoft.com/office/drawing/2014/main" xmlns="" val="3106673681"/>
                     </a:ext>
                   </a:extLst>
                 </a:gridCol>
                 <a:gridCol w="1381044">
                   <a:extLst>
                     <a:ext uri="{9D8B030D-6E8A-4147-A177-3AD203B41FA5}">
-                      <a16:colId xmlns:a16="http://schemas.microsoft.com/office/drawing/2014/main" val="680855760"/>
+                      <a16:colId xmlns:a16="http://schemas.microsoft.com/office/drawing/2014/main" xmlns="" val="680855760"/>
                     </a:ext>
                   </a:extLst>
                 </a:gridCol>
@@ -8645,7 +8652,7 @@
                     <a:lstStyle/>
                     <a:p>
                       <a:pPr algn="l" latinLnBrk="1"/>
-                      <a:endParaRPr lang="en-US" altLang="ko-KR" sz="500" b="1" dirty="0">
+                      <a:endParaRPr lang="en-US" altLang="ko-KR" sz="500" b="1" dirty="0" smtClean="0">
                         <a:solidFill>
                           <a:schemeClr val="tx1"/>
                         </a:solidFill>
@@ -8656,14 +8663,14 @@
                     <a:p>
                       <a:pPr algn="l" latinLnBrk="1"/>
                       <a:r>
-                        <a:rPr lang="ko-KR" altLang="en-US" sz="1900" b="1" dirty="0" err="1">
+                        <a:rPr lang="ko-KR" altLang="en-US" sz="1900" b="1" dirty="0" smtClean="0">
                           <a:solidFill>
                             <a:schemeClr val="tx1"/>
                           </a:solidFill>
                           <a:latin typeface="나눔고딕" panose="020D0604000000000000" pitchFamily="50" charset="-127"/>
                           <a:ea typeface="나눔고딕" panose="020D0604000000000000" pitchFamily="50" charset="-127"/>
                         </a:rPr>
-                        <a:t>크레딧</a:t>
+                        <a:t>회원정보</a:t>
                       </a:r>
                       <a:endParaRPr lang="ko-KR" altLang="en-US" sz="1900" b="1" dirty="0">
                         <a:solidFill>
@@ -8751,7 +8758,7 @@
                 </a:tc>
                 <a:extLst>
                   <a:ext uri="{0D108BD9-81ED-4DB2-BD59-A6C34878D82A}">
-                    <a16:rowId xmlns:a16="http://schemas.microsoft.com/office/drawing/2014/main" val="3506947314"/>
+                    <a16:rowId xmlns:a16="http://schemas.microsoft.com/office/drawing/2014/main" xmlns="" val="3506947314"/>
                   </a:ext>
                 </a:extLst>
               </a:tr>
@@ -8898,7 +8905,7 @@
                 </a:tc>
                 <a:extLst>
                   <a:ext uri="{0D108BD9-81ED-4DB2-BD59-A6C34878D82A}">
-                    <a16:rowId xmlns:a16="http://schemas.microsoft.com/office/drawing/2014/main" val="3153771678"/>
+                    <a16:rowId xmlns:a16="http://schemas.microsoft.com/office/drawing/2014/main" xmlns="" val="3153771678"/>
                   </a:ext>
                 </a:extLst>
               </a:tr>
@@ -9051,7 +9058,7 @@
                 </a:tc>
                 <a:extLst>
                   <a:ext uri="{0D108BD9-81ED-4DB2-BD59-A6C34878D82A}">
-                    <a16:rowId xmlns:a16="http://schemas.microsoft.com/office/drawing/2014/main" val="672683968"/>
+                    <a16:rowId xmlns:a16="http://schemas.microsoft.com/office/drawing/2014/main" xmlns="" val="672683968"/>
                   </a:ext>
                 </a:extLst>
               </a:tr>
@@ -9197,7 +9204,7 @@
                 </a:tc>
                 <a:extLst>
                   <a:ext uri="{0D108BD9-81ED-4DB2-BD59-A6C34878D82A}">
-                    <a16:rowId xmlns:a16="http://schemas.microsoft.com/office/drawing/2014/main" val="1444319488"/>
+                    <a16:rowId xmlns:a16="http://schemas.microsoft.com/office/drawing/2014/main" xmlns="" val="1444319488"/>
                   </a:ext>
                 </a:extLst>
               </a:tr>
@@ -9363,7 +9370,7 @@
                 </a:tc>
                 <a:extLst>
                   <a:ext uri="{0D108BD9-81ED-4DB2-BD59-A6C34878D82A}">
-                    <a16:rowId xmlns:a16="http://schemas.microsoft.com/office/drawing/2014/main" val="1076347283"/>
+                    <a16:rowId xmlns:a16="http://schemas.microsoft.com/office/drawing/2014/main" xmlns="" val="1076347283"/>
                   </a:ext>
                 </a:extLst>
               </a:tr>
@@ -9371,70 +9378,12 @@
           </a:graphicData>
         </a:graphic>
       </p:graphicFrame>
-      <p:pic>
-        <p:nvPicPr>
-          <p:cNvPr id="84" name="그림 83">
-            <a:extLst>
-              <a:ext uri="{FF2B5EF4-FFF2-40B4-BE49-F238E27FC236}">
-                <a16:creationId xmlns:a16="http://schemas.microsoft.com/office/drawing/2014/main" id="{48825B40-6897-4F0A-962D-7A508512C1C6}"/>
-              </a:ext>
-            </a:extLst>
-          </p:cNvPr>
-          <p:cNvPicPr>
-            <a:picLocks noChangeAspect="1"/>
-          </p:cNvPicPr>
-          <p:nvPr/>
-        </p:nvPicPr>
-        <p:blipFill rotWithShape="1">
-          <a:blip r:embed="rId2"/>
-          <a:srcRect b="64642"/>
-          <a:stretch/>
-        </p:blipFill>
-        <p:spPr>
-          <a:xfrm>
-            <a:off x="9567335" y="5183415"/>
-            <a:ext cx="2396107" cy="1130300"/>
-          </a:xfrm>
-          <a:prstGeom prst="rect">
-            <a:avLst/>
-          </a:prstGeom>
-        </p:spPr>
-      </p:pic>
-      <p:pic>
-        <p:nvPicPr>
-          <p:cNvPr id="85" name="그림 84">
-            <a:extLst>
-              <a:ext uri="{FF2B5EF4-FFF2-40B4-BE49-F238E27FC236}">
-                <a16:creationId xmlns:a16="http://schemas.microsoft.com/office/drawing/2014/main" id="{DF7E8D25-97C5-4FF3-8298-5A9E794172EA}"/>
-              </a:ext>
-            </a:extLst>
-          </p:cNvPr>
-          <p:cNvPicPr>
-            <a:picLocks noChangeAspect="1"/>
-          </p:cNvPicPr>
-          <p:nvPr/>
-        </p:nvPicPr>
-        <p:blipFill rotWithShape="1">
-          <a:blip r:embed="rId2"/>
-          <a:srcRect t="90919"/>
-          <a:stretch/>
-        </p:blipFill>
-        <p:spPr>
-          <a:xfrm>
-            <a:off x="9565537" y="6313715"/>
-            <a:ext cx="2396107" cy="290285"/>
-          </a:xfrm>
-          <a:prstGeom prst="rect">
-            <a:avLst/>
-          </a:prstGeom>
-        </p:spPr>
-      </p:pic>
       <p:sp>
         <p:nvSpPr>
           <p:cNvPr id="86" name="TextBox 85">
             <a:extLst>
               <a:ext uri="{FF2B5EF4-FFF2-40B4-BE49-F238E27FC236}">
-                <a16:creationId xmlns:a16="http://schemas.microsoft.com/office/drawing/2014/main" id="{EE5B4C4B-F07C-46E9-BE4C-55F6C1F5E9BD}"/>
+                <a16:creationId xmlns:a16="http://schemas.microsoft.com/office/drawing/2014/main" xmlns="" id="{EE5B4C4B-F07C-46E9-BE4C-55F6C1F5E9BD}"/>
               </a:ext>
             </a:extLst>
           </p:cNvPr>
@@ -9498,7 +9447,7 @@
           <p:cNvPr id="87" name="직사각형 86">
             <a:extLst>
               <a:ext uri="{FF2B5EF4-FFF2-40B4-BE49-F238E27FC236}">
-                <a16:creationId xmlns:a16="http://schemas.microsoft.com/office/drawing/2014/main" id="{A1080B07-4237-423C-A26C-9BF47993DA6A}"/>
+                <a16:creationId xmlns:a16="http://schemas.microsoft.com/office/drawing/2014/main" xmlns="" id="{A1080B07-4237-423C-A26C-9BF47993DA6A}"/>
               </a:ext>
             </a:extLst>
           </p:cNvPr>
@@ -9550,18 +9499,528 @@
           <a:p>
             <a:pPr algn="ctr"/>
             <a:r>
-              <a:rPr lang="ko-KR" altLang="en-US" sz="933" dirty="0">
+              <a:rPr lang="ko-KR" altLang="en-US" sz="933" dirty="0" smtClean="0">
                 <a:solidFill>
                   <a:schemeClr val="tx1"/>
                 </a:solidFill>
                 <a:latin typeface="나눔고딕" panose="020D0604000000000000" pitchFamily="50" charset="-127"/>
                 <a:ea typeface="나눔고딕" panose="020D0604000000000000" pitchFamily="50" charset="-127"/>
               </a:rPr>
-              <a:t>등록</a:t>
+              <a:t>제출</a:t>
             </a:r>
+            <a:endParaRPr lang="ko-KR" altLang="en-US" sz="933" dirty="0">
+              <a:solidFill>
+                <a:schemeClr val="tx1"/>
+              </a:solidFill>
+              <a:latin typeface="나눔고딕" panose="020D0604000000000000" pitchFamily="50" charset="-127"/>
+              <a:ea typeface="나눔고딕" panose="020D0604000000000000" pitchFamily="50" charset="-127"/>
+            </a:endParaRPr>
           </a:p>
         </p:txBody>
       </p:sp>
+      <p:sp>
+        <p:nvSpPr>
+          <p:cNvPr id="20" name="직사각형 19">
+            <a:extLst>
+              <a:ext uri="{FF2B5EF4-FFF2-40B4-BE49-F238E27FC236}">
+                <a16:creationId xmlns:a16="http://schemas.microsoft.com/office/drawing/2014/main" xmlns="" id="{3D2F9A27-A0DB-436B-B627-A32C7CF2B465}"/>
+              </a:ext>
+            </a:extLst>
+          </p:cNvPr>
+          <p:cNvSpPr/>
+          <p:nvPr/>
+        </p:nvSpPr>
+        <p:spPr>
+          <a:xfrm>
+            <a:off x="9567412" y="5173717"/>
+            <a:ext cx="2392361" cy="1430284"/>
+          </a:xfrm>
+          <a:prstGeom prst="rect">
+            <a:avLst/>
+          </a:prstGeom>
+          <a:noFill/>
+          <a:ln w="12700">
+            <a:solidFill>
+              <a:schemeClr val="tx1"/>
+            </a:solidFill>
+          </a:ln>
+        </p:spPr>
+        <p:style>
+          <a:lnRef idx="2">
+            <a:schemeClr val="accent1">
+              <a:shade val="50000"/>
+            </a:schemeClr>
+          </a:lnRef>
+          <a:fillRef idx="1">
+            <a:schemeClr val="accent1"/>
+          </a:fillRef>
+          <a:effectRef idx="0">
+            <a:schemeClr val="accent1"/>
+          </a:effectRef>
+          <a:fontRef idx="minor">
+            <a:schemeClr val="lt1"/>
+          </a:fontRef>
+        </p:style>
+        <p:txBody>
+          <a:bodyPr rtlCol="0" anchor="ctr"/>
+          <a:lstStyle/>
+          <a:p>
+            <a:pPr algn="ctr"/>
+            <a:endParaRPr lang="ko-KR" altLang="en-US" sz="2400"/>
+          </a:p>
+        </p:txBody>
+      </p:sp>
+      <p:graphicFrame>
+        <p:nvGraphicFramePr>
+          <p:cNvPr id="22" name="표 21">
+            <a:extLst>
+              <a:ext uri="{FF2B5EF4-FFF2-40B4-BE49-F238E27FC236}">
+                <a16:creationId xmlns:a16="http://schemas.microsoft.com/office/drawing/2014/main" xmlns="" id="{9BF05CCC-1826-483F-9401-F4CC24A2F4FB}"/>
+              </a:ext>
+            </a:extLst>
+          </p:cNvPr>
+          <p:cNvGraphicFramePr>
+            <a:graphicFrameLocks noGrp="1"/>
+          </p:cNvGraphicFramePr>
+          <p:nvPr>
+            <p:extLst>
+              <p:ext uri="{D42A27DB-BD31-4B8C-83A1-F6EECF244321}">
+                <p14:modId xmlns:p14="http://schemas.microsoft.com/office/powerpoint/2010/main" val="3203292208"/>
+              </p:ext>
+            </p:extLst>
+          </p:nvPr>
+        </p:nvGraphicFramePr>
+        <p:xfrm>
+          <a:off x="9634169" y="5185877"/>
+          <a:ext cx="2279408" cy="1134839"/>
+        </p:xfrm>
+        <a:graphic>
+          <a:graphicData uri="http://schemas.openxmlformats.org/drawingml/2006/table">
+            <a:tbl>
+              <a:tblPr firstRow="1" bandRow="1">
+                <a:tableStyleId>{5C22544A-7EE6-4342-B048-85BDC9FD1C3A}</a:tableStyleId>
+              </a:tblPr>
+              <a:tblGrid>
+                <a:gridCol w="898364">
+                  <a:extLst>
+                    <a:ext uri="{9D8B030D-6E8A-4147-A177-3AD203B41FA5}">
+                      <a16:colId xmlns:a16="http://schemas.microsoft.com/office/drawing/2014/main" xmlns="" val="3106673681"/>
+                    </a:ext>
+                  </a:extLst>
+                </a:gridCol>
+                <a:gridCol w="1381044">
+                  <a:extLst>
+                    <a:ext uri="{9D8B030D-6E8A-4147-A177-3AD203B41FA5}">
+                      <a16:colId xmlns:a16="http://schemas.microsoft.com/office/drawing/2014/main" xmlns="" val="680855760"/>
+                    </a:ext>
+                  </a:extLst>
+                </a:gridCol>
+              </a:tblGrid>
+              <a:tr h="356973">
+                <a:tc gridSpan="2">
+                  <a:txBody>
+                    <a:bodyPr/>
+                    <a:lstStyle/>
+                    <a:p>
+                      <a:pPr algn="l" latinLnBrk="1"/>
+                      <a:endParaRPr lang="en-US" altLang="ko-KR" sz="500" b="1" dirty="0" smtClean="0">
+                        <a:solidFill>
+                          <a:schemeClr val="tx1"/>
+                        </a:solidFill>
+                        <a:latin typeface="나눔고딕" panose="020D0604000000000000" pitchFamily="50" charset="-127"/>
+                        <a:ea typeface="나눔고딕" panose="020D0604000000000000" pitchFamily="50" charset="-127"/>
+                      </a:endParaRPr>
+                    </a:p>
+                    <a:p>
+                      <a:pPr algn="l" latinLnBrk="1"/>
+                      <a:r>
+                        <a:rPr lang="ko-KR" altLang="en-US" sz="1900" b="1" dirty="0" smtClean="0">
+                          <a:solidFill>
+                            <a:schemeClr val="tx1"/>
+                          </a:solidFill>
+                          <a:latin typeface="나눔고딕" panose="020D0604000000000000" pitchFamily="50" charset="-127"/>
+                          <a:ea typeface="나눔고딕" panose="020D0604000000000000" pitchFamily="50" charset="-127"/>
+                        </a:rPr>
+                        <a:t>공지</a:t>
+                      </a:r>
+                      <a:r>
+                        <a:rPr lang="en-US" altLang="ko-KR" sz="1900" b="1" dirty="0" smtClean="0">
+                          <a:solidFill>
+                            <a:schemeClr val="tx1"/>
+                          </a:solidFill>
+                          <a:latin typeface="나눔고딕" panose="020D0604000000000000" pitchFamily="50" charset="-127"/>
+                          <a:ea typeface="나눔고딕" panose="020D0604000000000000" pitchFamily="50" charset="-127"/>
+                        </a:rPr>
+                        <a:t>/</a:t>
+                      </a:r>
+                      <a:r>
+                        <a:rPr lang="ko-KR" altLang="en-US" sz="1900" b="1" dirty="0" smtClean="0">
+                          <a:solidFill>
+                            <a:schemeClr val="tx1"/>
+                          </a:solidFill>
+                          <a:latin typeface="나눔고딕" panose="020D0604000000000000" pitchFamily="50" charset="-127"/>
+                          <a:ea typeface="나눔고딕" panose="020D0604000000000000" pitchFamily="50" charset="-127"/>
+                        </a:rPr>
+                        <a:t>안내 등등</a:t>
+                      </a:r>
+                      <a:endParaRPr lang="ko-KR" altLang="en-US" sz="1900" b="1" dirty="0">
+                        <a:solidFill>
+                          <a:schemeClr val="tx1"/>
+                        </a:solidFill>
+                        <a:latin typeface="나눔고딕" panose="020D0604000000000000" pitchFamily="50" charset="-127"/>
+                        <a:ea typeface="나눔고딕" panose="020D0604000000000000" pitchFamily="50" charset="-127"/>
+                      </a:endParaRPr>
+                    </a:p>
+                  </a:txBody>
+                  <a:tcPr marL="121920" marR="121920" marT="60960" marB="60960">
+                    <a:lnL w="12700" cmpd="sng">
+                      <a:noFill/>
+                    </a:lnL>
+                    <a:lnR w="12700" cmpd="sng">
+                      <a:noFill/>
+                    </a:lnR>
+                    <a:lnT w="12700" cmpd="sng">
+                      <a:noFill/>
+                    </a:lnT>
+                    <a:lnB w="12700" cap="flat" cmpd="sng" algn="ctr">
+                      <a:solidFill>
+                        <a:schemeClr val="tx1"/>
+                      </a:solidFill>
+                      <a:prstDash val="solid"/>
+                      <a:round/>
+                      <a:headEnd type="none" w="med" len="med"/>
+                      <a:tailEnd type="none" w="med" len="med"/>
+                    </a:lnB>
+                    <a:lnTlToBr w="12700" cmpd="sng">
+                      <a:noFill/>
+                      <a:prstDash val="solid"/>
+                    </a:lnTlToBr>
+                    <a:lnBlToTr w="12700" cmpd="sng">
+                      <a:noFill/>
+                      <a:prstDash val="solid"/>
+                    </a:lnBlToTr>
+                    <a:noFill/>
+                  </a:tcPr>
+                </a:tc>
+                <a:tc hMerge="1">
+                  <a:txBody>
+                    <a:bodyPr/>
+                    <a:lstStyle/>
+                    <a:p>
+                      <a:pPr algn="ctr" latinLnBrk="1"/>
+                      <a:endParaRPr lang="ko-KR" altLang="en-US" sz="1100" b="0" dirty="0">
+                        <a:solidFill>
+                          <a:schemeClr val="tx1"/>
+                        </a:solidFill>
+                        <a:latin typeface="나눔고딕" panose="020D0604000000000000" pitchFamily="50" charset="-127"/>
+                        <a:ea typeface="나눔고딕" panose="020D0604000000000000" pitchFamily="50" charset="-127"/>
+                      </a:endParaRPr>
+                    </a:p>
+                  </a:txBody>
+                  <a:tcPr>
+                    <a:lnL w="12700" cmpd="sng">
+                      <a:noFill/>
+                    </a:lnL>
+                    <a:lnR w="12700" cmpd="sng">
+                      <a:noFill/>
+                    </a:lnR>
+                    <a:lnT w="12700" cmpd="sng">
+                      <a:noFill/>
+                    </a:lnT>
+                    <a:lnB w="12700" cap="flat" cmpd="sng" algn="ctr">
+                      <a:solidFill>
+                        <a:schemeClr val="tx1"/>
+                      </a:solidFill>
+                      <a:prstDash val="solid"/>
+                      <a:round/>
+                      <a:headEnd type="none" w="med" len="med"/>
+                      <a:tailEnd type="none" w="med" len="med"/>
+                    </a:lnB>
+                    <a:lnTlToBr w="12700" cmpd="sng">
+                      <a:noFill/>
+                      <a:prstDash val="solid"/>
+                    </a:lnTlToBr>
+                    <a:lnBlToTr w="12700" cmpd="sng">
+                      <a:noFill/>
+                      <a:prstDash val="solid"/>
+                    </a:lnBlToTr>
+                    <a:noFill/>
+                  </a:tcPr>
+                </a:tc>
+                <a:extLst>
+                  <a:ext uri="{0D108BD9-81ED-4DB2-BD59-A6C34878D82A}">
+                    <a16:rowId xmlns:a16="http://schemas.microsoft.com/office/drawing/2014/main" xmlns="" val="3506947314"/>
+                  </a:ext>
+                </a:extLst>
+              </a:tr>
+              <a:tr h="189642">
+                <a:tc>
+                  <a:txBody>
+                    <a:bodyPr/>
+                    <a:lstStyle/>
+                    <a:p>
+                      <a:pPr marL="0" marR="0" lvl="0" indent="0" algn="r" defTabSz="685800" rtl="0" eaLnBrk="1" fontAlgn="auto" latinLnBrk="1" hangingPunct="1">
+                        <a:lnSpc>
+                          <a:spcPct val="100000"/>
+                        </a:lnSpc>
+                        <a:spcBef>
+                          <a:spcPts val="0"/>
+                        </a:spcBef>
+                        <a:spcAft>
+                          <a:spcPts val="0"/>
+                        </a:spcAft>
+                        <a:buClrTx/>
+                        <a:buSzTx/>
+                        <a:buFontTx/>
+                        <a:buNone/>
+                        <a:tabLst/>
+                        <a:defRPr/>
+                      </a:pPr>
+                      <a:endParaRPr lang="ko-KR" altLang="en-US" sz="900" dirty="0">
+                        <a:latin typeface="나눔고딕" panose="020D0604000000000000" pitchFamily="50" charset="-127"/>
+                        <a:ea typeface="나눔고딕" panose="020D0604000000000000" pitchFamily="50" charset="-127"/>
+                      </a:endParaRPr>
+                    </a:p>
+                  </a:txBody>
+                  <a:tcPr marL="121920" marR="121920" marT="60960" marB="60960" anchor="b">
+                    <a:lnL w="12700" cap="flat" cmpd="sng" algn="ctr">
+                      <a:noFill/>
+                      <a:prstDash val="solid"/>
+                      <a:round/>
+                      <a:headEnd type="none" w="med" len="med"/>
+                      <a:tailEnd type="none" w="med" len="med"/>
+                    </a:lnL>
+                    <a:lnR w="12700" cap="flat" cmpd="sng" algn="ctr">
+                      <a:noFill/>
+                      <a:prstDash val="solid"/>
+                      <a:round/>
+                      <a:headEnd type="none" w="med" len="med"/>
+                      <a:tailEnd type="none" w="med" len="med"/>
+                    </a:lnR>
+                    <a:lnT w="12700" cap="flat" cmpd="sng" algn="ctr">
+                      <a:solidFill>
+                        <a:schemeClr val="tx1"/>
+                      </a:solidFill>
+                      <a:prstDash val="solid"/>
+                      <a:round/>
+                      <a:headEnd type="none" w="med" len="med"/>
+                      <a:tailEnd type="none" w="med" len="med"/>
+                    </a:lnT>
+                    <a:lnB w="12700" cap="flat" cmpd="sng" algn="ctr">
+                      <a:noFill/>
+                      <a:prstDash val="solid"/>
+                      <a:round/>
+                      <a:headEnd type="none" w="med" len="med"/>
+                      <a:tailEnd type="none" w="med" len="med"/>
+                    </a:lnB>
+                    <a:lnTlToBr w="12700" cmpd="sng">
+                      <a:noFill/>
+                      <a:prstDash val="solid"/>
+                    </a:lnTlToBr>
+                    <a:lnBlToTr w="12700" cmpd="sng">
+                      <a:noFill/>
+                      <a:prstDash val="solid"/>
+                    </a:lnBlToTr>
+                    <a:noFill/>
+                  </a:tcPr>
+                </a:tc>
+                <a:tc>
+                  <a:txBody>
+                    <a:bodyPr/>
+                    <a:lstStyle/>
+                    <a:p>
+                      <a:pPr algn="ctr" latinLnBrk="1"/>
+                      <a:endParaRPr lang="ko-KR" altLang="en-US" sz="900" b="0" dirty="0">
+                        <a:solidFill>
+                          <a:schemeClr val="tx1"/>
+                        </a:solidFill>
+                        <a:latin typeface="나눔고딕" panose="020D0604000000000000" pitchFamily="50" charset="-127"/>
+                        <a:ea typeface="나눔고딕" panose="020D0604000000000000" pitchFamily="50" charset="-127"/>
+                      </a:endParaRPr>
+                    </a:p>
+                  </a:txBody>
+                  <a:tcPr marL="121920" marR="121920" marT="60960" marB="60960" anchor="b">
+                    <a:lnL w="12700" cap="flat" cmpd="sng" algn="ctr">
+                      <a:noFill/>
+                      <a:prstDash val="solid"/>
+                      <a:round/>
+                      <a:headEnd type="none" w="med" len="med"/>
+                      <a:tailEnd type="none" w="med" len="med"/>
+                    </a:lnL>
+                    <a:lnR w="12700" cap="flat" cmpd="sng" algn="ctr">
+                      <a:noFill/>
+                      <a:prstDash val="solid"/>
+                      <a:round/>
+                      <a:headEnd type="none" w="med" len="med"/>
+                      <a:tailEnd type="none" w="med" len="med"/>
+                    </a:lnR>
+                    <a:lnT w="12700" cap="flat" cmpd="sng" algn="ctr">
+                      <a:solidFill>
+                        <a:schemeClr val="tx1"/>
+                      </a:solidFill>
+                      <a:prstDash val="solid"/>
+                      <a:round/>
+                      <a:headEnd type="none" w="med" len="med"/>
+                      <a:tailEnd type="none" w="med" len="med"/>
+                    </a:lnT>
+                    <a:lnB w="12700" cap="flat" cmpd="sng" algn="ctr">
+                      <a:noFill/>
+                      <a:prstDash val="solid"/>
+                      <a:round/>
+                      <a:headEnd type="none" w="med" len="med"/>
+                      <a:tailEnd type="none" w="med" len="med"/>
+                    </a:lnB>
+                    <a:lnTlToBr w="12700" cmpd="sng">
+                      <a:noFill/>
+                      <a:prstDash val="solid"/>
+                    </a:lnTlToBr>
+                    <a:lnBlToTr w="12700" cmpd="sng">
+                      <a:noFill/>
+                      <a:prstDash val="solid"/>
+                    </a:lnBlToTr>
+                    <a:noFill/>
+                  </a:tcPr>
+                </a:tc>
+                <a:extLst>
+                  <a:ext uri="{0D108BD9-81ED-4DB2-BD59-A6C34878D82A}">
+                    <a16:rowId xmlns:a16="http://schemas.microsoft.com/office/drawing/2014/main" xmlns="" val="3153771678"/>
+                  </a:ext>
+                </a:extLst>
+              </a:tr>
+              <a:tr h="388079">
+                <a:tc>
+                  <a:txBody>
+                    <a:bodyPr/>
+                    <a:lstStyle/>
+                    <a:p>
+                      <a:pPr marL="0" marR="0" lvl="0" indent="0" algn="r" defTabSz="685800" rtl="0" eaLnBrk="1" fontAlgn="auto" latinLnBrk="1" hangingPunct="1">
+                        <a:lnSpc>
+                          <a:spcPct val="100000"/>
+                        </a:lnSpc>
+                        <a:spcBef>
+                          <a:spcPts val="0"/>
+                        </a:spcBef>
+                        <a:spcAft>
+                          <a:spcPts val="0"/>
+                        </a:spcAft>
+                        <a:buClrTx/>
+                        <a:buSzTx/>
+                        <a:buFontTx/>
+                        <a:buNone/>
+                        <a:tabLst/>
+                        <a:defRPr/>
+                      </a:pPr>
+                      <a:endParaRPr lang="ko-KR" altLang="en-US" sz="900" dirty="0">
+                        <a:latin typeface="나눔고딕" panose="020D0604000000000000" pitchFamily="50" charset="-127"/>
+                        <a:ea typeface="나눔고딕" panose="020D0604000000000000" pitchFamily="50" charset="-127"/>
+                      </a:endParaRPr>
+                    </a:p>
+                  </a:txBody>
+                  <a:tcPr marL="121920" marR="121920" marT="60960" marB="60960" anchor="ctr">
+                    <a:lnL w="12700" cap="flat" cmpd="sng" algn="ctr">
+                      <a:noFill/>
+                      <a:prstDash val="solid"/>
+                      <a:round/>
+                      <a:headEnd type="none" w="med" len="med"/>
+                      <a:tailEnd type="none" w="med" len="med"/>
+                    </a:lnL>
+                    <a:lnR w="12700" cap="flat" cmpd="sng" algn="ctr">
+                      <a:noFill/>
+                      <a:prstDash val="solid"/>
+                      <a:round/>
+                      <a:headEnd type="none" w="med" len="med"/>
+                      <a:tailEnd type="none" w="med" len="med"/>
+                    </a:lnR>
+                    <a:lnT w="12700" cap="flat" cmpd="sng" algn="ctr">
+                      <a:noFill/>
+                      <a:prstDash val="solid"/>
+                      <a:round/>
+                      <a:headEnd type="none" w="med" len="med"/>
+                      <a:tailEnd type="none" w="med" len="med"/>
+                    </a:lnT>
+                    <a:lnB w="12700" cap="flat" cmpd="sng" algn="ctr">
+                      <a:noFill/>
+                      <a:prstDash val="solid"/>
+                      <a:round/>
+                      <a:headEnd type="none" w="med" len="med"/>
+                      <a:tailEnd type="none" w="med" len="med"/>
+                    </a:lnB>
+                    <a:lnTlToBr w="12700" cmpd="sng">
+                      <a:noFill/>
+                      <a:prstDash val="solid"/>
+                    </a:lnTlToBr>
+                    <a:lnBlToTr w="12700" cmpd="sng">
+                      <a:noFill/>
+                      <a:prstDash val="solid"/>
+                    </a:lnBlToTr>
+                    <a:noFill/>
+                  </a:tcPr>
+                </a:tc>
+                <a:tc>
+                  <a:txBody>
+                    <a:bodyPr/>
+                    <a:lstStyle/>
+                    <a:p>
+                      <a:pPr algn="ctr" latinLnBrk="1"/>
+                      <a:endParaRPr lang="en-US" altLang="ko-KR" sz="900" b="0" dirty="0">
+                        <a:solidFill>
+                          <a:schemeClr val="tx1"/>
+                        </a:solidFill>
+                        <a:latin typeface="나눔고딕" panose="020D0604000000000000" pitchFamily="50" charset="-127"/>
+                        <a:ea typeface="나눔고딕" panose="020D0604000000000000" pitchFamily="50" charset="-127"/>
+                      </a:endParaRPr>
+                    </a:p>
+                  </a:txBody>
+                  <a:tcPr marL="121920" marR="121920" marT="60960" marB="60960" anchor="ctr">
+                    <a:lnL w="12700" cap="flat" cmpd="sng" algn="ctr">
+                      <a:noFill/>
+                      <a:prstDash val="solid"/>
+                      <a:round/>
+                      <a:headEnd type="none" w="med" len="med"/>
+                      <a:tailEnd type="none" w="med" len="med"/>
+                    </a:lnL>
+                    <a:lnR w="12700" cap="flat" cmpd="sng" algn="ctr">
+                      <a:noFill/>
+                      <a:prstDash val="solid"/>
+                      <a:round/>
+                      <a:headEnd type="none" w="med" len="med"/>
+                      <a:tailEnd type="none" w="med" len="med"/>
+                    </a:lnR>
+                    <a:lnT w="12700" cap="flat" cmpd="sng" algn="ctr">
+                      <a:noFill/>
+                      <a:prstDash val="solid"/>
+                      <a:round/>
+                      <a:headEnd type="none" w="med" len="med"/>
+                      <a:tailEnd type="none" w="med" len="med"/>
+                    </a:lnT>
+                    <a:lnB w="12700" cap="flat" cmpd="sng" algn="ctr">
+                      <a:noFill/>
+                      <a:prstDash val="solid"/>
+                      <a:round/>
+                      <a:headEnd type="none" w="med" len="med"/>
+                      <a:tailEnd type="none" w="med" len="med"/>
+                    </a:lnB>
+                    <a:lnTlToBr w="12700" cmpd="sng">
+                      <a:noFill/>
+                      <a:prstDash val="solid"/>
+                    </a:lnTlToBr>
+                    <a:lnBlToTr w="12700" cmpd="sng">
+                      <a:noFill/>
+                      <a:prstDash val="solid"/>
+                    </a:lnBlToTr>
+                    <a:noFill/>
+                  </a:tcPr>
+                </a:tc>
+                <a:extLst>
+                  <a:ext uri="{0D108BD9-81ED-4DB2-BD59-A6C34878D82A}">
+                    <a16:rowId xmlns:a16="http://schemas.microsoft.com/office/drawing/2014/main" xmlns="" val="672683968"/>
+                  </a:ext>
+                </a:extLst>
+              </a:tr>
+            </a:tbl>
+          </a:graphicData>
+        </a:graphic>
+      </p:graphicFrame>
     </p:spTree>
     <p:extLst>
       <p:ext uri="{BB962C8B-B14F-4D97-AF65-F5344CB8AC3E}">
@@ -9592,12 +10051,6732 @@
           <a:chExt cx="0" cy="0"/>
         </a:xfrm>
       </p:grpSpPr>
+      <p:sp>
+        <p:nvSpPr>
+          <p:cNvPr id="4" name="직사각형 3">
+            <a:extLst>
+              <a:ext uri="{FF2B5EF4-FFF2-40B4-BE49-F238E27FC236}">
+                <a16:creationId xmlns:a16="http://schemas.microsoft.com/office/drawing/2014/main" xmlns="" id="{9DA53749-6D86-4895-A813-C051EC2C937C}"/>
+              </a:ext>
+            </a:extLst>
+          </p:cNvPr>
+          <p:cNvSpPr/>
+          <p:nvPr/>
+        </p:nvSpPr>
+        <p:spPr>
+          <a:xfrm>
+            <a:off x="0" y="-36287"/>
+            <a:ext cx="12192000" cy="6858000"/>
+          </a:xfrm>
+          <a:prstGeom prst="rect">
+            <a:avLst/>
+          </a:prstGeom>
+          <a:solidFill>
+            <a:srgbClr val="FEFFF4"/>
+          </a:solidFill>
+          <a:ln>
+            <a:noFill/>
+          </a:ln>
+        </p:spPr>
+        <p:style>
+          <a:lnRef idx="2">
+            <a:schemeClr val="accent1">
+              <a:shade val="50000"/>
+            </a:schemeClr>
+          </a:lnRef>
+          <a:fillRef idx="1">
+            <a:schemeClr val="accent1"/>
+          </a:fillRef>
+          <a:effectRef idx="0">
+            <a:schemeClr val="accent1"/>
+          </a:effectRef>
+          <a:fontRef idx="minor">
+            <a:schemeClr val="lt1"/>
+          </a:fontRef>
+        </p:style>
+        <p:txBody>
+          <a:bodyPr rtlCol="0" anchor="ctr"/>
+          <a:lstStyle/>
+          <a:p>
+            <a:pPr algn="ctr"/>
+            <a:endParaRPr lang="ko-KR" altLang="en-US" sz="2400" dirty="0"/>
+          </a:p>
+        </p:txBody>
+      </p:sp>
+      <p:sp>
+        <p:nvSpPr>
+          <p:cNvPr id="5" name="직사각형 4">
+            <a:extLst>
+              <a:ext uri="{FF2B5EF4-FFF2-40B4-BE49-F238E27FC236}">
+                <a16:creationId xmlns:a16="http://schemas.microsoft.com/office/drawing/2014/main" xmlns="" id="{3DF1F457-CED2-444C-BB6B-FB9EC14A61B4}"/>
+              </a:ext>
+            </a:extLst>
+          </p:cNvPr>
+          <p:cNvSpPr/>
+          <p:nvPr/>
+        </p:nvSpPr>
+        <p:spPr>
+          <a:xfrm>
+            <a:off x="233958" y="232229"/>
+            <a:ext cx="2392361" cy="2162316"/>
+          </a:xfrm>
+          <a:prstGeom prst="rect">
+            <a:avLst/>
+          </a:prstGeom>
+          <a:noFill/>
+          <a:ln w="12700">
+            <a:solidFill>
+              <a:schemeClr val="tx1"/>
+            </a:solidFill>
+          </a:ln>
+        </p:spPr>
+        <p:style>
+          <a:lnRef idx="2">
+            <a:schemeClr val="accent1">
+              <a:shade val="50000"/>
+            </a:schemeClr>
+          </a:lnRef>
+          <a:fillRef idx="1">
+            <a:schemeClr val="accent1"/>
+          </a:fillRef>
+          <a:effectRef idx="0">
+            <a:schemeClr val="accent1"/>
+          </a:effectRef>
+          <a:fontRef idx="minor">
+            <a:schemeClr val="lt1"/>
+          </a:fontRef>
+        </p:style>
+        <p:txBody>
+          <a:bodyPr rtlCol="0" anchor="ctr"/>
+          <a:lstStyle/>
+          <a:p>
+            <a:pPr algn="ctr"/>
+            <a:endParaRPr lang="ko-KR" altLang="en-US" sz="2400"/>
+          </a:p>
+        </p:txBody>
+      </p:sp>
+      <p:sp>
+        <p:nvSpPr>
+          <p:cNvPr id="6" name="직사각형 5">
+            <a:extLst>
+              <a:ext uri="{FF2B5EF4-FFF2-40B4-BE49-F238E27FC236}">
+                <a16:creationId xmlns:a16="http://schemas.microsoft.com/office/drawing/2014/main" xmlns="" id="{FF724234-FFC9-45CA-8EFC-A90A17205473}"/>
+              </a:ext>
+            </a:extLst>
+          </p:cNvPr>
+          <p:cNvSpPr/>
+          <p:nvPr/>
+        </p:nvSpPr>
+        <p:spPr>
+          <a:xfrm>
+            <a:off x="2860096" y="232229"/>
+            <a:ext cx="9102955" cy="6371772"/>
+          </a:xfrm>
+          <a:prstGeom prst="rect">
+            <a:avLst/>
+          </a:prstGeom>
+          <a:noFill/>
+          <a:ln w="12700">
+            <a:solidFill>
+              <a:schemeClr val="tx1"/>
+            </a:solidFill>
+          </a:ln>
+        </p:spPr>
+        <p:style>
+          <a:lnRef idx="2">
+            <a:schemeClr val="accent1">
+              <a:shade val="50000"/>
+            </a:schemeClr>
+          </a:lnRef>
+          <a:fillRef idx="1">
+            <a:schemeClr val="accent1"/>
+          </a:fillRef>
+          <a:effectRef idx="0">
+            <a:schemeClr val="accent1"/>
+          </a:effectRef>
+          <a:fontRef idx="minor">
+            <a:schemeClr val="lt1"/>
+          </a:fontRef>
+        </p:style>
+        <p:txBody>
+          <a:bodyPr rtlCol="0" anchor="ctr"/>
+          <a:lstStyle/>
+          <a:p>
+            <a:pPr algn="ctr"/>
+            <a:endParaRPr lang="ko-KR" altLang="en-US" sz="2400"/>
+          </a:p>
+        </p:txBody>
+      </p:sp>
+      <p:graphicFrame>
+        <p:nvGraphicFramePr>
+          <p:cNvPr id="71" name="표 70">
+            <a:extLst>
+              <a:ext uri="{FF2B5EF4-FFF2-40B4-BE49-F238E27FC236}">
+                <a16:creationId xmlns:a16="http://schemas.microsoft.com/office/drawing/2014/main" xmlns="" id="{A0AB0552-9E15-4EAA-88CE-51440C7943F3}"/>
+              </a:ext>
+            </a:extLst>
+          </p:cNvPr>
+          <p:cNvGraphicFramePr>
+            <a:graphicFrameLocks noGrp="1"/>
+          </p:cNvGraphicFramePr>
+          <p:nvPr>
+            <p:extLst>
+              <p:ext uri="{D42A27DB-BD31-4B8C-83A1-F6EECF244321}">
+                <p14:modId xmlns:p14="http://schemas.microsoft.com/office/powerpoint/2010/main" val="3234449076"/>
+              </p:ext>
+            </p:extLst>
+          </p:nvPr>
+        </p:nvGraphicFramePr>
+        <p:xfrm>
+          <a:off x="3234029" y="856211"/>
+          <a:ext cx="8318643" cy="2279116"/>
+        </p:xfrm>
+        <a:graphic>
+          <a:graphicData uri="http://schemas.openxmlformats.org/drawingml/2006/table">
+            <a:tbl>
+              <a:tblPr firstRow="1" bandRow="1">
+                <a:tableStyleId>{5C22544A-7EE6-4342-B048-85BDC9FD1C3A}</a:tableStyleId>
+              </a:tblPr>
+              <a:tblGrid>
+                <a:gridCol w="1680711">
+                  <a:extLst>
+                    <a:ext uri="{9D8B030D-6E8A-4147-A177-3AD203B41FA5}">
+                      <a16:colId xmlns:a16="http://schemas.microsoft.com/office/drawing/2014/main" xmlns="" val="3106673681"/>
+                    </a:ext>
+                  </a:extLst>
+                </a:gridCol>
+                <a:gridCol w="806952">
+                  <a:extLst>
+                    <a:ext uri="{9D8B030D-6E8A-4147-A177-3AD203B41FA5}">
+                      <a16:colId xmlns:a16="http://schemas.microsoft.com/office/drawing/2014/main" xmlns="" val="680855760"/>
+                    </a:ext>
+                  </a:extLst>
+                </a:gridCol>
+                <a:gridCol w="1640219">
+                  <a:extLst>
+                    <a:ext uri="{9D8B030D-6E8A-4147-A177-3AD203B41FA5}">
+                      <a16:colId xmlns:a16="http://schemas.microsoft.com/office/drawing/2014/main" xmlns="" val="2082353642"/>
+                    </a:ext>
+                  </a:extLst>
+                </a:gridCol>
+                <a:gridCol w="823807">
+                  <a:extLst>
+                    <a:ext uri="{9D8B030D-6E8A-4147-A177-3AD203B41FA5}">
+                      <a16:colId xmlns:a16="http://schemas.microsoft.com/office/drawing/2014/main" xmlns="" val="3962123720"/>
+                    </a:ext>
+                  </a:extLst>
+                </a:gridCol>
+                <a:gridCol w="648123">
+                  <a:extLst>
+                    <a:ext uri="{9D8B030D-6E8A-4147-A177-3AD203B41FA5}">
+                      <a16:colId xmlns:a16="http://schemas.microsoft.com/office/drawing/2014/main" xmlns="" val="1264403147"/>
+                    </a:ext>
+                  </a:extLst>
+                </a:gridCol>
+                <a:gridCol w="277707">
+                  <a:extLst>
+                    <a:ext uri="{9D8B030D-6E8A-4147-A177-3AD203B41FA5}">
+                      <a16:colId xmlns:a16="http://schemas.microsoft.com/office/drawing/2014/main" xmlns="" val="3150065759"/>
+                    </a:ext>
+                  </a:extLst>
+                </a:gridCol>
+                <a:gridCol w="2441124">
+                  <a:extLst>
+                    <a:ext uri="{9D8B030D-6E8A-4147-A177-3AD203B41FA5}">
+                      <a16:colId xmlns:a16="http://schemas.microsoft.com/office/drawing/2014/main" xmlns="" val="2583169310"/>
+                    </a:ext>
+                  </a:extLst>
+                </a:gridCol>
+              </a:tblGrid>
+              <a:tr h="345440">
+                <a:tc>
+                  <a:txBody>
+                    <a:bodyPr/>
+                    <a:lstStyle/>
+                    <a:p>
+                      <a:pPr algn="ctr" latinLnBrk="1"/>
+                      <a:r>
+                        <a:rPr lang="ko-KR" altLang="en-US" sz="1500" b="0" dirty="0">
+                          <a:solidFill>
+                            <a:schemeClr val="tx1"/>
+                          </a:solidFill>
+                          <a:latin typeface="나눔고딕" panose="020D0604000000000000" pitchFamily="50" charset="-127"/>
+                          <a:ea typeface="나눔고딕" panose="020D0604000000000000" pitchFamily="50" charset="-127"/>
+                        </a:rPr>
+                        <a:t>질문일자</a:t>
+                      </a:r>
+                    </a:p>
+                  </a:txBody>
+                  <a:tcPr marL="121920" marR="121920" marT="60960" marB="60960">
+                    <a:lnL w="12700" cmpd="sng">
+                      <a:noFill/>
+                    </a:lnL>
+                    <a:lnR w="12700" cmpd="sng">
+                      <a:noFill/>
+                    </a:lnR>
+                    <a:lnT w="12700" cmpd="sng">
+                      <a:noFill/>
+                    </a:lnT>
+                    <a:lnB w="12700" cap="flat" cmpd="sng" algn="ctr">
+                      <a:solidFill>
+                        <a:schemeClr val="tx1"/>
+                      </a:solidFill>
+                      <a:prstDash val="solid"/>
+                      <a:round/>
+                      <a:headEnd type="none" w="med" len="med"/>
+                      <a:tailEnd type="none" w="med" len="med"/>
+                    </a:lnB>
+                    <a:lnTlToBr w="12700" cmpd="sng">
+                      <a:noFill/>
+                      <a:prstDash val="solid"/>
+                    </a:lnTlToBr>
+                    <a:lnBlToTr w="12700" cmpd="sng">
+                      <a:noFill/>
+                      <a:prstDash val="solid"/>
+                    </a:lnBlToTr>
+                    <a:noFill/>
+                  </a:tcPr>
+                </a:tc>
+                <a:tc>
+                  <a:txBody>
+                    <a:bodyPr/>
+                    <a:lstStyle/>
+                    <a:p>
+                      <a:pPr algn="ctr" latinLnBrk="1"/>
+                      <a:r>
+                        <a:rPr lang="ko-KR" altLang="en-US" sz="1500" b="0" dirty="0">
+                          <a:solidFill>
+                            <a:schemeClr val="tx1"/>
+                          </a:solidFill>
+                          <a:latin typeface="나눔고딕" panose="020D0604000000000000" pitchFamily="50" charset="-127"/>
+                          <a:ea typeface="나눔고딕" panose="020D0604000000000000" pitchFamily="50" charset="-127"/>
+                        </a:rPr>
+                        <a:t>과목</a:t>
+                      </a:r>
+                    </a:p>
+                  </a:txBody>
+                  <a:tcPr marL="121920" marR="121920" marT="60960" marB="60960">
+                    <a:lnL w="12700" cmpd="sng">
+                      <a:noFill/>
+                    </a:lnL>
+                    <a:lnR w="12700" cmpd="sng">
+                      <a:noFill/>
+                    </a:lnR>
+                    <a:lnT w="12700" cmpd="sng">
+                      <a:noFill/>
+                    </a:lnT>
+                    <a:lnB w="12700" cap="flat" cmpd="sng" algn="ctr">
+                      <a:solidFill>
+                        <a:schemeClr val="tx1"/>
+                      </a:solidFill>
+                      <a:prstDash val="solid"/>
+                      <a:round/>
+                      <a:headEnd type="none" w="med" len="med"/>
+                      <a:tailEnd type="none" w="med" len="med"/>
+                    </a:lnB>
+                    <a:lnTlToBr w="12700" cmpd="sng">
+                      <a:noFill/>
+                      <a:prstDash val="solid"/>
+                    </a:lnTlToBr>
+                    <a:lnBlToTr w="12700" cmpd="sng">
+                      <a:noFill/>
+                      <a:prstDash val="solid"/>
+                    </a:lnBlToTr>
+                    <a:noFill/>
+                  </a:tcPr>
+                </a:tc>
+                <a:tc>
+                  <a:txBody>
+                    <a:bodyPr/>
+                    <a:lstStyle/>
+                    <a:p>
+                      <a:pPr algn="ctr" latinLnBrk="1"/>
+                      <a:r>
+                        <a:rPr lang="ko-KR" altLang="en-US" sz="1500" b="0" dirty="0">
+                          <a:solidFill>
+                            <a:schemeClr val="tx1"/>
+                          </a:solidFill>
+                          <a:latin typeface="나눔고딕" panose="020D0604000000000000" pitchFamily="50" charset="-127"/>
+                          <a:ea typeface="나눔고딕" panose="020D0604000000000000" pitchFamily="50" charset="-127"/>
+                        </a:rPr>
+                        <a:t>교재</a:t>
+                      </a:r>
+                    </a:p>
+                  </a:txBody>
+                  <a:tcPr marL="121920" marR="121920" marT="60960" marB="60960">
+                    <a:lnL w="12700" cmpd="sng">
+                      <a:noFill/>
+                    </a:lnL>
+                    <a:lnR w="12700" cmpd="sng">
+                      <a:noFill/>
+                    </a:lnR>
+                    <a:lnT w="12700" cmpd="sng">
+                      <a:noFill/>
+                    </a:lnT>
+                    <a:lnB w="12700" cap="flat" cmpd="sng" algn="ctr">
+                      <a:solidFill>
+                        <a:schemeClr val="tx1"/>
+                      </a:solidFill>
+                      <a:prstDash val="solid"/>
+                      <a:round/>
+                      <a:headEnd type="none" w="med" len="med"/>
+                      <a:tailEnd type="none" w="med" len="med"/>
+                    </a:lnB>
+                    <a:lnTlToBr w="12700" cmpd="sng">
+                      <a:noFill/>
+                      <a:prstDash val="solid"/>
+                    </a:lnTlToBr>
+                    <a:lnBlToTr w="12700" cmpd="sng">
+                      <a:noFill/>
+                      <a:prstDash val="solid"/>
+                    </a:lnBlToTr>
+                    <a:noFill/>
+                  </a:tcPr>
+                </a:tc>
+                <a:tc>
+                  <a:txBody>
+                    <a:bodyPr/>
+                    <a:lstStyle/>
+                    <a:p>
+                      <a:pPr algn="ctr" latinLnBrk="1"/>
+                      <a:r>
+                        <a:rPr lang="ko-KR" altLang="en-US" sz="1500" b="0" dirty="0">
+                          <a:solidFill>
+                            <a:schemeClr val="tx1"/>
+                          </a:solidFill>
+                          <a:latin typeface="나눔고딕" panose="020D0604000000000000" pitchFamily="50" charset="-127"/>
+                          <a:ea typeface="나눔고딕" panose="020D0604000000000000" pitchFamily="50" charset="-127"/>
+                        </a:rPr>
+                        <a:t>페이지</a:t>
+                      </a:r>
+                    </a:p>
+                  </a:txBody>
+                  <a:tcPr marL="121920" marR="121920" marT="60960" marB="60960">
+                    <a:lnL w="12700" cmpd="sng">
+                      <a:noFill/>
+                    </a:lnL>
+                    <a:lnR w="12700" cmpd="sng">
+                      <a:noFill/>
+                    </a:lnR>
+                    <a:lnT w="12700" cmpd="sng">
+                      <a:noFill/>
+                    </a:lnT>
+                    <a:lnB w="12700" cap="flat" cmpd="sng" algn="ctr">
+                      <a:solidFill>
+                        <a:schemeClr val="tx1"/>
+                      </a:solidFill>
+                      <a:prstDash val="solid"/>
+                      <a:round/>
+                      <a:headEnd type="none" w="med" len="med"/>
+                      <a:tailEnd type="none" w="med" len="med"/>
+                    </a:lnB>
+                    <a:lnTlToBr w="12700" cmpd="sng">
+                      <a:noFill/>
+                      <a:prstDash val="solid"/>
+                    </a:lnTlToBr>
+                    <a:lnBlToTr w="12700" cmpd="sng">
+                      <a:noFill/>
+                      <a:prstDash val="solid"/>
+                    </a:lnBlToTr>
+                    <a:noFill/>
+                  </a:tcPr>
+                </a:tc>
+                <a:tc>
+                  <a:txBody>
+                    <a:bodyPr/>
+                    <a:lstStyle/>
+                    <a:p>
+                      <a:pPr algn="ctr" latinLnBrk="1"/>
+                      <a:r>
+                        <a:rPr lang="ko-KR" altLang="en-US" sz="1500" b="0" dirty="0">
+                          <a:solidFill>
+                            <a:schemeClr val="tx1"/>
+                          </a:solidFill>
+                          <a:latin typeface="나눔고딕" panose="020D0604000000000000" pitchFamily="50" charset="-127"/>
+                          <a:ea typeface="나눔고딕" panose="020D0604000000000000" pitchFamily="50" charset="-127"/>
+                        </a:rPr>
+                        <a:t>번호</a:t>
+                      </a:r>
+                    </a:p>
+                  </a:txBody>
+                  <a:tcPr marL="121920" marR="121920" marT="60960" marB="60960">
+                    <a:lnL w="12700" cmpd="sng">
+                      <a:noFill/>
+                    </a:lnL>
+                    <a:lnR w="12700" cmpd="sng">
+                      <a:noFill/>
+                    </a:lnR>
+                    <a:lnT w="12700" cmpd="sng">
+                      <a:noFill/>
+                    </a:lnT>
+                    <a:lnB w="12700" cap="flat" cmpd="sng" algn="ctr">
+                      <a:solidFill>
+                        <a:schemeClr val="tx1"/>
+                      </a:solidFill>
+                      <a:prstDash val="solid"/>
+                      <a:round/>
+                      <a:headEnd type="none" w="med" len="med"/>
+                      <a:tailEnd type="none" w="med" len="med"/>
+                    </a:lnB>
+                    <a:lnTlToBr w="12700" cmpd="sng">
+                      <a:noFill/>
+                      <a:prstDash val="solid"/>
+                    </a:lnTlToBr>
+                    <a:lnBlToTr w="12700" cmpd="sng">
+                      <a:noFill/>
+                      <a:prstDash val="solid"/>
+                    </a:lnBlToTr>
+                    <a:noFill/>
+                  </a:tcPr>
+                </a:tc>
+                <a:tc gridSpan="2">
+                  <a:txBody>
+                    <a:bodyPr/>
+                    <a:lstStyle/>
+                    <a:p>
+                      <a:pPr algn="ctr" latinLnBrk="1"/>
+                      <a:r>
+                        <a:rPr lang="ko-KR" altLang="en-US" sz="1500" b="0" dirty="0">
+                          <a:solidFill>
+                            <a:schemeClr val="tx1"/>
+                          </a:solidFill>
+                          <a:latin typeface="나눔고딕" panose="020D0604000000000000" pitchFamily="50" charset="-127"/>
+                          <a:ea typeface="나눔고딕" panose="020D0604000000000000" pitchFamily="50" charset="-127"/>
+                        </a:rPr>
+                        <a:t>상태</a:t>
+                      </a:r>
+                    </a:p>
+                  </a:txBody>
+                  <a:tcPr marL="121920" marR="121920" marT="60960" marB="60960">
+                    <a:lnL w="12700" cmpd="sng">
+                      <a:noFill/>
+                    </a:lnL>
+                    <a:lnR w="12700" cmpd="sng">
+                      <a:noFill/>
+                    </a:lnR>
+                    <a:lnT w="12700" cmpd="sng">
+                      <a:noFill/>
+                    </a:lnT>
+                    <a:lnB w="12700" cap="flat" cmpd="sng" algn="ctr">
+                      <a:solidFill>
+                        <a:schemeClr val="tx1"/>
+                      </a:solidFill>
+                      <a:prstDash val="solid"/>
+                      <a:round/>
+                      <a:headEnd type="none" w="med" len="med"/>
+                      <a:tailEnd type="none" w="med" len="med"/>
+                    </a:lnB>
+                    <a:lnTlToBr w="12700" cmpd="sng">
+                      <a:noFill/>
+                      <a:prstDash val="solid"/>
+                    </a:lnTlToBr>
+                    <a:lnBlToTr w="12700" cmpd="sng">
+                      <a:noFill/>
+                      <a:prstDash val="solid"/>
+                    </a:lnBlToTr>
+                    <a:noFill/>
+                  </a:tcPr>
+                </a:tc>
+                <a:tc hMerge="1">
+                  <a:txBody>
+                    <a:bodyPr/>
+                    <a:lstStyle/>
+                    <a:p>
+                      <a:pPr latinLnBrk="1"/>
+                      <a:endParaRPr lang="ko-KR" altLang="en-US" dirty="0"/>
+                    </a:p>
+                  </a:txBody>
+                  <a:tcPr/>
+                </a:tc>
+                <a:extLst>
+                  <a:ext uri="{0D108BD9-81ED-4DB2-BD59-A6C34878D82A}">
+                    <a16:rowId xmlns:a16="http://schemas.microsoft.com/office/drawing/2014/main" xmlns="" val="3506947314"/>
+                  </a:ext>
+                </a:extLst>
+              </a:tr>
+              <a:tr h="264251">
+                <a:tc>
+                  <a:txBody>
+                    <a:bodyPr/>
+                    <a:lstStyle/>
+                    <a:p>
+                      <a:pPr marL="0" marR="0" lvl="0" indent="0" algn="ctr" defTabSz="685800" rtl="0" eaLnBrk="1" fontAlgn="auto" latinLnBrk="1" hangingPunct="1">
+                        <a:lnSpc>
+                          <a:spcPct val="100000"/>
+                        </a:lnSpc>
+                        <a:spcBef>
+                          <a:spcPts val="0"/>
+                        </a:spcBef>
+                        <a:spcAft>
+                          <a:spcPts val="0"/>
+                        </a:spcAft>
+                        <a:buClrTx/>
+                        <a:buSzTx/>
+                        <a:buFontTx/>
+                        <a:buNone/>
+                        <a:tabLst/>
+                        <a:defRPr/>
+                      </a:pPr>
+                      <a:r>
+                        <a:rPr lang="en-US" altLang="ko-KR" sz="900" dirty="0">
+                          <a:latin typeface="나눔고딕" panose="020D0604000000000000" pitchFamily="50" charset="-127"/>
+                          <a:ea typeface="나눔고딕" panose="020D0604000000000000" pitchFamily="50" charset="-127"/>
+                        </a:rPr>
+                        <a:t>2017-11-07 02:11:31</a:t>
+                      </a:r>
+                      <a:endParaRPr lang="ko-KR" altLang="en-US" sz="900" dirty="0">
+                        <a:latin typeface="나눔고딕" panose="020D0604000000000000" pitchFamily="50" charset="-127"/>
+                        <a:ea typeface="나눔고딕" panose="020D0604000000000000" pitchFamily="50" charset="-127"/>
+                      </a:endParaRPr>
+                    </a:p>
+                  </a:txBody>
+                  <a:tcPr marL="121920" marR="121920" marT="60960" marB="60960">
+                    <a:lnL w="12700" cap="flat" cmpd="sng" algn="ctr">
+                      <a:noFill/>
+                      <a:prstDash val="solid"/>
+                      <a:round/>
+                      <a:headEnd type="none" w="med" len="med"/>
+                      <a:tailEnd type="none" w="med" len="med"/>
+                    </a:lnL>
+                    <a:lnR w="12700" cap="flat" cmpd="sng" algn="ctr">
+                      <a:noFill/>
+                      <a:prstDash val="solid"/>
+                      <a:round/>
+                      <a:headEnd type="none" w="med" len="med"/>
+                      <a:tailEnd type="none" w="med" len="med"/>
+                    </a:lnR>
+                    <a:lnT w="12700" cap="flat" cmpd="sng" algn="ctr">
+                      <a:solidFill>
+                        <a:schemeClr val="tx1"/>
+                      </a:solidFill>
+                      <a:prstDash val="solid"/>
+                      <a:round/>
+                      <a:headEnd type="none" w="med" len="med"/>
+                      <a:tailEnd type="none" w="med" len="med"/>
+                    </a:lnT>
+                    <a:lnB w="12700" cap="flat" cmpd="sng" algn="ctr">
+                      <a:noFill/>
+                      <a:prstDash val="solid"/>
+                      <a:round/>
+                      <a:headEnd type="none" w="med" len="med"/>
+                      <a:tailEnd type="none" w="med" len="med"/>
+                    </a:lnB>
+                    <a:lnTlToBr w="12700" cmpd="sng">
+                      <a:noFill/>
+                      <a:prstDash val="solid"/>
+                    </a:lnTlToBr>
+                    <a:lnBlToTr w="12700" cmpd="sng">
+                      <a:noFill/>
+                      <a:prstDash val="solid"/>
+                    </a:lnBlToTr>
+                    <a:noFill/>
+                  </a:tcPr>
+                </a:tc>
+                <a:tc>
+                  <a:txBody>
+                    <a:bodyPr/>
+                    <a:lstStyle/>
+                    <a:p>
+                      <a:pPr algn="ctr" latinLnBrk="1"/>
+                      <a:r>
+                        <a:rPr lang="ko-KR" altLang="en-US" sz="900" b="0" dirty="0" err="1">
+                          <a:solidFill>
+                            <a:schemeClr val="tx1"/>
+                          </a:solidFill>
+                          <a:latin typeface="나눔고딕" panose="020D0604000000000000" pitchFamily="50" charset="-127"/>
+                          <a:ea typeface="나눔고딕" panose="020D0604000000000000" pitchFamily="50" charset="-127"/>
+                        </a:rPr>
+                        <a:t>확률과통계</a:t>
+                      </a:r>
+                      <a:endParaRPr lang="ko-KR" altLang="en-US" sz="900" b="0" dirty="0">
+                        <a:solidFill>
+                          <a:schemeClr val="tx1"/>
+                        </a:solidFill>
+                        <a:latin typeface="나눔고딕" panose="020D0604000000000000" pitchFamily="50" charset="-127"/>
+                        <a:ea typeface="나눔고딕" panose="020D0604000000000000" pitchFamily="50" charset="-127"/>
+                      </a:endParaRPr>
+                    </a:p>
+                  </a:txBody>
+                  <a:tcPr marL="121920" marR="121920" marT="60960" marB="60960">
+                    <a:lnL w="12700" cap="flat" cmpd="sng" algn="ctr">
+                      <a:noFill/>
+                      <a:prstDash val="solid"/>
+                      <a:round/>
+                      <a:headEnd type="none" w="med" len="med"/>
+                      <a:tailEnd type="none" w="med" len="med"/>
+                    </a:lnL>
+                    <a:lnR w="12700" cap="flat" cmpd="sng" algn="ctr">
+                      <a:noFill/>
+                      <a:prstDash val="solid"/>
+                      <a:round/>
+                      <a:headEnd type="none" w="med" len="med"/>
+                      <a:tailEnd type="none" w="med" len="med"/>
+                    </a:lnR>
+                    <a:lnT w="12700" cap="flat" cmpd="sng" algn="ctr">
+                      <a:solidFill>
+                        <a:schemeClr val="tx1"/>
+                      </a:solidFill>
+                      <a:prstDash val="solid"/>
+                      <a:round/>
+                      <a:headEnd type="none" w="med" len="med"/>
+                      <a:tailEnd type="none" w="med" len="med"/>
+                    </a:lnT>
+                    <a:lnB w="12700" cap="flat" cmpd="sng" algn="ctr">
+                      <a:noFill/>
+                      <a:prstDash val="solid"/>
+                      <a:round/>
+                      <a:headEnd type="none" w="med" len="med"/>
+                      <a:tailEnd type="none" w="med" len="med"/>
+                    </a:lnB>
+                    <a:lnTlToBr w="12700" cmpd="sng">
+                      <a:noFill/>
+                      <a:prstDash val="solid"/>
+                    </a:lnTlToBr>
+                    <a:lnBlToTr w="12700" cmpd="sng">
+                      <a:noFill/>
+                      <a:prstDash val="solid"/>
+                    </a:lnBlToTr>
+                    <a:noFill/>
+                  </a:tcPr>
+                </a:tc>
+                <a:tc>
+                  <a:txBody>
+                    <a:bodyPr/>
+                    <a:lstStyle/>
+                    <a:p>
+                      <a:pPr algn="ctr" latinLnBrk="1"/>
+                      <a:r>
+                        <a:rPr lang="en-US" altLang="ko-KR" sz="900" dirty="0">
+                          <a:latin typeface="나눔고딕" panose="020D0604000000000000" pitchFamily="50" charset="-127"/>
+                          <a:ea typeface="나눔고딕" panose="020D0604000000000000" pitchFamily="50" charset="-127"/>
+                        </a:rPr>
+                        <a:t>2017</a:t>
+                      </a:r>
+                      <a:r>
+                        <a:rPr lang="ko-KR" altLang="en-US" sz="900" dirty="0" err="1">
+                          <a:latin typeface="나눔고딕" panose="020D0604000000000000" pitchFamily="50" charset="-127"/>
+                          <a:ea typeface="나눔고딕" panose="020D0604000000000000" pitchFamily="50" charset="-127"/>
+                        </a:rPr>
+                        <a:t>자이스토리</a:t>
+                      </a:r>
+                      <a:r>
+                        <a:rPr lang="en-US" altLang="ko-KR" sz="900" dirty="0">
+                          <a:latin typeface="나눔고딕" panose="020D0604000000000000" pitchFamily="50" charset="-127"/>
+                          <a:ea typeface="나눔고딕" panose="020D0604000000000000" pitchFamily="50" charset="-127"/>
+                        </a:rPr>
+                        <a:t>(2009)</a:t>
+                      </a:r>
+                      <a:endParaRPr lang="ko-KR" altLang="en-US" sz="900" b="0" dirty="0">
+                        <a:solidFill>
+                          <a:schemeClr val="tx1"/>
+                        </a:solidFill>
+                        <a:latin typeface="나눔고딕" panose="020D0604000000000000" pitchFamily="50" charset="-127"/>
+                        <a:ea typeface="나눔고딕" panose="020D0604000000000000" pitchFamily="50" charset="-127"/>
+                      </a:endParaRPr>
+                    </a:p>
+                  </a:txBody>
+                  <a:tcPr marL="121920" marR="121920" marT="60960" marB="60960">
+                    <a:lnL w="12700" cap="flat" cmpd="sng" algn="ctr">
+                      <a:noFill/>
+                      <a:prstDash val="solid"/>
+                      <a:round/>
+                      <a:headEnd type="none" w="med" len="med"/>
+                      <a:tailEnd type="none" w="med" len="med"/>
+                    </a:lnL>
+                    <a:lnR w="12700" cap="flat" cmpd="sng" algn="ctr">
+                      <a:noFill/>
+                      <a:prstDash val="solid"/>
+                      <a:round/>
+                      <a:headEnd type="none" w="med" len="med"/>
+                      <a:tailEnd type="none" w="med" len="med"/>
+                    </a:lnR>
+                    <a:lnT w="12700" cap="flat" cmpd="sng" algn="ctr">
+                      <a:solidFill>
+                        <a:schemeClr val="tx1"/>
+                      </a:solidFill>
+                      <a:prstDash val="solid"/>
+                      <a:round/>
+                      <a:headEnd type="none" w="med" len="med"/>
+                      <a:tailEnd type="none" w="med" len="med"/>
+                    </a:lnT>
+                    <a:lnB w="12700" cap="flat" cmpd="sng" algn="ctr">
+                      <a:noFill/>
+                      <a:prstDash val="solid"/>
+                      <a:round/>
+                      <a:headEnd type="none" w="med" len="med"/>
+                      <a:tailEnd type="none" w="med" len="med"/>
+                    </a:lnB>
+                    <a:lnTlToBr w="12700" cmpd="sng">
+                      <a:noFill/>
+                      <a:prstDash val="solid"/>
+                    </a:lnTlToBr>
+                    <a:lnBlToTr w="12700" cmpd="sng">
+                      <a:noFill/>
+                      <a:prstDash val="solid"/>
+                    </a:lnBlToTr>
+                    <a:noFill/>
+                  </a:tcPr>
+                </a:tc>
+                <a:tc>
+                  <a:txBody>
+                    <a:bodyPr/>
+                    <a:lstStyle/>
+                    <a:p>
+                      <a:pPr algn="ctr" latinLnBrk="1"/>
+                      <a:r>
+                        <a:rPr lang="en-US" altLang="ko-KR" sz="900" b="0" dirty="0">
+                          <a:solidFill>
+                            <a:schemeClr val="tx1"/>
+                          </a:solidFill>
+                          <a:latin typeface="나눔고딕" panose="020D0604000000000000" pitchFamily="50" charset="-127"/>
+                          <a:ea typeface="나눔고딕" panose="020D0604000000000000" pitchFamily="50" charset="-127"/>
+                        </a:rPr>
+                        <a:t>K</a:t>
+                      </a:r>
+                    </a:p>
+                  </a:txBody>
+                  <a:tcPr marL="121920" marR="121920" marT="60960" marB="60960">
+                    <a:lnL w="12700" cap="flat" cmpd="sng" algn="ctr">
+                      <a:noFill/>
+                      <a:prstDash val="solid"/>
+                      <a:round/>
+                      <a:headEnd type="none" w="med" len="med"/>
+                      <a:tailEnd type="none" w="med" len="med"/>
+                    </a:lnL>
+                    <a:lnR w="12700" cap="flat" cmpd="sng" algn="ctr">
+                      <a:noFill/>
+                      <a:prstDash val="solid"/>
+                      <a:round/>
+                      <a:headEnd type="none" w="med" len="med"/>
+                      <a:tailEnd type="none" w="med" len="med"/>
+                    </a:lnR>
+                    <a:lnT w="12700" cap="flat" cmpd="sng" algn="ctr">
+                      <a:solidFill>
+                        <a:schemeClr val="tx1"/>
+                      </a:solidFill>
+                      <a:prstDash val="solid"/>
+                      <a:round/>
+                      <a:headEnd type="none" w="med" len="med"/>
+                      <a:tailEnd type="none" w="med" len="med"/>
+                    </a:lnT>
+                    <a:lnB w="12700" cap="flat" cmpd="sng" algn="ctr">
+                      <a:noFill/>
+                      <a:prstDash val="solid"/>
+                      <a:round/>
+                      <a:headEnd type="none" w="med" len="med"/>
+                      <a:tailEnd type="none" w="med" len="med"/>
+                    </a:lnB>
+                    <a:lnTlToBr w="12700" cmpd="sng">
+                      <a:noFill/>
+                      <a:prstDash val="solid"/>
+                    </a:lnTlToBr>
+                    <a:lnBlToTr w="12700" cmpd="sng">
+                      <a:noFill/>
+                      <a:prstDash val="solid"/>
+                    </a:lnBlToTr>
+                    <a:noFill/>
+                  </a:tcPr>
+                </a:tc>
+                <a:tc>
+                  <a:txBody>
+                    <a:bodyPr/>
+                    <a:lstStyle/>
+                    <a:p>
+                      <a:pPr algn="ctr" latinLnBrk="1"/>
+                      <a:r>
+                        <a:rPr lang="en-US" altLang="ko-KR" sz="900" b="0" dirty="0">
+                          <a:solidFill>
+                            <a:schemeClr val="tx1"/>
+                          </a:solidFill>
+                          <a:latin typeface="나눔고딕" panose="020D0604000000000000" pitchFamily="50" charset="-127"/>
+                          <a:ea typeface="나눔고딕" panose="020D0604000000000000" pitchFamily="50" charset="-127"/>
+                        </a:rPr>
+                        <a:t>037</a:t>
+                      </a:r>
+                      <a:endParaRPr lang="ko-KR" altLang="en-US" sz="900" b="0" dirty="0">
+                        <a:solidFill>
+                          <a:schemeClr val="tx1"/>
+                        </a:solidFill>
+                        <a:latin typeface="나눔고딕" panose="020D0604000000000000" pitchFamily="50" charset="-127"/>
+                        <a:ea typeface="나눔고딕" panose="020D0604000000000000" pitchFamily="50" charset="-127"/>
+                      </a:endParaRPr>
+                    </a:p>
+                  </a:txBody>
+                  <a:tcPr marL="121920" marR="121920" marT="60960" marB="60960">
+                    <a:lnL w="12700" cap="flat" cmpd="sng" algn="ctr">
+                      <a:noFill/>
+                      <a:prstDash val="solid"/>
+                      <a:round/>
+                      <a:headEnd type="none" w="med" len="med"/>
+                      <a:tailEnd type="none" w="med" len="med"/>
+                    </a:lnL>
+                    <a:lnR w="12700" cap="flat" cmpd="sng" algn="ctr">
+                      <a:noFill/>
+                      <a:prstDash val="solid"/>
+                      <a:round/>
+                      <a:headEnd type="none" w="med" len="med"/>
+                      <a:tailEnd type="none" w="med" len="med"/>
+                    </a:lnR>
+                    <a:lnT w="12700" cap="flat" cmpd="sng" algn="ctr">
+                      <a:solidFill>
+                        <a:schemeClr val="tx1"/>
+                      </a:solidFill>
+                      <a:prstDash val="solid"/>
+                      <a:round/>
+                      <a:headEnd type="none" w="med" len="med"/>
+                      <a:tailEnd type="none" w="med" len="med"/>
+                    </a:lnT>
+                    <a:lnB w="12700" cap="flat" cmpd="sng" algn="ctr">
+                      <a:noFill/>
+                      <a:prstDash val="solid"/>
+                      <a:round/>
+                      <a:headEnd type="none" w="med" len="med"/>
+                      <a:tailEnd type="none" w="med" len="med"/>
+                    </a:lnB>
+                    <a:lnTlToBr w="12700" cmpd="sng">
+                      <a:noFill/>
+                      <a:prstDash val="solid"/>
+                    </a:lnTlToBr>
+                    <a:lnBlToTr w="12700" cmpd="sng">
+                      <a:noFill/>
+                      <a:prstDash val="solid"/>
+                    </a:lnBlToTr>
+                    <a:noFill/>
+                  </a:tcPr>
+                </a:tc>
+                <a:tc>
+                  <a:txBody>
+                    <a:bodyPr/>
+                    <a:lstStyle/>
+                    <a:p>
+                      <a:pPr algn="ctr" latinLnBrk="1"/>
+                      <a:endParaRPr lang="ko-KR" altLang="en-US" sz="900" b="0" dirty="0">
+                        <a:solidFill>
+                          <a:schemeClr val="tx1"/>
+                        </a:solidFill>
+                        <a:latin typeface="나눔고딕" panose="020D0604000000000000" pitchFamily="50" charset="-127"/>
+                        <a:ea typeface="나눔고딕" panose="020D0604000000000000" pitchFamily="50" charset="-127"/>
+                      </a:endParaRPr>
+                    </a:p>
+                  </a:txBody>
+                  <a:tcPr marL="121920" marR="121920" marT="60960" marB="60960">
+                    <a:lnL w="12700" cap="flat" cmpd="sng" algn="ctr">
+                      <a:noFill/>
+                      <a:prstDash val="solid"/>
+                      <a:round/>
+                      <a:headEnd type="none" w="med" len="med"/>
+                      <a:tailEnd type="none" w="med" len="med"/>
+                    </a:lnL>
+                    <a:lnR w="12700" cap="flat" cmpd="sng" algn="ctr">
+                      <a:noFill/>
+                      <a:prstDash val="solid"/>
+                      <a:round/>
+                      <a:headEnd type="none" w="med" len="med"/>
+                      <a:tailEnd type="none" w="med" len="med"/>
+                    </a:lnR>
+                    <a:lnT w="12700" cap="flat" cmpd="sng" algn="ctr">
+                      <a:solidFill>
+                        <a:schemeClr val="tx1"/>
+                      </a:solidFill>
+                      <a:prstDash val="solid"/>
+                      <a:round/>
+                      <a:headEnd type="none" w="med" len="med"/>
+                      <a:tailEnd type="none" w="med" len="med"/>
+                    </a:lnT>
+                    <a:lnB w="12700" cap="flat" cmpd="sng" algn="ctr">
+                      <a:noFill/>
+                      <a:prstDash val="solid"/>
+                      <a:round/>
+                      <a:headEnd type="none" w="med" len="med"/>
+                      <a:tailEnd type="none" w="med" len="med"/>
+                    </a:lnB>
+                    <a:lnTlToBr w="12700" cmpd="sng">
+                      <a:noFill/>
+                      <a:prstDash val="solid"/>
+                    </a:lnTlToBr>
+                    <a:lnBlToTr w="12700" cmpd="sng">
+                      <a:noFill/>
+                      <a:prstDash val="solid"/>
+                    </a:lnBlToTr>
+                    <a:noFill/>
+                  </a:tcPr>
+                </a:tc>
+                <a:tc>
+                  <a:txBody>
+                    <a:bodyPr/>
+                    <a:lstStyle/>
+                    <a:p>
+                      <a:pPr marL="0" marR="0" lvl="0" indent="0" algn="l" defTabSz="685800" rtl="0" eaLnBrk="1" fontAlgn="auto" latinLnBrk="1" hangingPunct="1">
+                        <a:lnSpc>
+                          <a:spcPct val="100000"/>
+                        </a:lnSpc>
+                        <a:spcBef>
+                          <a:spcPts val="0"/>
+                        </a:spcBef>
+                        <a:spcAft>
+                          <a:spcPts val="0"/>
+                        </a:spcAft>
+                        <a:buClrTx/>
+                        <a:buSzTx/>
+                        <a:buFontTx/>
+                        <a:buNone/>
+                        <a:tabLst/>
+                        <a:defRPr/>
+                      </a:pPr>
+                      <a:r>
+                        <a:rPr lang="ko-KR" altLang="en-US" sz="900" dirty="0">
+                          <a:latin typeface="나눔고딕" panose="020D0604000000000000" pitchFamily="50" charset="-127"/>
+                          <a:ea typeface="나눔고딕" panose="020D0604000000000000" pitchFamily="50" charset="-127"/>
+                        </a:rPr>
+                        <a:t>답변완료 </a:t>
+                      </a:r>
+                      <a:r>
+                        <a:rPr lang="en-US" altLang="ko-KR" sz="900" dirty="0">
+                          <a:latin typeface="나눔고딕" panose="020D0604000000000000" pitchFamily="50" charset="-127"/>
+                          <a:ea typeface="나눔고딕" panose="020D0604000000000000" pitchFamily="50" charset="-127"/>
+                        </a:rPr>
+                        <a:t>(</a:t>
+                      </a:r>
+                      <a:r>
+                        <a:rPr lang="ko-KR" altLang="en-US" sz="900" u="sng" dirty="0">
+                          <a:solidFill>
+                            <a:srgbClr val="7030A0"/>
+                          </a:solidFill>
+                          <a:latin typeface="나눔고딕" panose="020D0604000000000000" pitchFamily="50" charset="-127"/>
+                          <a:ea typeface="나눔고딕" panose="020D0604000000000000" pitchFamily="50" charset="-127"/>
+                        </a:rPr>
+                        <a:t>영상</a:t>
+                      </a:r>
+                      <a:r>
+                        <a:rPr lang="en-US" altLang="ko-KR" sz="900" dirty="0">
+                          <a:latin typeface="나눔고딕" panose="020D0604000000000000" pitchFamily="50" charset="-127"/>
+                          <a:ea typeface="나눔고딕" panose="020D0604000000000000" pitchFamily="50" charset="-127"/>
+                        </a:rPr>
+                        <a:t>)</a:t>
+                      </a:r>
+                      <a:endParaRPr lang="ko-KR" altLang="en-US" sz="900" dirty="0">
+                        <a:latin typeface="나눔고딕" panose="020D0604000000000000" pitchFamily="50" charset="-127"/>
+                        <a:ea typeface="나눔고딕" panose="020D0604000000000000" pitchFamily="50" charset="-127"/>
+                      </a:endParaRPr>
+                    </a:p>
+                  </a:txBody>
+                  <a:tcPr marL="121920" marR="121920" marT="60960" marB="60960">
+                    <a:lnL w="12700" cap="flat" cmpd="sng" algn="ctr">
+                      <a:noFill/>
+                      <a:prstDash val="solid"/>
+                      <a:round/>
+                      <a:headEnd type="none" w="med" len="med"/>
+                      <a:tailEnd type="none" w="med" len="med"/>
+                    </a:lnL>
+                    <a:lnR w="12700" cap="flat" cmpd="sng" algn="ctr">
+                      <a:noFill/>
+                      <a:prstDash val="solid"/>
+                      <a:round/>
+                      <a:headEnd type="none" w="med" len="med"/>
+                      <a:tailEnd type="none" w="med" len="med"/>
+                    </a:lnR>
+                    <a:lnT w="12700" cap="flat" cmpd="sng" algn="ctr">
+                      <a:solidFill>
+                        <a:schemeClr val="tx1"/>
+                      </a:solidFill>
+                      <a:prstDash val="solid"/>
+                      <a:round/>
+                      <a:headEnd type="none" w="med" len="med"/>
+                      <a:tailEnd type="none" w="med" len="med"/>
+                    </a:lnT>
+                    <a:lnB w="12700" cap="flat" cmpd="sng" algn="ctr">
+                      <a:noFill/>
+                      <a:prstDash val="solid"/>
+                      <a:round/>
+                      <a:headEnd type="none" w="med" len="med"/>
+                      <a:tailEnd type="none" w="med" len="med"/>
+                    </a:lnB>
+                    <a:lnTlToBr w="12700" cmpd="sng">
+                      <a:noFill/>
+                      <a:prstDash val="solid"/>
+                    </a:lnTlToBr>
+                    <a:lnBlToTr w="12700" cmpd="sng">
+                      <a:noFill/>
+                      <a:prstDash val="solid"/>
+                    </a:lnBlToTr>
+                    <a:noFill/>
+                  </a:tcPr>
+                </a:tc>
+                <a:extLst>
+                  <a:ext uri="{0D108BD9-81ED-4DB2-BD59-A6C34878D82A}">
+                    <a16:rowId xmlns:a16="http://schemas.microsoft.com/office/drawing/2014/main" xmlns="" val="3153771678"/>
+                  </a:ext>
+                </a:extLst>
+              </a:tr>
+              <a:tr h="264160">
+                <a:tc>
+                  <a:txBody>
+                    <a:bodyPr/>
+                    <a:lstStyle/>
+                    <a:p>
+                      <a:pPr marL="0" marR="0" lvl="0" indent="0" algn="ctr" defTabSz="685800" rtl="0" eaLnBrk="1" fontAlgn="auto" latinLnBrk="1" hangingPunct="1">
+                        <a:lnSpc>
+                          <a:spcPct val="100000"/>
+                        </a:lnSpc>
+                        <a:spcBef>
+                          <a:spcPts val="0"/>
+                        </a:spcBef>
+                        <a:spcAft>
+                          <a:spcPts val="0"/>
+                        </a:spcAft>
+                        <a:buClrTx/>
+                        <a:buSzTx/>
+                        <a:buFontTx/>
+                        <a:buNone/>
+                        <a:tabLst/>
+                        <a:defRPr/>
+                      </a:pPr>
+                      <a:r>
+                        <a:rPr lang="en-US" altLang="ko-KR" sz="900" dirty="0">
+                          <a:latin typeface="나눔고딕" panose="020D0604000000000000" pitchFamily="50" charset="-127"/>
+                          <a:ea typeface="나눔고딕" panose="020D0604000000000000" pitchFamily="50" charset="-127"/>
+                        </a:rPr>
+                        <a:t>2017-11-06 15:33:42</a:t>
+                      </a:r>
+                      <a:endParaRPr lang="ko-KR" altLang="en-US" sz="900" dirty="0">
+                        <a:latin typeface="나눔고딕" panose="020D0604000000000000" pitchFamily="50" charset="-127"/>
+                        <a:ea typeface="나눔고딕" panose="020D0604000000000000" pitchFamily="50" charset="-127"/>
+                      </a:endParaRPr>
+                    </a:p>
+                  </a:txBody>
+                  <a:tcPr marL="121920" marR="121920" marT="60960" marB="60960">
+                    <a:lnL w="12700" cap="flat" cmpd="sng" algn="ctr">
+                      <a:noFill/>
+                      <a:prstDash val="solid"/>
+                      <a:round/>
+                      <a:headEnd type="none" w="med" len="med"/>
+                      <a:tailEnd type="none" w="med" len="med"/>
+                    </a:lnL>
+                    <a:lnR w="12700" cap="flat" cmpd="sng" algn="ctr">
+                      <a:noFill/>
+                      <a:prstDash val="solid"/>
+                      <a:round/>
+                      <a:headEnd type="none" w="med" len="med"/>
+                      <a:tailEnd type="none" w="med" len="med"/>
+                    </a:lnR>
+                    <a:lnT w="12700" cap="flat" cmpd="sng" algn="ctr">
+                      <a:noFill/>
+                      <a:prstDash val="solid"/>
+                      <a:round/>
+                      <a:headEnd type="none" w="med" len="med"/>
+                      <a:tailEnd type="none" w="med" len="med"/>
+                    </a:lnT>
+                    <a:lnB w="12700" cap="flat" cmpd="sng" algn="ctr">
+                      <a:noFill/>
+                      <a:prstDash val="solid"/>
+                      <a:round/>
+                      <a:headEnd type="none" w="med" len="med"/>
+                      <a:tailEnd type="none" w="med" len="med"/>
+                    </a:lnB>
+                    <a:lnTlToBr w="12700" cmpd="sng">
+                      <a:noFill/>
+                      <a:prstDash val="solid"/>
+                    </a:lnTlToBr>
+                    <a:lnBlToTr w="12700" cmpd="sng">
+                      <a:noFill/>
+                      <a:prstDash val="solid"/>
+                    </a:lnBlToTr>
+                    <a:noFill/>
+                  </a:tcPr>
+                </a:tc>
+                <a:tc>
+                  <a:txBody>
+                    <a:bodyPr/>
+                    <a:lstStyle/>
+                    <a:p>
+                      <a:pPr algn="ctr" latinLnBrk="1"/>
+                      <a:r>
+                        <a:rPr lang="ko-KR" altLang="en-US" sz="900" b="0" dirty="0">
+                          <a:solidFill>
+                            <a:schemeClr val="tx1"/>
+                          </a:solidFill>
+                          <a:latin typeface="나눔고딕" panose="020D0604000000000000" pitchFamily="50" charset="-127"/>
+                          <a:ea typeface="나눔고딕" panose="020D0604000000000000" pitchFamily="50" charset="-127"/>
+                        </a:rPr>
+                        <a:t>미적분</a:t>
+                      </a:r>
+                      <a:r>
+                        <a:rPr lang="en-US" altLang="ko-KR" sz="900" b="0" dirty="0">
+                          <a:solidFill>
+                            <a:schemeClr val="tx1"/>
+                          </a:solidFill>
+                          <a:latin typeface="나눔고딕" panose="020D0604000000000000" pitchFamily="50" charset="-127"/>
+                          <a:ea typeface="나눔고딕" panose="020D0604000000000000" pitchFamily="50" charset="-127"/>
+                        </a:rPr>
+                        <a:t>II</a:t>
+                      </a:r>
+                    </a:p>
+                  </a:txBody>
+                  <a:tcPr marL="121920" marR="121920" marT="60960" marB="60960">
+                    <a:lnL w="12700" cap="flat" cmpd="sng" algn="ctr">
+                      <a:noFill/>
+                      <a:prstDash val="solid"/>
+                      <a:round/>
+                      <a:headEnd type="none" w="med" len="med"/>
+                      <a:tailEnd type="none" w="med" len="med"/>
+                    </a:lnL>
+                    <a:lnR w="12700" cap="flat" cmpd="sng" algn="ctr">
+                      <a:noFill/>
+                      <a:prstDash val="solid"/>
+                      <a:round/>
+                      <a:headEnd type="none" w="med" len="med"/>
+                      <a:tailEnd type="none" w="med" len="med"/>
+                    </a:lnR>
+                    <a:lnT w="12700" cap="flat" cmpd="sng" algn="ctr">
+                      <a:noFill/>
+                      <a:prstDash val="solid"/>
+                      <a:round/>
+                      <a:headEnd type="none" w="med" len="med"/>
+                      <a:tailEnd type="none" w="med" len="med"/>
+                    </a:lnT>
+                    <a:lnB w="12700" cap="flat" cmpd="sng" algn="ctr">
+                      <a:noFill/>
+                      <a:prstDash val="solid"/>
+                      <a:round/>
+                      <a:headEnd type="none" w="med" len="med"/>
+                      <a:tailEnd type="none" w="med" len="med"/>
+                    </a:lnB>
+                    <a:lnTlToBr w="12700" cmpd="sng">
+                      <a:noFill/>
+                      <a:prstDash val="solid"/>
+                    </a:lnTlToBr>
+                    <a:lnBlToTr w="12700" cmpd="sng">
+                      <a:noFill/>
+                      <a:prstDash val="solid"/>
+                    </a:lnBlToTr>
+                    <a:noFill/>
+                  </a:tcPr>
+                </a:tc>
+                <a:tc>
+                  <a:txBody>
+                    <a:bodyPr/>
+                    <a:lstStyle/>
+                    <a:p>
+                      <a:pPr algn="ctr" latinLnBrk="1"/>
+                      <a:r>
+                        <a:rPr lang="ko-KR" altLang="en-US" sz="900" dirty="0">
+                          <a:latin typeface="나눔고딕" panose="020D0604000000000000" pitchFamily="50" charset="-127"/>
+                          <a:ea typeface="나눔고딕" panose="020D0604000000000000" pitchFamily="50" charset="-127"/>
+                        </a:rPr>
+                        <a:t>수학의정석 </a:t>
+                      </a:r>
+                      <a:r>
+                        <a:rPr lang="ko-KR" altLang="en-US" sz="900" dirty="0" err="1">
+                          <a:latin typeface="나눔고딕" panose="020D0604000000000000" pitchFamily="50" charset="-127"/>
+                          <a:ea typeface="나눔고딕" panose="020D0604000000000000" pitchFamily="50" charset="-127"/>
+                        </a:rPr>
+                        <a:t>기본편</a:t>
+                      </a:r>
+                      <a:r>
+                        <a:rPr lang="en-US" altLang="ko-KR" sz="900" dirty="0">
+                          <a:latin typeface="나눔고딕" panose="020D0604000000000000" pitchFamily="50" charset="-127"/>
+                          <a:ea typeface="나눔고딕" panose="020D0604000000000000" pitchFamily="50" charset="-127"/>
+                        </a:rPr>
+                        <a:t>(2015)</a:t>
+                      </a:r>
+                      <a:endParaRPr lang="ko-KR" altLang="en-US" sz="900" b="0" dirty="0">
+                        <a:solidFill>
+                          <a:schemeClr val="tx1"/>
+                        </a:solidFill>
+                        <a:latin typeface="나눔고딕" panose="020D0604000000000000" pitchFamily="50" charset="-127"/>
+                        <a:ea typeface="나눔고딕" panose="020D0604000000000000" pitchFamily="50" charset="-127"/>
+                      </a:endParaRPr>
+                    </a:p>
+                  </a:txBody>
+                  <a:tcPr marL="121920" marR="121920" marT="60960" marB="60960">
+                    <a:lnL w="12700" cap="flat" cmpd="sng" algn="ctr">
+                      <a:noFill/>
+                      <a:prstDash val="solid"/>
+                      <a:round/>
+                      <a:headEnd type="none" w="med" len="med"/>
+                      <a:tailEnd type="none" w="med" len="med"/>
+                    </a:lnL>
+                    <a:lnR w="12700" cap="flat" cmpd="sng" algn="ctr">
+                      <a:noFill/>
+                      <a:prstDash val="solid"/>
+                      <a:round/>
+                      <a:headEnd type="none" w="med" len="med"/>
+                      <a:tailEnd type="none" w="med" len="med"/>
+                    </a:lnR>
+                    <a:lnT w="12700" cap="flat" cmpd="sng" algn="ctr">
+                      <a:noFill/>
+                      <a:prstDash val="solid"/>
+                      <a:round/>
+                      <a:headEnd type="none" w="med" len="med"/>
+                      <a:tailEnd type="none" w="med" len="med"/>
+                    </a:lnT>
+                    <a:lnB w="12700" cap="flat" cmpd="sng" algn="ctr">
+                      <a:noFill/>
+                      <a:prstDash val="solid"/>
+                      <a:round/>
+                      <a:headEnd type="none" w="med" len="med"/>
+                      <a:tailEnd type="none" w="med" len="med"/>
+                    </a:lnB>
+                    <a:lnTlToBr w="12700" cmpd="sng">
+                      <a:noFill/>
+                      <a:prstDash val="solid"/>
+                    </a:lnTlToBr>
+                    <a:lnBlToTr w="12700" cmpd="sng">
+                      <a:noFill/>
+                      <a:prstDash val="solid"/>
+                    </a:lnBlToTr>
+                    <a:noFill/>
+                  </a:tcPr>
+                </a:tc>
+                <a:tc>
+                  <a:txBody>
+                    <a:bodyPr/>
+                    <a:lstStyle/>
+                    <a:p>
+                      <a:pPr algn="ctr" latinLnBrk="1"/>
+                      <a:r>
+                        <a:rPr lang="en-US" altLang="ko-KR" sz="900" b="0" dirty="0">
+                          <a:solidFill>
+                            <a:schemeClr val="tx1"/>
+                          </a:solidFill>
+                          <a:latin typeface="나눔고딕" panose="020D0604000000000000" pitchFamily="50" charset="-127"/>
+                          <a:ea typeface="나눔고딕" panose="020D0604000000000000" pitchFamily="50" charset="-127"/>
+                        </a:rPr>
+                        <a:t>37</a:t>
+                      </a:r>
+                      <a:endParaRPr lang="ko-KR" altLang="en-US" sz="900" b="0" dirty="0">
+                        <a:solidFill>
+                          <a:schemeClr val="tx1"/>
+                        </a:solidFill>
+                        <a:latin typeface="나눔고딕" panose="020D0604000000000000" pitchFamily="50" charset="-127"/>
+                        <a:ea typeface="나눔고딕" panose="020D0604000000000000" pitchFamily="50" charset="-127"/>
+                      </a:endParaRPr>
+                    </a:p>
+                  </a:txBody>
+                  <a:tcPr marL="121920" marR="121920" marT="60960" marB="60960">
+                    <a:lnL w="12700" cap="flat" cmpd="sng" algn="ctr">
+                      <a:noFill/>
+                      <a:prstDash val="solid"/>
+                      <a:round/>
+                      <a:headEnd type="none" w="med" len="med"/>
+                      <a:tailEnd type="none" w="med" len="med"/>
+                    </a:lnL>
+                    <a:lnR w="12700" cap="flat" cmpd="sng" algn="ctr">
+                      <a:noFill/>
+                      <a:prstDash val="solid"/>
+                      <a:round/>
+                      <a:headEnd type="none" w="med" len="med"/>
+                      <a:tailEnd type="none" w="med" len="med"/>
+                    </a:lnR>
+                    <a:lnT w="12700" cap="flat" cmpd="sng" algn="ctr">
+                      <a:noFill/>
+                      <a:prstDash val="solid"/>
+                      <a:round/>
+                      <a:headEnd type="none" w="med" len="med"/>
+                      <a:tailEnd type="none" w="med" len="med"/>
+                    </a:lnT>
+                    <a:lnB w="12700" cap="flat" cmpd="sng" algn="ctr">
+                      <a:noFill/>
+                      <a:prstDash val="solid"/>
+                      <a:round/>
+                      <a:headEnd type="none" w="med" len="med"/>
+                      <a:tailEnd type="none" w="med" len="med"/>
+                    </a:lnB>
+                    <a:lnTlToBr w="12700" cmpd="sng">
+                      <a:noFill/>
+                      <a:prstDash val="solid"/>
+                    </a:lnTlToBr>
+                    <a:lnBlToTr w="12700" cmpd="sng">
+                      <a:noFill/>
+                      <a:prstDash val="solid"/>
+                    </a:lnBlToTr>
+                    <a:noFill/>
+                  </a:tcPr>
+                </a:tc>
+                <a:tc>
+                  <a:txBody>
+                    <a:bodyPr/>
+                    <a:lstStyle/>
+                    <a:p>
+                      <a:pPr algn="ctr" latinLnBrk="1"/>
+                      <a:r>
+                        <a:rPr lang="en-US" altLang="ko-KR" sz="900" b="0" dirty="0">
+                          <a:solidFill>
+                            <a:schemeClr val="tx1"/>
+                          </a:solidFill>
+                          <a:latin typeface="나눔고딕" panose="020D0604000000000000" pitchFamily="50" charset="-127"/>
+                          <a:ea typeface="나눔고딕" panose="020D0604000000000000" pitchFamily="50" charset="-127"/>
+                        </a:rPr>
+                        <a:t>7</a:t>
+                      </a:r>
+                      <a:endParaRPr lang="ko-KR" altLang="en-US" sz="900" b="0" dirty="0">
+                        <a:solidFill>
+                          <a:schemeClr val="tx1"/>
+                        </a:solidFill>
+                        <a:latin typeface="나눔고딕" panose="020D0604000000000000" pitchFamily="50" charset="-127"/>
+                        <a:ea typeface="나눔고딕" panose="020D0604000000000000" pitchFamily="50" charset="-127"/>
+                      </a:endParaRPr>
+                    </a:p>
+                  </a:txBody>
+                  <a:tcPr marL="121920" marR="121920" marT="60960" marB="60960">
+                    <a:lnL w="12700" cap="flat" cmpd="sng" algn="ctr">
+                      <a:noFill/>
+                      <a:prstDash val="solid"/>
+                      <a:round/>
+                      <a:headEnd type="none" w="med" len="med"/>
+                      <a:tailEnd type="none" w="med" len="med"/>
+                    </a:lnL>
+                    <a:lnR w="12700" cap="flat" cmpd="sng" algn="ctr">
+                      <a:noFill/>
+                      <a:prstDash val="solid"/>
+                      <a:round/>
+                      <a:headEnd type="none" w="med" len="med"/>
+                      <a:tailEnd type="none" w="med" len="med"/>
+                    </a:lnR>
+                    <a:lnT w="12700" cap="flat" cmpd="sng" algn="ctr">
+                      <a:noFill/>
+                      <a:prstDash val="solid"/>
+                      <a:round/>
+                      <a:headEnd type="none" w="med" len="med"/>
+                      <a:tailEnd type="none" w="med" len="med"/>
+                    </a:lnT>
+                    <a:lnB w="12700" cap="flat" cmpd="sng" algn="ctr">
+                      <a:noFill/>
+                      <a:prstDash val="solid"/>
+                      <a:round/>
+                      <a:headEnd type="none" w="med" len="med"/>
+                      <a:tailEnd type="none" w="med" len="med"/>
+                    </a:lnB>
+                    <a:lnTlToBr w="12700" cmpd="sng">
+                      <a:noFill/>
+                      <a:prstDash val="solid"/>
+                    </a:lnTlToBr>
+                    <a:lnBlToTr w="12700" cmpd="sng">
+                      <a:noFill/>
+                      <a:prstDash val="solid"/>
+                    </a:lnBlToTr>
+                    <a:noFill/>
+                  </a:tcPr>
+                </a:tc>
+                <a:tc>
+                  <a:txBody>
+                    <a:bodyPr/>
+                    <a:lstStyle/>
+                    <a:p>
+                      <a:pPr algn="ctr" latinLnBrk="1"/>
+                      <a:endParaRPr lang="ko-KR" altLang="en-US" sz="900" b="0">
+                        <a:solidFill>
+                          <a:schemeClr val="tx1"/>
+                        </a:solidFill>
+                        <a:latin typeface="나눔고딕" panose="020D0604000000000000" pitchFamily="50" charset="-127"/>
+                        <a:ea typeface="나눔고딕" panose="020D0604000000000000" pitchFamily="50" charset="-127"/>
+                      </a:endParaRPr>
+                    </a:p>
+                  </a:txBody>
+                  <a:tcPr marL="121920" marR="121920" marT="60960" marB="60960">
+                    <a:lnL w="12700" cap="flat" cmpd="sng" algn="ctr">
+                      <a:noFill/>
+                      <a:prstDash val="solid"/>
+                      <a:round/>
+                      <a:headEnd type="none" w="med" len="med"/>
+                      <a:tailEnd type="none" w="med" len="med"/>
+                    </a:lnL>
+                    <a:lnR w="12700" cap="flat" cmpd="sng" algn="ctr">
+                      <a:noFill/>
+                      <a:prstDash val="solid"/>
+                      <a:round/>
+                      <a:headEnd type="none" w="med" len="med"/>
+                      <a:tailEnd type="none" w="med" len="med"/>
+                    </a:lnR>
+                    <a:lnT w="12700" cap="flat" cmpd="sng" algn="ctr">
+                      <a:noFill/>
+                      <a:prstDash val="solid"/>
+                      <a:round/>
+                      <a:headEnd type="none" w="med" len="med"/>
+                      <a:tailEnd type="none" w="med" len="med"/>
+                    </a:lnT>
+                    <a:lnB w="12700" cap="flat" cmpd="sng" algn="ctr">
+                      <a:noFill/>
+                      <a:prstDash val="solid"/>
+                      <a:round/>
+                      <a:headEnd type="none" w="med" len="med"/>
+                      <a:tailEnd type="none" w="med" len="med"/>
+                    </a:lnB>
+                    <a:lnTlToBr w="12700" cmpd="sng">
+                      <a:noFill/>
+                      <a:prstDash val="solid"/>
+                    </a:lnTlToBr>
+                    <a:lnBlToTr w="12700" cmpd="sng">
+                      <a:noFill/>
+                      <a:prstDash val="solid"/>
+                    </a:lnBlToTr>
+                    <a:noFill/>
+                  </a:tcPr>
+                </a:tc>
+                <a:tc>
+                  <a:txBody>
+                    <a:bodyPr/>
+                    <a:lstStyle/>
+                    <a:p>
+                      <a:pPr marL="0" marR="0" lvl="0" indent="0" algn="l" defTabSz="685800" rtl="0" eaLnBrk="1" fontAlgn="auto" latinLnBrk="1" hangingPunct="1">
+                        <a:lnSpc>
+                          <a:spcPct val="100000"/>
+                        </a:lnSpc>
+                        <a:spcBef>
+                          <a:spcPts val="0"/>
+                        </a:spcBef>
+                        <a:spcAft>
+                          <a:spcPts val="0"/>
+                        </a:spcAft>
+                        <a:buClrTx/>
+                        <a:buSzTx/>
+                        <a:buFontTx/>
+                        <a:buNone/>
+                        <a:tabLst/>
+                        <a:defRPr/>
+                      </a:pPr>
+                      <a:r>
+                        <a:rPr lang="ko-KR" altLang="en-US" sz="900" dirty="0">
+                          <a:latin typeface="나눔고딕" panose="020D0604000000000000" pitchFamily="50" charset="-127"/>
+                          <a:ea typeface="나눔고딕" panose="020D0604000000000000" pitchFamily="50" charset="-127"/>
+                        </a:rPr>
+                        <a:t>답변 대기중</a:t>
+                      </a:r>
+                    </a:p>
+                  </a:txBody>
+                  <a:tcPr marL="121920" marR="121920" marT="60960" marB="60960">
+                    <a:lnL w="12700" cap="flat" cmpd="sng" algn="ctr">
+                      <a:noFill/>
+                      <a:prstDash val="solid"/>
+                      <a:round/>
+                      <a:headEnd type="none" w="med" len="med"/>
+                      <a:tailEnd type="none" w="med" len="med"/>
+                    </a:lnL>
+                    <a:lnR w="12700" cap="flat" cmpd="sng" algn="ctr">
+                      <a:noFill/>
+                      <a:prstDash val="solid"/>
+                      <a:round/>
+                      <a:headEnd type="none" w="med" len="med"/>
+                      <a:tailEnd type="none" w="med" len="med"/>
+                    </a:lnR>
+                    <a:lnT w="12700" cap="flat" cmpd="sng" algn="ctr">
+                      <a:noFill/>
+                      <a:prstDash val="solid"/>
+                      <a:round/>
+                      <a:headEnd type="none" w="med" len="med"/>
+                      <a:tailEnd type="none" w="med" len="med"/>
+                    </a:lnT>
+                    <a:lnB w="12700" cap="flat" cmpd="sng" algn="ctr">
+                      <a:noFill/>
+                      <a:prstDash val="solid"/>
+                      <a:round/>
+                      <a:headEnd type="none" w="med" len="med"/>
+                      <a:tailEnd type="none" w="med" len="med"/>
+                    </a:lnB>
+                    <a:lnTlToBr w="12700" cmpd="sng">
+                      <a:noFill/>
+                      <a:prstDash val="solid"/>
+                    </a:lnTlToBr>
+                    <a:lnBlToTr w="12700" cmpd="sng">
+                      <a:noFill/>
+                      <a:prstDash val="solid"/>
+                    </a:lnBlToTr>
+                    <a:noFill/>
+                  </a:tcPr>
+                </a:tc>
+                <a:extLst>
+                  <a:ext uri="{0D108BD9-81ED-4DB2-BD59-A6C34878D82A}">
+                    <a16:rowId xmlns:a16="http://schemas.microsoft.com/office/drawing/2014/main" xmlns="" val="672683968"/>
+                  </a:ext>
+                </a:extLst>
+              </a:tr>
+              <a:tr h="264160">
+                <a:tc>
+                  <a:txBody>
+                    <a:bodyPr/>
+                    <a:lstStyle/>
+                    <a:p>
+                      <a:pPr marL="0" marR="0" lvl="0" indent="0" algn="ctr" defTabSz="685800" rtl="0" eaLnBrk="1" fontAlgn="auto" latinLnBrk="1" hangingPunct="1">
+                        <a:lnSpc>
+                          <a:spcPct val="100000"/>
+                        </a:lnSpc>
+                        <a:spcBef>
+                          <a:spcPts val="0"/>
+                        </a:spcBef>
+                        <a:spcAft>
+                          <a:spcPts val="0"/>
+                        </a:spcAft>
+                        <a:buClrTx/>
+                        <a:buSzTx/>
+                        <a:buFontTx/>
+                        <a:buNone/>
+                        <a:tabLst/>
+                        <a:defRPr/>
+                      </a:pPr>
+                      <a:r>
+                        <a:rPr lang="en-US" altLang="ko-KR" sz="900" dirty="0">
+                          <a:latin typeface="나눔고딕" panose="020D0604000000000000" pitchFamily="50" charset="-127"/>
+                          <a:ea typeface="나눔고딕" panose="020D0604000000000000" pitchFamily="50" charset="-127"/>
+                        </a:rPr>
+                        <a:t>2017-11-06 15:03:28</a:t>
+                      </a:r>
+                      <a:endParaRPr lang="ko-KR" altLang="en-US" sz="900" dirty="0">
+                        <a:latin typeface="나눔고딕" panose="020D0604000000000000" pitchFamily="50" charset="-127"/>
+                        <a:ea typeface="나눔고딕" panose="020D0604000000000000" pitchFamily="50" charset="-127"/>
+                      </a:endParaRPr>
+                    </a:p>
+                  </a:txBody>
+                  <a:tcPr marL="121920" marR="121920" marT="60960" marB="60960">
+                    <a:lnL w="12700" cap="flat" cmpd="sng" algn="ctr">
+                      <a:noFill/>
+                      <a:prstDash val="solid"/>
+                      <a:round/>
+                      <a:headEnd type="none" w="med" len="med"/>
+                      <a:tailEnd type="none" w="med" len="med"/>
+                    </a:lnL>
+                    <a:lnR w="12700" cap="flat" cmpd="sng" algn="ctr">
+                      <a:noFill/>
+                      <a:prstDash val="solid"/>
+                      <a:round/>
+                      <a:headEnd type="none" w="med" len="med"/>
+                      <a:tailEnd type="none" w="med" len="med"/>
+                    </a:lnR>
+                    <a:lnT w="12700" cap="flat" cmpd="sng" algn="ctr">
+                      <a:noFill/>
+                      <a:prstDash val="solid"/>
+                      <a:round/>
+                      <a:headEnd type="none" w="med" len="med"/>
+                      <a:tailEnd type="none" w="med" len="med"/>
+                    </a:lnT>
+                    <a:lnB w="12700" cap="flat" cmpd="sng" algn="ctr">
+                      <a:noFill/>
+                      <a:prstDash val="solid"/>
+                      <a:round/>
+                      <a:headEnd type="none" w="med" len="med"/>
+                      <a:tailEnd type="none" w="med" len="med"/>
+                    </a:lnB>
+                    <a:lnTlToBr w="12700" cmpd="sng">
+                      <a:noFill/>
+                      <a:prstDash val="solid"/>
+                    </a:lnTlToBr>
+                    <a:lnBlToTr w="12700" cmpd="sng">
+                      <a:noFill/>
+                      <a:prstDash val="solid"/>
+                    </a:lnBlToTr>
+                    <a:noFill/>
+                  </a:tcPr>
+                </a:tc>
+                <a:tc>
+                  <a:txBody>
+                    <a:bodyPr/>
+                    <a:lstStyle/>
+                    <a:p>
+                      <a:pPr algn="ctr" latinLnBrk="1"/>
+                      <a:r>
+                        <a:rPr lang="ko-KR" altLang="en-US" sz="900" b="0" dirty="0">
+                          <a:solidFill>
+                            <a:schemeClr val="tx1"/>
+                          </a:solidFill>
+                          <a:latin typeface="나눔고딕" panose="020D0604000000000000" pitchFamily="50" charset="-127"/>
+                          <a:ea typeface="나눔고딕" panose="020D0604000000000000" pitchFamily="50" charset="-127"/>
+                        </a:rPr>
+                        <a:t>미적분</a:t>
+                      </a:r>
+                      <a:r>
+                        <a:rPr lang="en-US" altLang="ko-KR" sz="900" b="0" dirty="0">
+                          <a:solidFill>
+                            <a:schemeClr val="tx1"/>
+                          </a:solidFill>
+                          <a:latin typeface="나눔고딕" panose="020D0604000000000000" pitchFamily="50" charset="-127"/>
+                          <a:ea typeface="나눔고딕" panose="020D0604000000000000" pitchFamily="50" charset="-127"/>
+                        </a:rPr>
+                        <a:t>II</a:t>
+                      </a:r>
+                      <a:endParaRPr lang="ko-KR" altLang="en-US" sz="900" b="0" dirty="0">
+                        <a:solidFill>
+                          <a:schemeClr val="tx1"/>
+                        </a:solidFill>
+                        <a:latin typeface="나눔고딕" panose="020D0604000000000000" pitchFamily="50" charset="-127"/>
+                        <a:ea typeface="나눔고딕" panose="020D0604000000000000" pitchFamily="50" charset="-127"/>
+                      </a:endParaRPr>
+                    </a:p>
+                  </a:txBody>
+                  <a:tcPr marL="121920" marR="121920" marT="60960" marB="60960">
+                    <a:lnL w="12700" cap="flat" cmpd="sng" algn="ctr">
+                      <a:noFill/>
+                      <a:prstDash val="solid"/>
+                      <a:round/>
+                      <a:headEnd type="none" w="med" len="med"/>
+                      <a:tailEnd type="none" w="med" len="med"/>
+                    </a:lnL>
+                    <a:lnR w="12700" cap="flat" cmpd="sng" algn="ctr">
+                      <a:noFill/>
+                      <a:prstDash val="solid"/>
+                      <a:round/>
+                      <a:headEnd type="none" w="med" len="med"/>
+                      <a:tailEnd type="none" w="med" len="med"/>
+                    </a:lnR>
+                    <a:lnT w="12700" cap="flat" cmpd="sng" algn="ctr">
+                      <a:noFill/>
+                      <a:prstDash val="solid"/>
+                      <a:round/>
+                      <a:headEnd type="none" w="med" len="med"/>
+                      <a:tailEnd type="none" w="med" len="med"/>
+                    </a:lnT>
+                    <a:lnB w="12700" cap="flat" cmpd="sng" algn="ctr">
+                      <a:noFill/>
+                      <a:prstDash val="solid"/>
+                      <a:round/>
+                      <a:headEnd type="none" w="med" len="med"/>
+                      <a:tailEnd type="none" w="med" len="med"/>
+                    </a:lnB>
+                    <a:lnTlToBr w="12700" cmpd="sng">
+                      <a:noFill/>
+                      <a:prstDash val="solid"/>
+                    </a:lnTlToBr>
+                    <a:lnBlToTr w="12700" cmpd="sng">
+                      <a:noFill/>
+                      <a:prstDash val="solid"/>
+                    </a:lnBlToTr>
+                    <a:noFill/>
+                  </a:tcPr>
+                </a:tc>
+                <a:tc>
+                  <a:txBody>
+                    <a:bodyPr/>
+                    <a:lstStyle/>
+                    <a:p>
+                      <a:pPr algn="ctr" latinLnBrk="1"/>
+                      <a:r>
+                        <a:rPr lang="ko-KR" altLang="en-US" sz="900" dirty="0">
+                          <a:latin typeface="나눔고딕" panose="020D0604000000000000" pitchFamily="50" charset="-127"/>
+                          <a:ea typeface="나눔고딕" panose="020D0604000000000000" pitchFamily="50" charset="-127"/>
+                        </a:rPr>
+                        <a:t>수학의정석 </a:t>
+                      </a:r>
+                      <a:r>
+                        <a:rPr lang="ko-KR" altLang="en-US" sz="900" dirty="0" err="1">
+                          <a:latin typeface="나눔고딕" panose="020D0604000000000000" pitchFamily="50" charset="-127"/>
+                          <a:ea typeface="나눔고딕" panose="020D0604000000000000" pitchFamily="50" charset="-127"/>
+                        </a:rPr>
+                        <a:t>기본편</a:t>
+                      </a:r>
+                      <a:r>
+                        <a:rPr lang="en-US" altLang="ko-KR" sz="900" dirty="0">
+                          <a:latin typeface="나눔고딕" panose="020D0604000000000000" pitchFamily="50" charset="-127"/>
+                          <a:ea typeface="나눔고딕" panose="020D0604000000000000" pitchFamily="50" charset="-127"/>
+                        </a:rPr>
+                        <a:t>(2015)</a:t>
+                      </a:r>
+                      <a:endParaRPr lang="ko-KR" altLang="en-US" sz="900" b="0" dirty="0">
+                        <a:solidFill>
+                          <a:schemeClr val="tx1"/>
+                        </a:solidFill>
+                        <a:latin typeface="나눔고딕" panose="020D0604000000000000" pitchFamily="50" charset="-127"/>
+                        <a:ea typeface="나눔고딕" panose="020D0604000000000000" pitchFamily="50" charset="-127"/>
+                      </a:endParaRPr>
+                    </a:p>
+                  </a:txBody>
+                  <a:tcPr marL="121920" marR="121920" marT="60960" marB="60960">
+                    <a:lnL w="12700" cap="flat" cmpd="sng" algn="ctr">
+                      <a:noFill/>
+                      <a:prstDash val="solid"/>
+                      <a:round/>
+                      <a:headEnd type="none" w="med" len="med"/>
+                      <a:tailEnd type="none" w="med" len="med"/>
+                    </a:lnL>
+                    <a:lnR w="12700" cap="flat" cmpd="sng" algn="ctr">
+                      <a:noFill/>
+                      <a:prstDash val="solid"/>
+                      <a:round/>
+                      <a:headEnd type="none" w="med" len="med"/>
+                      <a:tailEnd type="none" w="med" len="med"/>
+                    </a:lnR>
+                    <a:lnT w="12700" cap="flat" cmpd="sng" algn="ctr">
+                      <a:noFill/>
+                      <a:prstDash val="solid"/>
+                      <a:round/>
+                      <a:headEnd type="none" w="med" len="med"/>
+                      <a:tailEnd type="none" w="med" len="med"/>
+                    </a:lnT>
+                    <a:lnB w="12700" cap="flat" cmpd="sng" algn="ctr">
+                      <a:noFill/>
+                      <a:prstDash val="solid"/>
+                      <a:round/>
+                      <a:headEnd type="none" w="med" len="med"/>
+                      <a:tailEnd type="none" w="med" len="med"/>
+                    </a:lnB>
+                    <a:lnTlToBr w="12700" cmpd="sng">
+                      <a:noFill/>
+                      <a:prstDash val="solid"/>
+                    </a:lnTlToBr>
+                    <a:lnBlToTr w="12700" cmpd="sng">
+                      <a:noFill/>
+                      <a:prstDash val="solid"/>
+                    </a:lnBlToTr>
+                    <a:noFill/>
+                  </a:tcPr>
+                </a:tc>
+                <a:tc>
+                  <a:txBody>
+                    <a:bodyPr/>
+                    <a:lstStyle/>
+                    <a:p>
+                      <a:pPr algn="ctr" latinLnBrk="1"/>
+                      <a:r>
+                        <a:rPr lang="en-US" altLang="ko-KR" sz="900" b="0" dirty="0">
+                          <a:solidFill>
+                            <a:schemeClr val="tx1"/>
+                          </a:solidFill>
+                          <a:latin typeface="나눔고딕" panose="020D0604000000000000" pitchFamily="50" charset="-127"/>
+                          <a:ea typeface="나눔고딕" panose="020D0604000000000000" pitchFamily="50" charset="-127"/>
+                        </a:rPr>
+                        <a:t>36</a:t>
+                      </a:r>
+                      <a:endParaRPr lang="ko-KR" altLang="en-US" sz="900" b="0" dirty="0">
+                        <a:solidFill>
+                          <a:schemeClr val="tx1"/>
+                        </a:solidFill>
+                        <a:latin typeface="나눔고딕" panose="020D0604000000000000" pitchFamily="50" charset="-127"/>
+                        <a:ea typeface="나눔고딕" panose="020D0604000000000000" pitchFamily="50" charset="-127"/>
+                      </a:endParaRPr>
+                    </a:p>
+                  </a:txBody>
+                  <a:tcPr marL="121920" marR="121920" marT="60960" marB="60960">
+                    <a:lnL w="12700" cap="flat" cmpd="sng" algn="ctr">
+                      <a:noFill/>
+                      <a:prstDash val="solid"/>
+                      <a:round/>
+                      <a:headEnd type="none" w="med" len="med"/>
+                      <a:tailEnd type="none" w="med" len="med"/>
+                    </a:lnL>
+                    <a:lnR w="12700" cap="flat" cmpd="sng" algn="ctr">
+                      <a:noFill/>
+                      <a:prstDash val="solid"/>
+                      <a:round/>
+                      <a:headEnd type="none" w="med" len="med"/>
+                      <a:tailEnd type="none" w="med" len="med"/>
+                    </a:lnR>
+                    <a:lnT w="12700" cap="flat" cmpd="sng" algn="ctr">
+                      <a:noFill/>
+                      <a:prstDash val="solid"/>
+                      <a:round/>
+                      <a:headEnd type="none" w="med" len="med"/>
+                      <a:tailEnd type="none" w="med" len="med"/>
+                    </a:lnT>
+                    <a:lnB w="12700" cap="flat" cmpd="sng" algn="ctr">
+                      <a:noFill/>
+                      <a:prstDash val="solid"/>
+                      <a:round/>
+                      <a:headEnd type="none" w="med" len="med"/>
+                      <a:tailEnd type="none" w="med" len="med"/>
+                    </a:lnB>
+                    <a:lnTlToBr w="12700" cmpd="sng">
+                      <a:noFill/>
+                      <a:prstDash val="solid"/>
+                    </a:lnTlToBr>
+                    <a:lnBlToTr w="12700" cmpd="sng">
+                      <a:noFill/>
+                      <a:prstDash val="solid"/>
+                    </a:lnBlToTr>
+                    <a:noFill/>
+                  </a:tcPr>
+                </a:tc>
+                <a:tc>
+                  <a:txBody>
+                    <a:bodyPr/>
+                    <a:lstStyle/>
+                    <a:p>
+                      <a:pPr algn="ctr" latinLnBrk="1"/>
+                      <a:r>
+                        <a:rPr lang="en-US" altLang="ko-KR" sz="900" b="0" dirty="0">
+                          <a:solidFill>
+                            <a:schemeClr val="tx1"/>
+                          </a:solidFill>
+                          <a:latin typeface="나눔고딕" panose="020D0604000000000000" pitchFamily="50" charset="-127"/>
+                          <a:ea typeface="나눔고딕" panose="020D0604000000000000" pitchFamily="50" charset="-127"/>
+                        </a:rPr>
+                        <a:t>7</a:t>
+                      </a:r>
+                      <a:endParaRPr lang="ko-KR" altLang="en-US" sz="900" b="0" dirty="0">
+                        <a:solidFill>
+                          <a:schemeClr val="tx1"/>
+                        </a:solidFill>
+                        <a:latin typeface="나눔고딕" panose="020D0604000000000000" pitchFamily="50" charset="-127"/>
+                        <a:ea typeface="나눔고딕" panose="020D0604000000000000" pitchFamily="50" charset="-127"/>
+                      </a:endParaRPr>
+                    </a:p>
+                  </a:txBody>
+                  <a:tcPr marL="121920" marR="121920" marT="60960" marB="60960">
+                    <a:lnL w="12700" cap="flat" cmpd="sng" algn="ctr">
+                      <a:noFill/>
+                      <a:prstDash val="solid"/>
+                      <a:round/>
+                      <a:headEnd type="none" w="med" len="med"/>
+                      <a:tailEnd type="none" w="med" len="med"/>
+                    </a:lnL>
+                    <a:lnR w="12700" cap="flat" cmpd="sng" algn="ctr">
+                      <a:noFill/>
+                      <a:prstDash val="solid"/>
+                      <a:round/>
+                      <a:headEnd type="none" w="med" len="med"/>
+                      <a:tailEnd type="none" w="med" len="med"/>
+                    </a:lnR>
+                    <a:lnT w="12700" cap="flat" cmpd="sng" algn="ctr">
+                      <a:noFill/>
+                      <a:prstDash val="solid"/>
+                      <a:round/>
+                      <a:headEnd type="none" w="med" len="med"/>
+                      <a:tailEnd type="none" w="med" len="med"/>
+                    </a:lnT>
+                    <a:lnB w="12700" cap="flat" cmpd="sng" algn="ctr">
+                      <a:noFill/>
+                      <a:prstDash val="solid"/>
+                      <a:round/>
+                      <a:headEnd type="none" w="med" len="med"/>
+                      <a:tailEnd type="none" w="med" len="med"/>
+                    </a:lnB>
+                    <a:lnTlToBr w="12700" cmpd="sng">
+                      <a:noFill/>
+                      <a:prstDash val="solid"/>
+                    </a:lnTlToBr>
+                    <a:lnBlToTr w="12700" cmpd="sng">
+                      <a:noFill/>
+                      <a:prstDash val="solid"/>
+                    </a:lnBlToTr>
+                    <a:noFill/>
+                  </a:tcPr>
+                </a:tc>
+                <a:tc>
+                  <a:txBody>
+                    <a:bodyPr/>
+                    <a:lstStyle/>
+                    <a:p>
+                      <a:pPr algn="ctr" latinLnBrk="1"/>
+                      <a:endParaRPr lang="ko-KR" altLang="en-US" sz="900" b="0">
+                        <a:solidFill>
+                          <a:schemeClr val="tx1"/>
+                        </a:solidFill>
+                        <a:latin typeface="나눔고딕" panose="020D0604000000000000" pitchFamily="50" charset="-127"/>
+                        <a:ea typeface="나눔고딕" panose="020D0604000000000000" pitchFamily="50" charset="-127"/>
+                      </a:endParaRPr>
+                    </a:p>
+                  </a:txBody>
+                  <a:tcPr marL="121920" marR="121920" marT="60960" marB="60960">
+                    <a:lnL w="12700" cap="flat" cmpd="sng" algn="ctr">
+                      <a:noFill/>
+                      <a:prstDash val="solid"/>
+                      <a:round/>
+                      <a:headEnd type="none" w="med" len="med"/>
+                      <a:tailEnd type="none" w="med" len="med"/>
+                    </a:lnL>
+                    <a:lnR w="12700" cap="flat" cmpd="sng" algn="ctr">
+                      <a:noFill/>
+                      <a:prstDash val="solid"/>
+                      <a:round/>
+                      <a:headEnd type="none" w="med" len="med"/>
+                      <a:tailEnd type="none" w="med" len="med"/>
+                    </a:lnR>
+                    <a:lnT w="12700" cap="flat" cmpd="sng" algn="ctr">
+                      <a:noFill/>
+                      <a:prstDash val="solid"/>
+                      <a:round/>
+                      <a:headEnd type="none" w="med" len="med"/>
+                      <a:tailEnd type="none" w="med" len="med"/>
+                    </a:lnT>
+                    <a:lnB w="12700" cap="flat" cmpd="sng" algn="ctr">
+                      <a:noFill/>
+                      <a:prstDash val="solid"/>
+                      <a:round/>
+                      <a:headEnd type="none" w="med" len="med"/>
+                      <a:tailEnd type="none" w="med" len="med"/>
+                    </a:lnB>
+                    <a:lnTlToBr w="12700" cmpd="sng">
+                      <a:noFill/>
+                      <a:prstDash val="solid"/>
+                    </a:lnTlToBr>
+                    <a:lnBlToTr w="12700" cmpd="sng">
+                      <a:noFill/>
+                      <a:prstDash val="solid"/>
+                    </a:lnBlToTr>
+                    <a:noFill/>
+                  </a:tcPr>
+                </a:tc>
+                <a:tc>
+                  <a:txBody>
+                    <a:bodyPr/>
+                    <a:lstStyle/>
+                    <a:p>
+                      <a:pPr marL="0" marR="0" lvl="0" indent="0" algn="l" defTabSz="685800" rtl="0" eaLnBrk="1" fontAlgn="auto" latinLnBrk="1" hangingPunct="1">
+                        <a:lnSpc>
+                          <a:spcPct val="100000"/>
+                        </a:lnSpc>
+                        <a:spcBef>
+                          <a:spcPts val="0"/>
+                        </a:spcBef>
+                        <a:spcAft>
+                          <a:spcPts val="0"/>
+                        </a:spcAft>
+                        <a:buClrTx/>
+                        <a:buSzTx/>
+                        <a:buFontTx/>
+                        <a:buNone/>
+                        <a:tabLst/>
+                        <a:defRPr/>
+                      </a:pPr>
+                      <a:r>
+                        <a:rPr lang="ko-KR" altLang="en-US" sz="900" dirty="0">
+                          <a:latin typeface="나눔고딕" panose="020D0604000000000000" pitchFamily="50" charset="-127"/>
+                          <a:ea typeface="나눔고딕" panose="020D0604000000000000" pitchFamily="50" charset="-127"/>
+                        </a:rPr>
+                        <a:t>문제 번호를 다시 확인해주세요</a:t>
+                      </a:r>
+                      <a:r>
+                        <a:rPr lang="en-US" altLang="ko-KR" sz="900" dirty="0">
+                          <a:latin typeface="나눔고딕" panose="020D0604000000000000" pitchFamily="50" charset="-127"/>
+                          <a:ea typeface="나눔고딕" panose="020D0604000000000000" pitchFamily="50" charset="-127"/>
+                        </a:rPr>
+                        <a:t>!</a:t>
+                      </a:r>
+                      <a:endParaRPr lang="ko-KR" altLang="en-US" sz="900" dirty="0">
+                        <a:latin typeface="나눔고딕" panose="020D0604000000000000" pitchFamily="50" charset="-127"/>
+                        <a:ea typeface="나눔고딕" panose="020D0604000000000000" pitchFamily="50" charset="-127"/>
+                      </a:endParaRPr>
+                    </a:p>
+                  </a:txBody>
+                  <a:tcPr marL="121920" marR="121920" marT="60960" marB="60960">
+                    <a:lnL w="12700" cap="flat" cmpd="sng" algn="ctr">
+                      <a:noFill/>
+                      <a:prstDash val="solid"/>
+                      <a:round/>
+                      <a:headEnd type="none" w="med" len="med"/>
+                      <a:tailEnd type="none" w="med" len="med"/>
+                    </a:lnL>
+                    <a:lnR w="12700" cap="flat" cmpd="sng" algn="ctr">
+                      <a:noFill/>
+                      <a:prstDash val="solid"/>
+                      <a:round/>
+                      <a:headEnd type="none" w="med" len="med"/>
+                      <a:tailEnd type="none" w="med" len="med"/>
+                    </a:lnR>
+                    <a:lnT w="12700" cap="flat" cmpd="sng" algn="ctr">
+                      <a:noFill/>
+                      <a:prstDash val="solid"/>
+                      <a:round/>
+                      <a:headEnd type="none" w="med" len="med"/>
+                      <a:tailEnd type="none" w="med" len="med"/>
+                    </a:lnT>
+                    <a:lnB w="12700" cap="flat" cmpd="sng" algn="ctr">
+                      <a:noFill/>
+                      <a:prstDash val="solid"/>
+                      <a:round/>
+                      <a:headEnd type="none" w="med" len="med"/>
+                      <a:tailEnd type="none" w="med" len="med"/>
+                    </a:lnB>
+                    <a:lnTlToBr w="12700" cmpd="sng">
+                      <a:noFill/>
+                      <a:prstDash val="solid"/>
+                    </a:lnTlToBr>
+                    <a:lnBlToTr w="12700" cmpd="sng">
+                      <a:noFill/>
+                      <a:prstDash val="solid"/>
+                    </a:lnBlToTr>
+                    <a:noFill/>
+                  </a:tcPr>
+                </a:tc>
+                <a:extLst>
+                  <a:ext uri="{0D108BD9-81ED-4DB2-BD59-A6C34878D82A}">
+                    <a16:rowId xmlns:a16="http://schemas.microsoft.com/office/drawing/2014/main" xmlns="" val="1444319488"/>
+                  </a:ext>
+                </a:extLst>
+              </a:tr>
+              <a:tr h="264160">
+                <a:tc>
+                  <a:txBody>
+                    <a:bodyPr/>
+                    <a:lstStyle/>
+                    <a:p>
+                      <a:pPr marL="0" marR="0" lvl="0" indent="0" algn="ctr" defTabSz="685800" rtl="0" eaLnBrk="1" fontAlgn="auto" latinLnBrk="1" hangingPunct="1">
+                        <a:lnSpc>
+                          <a:spcPct val="100000"/>
+                        </a:lnSpc>
+                        <a:spcBef>
+                          <a:spcPts val="0"/>
+                        </a:spcBef>
+                        <a:spcAft>
+                          <a:spcPts val="0"/>
+                        </a:spcAft>
+                        <a:buClrTx/>
+                        <a:buSzTx/>
+                        <a:buFontTx/>
+                        <a:buNone/>
+                        <a:tabLst/>
+                        <a:defRPr/>
+                      </a:pPr>
+                      <a:r>
+                        <a:rPr lang="en-US" altLang="ko-KR" sz="900" dirty="0">
+                          <a:latin typeface="나눔고딕" panose="020D0604000000000000" pitchFamily="50" charset="-127"/>
+                          <a:ea typeface="나눔고딕" panose="020D0604000000000000" pitchFamily="50" charset="-127"/>
+                        </a:rPr>
+                        <a:t>2017-11-06 15:01:02</a:t>
+                      </a:r>
+                      <a:endParaRPr lang="ko-KR" altLang="en-US" sz="900" dirty="0">
+                        <a:latin typeface="나눔고딕" panose="020D0604000000000000" pitchFamily="50" charset="-127"/>
+                        <a:ea typeface="나눔고딕" panose="020D0604000000000000" pitchFamily="50" charset="-127"/>
+                      </a:endParaRPr>
+                    </a:p>
+                  </a:txBody>
+                  <a:tcPr marL="121920" marR="121920" marT="60960" marB="60960">
+                    <a:lnL w="12700" cap="flat" cmpd="sng" algn="ctr">
+                      <a:noFill/>
+                      <a:prstDash val="solid"/>
+                      <a:round/>
+                      <a:headEnd type="none" w="med" len="med"/>
+                      <a:tailEnd type="none" w="med" len="med"/>
+                    </a:lnL>
+                    <a:lnR w="12700" cap="flat" cmpd="sng" algn="ctr">
+                      <a:noFill/>
+                      <a:prstDash val="solid"/>
+                      <a:round/>
+                      <a:headEnd type="none" w="med" len="med"/>
+                      <a:tailEnd type="none" w="med" len="med"/>
+                    </a:lnR>
+                    <a:lnT w="12700" cap="flat" cmpd="sng" algn="ctr">
+                      <a:noFill/>
+                      <a:prstDash val="solid"/>
+                      <a:round/>
+                      <a:headEnd type="none" w="med" len="med"/>
+                      <a:tailEnd type="none" w="med" len="med"/>
+                    </a:lnT>
+                    <a:lnB w="12700" cap="flat" cmpd="sng" algn="ctr">
+                      <a:noFill/>
+                      <a:prstDash val="solid"/>
+                      <a:round/>
+                      <a:headEnd type="none" w="med" len="med"/>
+                      <a:tailEnd type="none" w="med" len="med"/>
+                    </a:lnB>
+                    <a:lnTlToBr w="12700" cmpd="sng">
+                      <a:noFill/>
+                      <a:prstDash val="solid"/>
+                    </a:lnTlToBr>
+                    <a:lnBlToTr w="12700" cmpd="sng">
+                      <a:noFill/>
+                      <a:prstDash val="solid"/>
+                    </a:lnBlToTr>
+                    <a:noFill/>
+                  </a:tcPr>
+                </a:tc>
+                <a:tc>
+                  <a:txBody>
+                    <a:bodyPr/>
+                    <a:lstStyle/>
+                    <a:p>
+                      <a:pPr algn="ctr" latinLnBrk="1"/>
+                      <a:r>
+                        <a:rPr lang="ko-KR" altLang="en-US" sz="900" b="0" dirty="0">
+                          <a:solidFill>
+                            <a:schemeClr val="tx1"/>
+                          </a:solidFill>
+                          <a:latin typeface="나눔고딕" panose="020D0604000000000000" pitchFamily="50" charset="-127"/>
+                          <a:ea typeface="나눔고딕" panose="020D0604000000000000" pitchFamily="50" charset="-127"/>
+                        </a:rPr>
+                        <a:t>미적분</a:t>
+                      </a:r>
+                      <a:r>
+                        <a:rPr lang="en-US" altLang="ko-KR" sz="900" b="0" dirty="0">
+                          <a:solidFill>
+                            <a:schemeClr val="tx1"/>
+                          </a:solidFill>
+                          <a:latin typeface="나눔고딕" panose="020D0604000000000000" pitchFamily="50" charset="-127"/>
+                          <a:ea typeface="나눔고딕" panose="020D0604000000000000" pitchFamily="50" charset="-127"/>
+                        </a:rPr>
+                        <a:t>I</a:t>
+                      </a:r>
+                      <a:endParaRPr lang="ko-KR" altLang="en-US" sz="900" b="0" dirty="0">
+                        <a:solidFill>
+                          <a:schemeClr val="tx1"/>
+                        </a:solidFill>
+                        <a:latin typeface="나눔고딕" panose="020D0604000000000000" pitchFamily="50" charset="-127"/>
+                        <a:ea typeface="나눔고딕" panose="020D0604000000000000" pitchFamily="50" charset="-127"/>
+                      </a:endParaRPr>
+                    </a:p>
+                  </a:txBody>
+                  <a:tcPr marL="121920" marR="121920" marT="60960" marB="60960">
+                    <a:lnL w="12700" cap="flat" cmpd="sng" algn="ctr">
+                      <a:noFill/>
+                      <a:prstDash val="solid"/>
+                      <a:round/>
+                      <a:headEnd type="none" w="med" len="med"/>
+                      <a:tailEnd type="none" w="med" len="med"/>
+                    </a:lnL>
+                    <a:lnR w="12700" cap="flat" cmpd="sng" algn="ctr">
+                      <a:noFill/>
+                      <a:prstDash val="solid"/>
+                      <a:round/>
+                      <a:headEnd type="none" w="med" len="med"/>
+                      <a:tailEnd type="none" w="med" len="med"/>
+                    </a:lnR>
+                    <a:lnT w="12700" cap="flat" cmpd="sng" algn="ctr">
+                      <a:noFill/>
+                      <a:prstDash val="solid"/>
+                      <a:round/>
+                      <a:headEnd type="none" w="med" len="med"/>
+                      <a:tailEnd type="none" w="med" len="med"/>
+                    </a:lnT>
+                    <a:lnB w="12700" cap="flat" cmpd="sng" algn="ctr">
+                      <a:noFill/>
+                      <a:prstDash val="solid"/>
+                      <a:round/>
+                      <a:headEnd type="none" w="med" len="med"/>
+                      <a:tailEnd type="none" w="med" len="med"/>
+                    </a:lnB>
+                    <a:lnTlToBr w="12700" cmpd="sng">
+                      <a:noFill/>
+                      <a:prstDash val="solid"/>
+                    </a:lnTlToBr>
+                    <a:lnBlToTr w="12700" cmpd="sng">
+                      <a:noFill/>
+                      <a:prstDash val="solid"/>
+                    </a:lnBlToTr>
+                    <a:noFill/>
+                  </a:tcPr>
+                </a:tc>
+                <a:tc>
+                  <a:txBody>
+                    <a:bodyPr/>
+                    <a:lstStyle/>
+                    <a:p>
+                      <a:pPr algn="ctr" latinLnBrk="1"/>
+                      <a:r>
+                        <a:rPr lang="ko-KR" altLang="en-US" sz="900" dirty="0">
+                          <a:latin typeface="나눔고딕" panose="020D0604000000000000" pitchFamily="50" charset="-127"/>
+                          <a:ea typeface="나눔고딕" panose="020D0604000000000000" pitchFamily="50" charset="-127"/>
+                        </a:rPr>
+                        <a:t>수학의정석 </a:t>
+                      </a:r>
+                      <a:r>
+                        <a:rPr lang="ko-KR" altLang="en-US" sz="900" dirty="0" err="1">
+                          <a:latin typeface="나눔고딕" panose="020D0604000000000000" pitchFamily="50" charset="-127"/>
+                          <a:ea typeface="나눔고딕" panose="020D0604000000000000" pitchFamily="50" charset="-127"/>
+                        </a:rPr>
+                        <a:t>실력편</a:t>
+                      </a:r>
+                      <a:r>
+                        <a:rPr lang="en-US" altLang="ko-KR" sz="900" dirty="0">
+                          <a:latin typeface="나눔고딕" panose="020D0604000000000000" pitchFamily="50" charset="-127"/>
+                          <a:ea typeface="나눔고딕" panose="020D0604000000000000" pitchFamily="50" charset="-127"/>
+                        </a:rPr>
+                        <a:t>(2015)</a:t>
+                      </a:r>
+                      <a:endParaRPr lang="ko-KR" altLang="en-US" sz="900" b="0" dirty="0">
+                        <a:solidFill>
+                          <a:schemeClr val="tx1"/>
+                        </a:solidFill>
+                        <a:latin typeface="나눔고딕" panose="020D0604000000000000" pitchFamily="50" charset="-127"/>
+                        <a:ea typeface="나눔고딕" panose="020D0604000000000000" pitchFamily="50" charset="-127"/>
+                      </a:endParaRPr>
+                    </a:p>
+                  </a:txBody>
+                  <a:tcPr marL="121920" marR="121920" marT="60960" marB="60960">
+                    <a:lnL w="12700" cap="flat" cmpd="sng" algn="ctr">
+                      <a:noFill/>
+                      <a:prstDash val="solid"/>
+                      <a:round/>
+                      <a:headEnd type="none" w="med" len="med"/>
+                      <a:tailEnd type="none" w="med" len="med"/>
+                    </a:lnL>
+                    <a:lnR w="12700" cap="flat" cmpd="sng" algn="ctr">
+                      <a:noFill/>
+                      <a:prstDash val="solid"/>
+                      <a:round/>
+                      <a:headEnd type="none" w="med" len="med"/>
+                      <a:tailEnd type="none" w="med" len="med"/>
+                    </a:lnR>
+                    <a:lnT w="12700" cap="flat" cmpd="sng" algn="ctr">
+                      <a:noFill/>
+                      <a:prstDash val="solid"/>
+                      <a:round/>
+                      <a:headEnd type="none" w="med" len="med"/>
+                      <a:tailEnd type="none" w="med" len="med"/>
+                    </a:lnT>
+                    <a:lnB w="12700" cap="flat" cmpd="sng" algn="ctr">
+                      <a:noFill/>
+                      <a:prstDash val="solid"/>
+                      <a:round/>
+                      <a:headEnd type="none" w="med" len="med"/>
+                      <a:tailEnd type="none" w="med" len="med"/>
+                    </a:lnB>
+                    <a:lnTlToBr w="12700" cmpd="sng">
+                      <a:noFill/>
+                      <a:prstDash val="solid"/>
+                    </a:lnTlToBr>
+                    <a:lnBlToTr w="12700" cmpd="sng">
+                      <a:noFill/>
+                      <a:prstDash val="solid"/>
+                    </a:lnBlToTr>
+                    <a:noFill/>
+                  </a:tcPr>
+                </a:tc>
+                <a:tc>
+                  <a:txBody>
+                    <a:bodyPr/>
+                    <a:lstStyle/>
+                    <a:p>
+                      <a:pPr algn="ctr" latinLnBrk="1"/>
+                      <a:r>
+                        <a:rPr lang="en-US" altLang="ko-KR" sz="900" b="0" dirty="0">
+                          <a:solidFill>
+                            <a:schemeClr val="tx1"/>
+                          </a:solidFill>
+                          <a:latin typeface="나눔고딕" panose="020D0604000000000000" pitchFamily="50" charset="-127"/>
+                          <a:ea typeface="나눔고딕" panose="020D0604000000000000" pitchFamily="50" charset="-127"/>
+                        </a:rPr>
+                        <a:t>52</a:t>
+                      </a:r>
+                      <a:endParaRPr lang="ko-KR" altLang="en-US" sz="900" b="0" dirty="0">
+                        <a:solidFill>
+                          <a:schemeClr val="tx1"/>
+                        </a:solidFill>
+                        <a:latin typeface="나눔고딕" panose="020D0604000000000000" pitchFamily="50" charset="-127"/>
+                        <a:ea typeface="나눔고딕" panose="020D0604000000000000" pitchFamily="50" charset="-127"/>
+                      </a:endParaRPr>
+                    </a:p>
+                  </a:txBody>
+                  <a:tcPr marL="121920" marR="121920" marT="60960" marB="60960">
+                    <a:lnL w="12700" cap="flat" cmpd="sng" algn="ctr">
+                      <a:noFill/>
+                      <a:prstDash val="solid"/>
+                      <a:round/>
+                      <a:headEnd type="none" w="med" len="med"/>
+                      <a:tailEnd type="none" w="med" len="med"/>
+                    </a:lnL>
+                    <a:lnR w="12700" cap="flat" cmpd="sng" algn="ctr">
+                      <a:noFill/>
+                      <a:prstDash val="solid"/>
+                      <a:round/>
+                      <a:headEnd type="none" w="med" len="med"/>
+                      <a:tailEnd type="none" w="med" len="med"/>
+                    </a:lnR>
+                    <a:lnT w="12700" cap="flat" cmpd="sng" algn="ctr">
+                      <a:noFill/>
+                      <a:prstDash val="solid"/>
+                      <a:round/>
+                      <a:headEnd type="none" w="med" len="med"/>
+                      <a:tailEnd type="none" w="med" len="med"/>
+                    </a:lnT>
+                    <a:lnB w="12700" cap="flat" cmpd="sng" algn="ctr">
+                      <a:noFill/>
+                      <a:prstDash val="solid"/>
+                      <a:round/>
+                      <a:headEnd type="none" w="med" len="med"/>
+                      <a:tailEnd type="none" w="med" len="med"/>
+                    </a:lnB>
+                    <a:lnTlToBr w="12700" cmpd="sng">
+                      <a:noFill/>
+                      <a:prstDash val="solid"/>
+                    </a:lnTlToBr>
+                    <a:lnBlToTr w="12700" cmpd="sng">
+                      <a:noFill/>
+                      <a:prstDash val="solid"/>
+                    </a:lnBlToTr>
+                    <a:noFill/>
+                  </a:tcPr>
+                </a:tc>
+                <a:tc>
+                  <a:txBody>
+                    <a:bodyPr/>
+                    <a:lstStyle/>
+                    <a:p>
+                      <a:pPr algn="ctr" latinLnBrk="1"/>
+                      <a:r>
+                        <a:rPr lang="en-US" altLang="ko-KR" sz="900" b="0" dirty="0">
+                          <a:solidFill>
+                            <a:schemeClr val="tx1"/>
+                          </a:solidFill>
+                          <a:latin typeface="나눔고딕" panose="020D0604000000000000" pitchFamily="50" charset="-127"/>
+                          <a:ea typeface="나눔고딕" panose="020D0604000000000000" pitchFamily="50" charset="-127"/>
+                        </a:rPr>
+                        <a:t>13</a:t>
+                      </a:r>
+                      <a:endParaRPr lang="ko-KR" altLang="en-US" sz="900" b="0" dirty="0">
+                        <a:solidFill>
+                          <a:schemeClr val="tx1"/>
+                        </a:solidFill>
+                        <a:latin typeface="나눔고딕" panose="020D0604000000000000" pitchFamily="50" charset="-127"/>
+                        <a:ea typeface="나눔고딕" panose="020D0604000000000000" pitchFamily="50" charset="-127"/>
+                      </a:endParaRPr>
+                    </a:p>
+                  </a:txBody>
+                  <a:tcPr marL="121920" marR="121920" marT="60960" marB="60960">
+                    <a:lnL w="12700" cap="flat" cmpd="sng" algn="ctr">
+                      <a:noFill/>
+                      <a:prstDash val="solid"/>
+                      <a:round/>
+                      <a:headEnd type="none" w="med" len="med"/>
+                      <a:tailEnd type="none" w="med" len="med"/>
+                    </a:lnL>
+                    <a:lnR w="12700" cap="flat" cmpd="sng" algn="ctr">
+                      <a:noFill/>
+                      <a:prstDash val="solid"/>
+                      <a:round/>
+                      <a:headEnd type="none" w="med" len="med"/>
+                      <a:tailEnd type="none" w="med" len="med"/>
+                    </a:lnR>
+                    <a:lnT w="12700" cap="flat" cmpd="sng" algn="ctr">
+                      <a:noFill/>
+                      <a:prstDash val="solid"/>
+                      <a:round/>
+                      <a:headEnd type="none" w="med" len="med"/>
+                      <a:tailEnd type="none" w="med" len="med"/>
+                    </a:lnT>
+                    <a:lnB w="12700" cap="flat" cmpd="sng" algn="ctr">
+                      <a:noFill/>
+                      <a:prstDash val="solid"/>
+                      <a:round/>
+                      <a:headEnd type="none" w="med" len="med"/>
+                      <a:tailEnd type="none" w="med" len="med"/>
+                    </a:lnB>
+                    <a:lnTlToBr w="12700" cmpd="sng">
+                      <a:noFill/>
+                      <a:prstDash val="solid"/>
+                    </a:lnTlToBr>
+                    <a:lnBlToTr w="12700" cmpd="sng">
+                      <a:noFill/>
+                      <a:prstDash val="solid"/>
+                    </a:lnBlToTr>
+                    <a:noFill/>
+                  </a:tcPr>
+                </a:tc>
+                <a:tc>
+                  <a:txBody>
+                    <a:bodyPr/>
+                    <a:lstStyle/>
+                    <a:p>
+                      <a:pPr algn="ctr" latinLnBrk="1"/>
+                      <a:endParaRPr lang="ko-KR" altLang="en-US" sz="900" b="0" dirty="0">
+                        <a:solidFill>
+                          <a:schemeClr val="tx1"/>
+                        </a:solidFill>
+                        <a:latin typeface="나눔고딕" panose="020D0604000000000000" pitchFamily="50" charset="-127"/>
+                        <a:ea typeface="나눔고딕" panose="020D0604000000000000" pitchFamily="50" charset="-127"/>
+                      </a:endParaRPr>
+                    </a:p>
+                  </a:txBody>
+                  <a:tcPr marL="121920" marR="121920" marT="60960" marB="60960">
+                    <a:lnL w="12700" cap="flat" cmpd="sng" algn="ctr">
+                      <a:noFill/>
+                      <a:prstDash val="solid"/>
+                      <a:round/>
+                      <a:headEnd type="none" w="med" len="med"/>
+                      <a:tailEnd type="none" w="med" len="med"/>
+                    </a:lnL>
+                    <a:lnR w="12700" cap="flat" cmpd="sng" algn="ctr">
+                      <a:noFill/>
+                      <a:prstDash val="solid"/>
+                      <a:round/>
+                      <a:headEnd type="none" w="med" len="med"/>
+                      <a:tailEnd type="none" w="med" len="med"/>
+                    </a:lnR>
+                    <a:lnT w="12700" cap="flat" cmpd="sng" algn="ctr">
+                      <a:noFill/>
+                      <a:prstDash val="solid"/>
+                      <a:round/>
+                      <a:headEnd type="none" w="med" len="med"/>
+                      <a:tailEnd type="none" w="med" len="med"/>
+                    </a:lnT>
+                    <a:lnB w="12700" cap="flat" cmpd="sng" algn="ctr">
+                      <a:noFill/>
+                      <a:prstDash val="solid"/>
+                      <a:round/>
+                      <a:headEnd type="none" w="med" len="med"/>
+                      <a:tailEnd type="none" w="med" len="med"/>
+                    </a:lnB>
+                    <a:lnTlToBr w="12700" cmpd="sng">
+                      <a:noFill/>
+                      <a:prstDash val="solid"/>
+                    </a:lnTlToBr>
+                    <a:lnBlToTr w="12700" cmpd="sng">
+                      <a:noFill/>
+                      <a:prstDash val="solid"/>
+                    </a:lnBlToTr>
+                    <a:noFill/>
+                  </a:tcPr>
+                </a:tc>
+                <a:tc>
+                  <a:txBody>
+                    <a:bodyPr/>
+                    <a:lstStyle/>
+                    <a:p>
+                      <a:pPr marL="0" marR="0" lvl="0" indent="0" algn="l" defTabSz="685800" rtl="0" eaLnBrk="1" fontAlgn="auto" latinLnBrk="1" hangingPunct="1">
+                        <a:lnSpc>
+                          <a:spcPct val="100000"/>
+                        </a:lnSpc>
+                        <a:spcBef>
+                          <a:spcPts val="0"/>
+                        </a:spcBef>
+                        <a:spcAft>
+                          <a:spcPts val="0"/>
+                        </a:spcAft>
+                        <a:buClrTx/>
+                        <a:buSzTx/>
+                        <a:buFontTx/>
+                        <a:buNone/>
+                        <a:tabLst/>
+                        <a:defRPr/>
+                      </a:pPr>
+                      <a:r>
+                        <a:rPr lang="ko-KR" altLang="en-US" sz="900" dirty="0">
+                          <a:latin typeface="나눔고딕" panose="020D0604000000000000" pitchFamily="50" charset="-127"/>
+                          <a:ea typeface="나눔고딕" panose="020D0604000000000000" pitchFamily="50" charset="-127"/>
+                        </a:rPr>
+                        <a:t>답변완료 </a:t>
+                      </a:r>
+                      <a:r>
+                        <a:rPr lang="en-US" altLang="ko-KR" sz="900" dirty="0">
+                          <a:latin typeface="나눔고딕" panose="020D0604000000000000" pitchFamily="50" charset="-127"/>
+                          <a:ea typeface="나눔고딕" panose="020D0604000000000000" pitchFamily="50" charset="-127"/>
+                        </a:rPr>
+                        <a:t>(</a:t>
+                      </a:r>
+                      <a:r>
+                        <a:rPr lang="ko-KR" altLang="en-US" sz="900" u="sng" dirty="0">
+                          <a:solidFill>
+                            <a:srgbClr val="7030A0"/>
+                          </a:solidFill>
+                          <a:latin typeface="나눔고딕" panose="020D0604000000000000" pitchFamily="50" charset="-127"/>
+                          <a:ea typeface="나눔고딕" panose="020D0604000000000000" pitchFamily="50" charset="-127"/>
+                        </a:rPr>
+                        <a:t>영상</a:t>
+                      </a:r>
+                      <a:r>
+                        <a:rPr lang="en-US" altLang="ko-KR" sz="900" dirty="0">
+                          <a:latin typeface="나눔고딕" panose="020D0604000000000000" pitchFamily="50" charset="-127"/>
+                          <a:ea typeface="나눔고딕" panose="020D0604000000000000" pitchFamily="50" charset="-127"/>
+                        </a:rPr>
+                        <a:t>)</a:t>
+                      </a:r>
+                      <a:endParaRPr lang="ko-KR" altLang="en-US" sz="900" dirty="0">
+                        <a:latin typeface="나눔고딕" panose="020D0604000000000000" pitchFamily="50" charset="-127"/>
+                        <a:ea typeface="나눔고딕" panose="020D0604000000000000" pitchFamily="50" charset="-127"/>
+                      </a:endParaRPr>
+                    </a:p>
+                  </a:txBody>
+                  <a:tcPr marL="121920" marR="121920" marT="60960" marB="60960">
+                    <a:lnL w="12700" cap="flat" cmpd="sng" algn="ctr">
+                      <a:noFill/>
+                      <a:prstDash val="solid"/>
+                      <a:round/>
+                      <a:headEnd type="none" w="med" len="med"/>
+                      <a:tailEnd type="none" w="med" len="med"/>
+                    </a:lnL>
+                    <a:lnR w="12700" cap="flat" cmpd="sng" algn="ctr">
+                      <a:noFill/>
+                      <a:prstDash val="solid"/>
+                      <a:round/>
+                      <a:headEnd type="none" w="med" len="med"/>
+                      <a:tailEnd type="none" w="med" len="med"/>
+                    </a:lnR>
+                    <a:lnT w="12700" cap="flat" cmpd="sng" algn="ctr">
+                      <a:noFill/>
+                      <a:prstDash val="solid"/>
+                      <a:round/>
+                      <a:headEnd type="none" w="med" len="med"/>
+                      <a:tailEnd type="none" w="med" len="med"/>
+                    </a:lnT>
+                    <a:lnB w="12700" cap="flat" cmpd="sng" algn="ctr">
+                      <a:noFill/>
+                      <a:prstDash val="solid"/>
+                      <a:round/>
+                      <a:headEnd type="none" w="med" len="med"/>
+                      <a:tailEnd type="none" w="med" len="med"/>
+                    </a:lnB>
+                    <a:lnTlToBr w="12700" cmpd="sng">
+                      <a:noFill/>
+                      <a:prstDash val="solid"/>
+                    </a:lnTlToBr>
+                    <a:lnBlToTr w="12700" cmpd="sng">
+                      <a:noFill/>
+                      <a:prstDash val="solid"/>
+                    </a:lnBlToTr>
+                    <a:noFill/>
+                  </a:tcPr>
+                </a:tc>
+                <a:extLst>
+                  <a:ext uri="{0D108BD9-81ED-4DB2-BD59-A6C34878D82A}">
+                    <a16:rowId xmlns:a16="http://schemas.microsoft.com/office/drawing/2014/main" xmlns="" val="2432851687"/>
+                  </a:ext>
+                </a:extLst>
+              </a:tr>
+              <a:tr h="264160">
+                <a:tc>
+                  <a:txBody>
+                    <a:bodyPr/>
+                    <a:lstStyle/>
+                    <a:p>
+                      <a:pPr algn="ctr" latinLnBrk="1"/>
+                      <a:r>
+                        <a:rPr lang="en-US" altLang="ko-KR" sz="900" b="0" dirty="0">
+                          <a:solidFill>
+                            <a:schemeClr val="tx1"/>
+                          </a:solidFill>
+                          <a:latin typeface="나눔고딕" panose="020D0604000000000000" pitchFamily="50" charset="-127"/>
+                          <a:ea typeface="나눔고딕" panose="020D0604000000000000" pitchFamily="50" charset="-127"/>
+                        </a:rPr>
+                        <a:t>2017-11-04 22:03:13</a:t>
+                      </a:r>
+                      <a:endParaRPr lang="ko-KR" altLang="en-US" sz="900" b="0" dirty="0">
+                        <a:solidFill>
+                          <a:schemeClr val="tx1"/>
+                        </a:solidFill>
+                        <a:latin typeface="나눔고딕" panose="020D0604000000000000" pitchFamily="50" charset="-127"/>
+                        <a:ea typeface="나눔고딕" panose="020D0604000000000000" pitchFamily="50" charset="-127"/>
+                      </a:endParaRPr>
+                    </a:p>
+                  </a:txBody>
+                  <a:tcPr marL="121920" marR="121920" marT="60960" marB="60960">
+                    <a:lnL w="12700" cap="flat" cmpd="sng" algn="ctr">
+                      <a:noFill/>
+                      <a:prstDash val="solid"/>
+                      <a:round/>
+                      <a:headEnd type="none" w="med" len="med"/>
+                      <a:tailEnd type="none" w="med" len="med"/>
+                    </a:lnL>
+                    <a:lnR w="12700" cap="flat" cmpd="sng" algn="ctr">
+                      <a:noFill/>
+                      <a:prstDash val="solid"/>
+                      <a:round/>
+                      <a:headEnd type="none" w="med" len="med"/>
+                      <a:tailEnd type="none" w="med" len="med"/>
+                    </a:lnR>
+                    <a:lnT w="12700" cap="flat" cmpd="sng" algn="ctr">
+                      <a:noFill/>
+                      <a:prstDash val="solid"/>
+                      <a:round/>
+                      <a:headEnd type="none" w="med" len="med"/>
+                      <a:tailEnd type="none" w="med" len="med"/>
+                    </a:lnT>
+                    <a:lnB w="12700" cap="flat" cmpd="sng" algn="ctr">
+                      <a:noFill/>
+                      <a:prstDash val="solid"/>
+                      <a:round/>
+                      <a:headEnd type="none" w="med" len="med"/>
+                      <a:tailEnd type="none" w="med" len="med"/>
+                    </a:lnB>
+                    <a:lnTlToBr w="12700" cmpd="sng">
+                      <a:noFill/>
+                      <a:prstDash val="solid"/>
+                    </a:lnTlToBr>
+                    <a:lnBlToTr w="12700" cmpd="sng">
+                      <a:noFill/>
+                      <a:prstDash val="solid"/>
+                    </a:lnBlToTr>
+                    <a:noFill/>
+                  </a:tcPr>
+                </a:tc>
+                <a:tc>
+                  <a:txBody>
+                    <a:bodyPr/>
+                    <a:lstStyle/>
+                    <a:p>
+                      <a:pPr algn="ctr" latinLnBrk="1"/>
+                      <a:r>
+                        <a:rPr lang="ko-KR" altLang="en-US" sz="900" b="0" dirty="0">
+                          <a:solidFill>
+                            <a:schemeClr val="tx1"/>
+                          </a:solidFill>
+                          <a:latin typeface="나눔고딕" panose="020D0604000000000000" pitchFamily="50" charset="-127"/>
+                          <a:ea typeface="나눔고딕" panose="020D0604000000000000" pitchFamily="50" charset="-127"/>
+                        </a:rPr>
+                        <a:t>미적분</a:t>
+                      </a:r>
+                      <a:r>
+                        <a:rPr lang="en-US" altLang="ko-KR" sz="900" b="0" dirty="0">
+                          <a:solidFill>
+                            <a:schemeClr val="tx1"/>
+                          </a:solidFill>
+                          <a:latin typeface="나눔고딕" panose="020D0604000000000000" pitchFamily="50" charset="-127"/>
+                          <a:ea typeface="나눔고딕" panose="020D0604000000000000" pitchFamily="50" charset="-127"/>
+                        </a:rPr>
+                        <a:t>I</a:t>
+                      </a:r>
+                      <a:endParaRPr lang="ko-KR" altLang="en-US" sz="900" b="0" dirty="0">
+                        <a:solidFill>
+                          <a:schemeClr val="tx1"/>
+                        </a:solidFill>
+                        <a:latin typeface="나눔고딕" panose="020D0604000000000000" pitchFamily="50" charset="-127"/>
+                        <a:ea typeface="나눔고딕" panose="020D0604000000000000" pitchFamily="50" charset="-127"/>
+                      </a:endParaRPr>
+                    </a:p>
+                  </a:txBody>
+                  <a:tcPr marL="121920" marR="121920" marT="60960" marB="60960">
+                    <a:lnL w="12700" cap="flat" cmpd="sng" algn="ctr">
+                      <a:noFill/>
+                      <a:prstDash val="solid"/>
+                      <a:round/>
+                      <a:headEnd type="none" w="med" len="med"/>
+                      <a:tailEnd type="none" w="med" len="med"/>
+                    </a:lnL>
+                    <a:lnR w="12700" cap="flat" cmpd="sng" algn="ctr">
+                      <a:noFill/>
+                      <a:prstDash val="solid"/>
+                      <a:round/>
+                      <a:headEnd type="none" w="med" len="med"/>
+                      <a:tailEnd type="none" w="med" len="med"/>
+                    </a:lnR>
+                    <a:lnT w="12700" cap="flat" cmpd="sng" algn="ctr">
+                      <a:noFill/>
+                      <a:prstDash val="solid"/>
+                      <a:round/>
+                      <a:headEnd type="none" w="med" len="med"/>
+                      <a:tailEnd type="none" w="med" len="med"/>
+                    </a:lnT>
+                    <a:lnB w="12700" cap="flat" cmpd="sng" algn="ctr">
+                      <a:noFill/>
+                      <a:prstDash val="solid"/>
+                      <a:round/>
+                      <a:headEnd type="none" w="med" len="med"/>
+                      <a:tailEnd type="none" w="med" len="med"/>
+                    </a:lnB>
+                    <a:lnTlToBr w="12700" cmpd="sng">
+                      <a:noFill/>
+                      <a:prstDash val="solid"/>
+                    </a:lnTlToBr>
+                    <a:lnBlToTr w="12700" cmpd="sng">
+                      <a:noFill/>
+                      <a:prstDash val="solid"/>
+                    </a:lnBlToTr>
+                    <a:noFill/>
+                  </a:tcPr>
+                </a:tc>
+                <a:tc>
+                  <a:txBody>
+                    <a:bodyPr/>
+                    <a:lstStyle/>
+                    <a:p>
+                      <a:pPr algn="ctr" latinLnBrk="1"/>
+                      <a:r>
+                        <a:rPr lang="ko-KR" altLang="en-US" sz="900" b="0" dirty="0" err="1">
+                          <a:solidFill>
+                            <a:schemeClr val="tx1"/>
+                          </a:solidFill>
+                          <a:latin typeface="나눔고딕" panose="020D0604000000000000" pitchFamily="50" charset="-127"/>
+                          <a:ea typeface="나눔고딕" panose="020D0604000000000000" pitchFamily="50" charset="-127"/>
+                        </a:rPr>
+                        <a:t>쎈수학</a:t>
+                      </a:r>
+                      <a:r>
+                        <a:rPr lang="en-US" altLang="ko-KR" sz="900" b="0" dirty="0">
+                          <a:solidFill>
+                            <a:schemeClr val="tx1"/>
+                          </a:solidFill>
+                          <a:latin typeface="나눔고딕" panose="020D0604000000000000" pitchFamily="50" charset="-127"/>
+                          <a:ea typeface="나눔고딕" panose="020D0604000000000000" pitchFamily="50" charset="-127"/>
+                        </a:rPr>
+                        <a:t>(2015)</a:t>
+                      </a:r>
+                      <a:endParaRPr lang="ko-KR" altLang="en-US" sz="900" b="0" dirty="0">
+                        <a:solidFill>
+                          <a:schemeClr val="tx1"/>
+                        </a:solidFill>
+                        <a:latin typeface="나눔고딕" panose="020D0604000000000000" pitchFamily="50" charset="-127"/>
+                        <a:ea typeface="나눔고딕" panose="020D0604000000000000" pitchFamily="50" charset="-127"/>
+                      </a:endParaRPr>
+                    </a:p>
+                  </a:txBody>
+                  <a:tcPr marL="121920" marR="121920" marT="60960" marB="60960">
+                    <a:lnL w="12700" cap="flat" cmpd="sng" algn="ctr">
+                      <a:noFill/>
+                      <a:prstDash val="solid"/>
+                      <a:round/>
+                      <a:headEnd type="none" w="med" len="med"/>
+                      <a:tailEnd type="none" w="med" len="med"/>
+                    </a:lnL>
+                    <a:lnR w="12700" cap="flat" cmpd="sng" algn="ctr">
+                      <a:noFill/>
+                      <a:prstDash val="solid"/>
+                      <a:round/>
+                      <a:headEnd type="none" w="med" len="med"/>
+                      <a:tailEnd type="none" w="med" len="med"/>
+                    </a:lnR>
+                    <a:lnT w="12700" cap="flat" cmpd="sng" algn="ctr">
+                      <a:noFill/>
+                      <a:prstDash val="solid"/>
+                      <a:round/>
+                      <a:headEnd type="none" w="med" len="med"/>
+                      <a:tailEnd type="none" w="med" len="med"/>
+                    </a:lnT>
+                    <a:lnB w="12700" cap="flat" cmpd="sng" algn="ctr">
+                      <a:noFill/>
+                      <a:prstDash val="solid"/>
+                      <a:round/>
+                      <a:headEnd type="none" w="med" len="med"/>
+                      <a:tailEnd type="none" w="med" len="med"/>
+                    </a:lnB>
+                    <a:lnTlToBr w="12700" cmpd="sng">
+                      <a:noFill/>
+                      <a:prstDash val="solid"/>
+                    </a:lnTlToBr>
+                    <a:lnBlToTr w="12700" cmpd="sng">
+                      <a:noFill/>
+                      <a:prstDash val="solid"/>
+                    </a:lnBlToTr>
+                    <a:noFill/>
+                  </a:tcPr>
+                </a:tc>
+                <a:tc>
+                  <a:txBody>
+                    <a:bodyPr/>
+                    <a:lstStyle/>
+                    <a:p>
+                      <a:pPr algn="ctr" latinLnBrk="1"/>
+                      <a:endParaRPr lang="ko-KR" altLang="en-US" sz="900" b="0" dirty="0">
+                        <a:solidFill>
+                          <a:schemeClr val="tx1"/>
+                        </a:solidFill>
+                        <a:latin typeface="나눔고딕" panose="020D0604000000000000" pitchFamily="50" charset="-127"/>
+                        <a:ea typeface="나눔고딕" panose="020D0604000000000000" pitchFamily="50" charset="-127"/>
+                      </a:endParaRPr>
+                    </a:p>
+                  </a:txBody>
+                  <a:tcPr marL="121920" marR="121920" marT="60960" marB="60960">
+                    <a:lnL w="12700" cap="flat" cmpd="sng" algn="ctr">
+                      <a:noFill/>
+                      <a:prstDash val="solid"/>
+                      <a:round/>
+                      <a:headEnd type="none" w="med" len="med"/>
+                      <a:tailEnd type="none" w="med" len="med"/>
+                    </a:lnL>
+                    <a:lnR w="12700" cap="flat" cmpd="sng" algn="ctr">
+                      <a:noFill/>
+                      <a:prstDash val="solid"/>
+                      <a:round/>
+                      <a:headEnd type="none" w="med" len="med"/>
+                      <a:tailEnd type="none" w="med" len="med"/>
+                    </a:lnR>
+                    <a:lnT w="12700" cap="flat" cmpd="sng" algn="ctr">
+                      <a:noFill/>
+                      <a:prstDash val="solid"/>
+                      <a:round/>
+                      <a:headEnd type="none" w="med" len="med"/>
+                      <a:tailEnd type="none" w="med" len="med"/>
+                    </a:lnT>
+                    <a:lnB w="12700" cap="flat" cmpd="sng" algn="ctr">
+                      <a:noFill/>
+                      <a:prstDash val="solid"/>
+                      <a:round/>
+                      <a:headEnd type="none" w="med" len="med"/>
+                      <a:tailEnd type="none" w="med" len="med"/>
+                    </a:lnB>
+                    <a:lnTlToBr w="12700" cmpd="sng">
+                      <a:noFill/>
+                      <a:prstDash val="solid"/>
+                    </a:lnTlToBr>
+                    <a:lnBlToTr w="12700" cmpd="sng">
+                      <a:noFill/>
+                      <a:prstDash val="solid"/>
+                    </a:lnBlToTr>
+                    <a:noFill/>
+                  </a:tcPr>
+                </a:tc>
+                <a:tc>
+                  <a:txBody>
+                    <a:bodyPr/>
+                    <a:lstStyle/>
+                    <a:p>
+                      <a:pPr algn="ctr" latinLnBrk="1"/>
+                      <a:r>
+                        <a:rPr lang="en-US" altLang="ko-KR" sz="900" b="0" dirty="0">
+                          <a:solidFill>
+                            <a:schemeClr val="tx1"/>
+                          </a:solidFill>
+                          <a:latin typeface="나눔고딕" panose="020D0604000000000000" pitchFamily="50" charset="-127"/>
+                          <a:ea typeface="나눔고딕" panose="020D0604000000000000" pitchFamily="50" charset="-127"/>
+                        </a:rPr>
+                        <a:t>812</a:t>
+                      </a:r>
+                      <a:endParaRPr lang="ko-KR" altLang="en-US" sz="900" b="0" dirty="0">
+                        <a:solidFill>
+                          <a:schemeClr val="tx1"/>
+                        </a:solidFill>
+                        <a:latin typeface="나눔고딕" panose="020D0604000000000000" pitchFamily="50" charset="-127"/>
+                        <a:ea typeface="나눔고딕" panose="020D0604000000000000" pitchFamily="50" charset="-127"/>
+                      </a:endParaRPr>
+                    </a:p>
+                  </a:txBody>
+                  <a:tcPr marL="121920" marR="121920" marT="60960" marB="60960">
+                    <a:lnL w="12700" cap="flat" cmpd="sng" algn="ctr">
+                      <a:noFill/>
+                      <a:prstDash val="solid"/>
+                      <a:round/>
+                      <a:headEnd type="none" w="med" len="med"/>
+                      <a:tailEnd type="none" w="med" len="med"/>
+                    </a:lnL>
+                    <a:lnR w="12700" cap="flat" cmpd="sng" algn="ctr">
+                      <a:noFill/>
+                      <a:prstDash val="solid"/>
+                      <a:round/>
+                      <a:headEnd type="none" w="med" len="med"/>
+                      <a:tailEnd type="none" w="med" len="med"/>
+                    </a:lnR>
+                    <a:lnT w="12700" cap="flat" cmpd="sng" algn="ctr">
+                      <a:noFill/>
+                      <a:prstDash val="solid"/>
+                      <a:round/>
+                      <a:headEnd type="none" w="med" len="med"/>
+                      <a:tailEnd type="none" w="med" len="med"/>
+                    </a:lnT>
+                    <a:lnB w="12700" cap="flat" cmpd="sng" algn="ctr">
+                      <a:noFill/>
+                      <a:prstDash val="solid"/>
+                      <a:round/>
+                      <a:headEnd type="none" w="med" len="med"/>
+                      <a:tailEnd type="none" w="med" len="med"/>
+                    </a:lnB>
+                    <a:lnTlToBr w="12700" cmpd="sng">
+                      <a:noFill/>
+                      <a:prstDash val="solid"/>
+                    </a:lnTlToBr>
+                    <a:lnBlToTr w="12700" cmpd="sng">
+                      <a:noFill/>
+                      <a:prstDash val="solid"/>
+                    </a:lnBlToTr>
+                    <a:noFill/>
+                  </a:tcPr>
+                </a:tc>
+                <a:tc>
+                  <a:txBody>
+                    <a:bodyPr/>
+                    <a:lstStyle/>
+                    <a:p>
+                      <a:pPr algn="ctr" latinLnBrk="1"/>
+                      <a:endParaRPr lang="ko-KR" altLang="en-US" sz="900" b="0" dirty="0">
+                        <a:solidFill>
+                          <a:schemeClr val="tx1"/>
+                        </a:solidFill>
+                        <a:latin typeface="나눔고딕" panose="020D0604000000000000" pitchFamily="50" charset="-127"/>
+                        <a:ea typeface="나눔고딕" panose="020D0604000000000000" pitchFamily="50" charset="-127"/>
+                      </a:endParaRPr>
+                    </a:p>
+                  </a:txBody>
+                  <a:tcPr marL="121920" marR="121920" marT="60960" marB="60960">
+                    <a:lnL w="12700" cap="flat" cmpd="sng" algn="ctr">
+                      <a:noFill/>
+                      <a:prstDash val="solid"/>
+                      <a:round/>
+                      <a:headEnd type="none" w="med" len="med"/>
+                      <a:tailEnd type="none" w="med" len="med"/>
+                    </a:lnL>
+                    <a:lnR w="12700" cap="flat" cmpd="sng" algn="ctr">
+                      <a:noFill/>
+                      <a:prstDash val="solid"/>
+                      <a:round/>
+                      <a:headEnd type="none" w="med" len="med"/>
+                      <a:tailEnd type="none" w="med" len="med"/>
+                    </a:lnR>
+                    <a:lnT w="12700" cap="flat" cmpd="sng" algn="ctr">
+                      <a:noFill/>
+                      <a:prstDash val="solid"/>
+                      <a:round/>
+                      <a:headEnd type="none" w="med" len="med"/>
+                      <a:tailEnd type="none" w="med" len="med"/>
+                    </a:lnT>
+                    <a:lnB w="12700" cap="flat" cmpd="sng" algn="ctr">
+                      <a:noFill/>
+                      <a:prstDash val="solid"/>
+                      <a:round/>
+                      <a:headEnd type="none" w="med" len="med"/>
+                      <a:tailEnd type="none" w="med" len="med"/>
+                    </a:lnB>
+                    <a:lnTlToBr w="12700" cmpd="sng">
+                      <a:noFill/>
+                      <a:prstDash val="solid"/>
+                    </a:lnTlToBr>
+                    <a:lnBlToTr w="12700" cmpd="sng">
+                      <a:noFill/>
+                      <a:prstDash val="solid"/>
+                    </a:lnBlToTr>
+                    <a:noFill/>
+                  </a:tcPr>
+                </a:tc>
+                <a:tc>
+                  <a:txBody>
+                    <a:bodyPr/>
+                    <a:lstStyle/>
+                    <a:p>
+                      <a:pPr marL="0" marR="0" lvl="0" indent="0" algn="l" defTabSz="685800" rtl="0" eaLnBrk="1" fontAlgn="auto" latinLnBrk="1" hangingPunct="1">
+                        <a:lnSpc>
+                          <a:spcPct val="100000"/>
+                        </a:lnSpc>
+                        <a:spcBef>
+                          <a:spcPts val="0"/>
+                        </a:spcBef>
+                        <a:spcAft>
+                          <a:spcPts val="0"/>
+                        </a:spcAft>
+                        <a:buClrTx/>
+                        <a:buSzTx/>
+                        <a:buFontTx/>
+                        <a:buNone/>
+                        <a:tabLst/>
+                        <a:defRPr/>
+                      </a:pPr>
+                      <a:r>
+                        <a:rPr lang="ko-KR" altLang="en-US" sz="900" dirty="0">
+                          <a:latin typeface="나눔고딕" panose="020D0604000000000000" pitchFamily="50" charset="-127"/>
+                          <a:ea typeface="나눔고딕" panose="020D0604000000000000" pitchFamily="50" charset="-127"/>
+                        </a:rPr>
+                        <a:t>답변완료 </a:t>
+                      </a:r>
+                      <a:r>
+                        <a:rPr lang="en-US" altLang="ko-KR" sz="900" dirty="0">
+                          <a:latin typeface="나눔고딕" panose="020D0604000000000000" pitchFamily="50" charset="-127"/>
+                          <a:ea typeface="나눔고딕" panose="020D0604000000000000" pitchFamily="50" charset="-127"/>
+                        </a:rPr>
+                        <a:t>(</a:t>
+                      </a:r>
+                      <a:r>
+                        <a:rPr lang="ko-KR" altLang="en-US" sz="900" u="sng" dirty="0">
+                          <a:solidFill>
+                            <a:srgbClr val="7030A0"/>
+                          </a:solidFill>
+                          <a:latin typeface="나눔고딕" panose="020D0604000000000000" pitchFamily="50" charset="-127"/>
+                          <a:ea typeface="나눔고딕" panose="020D0604000000000000" pitchFamily="50" charset="-127"/>
+                        </a:rPr>
+                        <a:t>영상</a:t>
+                      </a:r>
+                      <a:r>
+                        <a:rPr lang="en-US" altLang="ko-KR" sz="900" dirty="0">
+                          <a:latin typeface="나눔고딕" panose="020D0604000000000000" pitchFamily="50" charset="-127"/>
+                          <a:ea typeface="나눔고딕" panose="020D0604000000000000" pitchFamily="50" charset="-127"/>
+                        </a:rPr>
+                        <a:t>)</a:t>
+                      </a:r>
+                      <a:endParaRPr lang="ko-KR" altLang="en-US" sz="900" dirty="0">
+                        <a:latin typeface="나눔고딕" panose="020D0604000000000000" pitchFamily="50" charset="-127"/>
+                        <a:ea typeface="나눔고딕" panose="020D0604000000000000" pitchFamily="50" charset="-127"/>
+                      </a:endParaRPr>
+                    </a:p>
+                  </a:txBody>
+                  <a:tcPr marL="121920" marR="121920" marT="60960" marB="60960">
+                    <a:lnL w="12700" cap="flat" cmpd="sng" algn="ctr">
+                      <a:noFill/>
+                      <a:prstDash val="solid"/>
+                      <a:round/>
+                      <a:headEnd type="none" w="med" len="med"/>
+                      <a:tailEnd type="none" w="med" len="med"/>
+                    </a:lnL>
+                    <a:lnR w="12700" cap="flat" cmpd="sng" algn="ctr">
+                      <a:noFill/>
+                      <a:prstDash val="solid"/>
+                      <a:round/>
+                      <a:headEnd type="none" w="med" len="med"/>
+                      <a:tailEnd type="none" w="med" len="med"/>
+                    </a:lnR>
+                    <a:lnT w="12700" cap="flat" cmpd="sng" algn="ctr">
+                      <a:noFill/>
+                      <a:prstDash val="solid"/>
+                      <a:round/>
+                      <a:headEnd type="none" w="med" len="med"/>
+                      <a:tailEnd type="none" w="med" len="med"/>
+                    </a:lnT>
+                    <a:lnB w="12700" cap="flat" cmpd="sng" algn="ctr">
+                      <a:noFill/>
+                      <a:prstDash val="solid"/>
+                      <a:round/>
+                      <a:headEnd type="none" w="med" len="med"/>
+                      <a:tailEnd type="none" w="med" len="med"/>
+                    </a:lnB>
+                    <a:lnTlToBr w="12700" cmpd="sng">
+                      <a:noFill/>
+                      <a:prstDash val="solid"/>
+                    </a:lnTlToBr>
+                    <a:lnBlToTr w="12700" cmpd="sng">
+                      <a:noFill/>
+                      <a:prstDash val="solid"/>
+                    </a:lnBlToTr>
+                    <a:noFill/>
+                  </a:tcPr>
+                </a:tc>
+                <a:extLst>
+                  <a:ext uri="{0D108BD9-81ED-4DB2-BD59-A6C34878D82A}">
+                    <a16:rowId xmlns:a16="http://schemas.microsoft.com/office/drawing/2014/main" xmlns="" val="3237919002"/>
+                  </a:ext>
+                </a:extLst>
+              </a:tr>
+              <a:tr h="264160">
+                <a:tc>
+                  <a:txBody>
+                    <a:bodyPr/>
+                    <a:lstStyle/>
+                    <a:p>
+                      <a:pPr algn="ctr" latinLnBrk="1"/>
+                      <a:r>
+                        <a:rPr lang="en-US" altLang="ko-KR" sz="900" b="0" dirty="0">
+                          <a:solidFill>
+                            <a:schemeClr val="tx1"/>
+                          </a:solidFill>
+                          <a:latin typeface="나눔고딕" panose="020D0604000000000000" pitchFamily="50" charset="-127"/>
+                          <a:ea typeface="나눔고딕" panose="020D0604000000000000" pitchFamily="50" charset="-127"/>
+                        </a:rPr>
+                        <a:t>2017-11-04 21:58:53</a:t>
+                      </a:r>
+                      <a:endParaRPr lang="ko-KR" altLang="en-US" sz="900" b="0" dirty="0">
+                        <a:solidFill>
+                          <a:schemeClr val="tx1"/>
+                        </a:solidFill>
+                        <a:latin typeface="나눔고딕" panose="020D0604000000000000" pitchFamily="50" charset="-127"/>
+                        <a:ea typeface="나눔고딕" panose="020D0604000000000000" pitchFamily="50" charset="-127"/>
+                      </a:endParaRPr>
+                    </a:p>
+                  </a:txBody>
+                  <a:tcPr marL="121920" marR="121920" marT="60960" marB="60960">
+                    <a:lnL w="12700" cap="flat" cmpd="sng" algn="ctr">
+                      <a:noFill/>
+                      <a:prstDash val="solid"/>
+                      <a:round/>
+                      <a:headEnd type="none" w="med" len="med"/>
+                      <a:tailEnd type="none" w="med" len="med"/>
+                    </a:lnL>
+                    <a:lnR w="12700" cap="flat" cmpd="sng" algn="ctr">
+                      <a:noFill/>
+                      <a:prstDash val="solid"/>
+                      <a:round/>
+                      <a:headEnd type="none" w="med" len="med"/>
+                      <a:tailEnd type="none" w="med" len="med"/>
+                    </a:lnR>
+                    <a:lnT w="12700" cap="flat" cmpd="sng" algn="ctr">
+                      <a:noFill/>
+                      <a:prstDash val="solid"/>
+                      <a:round/>
+                      <a:headEnd type="none" w="med" len="med"/>
+                      <a:tailEnd type="none" w="med" len="med"/>
+                    </a:lnT>
+                    <a:lnB w="12700" cap="flat" cmpd="sng" algn="ctr">
+                      <a:noFill/>
+                      <a:prstDash val="solid"/>
+                      <a:round/>
+                      <a:headEnd type="none" w="med" len="med"/>
+                      <a:tailEnd type="none" w="med" len="med"/>
+                    </a:lnB>
+                    <a:lnTlToBr w="12700" cmpd="sng">
+                      <a:noFill/>
+                      <a:prstDash val="solid"/>
+                    </a:lnTlToBr>
+                    <a:lnBlToTr w="12700" cmpd="sng">
+                      <a:noFill/>
+                      <a:prstDash val="solid"/>
+                    </a:lnBlToTr>
+                    <a:noFill/>
+                  </a:tcPr>
+                </a:tc>
+                <a:tc>
+                  <a:txBody>
+                    <a:bodyPr/>
+                    <a:lstStyle/>
+                    <a:p>
+                      <a:pPr algn="ctr" latinLnBrk="1"/>
+                      <a:r>
+                        <a:rPr lang="ko-KR" altLang="en-US" sz="900" b="0" dirty="0" err="1">
+                          <a:solidFill>
+                            <a:schemeClr val="tx1"/>
+                          </a:solidFill>
+                          <a:latin typeface="나눔고딕" panose="020D0604000000000000" pitchFamily="50" charset="-127"/>
+                          <a:ea typeface="나눔고딕" panose="020D0604000000000000" pitchFamily="50" charset="-127"/>
+                        </a:rPr>
+                        <a:t>확률과통계</a:t>
+                      </a:r>
+                      <a:endParaRPr lang="ko-KR" altLang="en-US" sz="900" b="0" dirty="0">
+                        <a:solidFill>
+                          <a:schemeClr val="tx1"/>
+                        </a:solidFill>
+                        <a:latin typeface="나눔고딕" panose="020D0604000000000000" pitchFamily="50" charset="-127"/>
+                        <a:ea typeface="나눔고딕" panose="020D0604000000000000" pitchFamily="50" charset="-127"/>
+                      </a:endParaRPr>
+                    </a:p>
+                  </a:txBody>
+                  <a:tcPr marL="121920" marR="121920" marT="60960" marB="60960">
+                    <a:lnL w="12700" cap="flat" cmpd="sng" algn="ctr">
+                      <a:noFill/>
+                      <a:prstDash val="solid"/>
+                      <a:round/>
+                      <a:headEnd type="none" w="med" len="med"/>
+                      <a:tailEnd type="none" w="med" len="med"/>
+                    </a:lnL>
+                    <a:lnR w="12700" cap="flat" cmpd="sng" algn="ctr">
+                      <a:noFill/>
+                      <a:prstDash val="solid"/>
+                      <a:round/>
+                      <a:headEnd type="none" w="med" len="med"/>
+                      <a:tailEnd type="none" w="med" len="med"/>
+                    </a:lnR>
+                    <a:lnT w="12700" cap="flat" cmpd="sng" algn="ctr">
+                      <a:noFill/>
+                      <a:prstDash val="solid"/>
+                      <a:round/>
+                      <a:headEnd type="none" w="med" len="med"/>
+                      <a:tailEnd type="none" w="med" len="med"/>
+                    </a:lnT>
+                    <a:lnB w="12700" cap="flat" cmpd="sng" algn="ctr">
+                      <a:noFill/>
+                      <a:prstDash val="solid"/>
+                      <a:round/>
+                      <a:headEnd type="none" w="med" len="med"/>
+                      <a:tailEnd type="none" w="med" len="med"/>
+                    </a:lnB>
+                    <a:lnTlToBr w="12700" cmpd="sng">
+                      <a:noFill/>
+                      <a:prstDash val="solid"/>
+                    </a:lnTlToBr>
+                    <a:lnBlToTr w="12700" cmpd="sng">
+                      <a:noFill/>
+                      <a:prstDash val="solid"/>
+                    </a:lnBlToTr>
+                    <a:noFill/>
+                  </a:tcPr>
+                </a:tc>
+                <a:tc>
+                  <a:txBody>
+                    <a:bodyPr/>
+                    <a:lstStyle/>
+                    <a:p>
+                      <a:pPr algn="ctr" latinLnBrk="1"/>
+                      <a:r>
+                        <a:rPr lang="ko-KR" altLang="en-US" sz="900" b="0" dirty="0" err="1">
+                          <a:solidFill>
+                            <a:schemeClr val="tx1"/>
+                          </a:solidFill>
+                          <a:latin typeface="나눔고딕" panose="020D0604000000000000" pitchFamily="50" charset="-127"/>
+                          <a:ea typeface="나눔고딕" panose="020D0604000000000000" pitchFamily="50" charset="-127"/>
+                        </a:rPr>
+                        <a:t>쎈수학</a:t>
+                      </a:r>
+                      <a:r>
+                        <a:rPr lang="en-US" altLang="ko-KR" sz="900" b="0" dirty="0">
+                          <a:solidFill>
+                            <a:schemeClr val="tx1"/>
+                          </a:solidFill>
+                          <a:latin typeface="나눔고딕" panose="020D0604000000000000" pitchFamily="50" charset="-127"/>
+                          <a:ea typeface="나눔고딕" panose="020D0604000000000000" pitchFamily="50" charset="-127"/>
+                        </a:rPr>
+                        <a:t>(2015)</a:t>
+                      </a:r>
+                      <a:endParaRPr lang="ko-KR" altLang="en-US" sz="900" b="0" dirty="0">
+                        <a:solidFill>
+                          <a:schemeClr val="tx1"/>
+                        </a:solidFill>
+                        <a:latin typeface="나눔고딕" panose="020D0604000000000000" pitchFamily="50" charset="-127"/>
+                        <a:ea typeface="나눔고딕" panose="020D0604000000000000" pitchFamily="50" charset="-127"/>
+                      </a:endParaRPr>
+                    </a:p>
+                  </a:txBody>
+                  <a:tcPr marL="121920" marR="121920" marT="60960" marB="60960">
+                    <a:lnL w="12700" cap="flat" cmpd="sng" algn="ctr">
+                      <a:noFill/>
+                      <a:prstDash val="solid"/>
+                      <a:round/>
+                      <a:headEnd type="none" w="med" len="med"/>
+                      <a:tailEnd type="none" w="med" len="med"/>
+                    </a:lnL>
+                    <a:lnR w="12700" cap="flat" cmpd="sng" algn="ctr">
+                      <a:noFill/>
+                      <a:prstDash val="solid"/>
+                      <a:round/>
+                      <a:headEnd type="none" w="med" len="med"/>
+                      <a:tailEnd type="none" w="med" len="med"/>
+                    </a:lnR>
+                    <a:lnT w="12700" cap="flat" cmpd="sng" algn="ctr">
+                      <a:noFill/>
+                      <a:prstDash val="solid"/>
+                      <a:round/>
+                      <a:headEnd type="none" w="med" len="med"/>
+                      <a:tailEnd type="none" w="med" len="med"/>
+                    </a:lnT>
+                    <a:lnB w="12700" cap="flat" cmpd="sng" algn="ctr">
+                      <a:noFill/>
+                      <a:prstDash val="solid"/>
+                      <a:round/>
+                      <a:headEnd type="none" w="med" len="med"/>
+                      <a:tailEnd type="none" w="med" len="med"/>
+                    </a:lnB>
+                    <a:lnTlToBr w="12700" cmpd="sng">
+                      <a:noFill/>
+                      <a:prstDash val="solid"/>
+                    </a:lnTlToBr>
+                    <a:lnBlToTr w="12700" cmpd="sng">
+                      <a:noFill/>
+                      <a:prstDash val="solid"/>
+                    </a:lnBlToTr>
+                    <a:noFill/>
+                  </a:tcPr>
+                </a:tc>
+                <a:tc>
+                  <a:txBody>
+                    <a:bodyPr/>
+                    <a:lstStyle/>
+                    <a:p>
+                      <a:pPr algn="ctr" latinLnBrk="1"/>
+                      <a:endParaRPr lang="ko-KR" altLang="en-US" sz="900" b="0" dirty="0">
+                        <a:solidFill>
+                          <a:schemeClr val="tx1"/>
+                        </a:solidFill>
+                        <a:latin typeface="나눔고딕" panose="020D0604000000000000" pitchFamily="50" charset="-127"/>
+                        <a:ea typeface="나눔고딕" panose="020D0604000000000000" pitchFamily="50" charset="-127"/>
+                      </a:endParaRPr>
+                    </a:p>
+                  </a:txBody>
+                  <a:tcPr marL="121920" marR="121920" marT="60960" marB="60960">
+                    <a:lnL w="12700" cap="flat" cmpd="sng" algn="ctr">
+                      <a:noFill/>
+                      <a:prstDash val="solid"/>
+                      <a:round/>
+                      <a:headEnd type="none" w="med" len="med"/>
+                      <a:tailEnd type="none" w="med" len="med"/>
+                    </a:lnL>
+                    <a:lnR w="12700" cap="flat" cmpd="sng" algn="ctr">
+                      <a:noFill/>
+                      <a:prstDash val="solid"/>
+                      <a:round/>
+                      <a:headEnd type="none" w="med" len="med"/>
+                      <a:tailEnd type="none" w="med" len="med"/>
+                    </a:lnR>
+                    <a:lnT w="12700" cap="flat" cmpd="sng" algn="ctr">
+                      <a:noFill/>
+                      <a:prstDash val="solid"/>
+                      <a:round/>
+                      <a:headEnd type="none" w="med" len="med"/>
+                      <a:tailEnd type="none" w="med" len="med"/>
+                    </a:lnT>
+                    <a:lnB w="12700" cap="flat" cmpd="sng" algn="ctr">
+                      <a:noFill/>
+                      <a:prstDash val="solid"/>
+                      <a:round/>
+                      <a:headEnd type="none" w="med" len="med"/>
+                      <a:tailEnd type="none" w="med" len="med"/>
+                    </a:lnB>
+                    <a:lnTlToBr w="12700" cmpd="sng">
+                      <a:noFill/>
+                      <a:prstDash val="solid"/>
+                    </a:lnTlToBr>
+                    <a:lnBlToTr w="12700" cmpd="sng">
+                      <a:noFill/>
+                      <a:prstDash val="solid"/>
+                    </a:lnBlToTr>
+                    <a:noFill/>
+                  </a:tcPr>
+                </a:tc>
+                <a:tc>
+                  <a:txBody>
+                    <a:bodyPr/>
+                    <a:lstStyle/>
+                    <a:p>
+                      <a:pPr algn="ctr" latinLnBrk="1"/>
+                      <a:r>
+                        <a:rPr lang="en-US" altLang="ko-KR" sz="900" b="0" dirty="0">
+                          <a:solidFill>
+                            <a:schemeClr val="tx1"/>
+                          </a:solidFill>
+                          <a:latin typeface="나눔고딕" panose="020D0604000000000000" pitchFamily="50" charset="-127"/>
+                          <a:ea typeface="나눔고딕" panose="020D0604000000000000" pitchFamily="50" charset="-127"/>
+                        </a:rPr>
+                        <a:t>317</a:t>
+                      </a:r>
+                      <a:endParaRPr lang="ko-KR" altLang="en-US" sz="900" b="0" dirty="0">
+                        <a:solidFill>
+                          <a:schemeClr val="tx1"/>
+                        </a:solidFill>
+                        <a:latin typeface="나눔고딕" panose="020D0604000000000000" pitchFamily="50" charset="-127"/>
+                        <a:ea typeface="나눔고딕" panose="020D0604000000000000" pitchFamily="50" charset="-127"/>
+                      </a:endParaRPr>
+                    </a:p>
+                  </a:txBody>
+                  <a:tcPr marL="121920" marR="121920" marT="60960" marB="60960">
+                    <a:lnL w="12700" cap="flat" cmpd="sng" algn="ctr">
+                      <a:noFill/>
+                      <a:prstDash val="solid"/>
+                      <a:round/>
+                      <a:headEnd type="none" w="med" len="med"/>
+                      <a:tailEnd type="none" w="med" len="med"/>
+                    </a:lnL>
+                    <a:lnR w="12700" cap="flat" cmpd="sng" algn="ctr">
+                      <a:noFill/>
+                      <a:prstDash val="solid"/>
+                      <a:round/>
+                      <a:headEnd type="none" w="med" len="med"/>
+                      <a:tailEnd type="none" w="med" len="med"/>
+                    </a:lnR>
+                    <a:lnT w="12700" cap="flat" cmpd="sng" algn="ctr">
+                      <a:noFill/>
+                      <a:prstDash val="solid"/>
+                      <a:round/>
+                      <a:headEnd type="none" w="med" len="med"/>
+                      <a:tailEnd type="none" w="med" len="med"/>
+                    </a:lnT>
+                    <a:lnB w="12700" cap="flat" cmpd="sng" algn="ctr">
+                      <a:noFill/>
+                      <a:prstDash val="solid"/>
+                      <a:round/>
+                      <a:headEnd type="none" w="med" len="med"/>
+                      <a:tailEnd type="none" w="med" len="med"/>
+                    </a:lnB>
+                    <a:lnTlToBr w="12700" cmpd="sng">
+                      <a:noFill/>
+                      <a:prstDash val="solid"/>
+                    </a:lnTlToBr>
+                    <a:lnBlToTr w="12700" cmpd="sng">
+                      <a:noFill/>
+                      <a:prstDash val="solid"/>
+                    </a:lnBlToTr>
+                    <a:noFill/>
+                  </a:tcPr>
+                </a:tc>
+                <a:tc>
+                  <a:txBody>
+                    <a:bodyPr/>
+                    <a:lstStyle/>
+                    <a:p>
+                      <a:pPr algn="ctr" latinLnBrk="1"/>
+                      <a:endParaRPr lang="ko-KR" altLang="en-US" sz="900" b="0" dirty="0">
+                        <a:solidFill>
+                          <a:schemeClr val="tx1"/>
+                        </a:solidFill>
+                        <a:latin typeface="나눔고딕" panose="020D0604000000000000" pitchFamily="50" charset="-127"/>
+                        <a:ea typeface="나눔고딕" panose="020D0604000000000000" pitchFamily="50" charset="-127"/>
+                      </a:endParaRPr>
+                    </a:p>
+                  </a:txBody>
+                  <a:tcPr marL="121920" marR="121920" marT="60960" marB="60960">
+                    <a:lnL w="12700" cap="flat" cmpd="sng" algn="ctr">
+                      <a:noFill/>
+                      <a:prstDash val="solid"/>
+                      <a:round/>
+                      <a:headEnd type="none" w="med" len="med"/>
+                      <a:tailEnd type="none" w="med" len="med"/>
+                    </a:lnL>
+                    <a:lnR w="12700" cap="flat" cmpd="sng" algn="ctr">
+                      <a:noFill/>
+                      <a:prstDash val="solid"/>
+                      <a:round/>
+                      <a:headEnd type="none" w="med" len="med"/>
+                      <a:tailEnd type="none" w="med" len="med"/>
+                    </a:lnR>
+                    <a:lnT w="12700" cap="flat" cmpd="sng" algn="ctr">
+                      <a:noFill/>
+                      <a:prstDash val="solid"/>
+                      <a:round/>
+                      <a:headEnd type="none" w="med" len="med"/>
+                      <a:tailEnd type="none" w="med" len="med"/>
+                    </a:lnT>
+                    <a:lnB w="12700" cap="flat" cmpd="sng" algn="ctr">
+                      <a:noFill/>
+                      <a:prstDash val="solid"/>
+                      <a:round/>
+                      <a:headEnd type="none" w="med" len="med"/>
+                      <a:tailEnd type="none" w="med" len="med"/>
+                    </a:lnB>
+                    <a:lnTlToBr w="12700" cmpd="sng">
+                      <a:noFill/>
+                      <a:prstDash val="solid"/>
+                    </a:lnTlToBr>
+                    <a:lnBlToTr w="12700" cmpd="sng">
+                      <a:noFill/>
+                      <a:prstDash val="solid"/>
+                    </a:lnBlToTr>
+                    <a:noFill/>
+                  </a:tcPr>
+                </a:tc>
+                <a:tc>
+                  <a:txBody>
+                    <a:bodyPr/>
+                    <a:lstStyle/>
+                    <a:p>
+                      <a:pPr marL="0" marR="0" lvl="0" indent="0" algn="l" defTabSz="685800" rtl="0" eaLnBrk="1" fontAlgn="auto" latinLnBrk="1" hangingPunct="1">
+                        <a:lnSpc>
+                          <a:spcPct val="100000"/>
+                        </a:lnSpc>
+                        <a:spcBef>
+                          <a:spcPts val="0"/>
+                        </a:spcBef>
+                        <a:spcAft>
+                          <a:spcPts val="0"/>
+                        </a:spcAft>
+                        <a:buClrTx/>
+                        <a:buSzTx/>
+                        <a:buFontTx/>
+                        <a:buNone/>
+                        <a:tabLst/>
+                        <a:defRPr/>
+                      </a:pPr>
+                      <a:r>
+                        <a:rPr lang="ko-KR" altLang="en-US" sz="900" dirty="0">
+                          <a:latin typeface="나눔고딕" panose="020D0604000000000000" pitchFamily="50" charset="-127"/>
+                          <a:ea typeface="나눔고딕" panose="020D0604000000000000" pitchFamily="50" charset="-127"/>
+                        </a:rPr>
+                        <a:t>답변완료 </a:t>
+                      </a:r>
+                      <a:r>
+                        <a:rPr lang="en-US" altLang="ko-KR" sz="900" dirty="0">
+                          <a:latin typeface="나눔고딕" panose="020D0604000000000000" pitchFamily="50" charset="-127"/>
+                          <a:ea typeface="나눔고딕" panose="020D0604000000000000" pitchFamily="50" charset="-127"/>
+                        </a:rPr>
+                        <a:t>(</a:t>
+                      </a:r>
+                      <a:r>
+                        <a:rPr lang="ko-KR" altLang="en-US" sz="900" u="sng" dirty="0">
+                          <a:solidFill>
+                            <a:srgbClr val="7030A0"/>
+                          </a:solidFill>
+                          <a:latin typeface="나눔고딕" panose="020D0604000000000000" pitchFamily="50" charset="-127"/>
+                          <a:ea typeface="나눔고딕" panose="020D0604000000000000" pitchFamily="50" charset="-127"/>
+                        </a:rPr>
+                        <a:t>영상</a:t>
+                      </a:r>
+                      <a:r>
+                        <a:rPr lang="en-US" altLang="ko-KR" sz="900" dirty="0">
+                          <a:latin typeface="나눔고딕" panose="020D0604000000000000" pitchFamily="50" charset="-127"/>
+                          <a:ea typeface="나눔고딕" panose="020D0604000000000000" pitchFamily="50" charset="-127"/>
+                        </a:rPr>
+                        <a:t>)</a:t>
+                      </a:r>
+                      <a:endParaRPr lang="ko-KR" altLang="en-US" sz="900" dirty="0">
+                        <a:latin typeface="나눔고딕" panose="020D0604000000000000" pitchFamily="50" charset="-127"/>
+                        <a:ea typeface="나눔고딕" panose="020D0604000000000000" pitchFamily="50" charset="-127"/>
+                      </a:endParaRPr>
+                    </a:p>
+                  </a:txBody>
+                  <a:tcPr marL="121920" marR="121920" marT="60960" marB="60960">
+                    <a:lnL w="12700" cap="flat" cmpd="sng" algn="ctr">
+                      <a:noFill/>
+                      <a:prstDash val="solid"/>
+                      <a:round/>
+                      <a:headEnd type="none" w="med" len="med"/>
+                      <a:tailEnd type="none" w="med" len="med"/>
+                    </a:lnL>
+                    <a:lnR w="12700" cap="flat" cmpd="sng" algn="ctr">
+                      <a:noFill/>
+                      <a:prstDash val="solid"/>
+                      <a:round/>
+                      <a:headEnd type="none" w="med" len="med"/>
+                      <a:tailEnd type="none" w="med" len="med"/>
+                    </a:lnR>
+                    <a:lnT w="12700" cap="flat" cmpd="sng" algn="ctr">
+                      <a:noFill/>
+                      <a:prstDash val="solid"/>
+                      <a:round/>
+                      <a:headEnd type="none" w="med" len="med"/>
+                      <a:tailEnd type="none" w="med" len="med"/>
+                    </a:lnT>
+                    <a:lnB w="12700" cap="flat" cmpd="sng" algn="ctr">
+                      <a:noFill/>
+                      <a:prstDash val="solid"/>
+                      <a:round/>
+                      <a:headEnd type="none" w="med" len="med"/>
+                      <a:tailEnd type="none" w="med" len="med"/>
+                    </a:lnB>
+                    <a:lnTlToBr w="12700" cmpd="sng">
+                      <a:noFill/>
+                      <a:prstDash val="solid"/>
+                    </a:lnTlToBr>
+                    <a:lnBlToTr w="12700" cmpd="sng">
+                      <a:noFill/>
+                      <a:prstDash val="solid"/>
+                    </a:lnBlToTr>
+                    <a:noFill/>
+                  </a:tcPr>
+                </a:tc>
+                <a:extLst>
+                  <a:ext uri="{0D108BD9-81ED-4DB2-BD59-A6C34878D82A}">
+                    <a16:rowId xmlns:a16="http://schemas.microsoft.com/office/drawing/2014/main" xmlns="" val="590487938"/>
+                  </a:ext>
+                </a:extLst>
+              </a:tr>
+              <a:tr h="343545">
+                <a:tc>
+                  <a:txBody>
+                    <a:bodyPr/>
+                    <a:lstStyle/>
+                    <a:p>
+                      <a:pPr algn="ctr" latinLnBrk="1"/>
+                      <a:endParaRPr lang="ko-KR" altLang="en-US" sz="900" b="0">
+                        <a:solidFill>
+                          <a:schemeClr val="tx1"/>
+                        </a:solidFill>
+                        <a:latin typeface="나눔고딕" panose="020D0604000000000000" pitchFamily="50" charset="-127"/>
+                        <a:ea typeface="나눔고딕" panose="020D0604000000000000" pitchFamily="50" charset="-127"/>
+                      </a:endParaRPr>
+                    </a:p>
+                  </a:txBody>
+                  <a:tcPr marL="121920" marR="121920" marT="60960" marB="60960">
+                    <a:lnL w="12700" cap="flat" cmpd="sng" algn="ctr">
+                      <a:noFill/>
+                      <a:prstDash val="solid"/>
+                      <a:round/>
+                      <a:headEnd type="none" w="med" len="med"/>
+                      <a:tailEnd type="none" w="med" len="med"/>
+                    </a:lnL>
+                    <a:lnR w="12700" cap="flat" cmpd="sng" algn="ctr">
+                      <a:noFill/>
+                      <a:prstDash val="solid"/>
+                      <a:round/>
+                      <a:headEnd type="none" w="med" len="med"/>
+                      <a:tailEnd type="none" w="med" len="med"/>
+                    </a:lnR>
+                    <a:lnT w="12700" cap="flat" cmpd="sng" algn="ctr">
+                      <a:noFill/>
+                      <a:prstDash val="solid"/>
+                      <a:round/>
+                      <a:headEnd type="none" w="med" len="med"/>
+                      <a:tailEnd type="none" w="med" len="med"/>
+                    </a:lnT>
+                    <a:lnB w="12700" cap="flat" cmpd="sng" algn="ctr">
+                      <a:noFill/>
+                      <a:prstDash val="solid"/>
+                      <a:round/>
+                      <a:headEnd type="none" w="med" len="med"/>
+                      <a:tailEnd type="none" w="med" len="med"/>
+                    </a:lnB>
+                    <a:lnTlToBr w="12700" cmpd="sng">
+                      <a:noFill/>
+                      <a:prstDash val="solid"/>
+                    </a:lnTlToBr>
+                    <a:lnBlToTr w="12700" cmpd="sng">
+                      <a:noFill/>
+                      <a:prstDash val="solid"/>
+                    </a:lnBlToTr>
+                    <a:noFill/>
+                  </a:tcPr>
+                </a:tc>
+                <a:tc>
+                  <a:txBody>
+                    <a:bodyPr/>
+                    <a:lstStyle/>
+                    <a:p>
+                      <a:pPr algn="ctr" latinLnBrk="1"/>
+                      <a:endParaRPr lang="ko-KR" altLang="en-US" sz="900" b="0">
+                        <a:solidFill>
+                          <a:schemeClr val="tx1"/>
+                        </a:solidFill>
+                        <a:latin typeface="나눔고딕" panose="020D0604000000000000" pitchFamily="50" charset="-127"/>
+                        <a:ea typeface="나눔고딕" panose="020D0604000000000000" pitchFamily="50" charset="-127"/>
+                      </a:endParaRPr>
+                    </a:p>
+                  </a:txBody>
+                  <a:tcPr marL="121920" marR="121920" marT="60960" marB="60960">
+                    <a:lnL w="12700" cap="flat" cmpd="sng" algn="ctr">
+                      <a:noFill/>
+                      <a:prstDash val="solid"/>
+                      <a:round/>
+                      <a:headEnd type="none" w="med" len="med"/>
+                      <a:tailEnd type="none" w="med" len="med"/>
+                    </a:lnL>
+                    <a:lnR w="12700" cap="flat" cmpd="sng" algn="ctr">
+                      <a:noFill/>
+                      <a:prstDash val="solid"/>
+                      <a:round/>
+                      <a:headEnd type="none" w="med" len="med"/>
+                      <a:tailEnd type="none" w="med" len="med"/>
+                    </a:lnR>
+                    <a:lnT w="12700" cap="flat" cmpd="sng" algn="ctr">
+                      <a:noFill/>
+                      <a:prstDash val="solid"/>
+                      <a:round/>
+                      <a:headEnd type="none" w="med" len="med"/>
+                      <a:tailEnd type="none" w="med" len="med"/>
+                    </a:lnT>
+                    <a:lnB w="12700" cap="flat" cmpd="sng" algn="ctr">
+                      <a:noFill/>
+                      <a:prstDash val="solid"/>
+                      <a:round/>
+                      <a:headEnd type="none" w="med" len="med"/>
+                      <a:tailEnd type="none" w="med" len="med"/>
+                    </a:lnB>
+                    <a:lnTlToBr w="12700" cmpd="sng">
+                      <a:noFill/>
+                      <a:prstDash val="solid"/>
+                    </a:lnTlToBr>
+                    <a:lnBlToTr w="12700" cmpd="sng">
+                      <a:noFill/>
+                      <a:prstDash val="solid"/>
+                    </a:lnBlToTr>
+                    <a:noFill/>
+                  </a:tcPr>
+                </a:tc>
+                <a:tc>
+                  <a:txBody>
+                    <a:bodyPr/>
+                    <a:lstStyle/>
+                    <a:p>
+                      <a:pPr algn="ctr" latinLnBrk="1"/>
+                      <a:endParaRPr lang="ko-KR" altLang="en-US" sz="900" b="0">
+                        <a:solidFill>
+                          <a:schemeClr val="tx1"/>
+                        </a:solidFill>
+                        <a:latin typeface="나눔고딕" panose="020D0604000000000000" pitchFamily="50" charset="-127"/>
+                        <a:ea typeface="나눔고딕" panose="020D0604000000000000" pitchFamily="50" charset="-127"/>
+                      </a:endParaRPr>
+                    </a:p>
+                  </a:txBody>
+                  <a:tcPr marL="121920" marR="121920" marT="60960" marB="60960">
+                    <a:lnL w="12700" cap="flat" cmpd="sng" algn="ctr">
+                      <a:noFill/>
+                      <a:prstDash val="solid"/>
+                      <a:round/>
+                      <a:headEnd type="none" w="med" len="med"/>
+                      <a:tailEnd type="none" w="med" len="med"/>
+                    </a:lnL>
+                    <a:lnR w="12700" cap="flat" cmpd="sng" algn="ctr">
+                      <a:noFill/>
+                      <a:prstDash val="solid"/>
+                      <a:round/>
+                      <a:headEnd type="none" w="med" len="med"/>
+                      <a:tailEnd type="none" w="med" len="med"/>
+                    </a:lnR>
+                    <a:lnT w="12700" cap="flat" cmpd="sng" algn="ctr">
+                      <a:noFill/>
+                      <a:prstDash val="solid"/>
+                      <a:round/>
+                      <a:headEnd type="none" w="med" len="med"/>
+                      <a:tailEnd type="none" w="med" len="med"/>
+                    </a:lnT>
+                    <a:lnB w="12700" cap="flat" cmpd="sng" algn="ctr">
+                      <a:noFill/>
+                      <a:prstDash val="solid"/>
+                      <a:round/>
+                      <a:headEnd type="none" w="med" len="med"/>
+                      <a:tailEnd type="none" w="med" len="med"/>
+                    </a:lnB>
+                    <a:lnTlToBr w="12700" cmpd="sng">
+                      <a:noFill/>
+                      <a:prstDash val="solid"/>
+                    </a:lnTlToBr>
+                    <a:lnBlToTr w="12700" cmpd="sng">
+                      <a:noFill/>
+                      <a:prstDash val="solid"/>
+                    </a:lnBlToTr>
+                    <a:noFill/>
+                  </a:tcPr>
+                </a:tc>
+                <a:tc>
+                  <a:txBody>
+                    <a:bodyPr/>
+                    <a:lstStyle/>
+                    <a:p>
+                      <a:pPr algn="ctr" latinLnBrk="1"/>
+                      <a:endParaRPr lang="ko-KR" altLang="en-US" sz="900" b="0" dirty="0">
+                        <a:solidFill>
+                          <a:schemeClr val="tx1"/>
+                        </a:solidFill>
+                        <a:latin typeface="나눔고딕" panose="020D0604000000000000" pitchFamily="50" charset="-127"/>
+                        <a:ea typeface="나눔고딕" panose="020D0604000000000000" pitchFamily="50" charset="-127"/>
+                      </a:endParaRPr>
+                    </a:p>
+                  </a:txBody>
+                  <a:tcPr marL="121920" marR="121920" marT="60960" marB="60960">
+                    <a:lnL w="12700" cap="flat" cmpd="sng" algn="ctr">
+                      <a:noFill/>
+                      <a:prstDash val="solid"/>
+                      <a:round/>
+                      <a:headEnd type="none" w="med" len="med"/>
+                      <a:tailEnd type="none" w="med" len="med"/>
+                    </a:lnL>
+                    <a:lnR w="12700" cap="flat" cmpd="sng" algn="ctr">
+                      <a:noFill/>
+                      <a:prstDash val="solid"/>
+                      <a:round/>
+                      <a:headEnd type="none" w="med" len="med"/>
+                      <a:tailEnd type="none" w="med" len="med"/>
+                    </a:lnR>
+                    <a:lnT w="12700" cap="flat" cmpd="sng" algn="ctr">
+                      <a:noFill/>
+                      <a:prstDash val="solid"/>
+                      <a:round/>
+                      <a:headEnd type="none" w="med" len="med"/>
+                      <a:tailEnd type="none" w="med" len="med"/>
+                    </a:lnT>
+                    <a:lnB w="12700" cap="flat" cmpd="sng" algn="ctr">
+                      <a:noFill/>
+                      <a:prstDash val="solid"/>
+                      <a:round/>
+                      <a:headEnd type="none" w="med" len="med"/>
+                      <a:tailEnd type="none" w="med" len="med"/>
+                    </a:lnB>
+                    <a:lnTlToBr w="12700" cmpd="sng">
+                      <a:noFill/>
+                      <a:prstDash val="solid"/>
+                    </a:lnTlToBr>
+                    <a:lnBlToTr w="12700" cmpd="sng">
+                      <a:noFill/>
+                      <a:prstDash val="solid"/>
+                    </a:lnBlToTr>
+                    <a:noFill/>
+                  </a:tcPr>
+                </a:tc>
+                <a:tc>
+                  <a:txBody>
+                    <a:bodyPr/>
+                    <a:lstStyle/>
+                    <a:p>
+                      <a:pPr algn="ctr" latinLnBrk="1"/>
+                      <a:endParaRPr lang="ko-KR" altLang="en-US" sz="900" b="0">
+                        <a:solidFill>
+                          <a:schemeClr val="tx1"/>
+                        </a:solidFill>
+                        <a:latin typeface="나눔고딕" panose="020D0604000000000000" pitchFamily="50" charset="-127"/>
+                        <a:ea typeface="나눔고딕" panose="020D0604000000000000" pitchFamily="50" charset="-127"/>
+                      </a:endParaRPr>
+                    </a:p>
+                  </a:txBody>
+                  <a:tcPr marL="121920" marR="121920" marT="60960" marB="60960">
+                    <a:lnL w="12700" cap="flat" cmpd="sng" algn="ctr">
+                      <a:noFill/>
+                      <a:prstDash val="solid"/>
+                      <a:round/>
+                      <a:headEnd type="none" w="med" len="med"/>
+                      <a:tailEnd type="none" w="med" len="med"/>
+                    </a:lnL>
+                    <a:lnR w="12700" cap="flat" cmpd="sng" algn="ctr">
+                      <a:noFill/>
+                      <a:prstDash val="solid"/>
+                      <a:round/>
+                      <a:headEnd type="none" w="med" len="med"/>
+                      <a:tailEnd type="none" w="med" len="med"/>
+                    </a:lnR>
+                    <a:lnT w="12700" cap="flat" cmpd="sng" algn="ctr">
+                      <a:noFill/>
+                      <a:prstDash val="solid"/>
+                      <a:round/>
+                      <a:headEnd type="none" w="med" len="med"/>
+                      <a:tailEnd type="none" w="med" len="med"/>
+                    </a:lnT>
+                    <a:lnB w="12700" cap="flat" cmpd="sng" algn="ctr">
+                      <a:noFill/>
+                      <a:prstDash val="solid"/>
+                      <a:round/>
+                      <a:headEnd type="none" w="med" len="med"/>
+                      <a:tailEnd type="none" w="med" len="med"/>
+                    </a:lnB>
+                    <a:lnTlToBr w="12700" cmpd="sng">
+                      <a:noFill/>
+                      <a:prstDash val="solid"/>
+                    </a:lnTlToBr>
+                    <a:lnBlToTr w="12700" cmpd="sng">
+                      <a:noFill/>
+                      <a:prstDash val="solid"/>
+                    </a:lnBlToTr>
+                    <a:noFill/>
+                  </a:tcPr>
+                </a:tc>
+                <a:tc>
+                  <a:txBody>
+                    <a:bodyPr/>
+                    <a:lstStyle/>
+                    <a:p>
+                      <a:pPr algn="ctr" latinLnBrk="1"/>
+                      <a:endParaRPr lang="ko-KR" altLang="en-US" sz="900" b="0" dirty="0">
+                        <a:solidFill>
+                          <a:schemeClr val="tx1"/>
+                        </a:solidFill>
+                        <a:latin typeface="나눔고딕" panose="020D0604000000000000" pitchFamily="50" charset="-127"/>
+                        <a:ea typeface="나눔고딕" panose="020D0604000000000000" pitchFamily="50" charset="-127"/>
+                      </a:endParaRPr>
+                    </a:p>
+                  </a:txBody>
+                  <a:tcPr marL="121920" marR="121920" marT="60960" marB="60960">
+                    <a:lnL w="12700" cap="flat" cmpd="sng" algn="ctr">
+                      <a:noFill/>
+                      <a:prstDash val="solid"/>
+                      <a:round/>
+                      <a:headEnd type="none" w="med" len="med"/>
+                      <a:tailEnd type="none" w="med" len="med"/>
+                    </a:lnL>
+                    <a:lnR w="12700" cap="flat" cmpd="sng" algn="ctr">
+                      <a:noFill/>
+                      <a:prstDash val="solid"/>
+                      <a:round/>
+                      <a:headEnd type="none" w="med" len="med"/>
+                      <a:tailEnd type="none" w="med" len="med"/>
+                    </a:lnR>
+                    <a:lnT w="12700" cap="flat" cmpd="sng" algn="ctr">
+                      <a:noFill/>
+                      <a:prstDash val="solid"/>
+                      <a:round/>
+                      <a:headEnd type="none" w="med" len="med"/>
+                      <a:tailEnd type="none" w="med" len="med"/>
+                    </a:lnT>
+                    <a:lnB w="12700" cap="flat" cmpd="sng" algn="ctr">
+                      <a:noFill/>
+                      <a:prstDash val="solid"/>
+                      <a:round/>
+                      <a:headEnd type="none" w="med" len="med"/>
+                      <a:tailEnd type="none" w="med" len="med"/>
+                    </a:lnB>
+                    <a:lnTlToBr w="12700" cmpd="sng">
+                      <a:noFill/>
+                      <a:prstDash val="solid"/>
+                    </a:lnTlToBr>
+                    <a:lnBlToTr w="12700" cmpd="sng">
+                      <a:noFill/>
+                      <a:prstDash val="solid"/>
+                    </a:lnBlToTr>
+                    <a:noFill/>
+                  </a:tcPr>
+                </a:tc>
+                <a:tc>
+                  <a:txBody>
+                    <a:bodyPr/>
+                    <a:lstStyle/>
+                    <a:p>
+                      <a:pPr algn="l" latinLnBrk="1"/>
+                      <a:endParaRPr lang="ko-KR" altLang="en-US" sz="900" b="0" dirty="0">
+                        <a:solidFill>
+                          <a:schemeClr val="tx1"/>
+                        </a:solidFill>
+                        <a:latin typeface="나눔고딕" panose="020D0604000000000000" pitchFamily="50" charset="-127"/>
+                        <a:ea typeface="나눔고딕" panose="020D0604000000000000" pitchFamily="50" charset="-127"/>
+                      </a:endParaRPr>
+                    </a:p>
+                  </a:txBody>
+                  <a:tcPr marL="121920" marR="121920" marT="60960" marB="60960">
+                    <a:lnL w="12700" cap="flat" cmpd="sng" algn="ctr">
+                      <a:noFill/>
+                      <a:prstDash val="solid"/>
+                      <a:round/>
+                      <a:headEnd type="none" w="med" len="med"/>
+                      <a:tailEnd type="none" w="med" len="med"/>
+                    </a:lnL>
+                    <a:lnR w="12700" cap="flat" cmpd="sng" algn="ctr">
+                      <a:noFill/>
+                      <a:prstDash val="solid"/>
+                      <a:round/>
+                      <a:headEnd type="none" w="med" len="med"/>
+                      <a:tailEnd type="none" w="med" len="med"/>
+                    </a:lnR>
+                    <a:lnT w="12700" cap="flat" cmpd="sng" algn="ctr">
+                      <a:noFill/>
+                      <a:prstDash val="solid"/>
+                      <a:round/>
+                      <a:headEnd type="none" w="med" len="med"/>
+                      <a:tailEnd type="none" w="med" len="med"/>
+                    </a:lnT>
+                    <a:lnB w="12700" cap="flat" cmpd="sng" algn="ctr">
+                      <a:noFill/>
+                      <a:prstDash val="solid"/>
+                      <a:round/>
+                      <a:headEnd type="none" w="med" len="med"/>
+                      <a:tailEnd type="none" w="med" len="med"/>
+                    </a:lnB>
+                    <a:lnTlToBr w="12700" cmpd="sng">
+                      <a:noFill/>
+                      <a:prstDash val="solid"/>
+                    </a:lnTlToBr>
+                    <a:lnBlToTr w="12700" cmpd="sng">
+                      <a:noFill/>
+                      <a:prstDash val="solid"/>
+                    </a:lnBlToTr>
+                    <a:noFill/>
+                  </a:tcPr>
+                </a:tc>
+                <a:extLst>
+                  <a:ext uri="{0D108BD9-81ED-4DB2-BD59-A6C34878D82A}">
+                    <a16:rowId xmlns:a16="http://schemas.microsoft.com/office/drawing/2014/main" xmlns="" val="1991131042"/>
+                  </a:ext>
+                </a:extLst>
+              </a:tr>
+            </a:tbl>
+          </a:graphicData>
+        </a:graphic>
+      </p:graphicFrame>
+      <p:sp>
+        <p:nvSpPr>
+          <p:cNvPr id="73" name="타원 72">
+            <a:extLst>
+              <a:ext uri="{FF2B5EF4-FFF2-40B4-BE49-F238E27FC236}">
+                <a16:creationId xmlns:a16="http://schemas.microsoft.com/office/drawing/2014/main" xmlns="" id="{FF911744-7476-41AB-BA8D-AF0C4A9D4DA9}"/>
+              </a:ext>
+            </a:extLst>
+          </p:cNvPr>
+          <p:cNvSpPr/>
+          <p:nvPr/>
+        </p:nvSpPr>
+        <p:spPr>
+          <a:xfrm>
+            <a:off x="9030328" y="1265385"/>
+            <a:ext cx="133408" cy="133408"/>
+          </a:xfrm>
+          <a:prstGeom prst="ellipse">
+            <a:avLst/>
+          </a:prstGeom>
+          <a:solidFill>
+            <a:srgbClr val="00B050"/>
+          </a:solidFill>
+          <a:ln>
+            <a:noFill/>
+          </a:ln>
+        </p:spPr>
+        <p:style>
+          <a:lnRef idx="2">
+            <a:schemeClr val="accent1">
+              <a:shade val="50000"/>
+            </a:schemeClr>
+          </a:lnRef>
+          <a:fillRef idx="1">
+            <a:schemeClr val="accent1"/>
+          </a:fillRef>
+          <a:effectRef idx="0">
+            <a:schemeClr val="accent1"/>
+          </a:effectRef>
+          <a:fontRef idx="minor">
+            <a:schemeClr val="lt1"/>
+          </a:fontRef>
+        </p:style>
+        <p:txBody>
+          <a:bodyPr rot="0" spcFirstLastPara="0" vertOverflow="overflow" horzOverflow="overflow" vert="horz" wrap="square" lIns="121920" tIns="60960" rIns="121920" bIns="60960" numCol="1" spcCol="0" rtlCol="0" fromWordArt="0" anchor="ctr" anchorCtr="0" forceAA="0" compatLnSpc="1">
+            <a:prstTxWarp prst="textNoShape">
+              <a:avLst/>
+            </a:prstTxWarp>
+            <a:noAutofit/>
+          </a:bodyPr>
+          <a:lstStyle/>
+          <a:p>
+            <a:pPr algn="ctr"/>
+            <a:endParaRPr lang="ko-KR" altLang="en-US" sz="1600"/>
+          </a:p>
+        </p:txBody>
+      </p:sp>
+      <p:sp>
+        <p:nvSpPr>
+          <p:cNvPr id="74" name="타원 73">
+            <a:extLst>
+              <a:ext uri="{FF2B5EF4-FFF2-40B4-BE49-F238E27FC236}">
+                <a16:creationId xmlns:a16="http://schemas.microsoft.com/office/drawing/2014/main" xmlns="" id="{D682B3DE-55A8-411F-81EC-B579DB088E48}"/>
+              </a:ext>
+            </a:extLst>
+          </p:cNvPr>
+          <p:cNvSpPr/>
+          <p:nvPr/>
+        </p:nvSpPr>
+        <p:spPr>
+          <a:xfrm>
+            <a:off x="9030328" y="1525811"/>
+            <a:ext cx="133408" cy="133408"/>
+          </a:xfrm>
+          <a:prstGeom prst="ellipse">
+            <a:avLst/>
+          </a:prstGeom>
+          <a:solidFill>
+            <a:srgbClr val="FFC000"/>
+          </a:solidFill>
+          <a:ln>
+            <a:noFill/>
+          </a:ln>
+        </p:spPr>
+        <p:style>
+          <a:lnRef idx="2">
+            <a:schemeClr val="accent1">
+              <a:shade val="50000"/>
+            </a:schemeClr>
+          </a:lnRef>
+          <a:fillRef idx="1">
+            <a:schemeClr val="accent1"/>
+          </a:fillRef>
+          <a:effectRef idx="0">
+            <a:schemeClr val="accent1"/>
+          </a:effectRef>
+          <a:fontRef idx="minor">
+            <a:schemeClr val="lt1"/>
+          </a:fontRef>
+        </p:style>
+        <p:txBody>
+          <a:bodyPr rot="0" spcFirstLastPara="0" vertOverflow="overflow" horzOverflow="overflow" vert="horz" wrap="square" lIns="121920" tIns="60960" rIns="121920" bIns="60960" numCol="1" spcCol="0" rtlCol="0" fromWordArt="0" anchor="ctr" anchorCtr="0" forceAA="0" compatLnSpc="1">
+            <a:prstTxWarp prst="textNoShape">
+              <a:avLst/>
+            </a:prstTxWarp>
+            <a:noAutofit/>
+          </a:bodyPr>
+          <a:lstStyle/>
+          <a:p>
+            <a:pPr algn="ctr"/>
+            <a:endParaRPr lang="ko-KR" altLang="en-US" sz="1600"/>
+          </a:p>
+        </p:txBody>
+      </p:sp>
+      <p:sp>
+        <p:nvSpPr>
+          <p:cNvPr id="75" name="타원 74">
+            <a:extLst>
+              <a:ext uri="{FF2B5EF4-FFF2-40B4-BE49-F238E27FC236}">
+                <a16:creationId xmlns:a16="http://schemas.microsoft.com/office/drawing/2014/main" xmlns="" id="{39091F08-14E2-46E7-9C6B-6944E1E1AC4A}"/>
+              </a:ext>
+            </a:extLst>
+          </p:cNvPr>
+          <p:cNvSpPr/>
+          <p:nvPr/>
+        </p:nvSpPr>
+        <p:spPr>
+          <a:xfrm>
+            <a:off x="9030328" y="1792064"/>
+            <a:ext cx="133408" cy="133408"/>
+          </a:xfrm>
+          <a:prstGeom prst="ellipse">
+            <a:avLst/>
+          </a:prstGeom>
+          <a:solidFill>
+            <a:srgbClr val="C00000"/>
+          </a:solidFill>
+          <a:ln>
+            <a:noFill/>
+          </a:ln>
+        </p:spPr>
+        <p:style>
+          <a:lnRef idx="2">
+            <a:schemeClr val="accent1">
+              <a:shade val="50000"/>
+            </a:schemeClr>
+          </a:lnRef>
+          <a:fillRef idx="1">
+            <a:schemeClr val="accent1"/>
+          </a:fillRef>
+          <a:effectRef idx="0">
+            <a:schemeClr val="accent1"/>
+          </a:effectRef>
+          <a:fontRef idx="minor">
+            <a:schemeClr val="lt1"/>
+          </a:fontRef>
+        </p:style>
+        <p:txBody>
+          <a:bodyPr rot="0" spcFirstLastPara="0" vertOverflow="overflow" horzOverflow="overflow" vert="horz" wrap="square" lIns="121920" tIns="60960" rIns="121920" bIns="60960" numCol="1" spcCol="0" rtlCol="0" fromWordArt="0" anchor="ctr" anchorCtr="0" forceAA="0" compatLnSpc="1">
+            <a:prstTxWarp prst="textNoShape">
+              <a:avLst/>
+            </a:prstTxWarp>
+            <a:noAutofit/>
+          </a:bodyPr>
+          <a:lstStyle/>
+          <a:p>
+            <a:pPr algn="ctr"/>
+            <a:endParaRPr lang="ko-KR" altLang="en-US" sz="1600"/>
+          </a:p>
+        </p:txBody>
+      </p:sp>
+      <p:sp>
+        <p:nvSpPr>
+          <p:cNvPr id="76" name="타원 75">
+            <a:extLst>
+              <a:ext uri="{FF2B5EF4-FFF2-40B4-BE49-F238E27FC236}">
+                <a16:creationId xmlns:a16="http://schemas.microsoft.com/office/drawing/2014/main" xmlns="" id="{E5B8E739-1AAA-4C57-97CC-1C102E2B361D}"/>
+              </a:ext>
+            </a:extLst>
+          </p:cNvPr>
+          <p:cNvSpPr/>
+          <p:nvPr/>
+        </p:nvSpPr>
+        <p:spPr>
+          <a:xfrm>
+            <a:off x="9030328" y="2055215"/>
+            <a:ext cx="133408" cy="133408"/>
+          </a:xfrm>
+          <a:prstGeom prst="ellipse">
+            <a:avLst/>
+          </a:prstGeom>
+          <a:solidFill>
+            <a:srgbClr val="00B050"/>
+          </a:solidFill>
+          <a:ln>
+            <a:noFill/>
+          </a:ln>
+        </p:spPr>
+        <p:style>
+          <a:lnRef idx="2">
+            <a:schemeClr val="accent1">
+              <a:shade val="50000"/>
+            </a:schemeClr>
+          </a:lnRef>
+          <a:fillRef idx="1">
+            <a:schemeClr val="accent1"/>
+          </a:fillRef>
+          <a:effectRef idx="0">
+            <a:schemeClr val="accent1"/>
+          </a:effectRef>
+          <a:fontRef idx="minor">
+            <a:schemeClr val="lt1"/>
+          </a:fontRef>
+        </p:style>
+        <p:txBody>
+          <a:bodyPr rot="0" spcFirstLastPara="0" vertOverflow="overflow" horzOverflow="overflow" vert="horz" wrap="square" lIns="121920" tIns="60960" rIns="121920" bIns="60960" numCol="1" spcCol="0" rtlCol="0" fromWordArt="0" anchor="ctr" anchorCtr="0" forceAA="0" compatLnSpc="1">
+            <a:prstTxWarp prst="textNoShape">
+              <a:avLst/>
+            </a:prstTxWarp>
+            <a:noAutofit/>
+          </a:bodyPr>
+          <a:lstStyle/>
+          <a:p>
+            <a:pPr algn="ctr"/>
+            <a:endParaRPr lang="ko-KR" altLang="en-US" sz="1600"/>
+          </a:p>
+        </p:txBody>
+      </p:sp>
+      <p:sp>
+        <p:nvSpPr>
+          <p:cNvPr id="77" name="타원 76">
+            <a:extLst>
+              <a:ext uri="{FF2B5EF4-FFF2-40B4-BE49-F238E27FC236}">
+                <a16:creationId xmlns:a16="http://schemas.microsoft.com/office/drawing/2014/main" xmlns="" id="{54B4F748-9D26-4E8B-A427-511B7E67F5E2}"/>
+              </a:ext>
+            </a:extLst>
+          </p:cNvPr>
+          <p:cNvSpPr/>
+          <p:nvPr/>
+        </p:nvSpPr>
+        <p:spPr>
+          <a:xfrm>
+            <a:off x="9030328" y="2329580"/>
+            <a:ext cx="133408" cy="133408"/>
+          </a:xfrm>
+          <a:prstGeom prst="ellipse">
+            <a:avLst/>
+          </a:prstGeom>
+          <a:solidFill>
+            <a:srgbClr val="00B050"/>
+          </a:solidFill>
+          <a:ln>
+            <a:noFill/>
+          </a:ln>
+        </p:spPr>
+        <p:style>
+          <a:lnRef idx="2">
+            <a:schemeClr val="accent1">
+              <a:shade val="50000"/>
+            </a:schemeClr>
+          </a:lnRef>
+          <a:fillRef idx="1">
+            <a:schemeClr val="accent1"/>
+          </a:fillRef>
+          <a:effectRef idx="0">
+            <a:schemeClr val="accent1"/>
+          </a:effectRef>
+          <a:fontRef idx="minor">
+            <a:schemeClr val="lt1"/>
+          </a:fontRef>
+        </p:style>
+        <p:txBody>
+          <a:bodyPr rot="0" spcFirstLastPara="0" vertOverflow="overflow" horzOverflow="overflow" vert="horz" wrap="square" lIns="121920" tIns="60960" rIns="121920" bIns="60960" numCol="1" spcCol="0" rtlCol="0" fromWordArt="0" anchor="ctr" anchorCtr="0" forceAA="0" compatLnSpc="1">
+            <a:prstTxWarp prst="textNoShape">
+              <a:avLst/>
+            </a:prstTxWarp>
+            <a:noAutofit/>
+          </a:bodyPr>
+          <a:lstStyle/>
+          <a:p>
+            <a:pPr algn="ctr"/>
+            <a:endParaRPr lang="ko-KR" altLang="en-US" sz="1600"/>
+          </a:p>
+        </p:txBody>
+      </p:sp>
+      <p:sp>
+        <p:nvSpPr>
+          <p:cNvPr id="78" name="타원 77">
+            <a:extLst>
+              <a:ext uri="{FF2B5EF4-FFF2-40B4-BE49-F238E27FC236}">
+                <a16:creationId xmlns:a16="http://schemas.microsoft.com/office/drawing/2014/main" xmlns="" id="{531B2113-F069-4F27-A06C-4397A6104ADA}"/>
+              </a:ext>
+            </a:extLst>
+          </p:cNvPr>
+          <p:cNvSpPr/>
+          <p:nvPr/>
+        </p:nvSpPr>
+        <p:spPr>
+          <a:xfrm>
+            <a:off x="9030328" y="2603945"/>
+            <a:ext cx="133408" cy="133408"/>
+          </a:xfrm>
+          <a:prstGeom prst="ellipse">
+            <a:avLst/>
+          </a:prstGeom>
+          <a:solidFill>
+            <a:srgbClr val="00B050"/>
+          </a:solidFill>
+          <a:ln>
+            <a:noFill/>
+          </a:ln>
+        </p:spPr>
+        <p:style>
+          <a:lnRef idx="2">
+            <a:schemeClr val="accent1">
+              <a:shade val="50000"/>
+            </a:schemeClr>
+          </a:lnRef>
+          <a:fillRef idx="1">
+            <a:schemeClr val="accent1"/>
+          </a:fillRef>
+          <a:effectRef idx="0">
+            <a:schemeClr val="accent1"/>
+          </a:effectRef>
+          <a:fontRef idx="minor">
+            <a:schemeClr val="lt1"/>
+          </a:fontRef>
+        </p:style>
+        <p:txBody>
+          <a:bodyPr rot="0" spcFirstLastPara="0" vertOverflow="overflow" horzOverflow="overflow" vert="horz" wrap="square" lIns="121920" tIns="60960" rIns="121920" bIns="60960" numCol="1" spcCol="0" rtlCol="0" fromWordArt="0" anchor="ctr" anchorCtr="0" forceAA="0" compatLnSpc="1">
+            <a:prstTxWarp prst="textNoShape">
+              <a:avLst/>
+            </a:prstTxWarp>
+            <a:noAutofit/>
+          </a:bodyPr>
+          <a:lstStyle/>
+          <a:p>
+            <a:pPr algn="ctr"/>
+            <a:endParaRPr lang="ko-KR" altLang="en-US" sz="1600"/>
+          </a:p>
+        </p:txBody>
+      </p:sp>
+      <p:graphicFrame>
+        <p:nvGraphicFramePr>
+          <p:cNvPr id="79" name="표 78">
+            <a:extLst>
+              <a:ext uri="{FF2B5EF4-FFF2-40B4-BE49-F238E27FC236}">
+                <a16:creationId xmlns:a16="http://schemas.microsoft.com/office/drawing/2014/main" xmlns="" id="{A71DACB7-5652-45BA-A8B1-412998560B25}"/>
+              </a:ext>
+            </a:extLst>
+          </p:cNvPr>
+          <p:cNvGraphicFramePr>
+            <a:graphicFrameLocks noGrp="1"/>
+          </p:cNvGraphicFramePr>
+          <p:nvPr>
+            <p:extLst>
+              <p:ext uri="{D42A27DB-BD31-4B8C-83A1-F6EECF244321}">
+                <p14:modId xmlns:p14="http://schemas.microsoft.com/office/powerpoint/2010/main" val="1316699132"/>
+              </p:ext>
+            </p:extLst>
+          </p:nvPr>
+        </p:nvGraphicFramePr>
+        <p:xfrm>
+          <a:off x="300715" y="254000"/>
+          <a:ext cx="2279408" cy="1906972"/>
+        </p:xfrm>
+        <a:graphic>
+          <a:graphicData uri="http://schemas.openxmlformats.org/drawingml/2006/table">
+            <a:tbl>
+              <a:tblPr firstRow="1" bandRow="1">
+                <a:tableStyleId>{5C22544A-7EE6-4342-B048-85BDC9FD1C3A}</a:tableStyleId>
+              </a:tblPr>
+              <a:tblGrid>
+                <a:gridCol w="908841">
+                  <a:extLst>
+                    <a:ext uri="{9D8B030D-6E8A-4147-A177-3AD203B41FA5}">
+                      <a16:colId xmlns:a16="http://schemas.microsoft.com/office/drawing/2014/main" xmlns="" val="3106673681"/>
+                    </a:ext>
+                  </a:extLst>
+                </a:gridCol>
+                <a:gridCol w="1370567">
+                  <a:extLst>
+                    <a:ext uri="{9D8B030D-6E8A-4147-A177-3AD203B41FA5}">
+                      <a16:colId xmlns:a16="http://schemas.microsoft.com/office/drawing/2014/main" xmlns="" val="680855760"/>
+                    </a:ext>
+                  </a:extLst>
+                </a:gridCol>
+              </a:tblGrid>
+              <a:tr h="487680">
+                <a:tc gridSpan="2">
+                  <a:txBody>
+                    <a:bodyPr/>
+                    <a:lstStyle/>
+                    <a:p>
+                      <a:pPr algn="l" latinLnBrk="1"/>
+                      <a:endParaRPr lang="en-US" altLang="ko-KR" sz="500" b="1" dirty="0">
+                        <a:solidFill>
+                          <a:schemeClr val="tx1"/>
+                        </a:solidFill>
+                        <a:latin typeface="나눔고딕" panose="020D0604000000000000" pitchFamily="50" charset="-127"/>
+                        <a:ea typeface="나눔고딕" panose="020D0604000000000000" pitchFamily="50" charset="-127"/>
+                      </a:endParaRPr>
+                    </a:p>
+                    <a:p>
+                      <a:pPr algn="l" latinLnBrk="1"/>
+                      <a:r>
+                        <a:rPr lang="ko-KR" altLang="en-US" sz="1900" b="1" dirty="0">
+                          <a:solidFill>
+                            <a:schemeClr val="tx1"/>
+                          </a:solidFill>
+                          <a:latin typeface="나눔고딕" panose="020D0604000000000000" pitchFamily="50" charset="-127"/>
+                          <a:ea typeface="나눔고딕" panose="020D0604000000000000" pitchFamily="50" charset="-127"/>
+                        </a:rPr>
+                        <a:t>질문 등록</a:t>
+                      </a:r>
+                    </a:p>
+                  </a:txBody>
+                  <a:tcPr marL="121920" marR="121920" marT="60960" marB="60960">
+                    <a:lnL w="12700" cmpd="sng">
+                      <a:noFill/>
+                    </a:lnL>
+                    <a:lnR w="12700" cmpd="sng">
+                      <a:noFill/>
+                    </a:lnR>
+                    <a:lnT w="12700" cmpd="sng">
+                      <a:noFill/>
+                    </a:lnT>
+                    <a:lnB w="12700" cap="flat" cmpd="sng" algn="ctr">
+                      <a:solidFill>
+                        <a:schemeClr val="tx1"/>
+                      </a:solidFill>
+                      <a:prstDash val="solid"/>
+                      <a:round/>
+                      <a:headEnd type="none" w="med" len="med"/>
+                      <a:tailEnd type="none" w="med" len="med"/>
+                    </a:lnB>
+                    <a:lnTlToBr w="12700" cmpd="sng">
+                      <a:noFill/>
+                      <a:prstDash val="solid"/>
+                    </a:lnTlToBr>
+                    <a:lnBlToTr w="12700" cmpd="sng">
+                      <a:noFill/>
+                      <a:prstDash val="solid"/>
+                    </a:lnBlToTr>
+                    <a:noFill/>
+                  </a:tcPr>
+                </a:tc>
+                <a:tc hMerge="1">
+                  <a:txBody>
+                    <a:bodyPr/>
+                    <a:lstStyle/>
+                    <a:p>
+                      <a:pPr algn="ctr" latinLnBrk="1"/>
+                      <a:endParaRPr lang="ko-KR" altLang="en-US" sz="1100" b="0" dirty="0">
+                        <a:solidFill>
+                          <a:schemeClr val="tx1"/>
+                        </a:solidFill>
+                        <a:latin typeface="나눔고딕" panose="020D0604000000000000" pitchFamily="50" charset="-127"/>
+                        <a:ea typeface="나눔고딕" panose="020D0604000000000000" pitchFamily="50" charset="-127"/>
+                      </a:endParaRPr>
+                    </a:p>
+                  </a:txBody>
+                  <a:tcPr>
+                    <a:lnL w="12700" cmpd="sng">
+                      <a:noFill/>
+                    </a:lnL>
+                    <a:lnR w="12700" cmpd="sng">
+                      <a:noFill/>
+                    </a:lnR>
+                    <a:lnT w="12700" cmpd="sng">
+                      <a:noFill/>
+                    </a:lnT>
+                    <a:lnB w="12700" cap="flat" cmpd="sng" algn="ctr">
+                      <a:solidFill>
+                        <a:schemeClr val="tx1"/>
+                      </a:solidFill>
+                      <a:prstDash val="solid"/>
+                      <a:round/>
+                      <a:headEnd type="none" w="med" len="med"/>
+                      <a:tailEnd type="none" w="med" len="med"/>
+                    </a:lnB>
+                    <a:lnTlToBr w="12700" cmpd="sng">
+                      <a:noFill/>
+                      <a:prstDash val="solid"/>
+                    </a:lnTlToBr>
+                    <a:lnBlToTr w="12700" cmpd="sng">
+                      <a:noFill/>
+                      <a:prstDash val="solid"/>
+                    </a:lnBlToTr>
+                    <a:noFill/>
+                  </a:tcPr>
+                </a:tc>
+                <a:extLst>
+                  <a:ext uri="{0D108BD9-81ED-4DB2-BD59-A6C34878D82A}">
+                    <a16:rowId xmlns:a16="http://schemas.microsoft.com/office/drawing/2014/main" xmlns="" val="3506947314"/>
+                  </a:ext>
+                </a:extLst>
+              </a:tr>
+              <a:tr h="349168">
+                <a:tc>
+                  <a:txBody>
+                    <a:bodyPr/>
+                    <a:lstStyle/>
+                    <a:p>
+                      <a:pPr marL="0" marR="0" lvl="0" indent="0" algn="r" defTabSz="685800" rtl="0" eaLnBrk="1" fontAlgn="auto" latinLnBrk="1" hangingPunct="1">
+                        <a:lnSpc>
+                          <a:spcPct val="100000"/>
+                        </a:lnSpc>
+                        <a:spcBef>
+                          <a:spcPts val="0"/>
+                        </a:spcBef>
+                        <a:spcAft>
+                          <a:spcPts val="0"/>
+                        </a:spcAft>
+                        <a:buClrTx/>
+                        <a:buSzTx/>
+                        <a:buFontTx/>
+                        <a:buNone/>
+                        <a:tabLst/>
+                        <a:defRPr/>
+                      </a:pPr>
+                      <a:r>
+                        <a:rPr lang="ko-KR" altLang="en-US" sz="900" dirty="0">
+                          <a:latin typeface="나눔고딕" panose="020D0604000000000000" pitchFamily="50" charset="-127"/>
+                          <a:ea typeface="나눔고딕" panose="020D0604000000000000" pitchFamily="50" charset="-127"/>
+                        </a:rPr>
+                        <a:t>과목</a:t>
+                      </a:r>
+                    </a:p>
+                  </a:txBody>
+                  <a:tcPr marL="121920" marR="121920" marT="60960" marB="60960" anchor="b">
+                    <a:lnL w="12700" cap="flat" cmpd="sng" algn="ctr">
+                      <a:noFill/>
+                      <a:prstDash val="solid"/>
+                      <a:round/>
+                      <a:headEnd type="none" w="med" len="med"/>
+                      <a:tailEnd type="none" w="med" len="med"/>
+                    </a:lnL>
+                    <a:lnR w="12700" cap="flat" cmpd="sng" algn="ctr">
+                      <a:noFill/>
+                      <a:prstDash val="solid"/>
+                      <a:round/>
+                      <a:headEnd type="none" w="med" len="med"/>
+                      <a:tailEnd type="none" w="med" len="med"/>
+                    </a:lnR>
+                    <a:lnT w="12700" cap="flat" cmpd="sng" algn="ctr">
+                      <a:solidFill>
+                        <a:schemeClr val="tx1"/>
+                      </a:solidFill>
+                      <a:prstDash val="solid"/>
+                      <a:round/>
+                      <a:headEnd type="none" w="med" len="med"/>
+                      <a:tailEnd type="none" w="med" len="med"/>
+                    </a:lnT>
+                    <a:lnB w="12700" cap="flat" cmpd="sng" algn="ctr">
+                      <a:noFill/>
+                      <a:prstDash val="solid"/>
+                      <a:round/>
+                      <a:headEnd type="none" w="med" len="med"/>
+                      <a:tailEnd type="none" w="med" len="med"/>
+                    </a:lnB>
+                    <a:lnTlToBr w="12700" cmpd="sng">
+                      <a:noFill/>
+                      <a:prstDash val="solid"/>
+                    </a:lnTlToBr>
+                    <a:lnBlToTr w="12700" cmpd="sng">
+                      <a:noFill/>
+                      <a:prstDash val="solid"/>
+                    </a:lnBlToTr>
+                    <a:noFill/>
+                  </a:tcPr>
+                </a:tc>
+                <a:tc>
+                  <a:txBody>
+                    <a:bodyPr/>
+                    <a:lstStyle/>
+                    <a:p>
+                      <a:pPr algn="ctr" latinLnBrk="1"/>
+                      <a:r>
+                        <a:rPr lang="ko-KR" altLang="en-US" sz="900" b="0" dirty="0">
+                          <a:solidFill>
+                            <a:schemeClr val="tx1"/>
+                          </a:solidFill>
+                          <a:latin typeface="나눔고딕" panose="020D0604000000000000" pitchFamily="50" charset="-127"/>
+                          <a:ea typeface="나눔고딕" panose="020D0604000000000000" pitchFamily="50" charset="-127"/>
+                        </a:rPr>
+                        <a:t>수학</a:t>
+                      </a:r>
+                      <a:r>
+                        <a:rPr lang="en-US" altLang="ko-KR" sz="900" b="0" dirty="0">
+                          <a:solidFill>
+                            <a:schemeClr val="tx1"/>
+                          </a:solidFill>
+                          <a:latin typeface="나눔고딕" panose="020D0604000000000000" pitchFamily="50" charset="-127"/>
+                          <a:ea typeface="나눔고딕" panose="020D0604000000000000" pitchFamily="50" charset="-127"/>
+                        </a:rPr>
+                        <a:t>I</a:t>
+                      </a:r>
+                      <a:endParaRPr lang="ko-KR" altLang="en-US" sz="900" b="0" dirty="0">
+                        <a:solidFill>
+                          <a:schemeClr val="tx1"/>
+                        </a:solidFill>
+                        <a:latin typeface="나눔고딕" panose="020D0604000000000000" pitchFamily="50" charset="-127"/>
+                        <a:ea typeface="나눔고딕" panose="020D0604000000000000" pitchFamily="50" charset="-127"/>
+                      </a:endParaRPr>
+                    </a:p>
+                  </a:txBody>
+                  <a:tcPr marL="121920" marR="121920" marT="60960" marB="60960" anchor="b">
+                    <a:lnL w="12700" cap="flat" cmpd="sng" algn="ctr">
+                      <a:noFill/>
+                      <a:prstDash val="solid"/>
+                      <a:round/>
+                      <a:headEnd type="none" w="med" len="med"/>
+                      <a:tailEnd type="none" w="med" len="med"/>
+                    </a:lnL>
+                    <a:lnR w="12700" cap="flat" cmpd="sng" algn="ctr">
+                      <a:noFill/>
+                      <a:prstDash val="solid"/>
+                      <a:round/>
+                      <a:headEnd type="none" w="med" len="med"/>
+                      <a:tailEnd type="none" w="med" len="med"/>
+                    </a:lnR>
+                    <a:lnT w="12700" cap="flat" cmpd="sng" algn="ctr">
+                      <a:solidFill>
+                        <a:schemeClr val="tx1"/>
+                      </a:solidFill>
+                      <a:prstDash val="solid"/>
+                      <a:round/>
+                      <a:headEnd type="none" w="med" len="med"/>
+                      <a:tailEnd type="none" w="med" len="med"/>
+                    </a:lnT>
+                    <a:lnB w="12700" cap="flat" cmpd="sng" algn="ctr">
+                      <a:noFill/>
+                      <a:prstDash val="solid"/>
+                      <a:round/>
+                      <a:headEnd type="none" w="med" len="med"/>
+                      <a:tailEnd type="none" w="med" len="med"/>
+                    </a:lnB>
+                    <a:lnTlToBr w="12700" cmpd="sng">
+                      <a:noFill/>
+                      <a:prstDash val="solid"/>
+                    </a:lnTlToBr>
+                    <a:lnBlToTr w="12700" cmpd="sng">
+                      <a:noFill/>
+                      <a:prstDash val="solid"/>
+                    </a:lnBlToTr>
+                    <a:noFill/>
+                  </a:tcPr>
+                </a:tc>
+                <a:extLst>
+                  <a:ext uri="{0D108BD9-81ED-4DB2-BD59-A6C34878D82A}">
+                    <a16:rowId xmlns:a16="http://schemas.microsoft.com/office/drawing/2014/main" xmlns="" val="3153771678"/>
+                  </a:ext>
+                </a:extLst>
+              </a:tr>
+              <a:tr h="267531">
+                <a:tc>
+                  <a:txBody>
+                    <a:bodyPr/>
+                    <a:lstStyle/>
+                    <a:p>
+                      <a:pPr marL="0" marR="0" lvl="0" indent="0" algn="r" defTabSz="685800" rtl="0" eaLnBrk="1" fontAlgn="auto" latinLnBrk="1" hangingPunct="1">
+                        <a:lnSpc>
+                          <a:spcPct val="100000"/>
+                        </a:lnSpc>
+                        <a:spcBef>
+                          <a:spcPts val="0"/>
+                        </a:spcBef>
+                        <a:spcAft>
+                          <a:spcPts val="0"/>
+                        </a:spcAft>
+                        <a:buClrTx/>
+                        <a:buSzTx/>
+                        <a:buFontTx/>
+                        <a:buNone/>
+                        <a:tabLst/>
+                        <a:defRPr/>
+                      </a:pPr>
+                      <a:r>
+                        <a:rPr lang="ko-KR" altLang="en-US" sz="900" dirty="0">
+                          <a:latin typeface="나눔고딕" panose="020D0604000000000000" pitchFamily="50" charset="-127"/>
+                          <a:ea typeface="나눔고딕" panose="020D0604000000000000" pitchFamily="50" charset="-127"/>
+                        </a:rPr>
+                        <a:t>교재</a:t>
+                      </a:r>
+                    </a:p>
+                  </a:txBody>
+                  <a:tcPr marL="121920" marR="121920" marT="60960" marB="60960" anchor="ctr">
+                    <a:lnL w="12700" cap="flat" cmpd="sng" algn="ctr">
+                      <a:noFill/>
+                      <a:prstDash val="solid"/>
+                      <a:round/>
+                      <a:headEnd type="none" w="med" len="med"/>
+                      <a:tailEnd type="none" w="med" len="med"/>
+                    </a:lnL>
+                    <a:lnR w="12700" cap="flat" cmpd="sng" algn="ctr">
+                      <a:noFill/>
+                      <a:prstDash val="solid"/>
+                      <a:round/>
+                      <a:headEnd type="none" w="med" len="med"/>
+                      <a:tailEnd type="none" w="med" len="med"/>
+                    </a:lnR>
+                    <a:lnT w="12700" cap="flat" cmpd="sng" algn="ctr">
+                      <a:noFill/>
+                      <a:prstDash val="solid"/>
+                      <a:round/>
+                      <a:headEnd type="none" w="med" len="med"/>
+                      <a:tailEnd type="none" w="med" len="med"/>
+                    </a:lnT>
+                    <a:lnB w="12700" cap="flat" cmpd="sng" algn="ctr">
+                      <a:noFill/>
+                      <a:prstDash val="solid"/>
+                      <a:round/>
+                      <a:headEnd type="none" w="med" len="med"/>
+                      <a:tailEnd type="none" w="med" len="med"/>
+                    </a:lnB>
+                    <a:lnTlToBr w="12700" cmpd="sng">
+                      <a:noFill/>
+                      <a:prstDash val="solid"/>
+                    </a:lnTlToBr>
+                    <a:lnBlToTr w="12700" cmpd="sng">
+                      <a:noFill/>
+                      <a:prstDash val="solid"/>
+                    </a:lnBlToTr>
+                    <a:noFill/>
+                  </a:tcPr>
+                </a:tc>
+                <a:tc>
+                  <a:txBody>
+                    <a:bodyPr/>
+                    <a:lstStyle/>
+                    <a:p>
+                      <a:pPr algn="ctr" latinLnBrk="1"/>
+                      <a:r>
+                        <a:rPr lang="ko-KR" altLang="en-US" sz="900" b="0" dirty="0" err="1">
+                          <a:solidFill>
+                            <a:schemeClr val="tx1"/>
+                          </a:solidFill>
+                          <a:latin typeface="나눔고딕" panose="020D0604000000000000" pitchFamily="50" charset="-127"/>
+                          <a:ea typeface="나눔고딕" panose="020D0604000000000000" pitchFamily="50" charset="-127"/>
+                        </a:rPr>
+                        <a:t>자이스토리</a:t>
+                      </a:r>
+                      <a:endParaRPr lang="en-US" altLang="ko-KR" sz="900" b="0" dirty="0">
+                        <a:solidFill>
+                          <a:schemeClr val="tx1"/>
+                        </a:solidFill>
+                        <a:latin typeface="나눔고딕" panose="020D0604000000000000" pitchFamily="50" charset="-127"/>
+                        <a:ea typeface="나눔고딕" panose="020D0604000000000000" pitchFamily="50" charset="-127"/>
+                      </a:endParaRPr>
+                    </a:p>
+                  </a:txBody>
+                  <a:tcPr marL="121920" marR="121920" marT="60960" marB="60960" anchor="ctr">
+                    <a:lnL w="12700" cap="flat" cmpd="sng" algn="ctr">
+                      <a:noFill/>
+                      <a:prstDash val="solid"/>
+                      <a:round/>
+                      <a:headEnd type="none" w="med" len="med"/>
+                      <a:tailEnd type="none" w="med" len="med"/>
+                    </a:lnL>
+                    <a:lnR w="12700" cap="flat" cmpd="sng" algn="ctr">
+                      <a:noFill/>
+                      <a:prstDash val="solid"/>
+                      <a:round/>
+                      <a:headEnd type="none" w="med" len="med"/>
+                      <a:tailEnd type="none" w="med" len="med"/>
+                    </a:lnR>
+                    <a:lnT w="12700" cap="flat" cmpd="sng" algn="ctr">
+                      <a:noFill/>
+                      <a:prstDash val="solid"/>
+                      <a:round/>
+                      <a:headEnd type="none" w="med" len="med"/>
+                      <a:tailEnd type="none" w="med" len="med"/>
+                    </a:lnT>
+                    <a:lnB w="12700" cap="flat" cmpd="sng" algn="ctr">
+                      <a:noFill/>
+                      <a:prstDash val="solid"/>
+                      <a:round/>
+                      <a:headEnd type="none" w="med" len="med"/>
+                      <a:tailEnd type="none" w="med" len="med"/>
+                    </a:lnB>
+                    <a:lnTlToBr w="12700" cmpd="sng">
+                      <a:noFill/>
+                      <a:prstDash val="solid"/>
+                    </a:lnTlToBr>
+                    <a:lnBlToTr w="12700" cmpd="sng">
+                      <a:noFill/>
+                      <a:prstDash val="solid"/>
+                    </a:lnBlToTr>
+                    <a:noFill/>
+                  </a:tcPr>
+                </a:tc>
+                <a:extLst>
+                  <a:ext uri="{0D108BD9-81ED-4DB2-BD59-A6C34878D82A}">
+                    <a16:rowId xmlns:a16="http://schemas.microsoft.com/office/drawing/2014/main" xmlns="" val="672683968"/>
+                  </a:ext>
+                </a:extLst>
+              </a:tr>
+              <a:tr h="267531">
+                <a:tc>
+                  <a:txBody>
+                    <a:bodyPr/>
+                    <a:lstStyle/>
+                    <a:p>
+                      <a:pPr marL="0" marR="0" lvl="0" indent="0" algn="r" defTabSz="685800" rtl="0" eaLnBrk="1" fontAlgn="auto" latinLnBrk="1" hangingPunct="1">
+                        <a:lnSpc>
+                          <a:spcPct val="100000"/>
+                        </a:lnSpc>
+                        <a:spcBef>
+                          <a:spcPts val="0"/>
+                        </a:spcBef>
+                        <a:spcAft>
+                          <a:spcPts val="0"/>
+                        </a:spcAft>
+                        <a:buClrTx/>
+                        <a:buSzTx/>
+                        <a:buFontTx/>
+                        <a:buNone/>
+                        <a:tabLst/>
+                        <a:defRPr/>
+                      </a:pPr>
+                      <a:r>
+                        <a:rPr lang="ko-KR" altLang="en-US" sz="900" dirty="0">
+                          <a:latin typeface="나눔고딕" panose="020D0604000000000000" pitchFamily="50" charset="-127"/>
+                          <a:ea typeface="나눔고딕" panose="020D0604000000000000" pitchFamily="50" charset="-127"/>
+                        </a:rPr>
+                        <a:t>개정년도</a:t>
+                      </a:r>
+                    </a:p>
+                  </a:txBody>
+                  <a:tcPr marL="121920" marR="121920" marT="60960" marB="60960" anchor="ctr">
+                    <a:lnL w="12700" cap="flat" cmpd="sng" algn="ctr">
+                      <a:noFill/>
+                      <a:prstDash val="solid"/>
+                      <a:round/>
+                      <a:headEnd type="none" w="med" len="med"/>
+                      <a:tailEnd type="none" w="med" len="med"/>
+                    </a:lnL>
+                    <a:lnR w="12700" cap="flat" cmpd="sng" algn="ctr">
+                      <a:noFill/>
+                      <a:prstDash val="solid"/>
+                      <a:round/>
+                      <a:headEnd type="none" w="med" len="med"/>
+                      <a:tailEnd type="none" w="med" len="med"/>
+                    </a:lnR>
+                    <a:lnT w="12700" cap="flat" cmpd="sng" algn="ctr">
+                      <a:noFill/>
+                      <a:prstDash val="solid"/>
+                      <a:round/>
+                      <a:headEnd type="none" w="med" len="med"/>
+                      <a:tailEnd type="none" w="med" len="med"/>
+                    </a:lnT>
+                    <a:lnB w="12700" cap="flat" cmpd="sng" algn="ctr">
+                      <a:noFill/>
+                      <a:prstDash val="solid"/>
+                      <a:round/>
+                      <a:headEnd type="none" w="med" len="med"/>
+                      <a:tailEnd type="none" w="med" len="med"/>
+                    </a:lnB>
+                    <a:lnTlToBr w="12700" cmpd="sng">
+                      <a:noFill/>
+                      <a:prstDash val="solid"/>
+                    </a:lnTlToBr>
+                    <a:lnBlToTr w="12700" cmpd="sng">
+                      <a:noFill/>
+                      <a:prstDash val="solid"/>
+                    </a:lnBlToTr>
+                    <a:noFill/>
+                  </a:tcPr>
+                </a:tc>
+                <a:tc>
+                  <a:txBody>
+                    <a:bodyPr/>
+                    <a:lstStyle/>
+                    <a:p>
+                      <a:pPr algn="ctr" latinLnBrk="1"/>
+                      <a:r>
+                        <a:rPr lang="en-US" altLang="ko-KR" sz="900" b="0" dirty="0">
+                          <a:solidFill>
+                            <a:schemeClr val="tx1"/>
+                          </a:solidFill>
+                          <a:latin typeface="나눔고딕" panose="020D0604000000000000" pitchFamily="50" charset="-127"/>
+                          <a:ea typeface="나눔고딕" panose="020D0604000000000000" pitchFamily="50" charset="-127"/>
+                        </a:rPr>
+                        <a:t>2017</a:t>
+                      </a:r>
+                      <a:endParaRPr lang="ko-KR" altLang="en-US" sz="900" b="0" dirty="0">
+                        <a:solidFill>
+                          <a:schemeClr val="tx1"/>
+                        </a:solidFill>
+                        <a:latin typeface="나눔고딕" panose="020D0604000000000000" pitchFamily="50" charset="-127"/>
+                        <a:ea typeface="나눔고딕" panose="020D0604000000000000" pitchFamily="50" charset="-127"/>
+                      </a:endParaRPr>
+                    </a:p>
+                  </a:txBody>
+                  <a:tcPr marL="121920" marR="121920" marT="60960" marB="60960" anchor="ctr">
+                    <a:lnL w="12700" cap="flat" cmpd="sng" algn="ctr">
+                      <a:noFill/>
+                      <a:prstDash val="solid"/>
+                      <a:round/>
+                      <a:headEnd type="none" w="med" len="med"/>
+                      <a:tailEnd type="none" w="med" len="med"/>
+                    </a:lnL>
+                    <a:lnR w="12700" cap="flat" cmpd="sng" algn="ctr">
+                      <a:noFill/>
+                      <a:prstDash val="solid"/>
+                      <a:round/>
+                      <a:headEnd type="none" w="med" len="med"/>
+                      <a:tailEnd type="none" w="med" len="med"/>
+                    </a:lnR>
+                    <a:lnT w="12700" cap="flat" cmpd="sng" algn="ctr">
+                      <a:noFill/>
+                      <a:prstDash val="solid"/>
+                      <a:round/>
+                      <a:headEnd type="none" w="med" len="med"/>
+                      <a:tailEnd type="none" w="med" len="med"/>
+                    </a:lnT>
+                    <a:lnB w="12700" cap="flat" cmpd="sng" algn="ctr">
+                      <a:noFill/>
+                      <a:prstDash val="solid"/>
+                      <a:round/>
+                      <a:headEnd type="none" w="med" len="med"/>
+                      <a:tailEnd type="none" w="med" len="med"/>
+                    </a:lnB>
+                    <a:lnTlToBr w="12700" cmpd="sng">
+                      <a:noFill/>
+                      <a:prstDash val="solid"/>
+                    </a:lnTlToBr>
+                    <a:lnBlToTr w="12700" cmpd="sng">
+                      <a:noFill/>
+                      <a:prstDash val="solid"/>
+                    </a:lnBlToTr>
+                    <a:noFill/>
+                  </a:tcPr>
+                </a:tc>
+                <a:extLst>
+                  <a:ext uri="{0D108BD9-81ED-4DB2-BD59-A6C34878D82A}">
+                    <a16:rowId xmlns:a16="http://schemas.microsoft.com/office/drawing/2014/main" xmlns="" val="1444319488"/>
+                  </a:ext>
+                </a:extLst>
+              </a:tr>
+              <a:tr h="267531">
+                <a:tc>
+                  <a:txBody>
+                    <a:bodyPr/>
+                    <a:lstStyle/>
+                    <a:p>
+                      <a:pPr marL="0" marR="0" lvl="0" indent="0" algn="r" defTabSz="685800" rtl="0" eaLnBrk="1" fontAlgn="auto" latinLnBrk="1" hangingPunct="1">
+                        <a:lnSpc>
+                          <a:spcPct val="100000"/>
+                        </a:lnSpc>
+                        <a:spcBef>
+                          <a:spcPts val="0"/>
+                        </a:spcBef>
+                        <a:spcAft>
+                          <a:spcPts val="0"/>
+                        </a:spcAft>
+                        <a:buClrTx/>
+                        <a:buSzTx/>
+                        <a:buFontTx/>
+                        <a:buNone/>
+                        <a:tabLst/>
+                        <a:defRPr/>
+                      </a:pPr>
+                      <a:r>
+                        <a:rPr lang="ko-KR" altLang="en-US" sz="900" dirty="0">
+                          <a:latin typeface="나눔고딕" panose="020D0604000000000000" pitchFamily="50" charset="-127"/>
+                          <a:ea typeface="나눔고딕" panose="020D0604000000000000" pitchFamily="50" charset="-127"/>
+                        </a:rPr>
+                        <a:t>페이지</a:t>
+                      </a:r>
+                      <a:r>
+                        <a:rPr lang="en-US" altLang="ko-KR" sz="900" dirty="0">
+                          <a:latin typeface="나눔고딕" panose="020D0604000000000000" pitchFamily="50" charset="-127"/>
+                          <a:ea typeface="나눔고딕" panose="020D0604000000000000" pitchFamily="50" charset="-127"/>
+                        </a:rPr>
+                        <a:t>(</a:t>
+                      </a:r>
+                      <a:r>
+                        <a:rPr lang="ko-KR" altLang="en-US" sz="900" dirty="0">
+                          <a:latin typeface="나눔고딕" panose="020D0604000000000000" pitchFamily="50" charset="-127"/>
+                          <a:ea typeface="나눔고딕" panose="020D0604000000000000" pitchFamily="50" charset="-127"/>
+                        </a:rPr>
+                        <a:t>단원</a:t>
+                      </a:r>
+                      <a:r>
+                        <a:rPr lang="en-US" altLang="ko-KR" sz="900" dirty="0">
+                          <a:latin typeface="나눔고딕" panose="020D0604000000000000" pitchFamily="50" charset="-127"/>
+                          <a:ea typeface="나눔고딕" panose="020D0604000000000000" pitchFamily="50" charset="-127"/>
+                        </a:rPr>
+                        <a:t>)</a:t>
+                      </a:r>
+                      <a:endParaRPr lang="ko-KR" altLang="en-US" sz="900" dirty="0">
+                        <a:latin typeface="나눔고딕" panose="020D0604000000000000" pitchFamily="50" charset="-127"/>
+                        <a:ea typeface="나눔고딕" panose="020D0604000000000000" pitchFamily="50" charset="-127"/>
+                      </a:endParaRPr>
+                    </a:p>
+                  </a:txBody>
+                  <a:tcPr marL="121920" marR="121920" marT="60960" marB="60960" anchor="ctr">
+                    <a:lnL w="12700" cap="flat" cmpd="sng" algn="ctr">
+                      <a:noFill/>
+                      <a:prstDash val="solid"/>
+                      <a:round/>
+                      <a:headEnd type="none" w="med" len="med"/>
+                      <a:tailEnd type="none" w="med" len="med"/>
+                    </a:lnL>
+                    <a:lnR w="12700" cap="flat" cmpd="sng" algn="ctr">
+                      <a:noFill/>
+                      <a:prstDash val="solid"/>
+                      <a:round/>
+                      <a:headEnd type="none" w="med" len="med"/>
+                      <a:tailEnd type="none" w="med" len="med"/>
+                    </a:lnR>
+                    <a:lnT w="12700" cap="flat" cmpd="sng" algn="ctr">
+                      <a:noFill/>
+                      <a:prstDash val="solid"/>
+                      <a:round/>
+                      <a:headEnd type="none" w="med" len="med"/>
+                      <a:tailEnd type="none" w="med" len="med"/>
+                    </a:lnT>
+                    <a:lnB w="12700" cap="flat" cmpd="sng" algn="ctr">
+                      <a:noFill/>
+                      <a:prstDash val="solid"/>
+                      <a:round/>
+                      <a:headEnd type="none" w="med" len="med"/>
+                      <a:tailEnd type="none" w="med" len="med"/>
+                    </a:lnB>
+                    <a:lnTlToBr w="12700" cmpd="sng">
+                      <a:noFill/>
+                      <a:prstDash val="solid"/>
+                    </a:lnTlToBr>
+                    <a:lnBlToTr w="12700" cmpd="sng">
+                      <a:noFill/>
+                      <a:prstDash val="solid"/>
+                    </a:lnBlToTr>
+                    <a:noFill/>
+                  </a:tcPr>
+                </a:tc>
+                <a:tc>
+                  <a:txBody>
+                    <a:bodyPr/>
+                    <a:lstStyle/>
+                    <a:p>
+                      <a:pPr algn="ctr" latinLnBrk="1"/>
+                      <a:r>
+                        <a:rPr lang="en-US" altLang="ko-KR" sz="900" b="0" dirty="0">
+                          <a:solidFill>
+                            <a:schemeClr val="tx1"/>
+                          </a:solidFill>
+                          <a:latin typeface="나눔고딕" panose="020D0604000000000000" pitchFamily="50" charset="-127"/>
+                          <a:ea typeface="나눔고딕" panose="020D0604000000000000" pitchFamily="50" charset="-127"/>
+                        </a:rPr>
+                        <a:t>K</a:t>
+                      </a:r>
+                      <a:endParaRPr lang="ko-KR" altLang="en-US" sz="900" b="0" dirty="0">
+                        <a:solidFill>
+                          <a:schemeClr val="tx1"/>
+                        </a:solidFill>
+                        <a:latin typeface="나눔고딕" panose="020D0604000000000000" pitchFamily="50" charset="-127"/>
+                        <a:ea typeface="나눔고딕" panose="020D0604000000000000" pitchFamily="50" charset="-127"/>
+                      </a:endParaRPr>
+                    </a:p>
+                  </a:txBody>
+                  <a:tcPr marL="121920" marR="121920" marT="60960" marB="60960" anchor="ctr">
+                    <a:lnL w="12700" cap="flat" cmpd="sng" algn="ctr">
+                      <a:noFill/>
+                      <a:prstDash val="solid"/>
+                      <a:round/>
+                      <a:headEnd type="none" w="med" len="med"/>
+                      <a:tailEnd type="none" w="med" len="med"/>
+                    </a:lnL>
+                    <a:lnR w="12700" cap="flat" cmpd="sng" algn="ctr">
+                      <a:noFill/>
+                      <a:prstDash val="solid"/>
+                      <a:round/>
+                      <a:headEnd type="none" w="med" len="med"/>
+                      <a:tailEnd type="none" w="med" len="med"/>
+                    </a:lnR>
+                    <a:lnT w="12700" cap="flat" cmpd="sng" algn="ctr">
+                      <a:noFill/>
+                      <a:prstDash val="solid"/>
+                      <a:round/>
+                      <a:headEnd type="none" w="med" len="med"/>
+                      <a:tailEnd type="none" w="med" len="med"/>
+                    </a:lnT>
+                    <a:lnB w="12700" cap="flat" cmpd="sng" algn="ctr">
+                      <a:noFill/>
+                      <a:prstDash val="solid"/>
+                      <a:round/>
+                      <a:headEnd type="none" w="med" len="med"/>
+                      <a:tailEnd type="none" w="med" len="med"/>
+                    </a:lnB>
+                    <a:lnTlToBr w="12700" cmpd="sng">
+                      <a:noFill/>
+                      <a:prstDash val="solid"/>
+                    </a:lnTlToBr>
+                    <a:lnBlToTr w="12700" cmpd="sng">
+                      <a:noFill/>
+                      <a:prstDash val="solid"/>
+                    </a:lnBlToTr>
+                    <a:noFill/>
+                  </a:tcPr>
+                </a:tc>
+                <a:extLst>
+                  <a:ext uri="{0D108BD9-81ED-4DB2-BD59-A6C34878D82A}">
+                    <a16:rowId xmlns:a16="http://schemas.microsoft.com/office/drawing/2014/main" xmlns="" val="2432851687"/>
+                  </a:ext>
+                </a:extLst>
+              </a:tr>
+              <a:tr h="267531">
+                <a:tc>
+                  <a:txBody>
+                    <a:bodyPr/>
+                    <a:lstStyle/>
+                    <a:p>
+                      <a:pPr algn="r" latinLnBrk="1"/>
+                      <a:r>
+                        <a:rPr lang="ko-KR" altLang="en-US" sz="900" b="0" dirty="0">
+                          <a:solidFill>
+                            <a:schemeClr val="tx1"/>
+                          </a:solidFill>
+                          <a:latin typeface="나눔고딕" panose="020D0604000000000000" pitchFamily="50" charset="-127"/>
+                          <a:ea typeface="나눔고딕" panose="020D0604000000000000" pitchFamily="50" charset="-127"/>
+                        </a:rPr>
+                        <a:t>문항번호</a:t>
+                      </a:r>
+                    </a:p>
+                  </a:txBody>
+                  <a:tcPr marL="121920" marR="121920" marT="60960" marB="60960" anchor="ctr">
+                    <a:lnL w="12700" cap="flat" cmpd="sng" algn="ctr">
+                      <a:noFill/>
+                      <a:prstDash val="solid"/>
+                      <a:round/>
+                      <a:headEnd type="none" w="med" len="med"/>
+                      <a:tailEnd type="none" w="med" len="med"/>
+                    </a:lnL>
+                    <a:lnR w="12700" cap="flat" cmpd="sng" algn="ctr">
+                      <a:noFill/>
+                      <a:prstDash val="solid"/>
+                      <a:round/>
+                      <a:headEnd type="none" w="med" len="med"/>
+                      <a:tailEnd type="none" w="med" len="med"/>
+                    </a:lnR>
+                    <a:lnT w="12700" cap="flat" cmpd="sng" algn="ctr">
+                      <a:noFill/>
+                      <a:prstDash val="solid"/>
+                      <a:round/>
+                      <a:headEnd type="none" w="med" len="med"/>
+                      <a:tailEnd type="none" w="med" len="med"/>
+                    </a:lnT>
+                    <a:lnB w="12700" cap="flat" cmpd="sng" algn="ctr">
+                      <a:noFill/>
+                      <a:prstDash val="solid"/>
+                      <a:round/>
+                      <a:headEnd type="none" w="med" len="med"/>
+                      <a:tailEnd type="none" w="med" len="med"/>
+                    </a:lnB>
+                    <a:lnTlToBr w="12700" cmpd="sng">
+                      <a:noFill/>
+                      <a:prstDash val="solid"/>
+                    </a:lnTlToBr>
+                    <a:lnBlToTr w="12700" cmpd="sng">
+                      <a:noFill/>
+                      <a:prstDash val="solid"/>
+                    </a:lnBlToTr>
+                    <a:noFill/>
+                  </a:tcPr>
+                </a:tc>
+                <a:tc>
+                  <a:txBody>
+                    <a:bodyPr/>
+                    <a:lstStyle/>
+                    <a:p>
+                      <a:pPr algn="ctr" latinLnBrk="1"/>
+                      <a:r>
+                        <a:rPr lang="en-US" altLang="ko-KR" sz="900" b="0" dirty="0">
+                          <a:solidFill>
+                            <a:schemeClr val="tx1"/>
+                          </a:solidFill>
+                          <a:latin typeface="나눔고딕" panose="020D0604000000000000" pitchFamily="50" charset="-127"/>
+                          <a:ea typeface="나눔고딕" panose="020D0604000000000000" pitchFamily="50" charset="-127"/>
+                        </a:rPr>
+                        <a:t>037</a:t>
+                      </a:r>
+                      <a:endParaRPr lang="ko-KR" altLang="en-US" sz="900" b="0" dirty="0">
+                        <a:solidFill>
+                          <a:schemeClr val="tx1"/>
+                        </a:solidFill>
+                        <a:latin typeface="나눔고딕" panose="020D0604000000000000" pitchFamily="50" charset="-127"/>
+                        <a:ea typeface="나눔고딕" panose="020D0604000000000000" pitchFamily="50" charset="-127"/>
+                      </a:endParaRPr>
+                    </a:p>
+                  </a:txBody>
+                  <a:tcPr marL="121920" marR="121920" marT="60960" marB="60960" anchor="ctr">
+                    <a:lnL w="12700" cap="flat" cmpd="sng" algn="ctr">
+                      <a:noFill/>
+                      <a:prstDash val="solid"/>
+                      <a:round/>
+                      <a:headEnd type="none" w="med" len="med"/>
+                      <a:tailEnd type="none" w="med" len="med"/>
+                    </a:lnL>
+                    <a:lnR w="12700" cap="flat" cmpd="sng" algn="ctr">
+                      <a:noFill/>
+                      <a:prstDash val="solid"/>
+                      <a:round/>
+                      <a:headEnd type="none" w="med" len="med"/>
+                      <a:tailEnd type="none" w="med" len="med"/>
+                    </a:lnR>
+                    <a:lnT w="12700" cap="flat" cmpd="sng" algn="ctr">
+                      <a:noFill/>
+                      <a:prstDash val="solid"/>
+                      <a:round/>
+                      <a:headEnd type="none" w="med" len="med"/>
+                      <a:tailEnd type="none" w="med" len="med"/>
+                    </a:lnT>
+                    <a:lnB w="12700" cap="flat" cmpd="sng" algn="ctr">
+                      <a:noFill/>
+                      <a:prstDash val="solid"/>
+                      <a:round/>
+                      <a:headEnd type="none" w="med" len="med"/>
+                      <a:tailEnd type="none" w="med" len="med"/>
+                    </a:lnB>
+                    <a:lnTlToBr w="12700" cmpd="sng">
+                      <a:noFill/>
+                      <a:prstDash val="solid"/>
+                    </a:lnTlToBr>
+                    <a:lnBlToTr w="12700" cmpd="sng">
+                      <a:noFill/>
+                      <a:prstDash val="solid"/>
+                    </a:lnBlToTr>
+                    <a:noFill/>
+                  </a:tcPr>
+                </a:tc>
+                <a:extLst>
+                  <a:ext uri="{0D108BD9-81ED-4DB2-BD59-A6C34878D82A}">
+                    <a16:rowId xmlns:a16="http://schemas.microsoft.com/office/drawing/2014/main" xmlns="" val="3237919002"/>
+                  </a:ext>
+                </a:extLst>
+              </a:tr>
+            </a:tbl>
+          </a:graphicData>
+        </a:graphic>
+      </p:graphicFrame>
+      <p:sp>
+        <p:nvSpPr>
+          <p:cNvPr id="80" name="TextBox 79">
+            <a:extLst>
+              <a:ext uri="{FF2B5EF4-FFF2-40B4-BE49-F238E27FC236}">
+                <a16:creationId xmlns:a16="http://schemas.microsoft.com/office/drawing/2014/main" xmlns="" id="{674C0B4C-E364-490D-9B90-3CEA06BF8830}"/>
+              </a:ext>
+            </a:extLst>
+          </p:cNvPr>
+          <p:cNvSpPr txBox="1"/>
+          <p:nvPr/>
+        </p:nvSpPr>
+        <p:spPr>
+          <a:xfrm>
+            <a:off x="3264272" y="445841"/>
+            <a:ext cx="1149674" cy="379656"/>
+          </a:xfrm>
+          <a:prstGeom prst="rect">
+            <a:avLst/>
+          </a:prstGeom>
+          <a:noFill/>
+        </p:spPr>
+        <p:txBody>
+          <a:bodyPr wrap="none" rtlCol="0">
+            <a:spAutoFit/>
+          </a:bodyPr>
+          <a:lstStyle/>
+          <a:p>
+            <a:pPr algn="ctr"/>
+            <a:r>
+              <a:rPr lang="ko-KR" altLang="en-US" sz="1867" b="1" dirty="0">
+                <a:latin typeface="나눔고딕" panose="020D0604000000000000" pitchFamily="50" charset="-127"/>
+                <a:ea typeface="나눔고딕" panose="020D0604000000000000" pitchFamily="50" charset="-127"/>
+              </a:rPr>
+              <a:t>나의 질문</a:t>
+            </a:r>
+          </a:p>
+        </p:txBody>
+      </p:sp>
+      <p:sp>
+        <p:nvSpPr>
+          <p:cNvPr id="81" name="직사각형 80">
+            <a:extLst>
+              <a:ext uri="{FF2B5EF4-FFF2-40B4-BE49-F238E27FC236}">
+                <a16:creationId xmlns:a16="http://schemas.microsoft.com/office/drawing/2014/main" xmlns="" id="{3D2F9A27-A0DB-436B-B627-A32C7CF2B465}"/>
+              </a:ext>
+            </a:extLst>
+          </p:cNvPr>
+          <p:cNvSpPr/>
+          <p:nvPr/>
+        </p:nvSpPr>
+        <p:spPr>
+          <a:xfrm>
+            <a:off x="233958" y="2539061"/>
+            <a:ext cx="2392361" cy="2490140"/>
+          </a:xfrm>
+          <a:prstGeom prst="rect">
+            <a:avLst/>
+          </a:prstGeom>
+          <a:noFill/>
+          <a:ln w="12700">
+            <a:solidFill>
+              <a:schemeClr val="tx1"/>
+            </a:solidFill>
+          </a:ln>
+        </p:spPr>
+        <p:style>
+          <a:lnRef idx="2">
+            <a:schemeClr val="accent1">
+              <a:shade val="50000"/>
+            </a:schemeClr>
+          </a:lnRef>
+          <a:fillRef idx="1">
+            <a:schemeClr val="accent1"/>
+          </a:fillRef>
+          <a:effectRef idx="0">
+            <a:schemeClr val="accent1"/>
+          </a:effectRef>
+          <a:fontRef idx="minor">
+            <a:schemeClr val="lt1"/>
+          </a:fontRef>
+        </p:style>
+        <p:txBody>
+          <a:bodyPr rtlCol="0" anchor="ctr"/>
+          <a:lstStyle/>
+          <a:p>
+            <a:pPr algn="ctr"/>
+            <a:endParaRPr lang="ko-KR" altLang="en-US" sz="2400"/>
+          </a:p>
+        </p:txBody>
+      </p:sp>
+      <p:graphicFrame>
+        <p:nvGraphicFramePr>
+          <p:cNvPr id="82" name="표 81">
+            <a:extLst>
+              <a:ext uri="{FF2B5EF4-FFF2-40B4-BE49-F238E27FC236}">
+                <a16:creationId xmlns:a16="http://schemas.microsoft.com/office/drawing/2014/main" xmlns="" id="{9BF05CCC-1826-483F-9401-F4CC24A2F4FB}"/>
+              </a:ext>
+            </a:extLst>
+          </p:cNvPr>
+          <p:cNvGraphicFramePr>
+            <a:graphicFrameLocks noGrp="1"/>
+          </p:cNvGraphicFramePr>
+          <p:nvPr>
+            <p:extLst>
+              <p:ext uri="{D42A27DB-BD31-4B8C-83A1-F6EECF244321}">
+                <p14:modId xmlns:p14="http://schemas.microsoft.com/office/powerpoint/2010/main" val="1780856322"/>
+              </p:ext>
+            </p:extLst>
+          </p:nvPr>
+        </p:nvGraphicFramePr>
+        <p:xfrm>
+          <a:off x="300715" y="2560832"/>
+          <a:ext cx="2279408" cy="1639441"/>
+        </p:xfrm>
+        <a:graphic>
+          <a:graphicData uri="http://schemas.openxmlformats.org/drawingml/2006/table">
+            <a:tbl>
+              <a:tblPr firstRow="1" bandRow="1">
+                <a:tableStyleId>{5C22544A-7EE6-4342-B048-85BDC9FD1C3A}</a:tableStyleId>
+              </a:tblPr>
+              <a:tblGrid>
+                <a:gridCol w="898364">
+                  <a:extLst>
+                    <a:ext uri="{9D8B030D-6E8A-4147-A177-3AD203B41FA5}">
+                      <a16:colId xmlns:a16="http://schemas.microsoft.com/office/drawing/2014/main" xmlns="" val="3106673681"/>
+                    </a:ext>
+                  </a:extLst>
+                </a:gridCol>
+                <a:gridCol w="1381044">
+                  <a:extLst>
+                    <a:ext uri="{9D8B030D-6E8A-4147-A177-3AD203B41FA5}">
+                      <a16:colId xmlns:a16="http://schemas.microsoft.com/office/drawing/2014/main" xmlns="" val="680855760"/>
+                    </a:ext>
+                  </a:extLst>
+                </a:gridCol>
+              </a:tblGrid>
+              <a:tr h="487680">
+                <a:tc gridSpan="2">
+                  <a:txBody>
+                    <a:bodyPr/>
+                    <a:lstStyle/>
+                    <a:p>
+                      <a:pPr algn="l" latinLnBrk="1"/>
+                      <a:endParaRPr lang="en-US" altLang="ko-KR" sz="500" b="1" dirty="0">
+                        <a:solidFill>
+                          <a:schemeClr val="tx1"/>
+                        </a:solidFill>
+                        <a:latin typeface="나눔고딕" panose="020D0604000000000000" pitchFamily="50" charset="-127"/>
+                        <a:ea typeface="나눔고딕" panose="020D0604000000000000" pitchFamily="50" charset="-127"/>
+                      </a:endParaRPr>
+                    </a:p>
+                    <a:p>
+                      <a:pPr algn="l" latinLnBrk="1"/>
+                      <a:r>
+                        <a:rPr lang="ko-KR" altLang="en-US" sz="1900" b="1" dirty="0" smtClean="0">
+                          <a:solidFill>
+                            <a:schemeClr val="tx1"/>
+                          </a:solidFill>
+                          <a:latin typeface="나눔고딕" panose="020D0604000000000000" pitchFamily="50" charset="-127"/>
+                          <a:ea typeface="나눔고딕" panose="020D0604000000000000" pitchFamily="50" charset="-127"/>
+                        </a:rPr>
+                        <a:t>회원정보</a:t>
+                      </a:r>
+                      <a:endParaRPr lang="ko-KR" altLang="en-US" sz="1900" b="1" dirty="0">
+                        <a:solidFill>
+                          <a:schemeClr val="tx1"/>
+                        </a:solidFill>
+                        <a:latin typeface="나눔고딕" panose="020D0604000000000000" pitchFamily="50" charset="-127"/>
+                        <a:ea typeface="나눔고딕" panose="020D0604000000000000" pitchFamily="50" charset="-127"/>
+                      </a:endParaRPr>
+                    </a:p>
+                  </a:txBody>
+                  <a:tcPr marL="121920" marR="121920" marT="60960" marB="60960">
+                    <a:lnL w="12700" cmpd="sng">
+                      <a:noFill/>
+                    </a:lnL>
+                    <a:lnR w="12700" cmpd="sng">
+                      <a:noFill/>
+                    </a:lnR>
+                    <a:lnT w="12700" cmpd="sng">
+                      <a:noFill/>
+                    </a:lnT>
+                    <a:lnB w="12700" cap="flat" cmpd="sng" algn="ctr">
+                      <a:solidFill>
+                        <a:schemeClr val="tx1"/>
+                      </a:solidFill>
+                      <a:prstDash val="solid"/>
+                      <a:round/>
+                      <a:headEnd type="none" w="med" len="med"/>
+                      <a:tailEnd type="none" w="med" len="med"/>
+                    </a:lnB>
+                    <a:lnTlToBr w="12700" cmpd="sng">
+                      <a:noFill/>
+                      <a:prstDash val="solid"/>
+                    </a:lnTlToBr>
+                    <a:lnBlToTr w="12700" cmpd="sng">
+                      <a:noFill/>
+                      <a:prstDash val="solid"/>
+                    </a:lnBlToTr>
+                    <a:noFill/>
+                  </a:tcPr>
+                </a:tc>
+                <a:tc hMerge="1">
+                  <a:txBody>
+                    <a:bodyPr/>
+                    <a:lstStyle/>
+                    <a:p>
+                      <a:pPr algn="ctr" latinLnBrk="1"/>
+                      <a:endParaRPr lang="ko-KR" altLang="en-US" sz="1100" b="0" dirty="0">
+                        <a:solidFill>
+                          <a:schemeClr val="tx1"/>
+                        </a:solidFill>
+                        <a:latin typeface="나눔고딕" panose="020D0604000000000000" pitchFamily="50" charset="-127"/>
+                        <a:ea typeface="나눔고딕" panose="020D0604000000000000" pitchFamily="50" charset="-127"/>
+                      </a:endParaRPr>
+                    </a:p>
+                  </a:txBody>
+                  <a:tcPr>
+                    <a:lnL w="12700" cmpd="sng">
+                      <a:noFill/>
+                    </a:lnL>
+                    <a:lnR w="12700" cmpd="sng">
+                      <a:noFill/>
+                    </a:lnR>
+                    <a:lnT w="12700" cmpd="sng">
+                      <a:noFill/>
+                    </a:lnT>
+                    <a:lnB w="12700" cap="flat" cmpd="sng" algn="ctr">
+                      <a:solidFill>
+                        <a:schemeClr val="tx1"/>
+                      </a:solidFill>
+                      <a:prstDash val="solid"/>
+                      <a:round/>
+                      <a:headEnd type="none" w="med" len="med"/>
+                      <a:tailEnd type="none" w="med" len="med"/>
+                    </a:lnB>
+                    <a:lnTlToBr w="12700" cmpd="sng">
+                      <a:noFill/>
+                      <a:prstDash val="solid"/>
+                    </a:lnTlToBr>
+                    <a:lnBlToTr w="12700" cmpd="sng">
+                      <a:noFill/>
+                      <a:prstDash val="solid"/>
+                    </a:lnBlToTr>
+                    <a:noFill/>
+                  </a:tcPr>
+                </a:tc>
+                <a:extLst>
+                  <a:ext uri="{0D108BD9-81ED-4DB2-BD59-A6C34878D82A}">
+                    <a16:rowId xmlns:a16="http://schemas.microsoft.com/office/drawing/2014/main" xmlns="" val="3506947314"/>
+                  </a:ext>
+                </a:extLst>
+              </a:tr>
+              <a:tr h="349168">
+                <a:tc>
+                  <a:txBody>
+                    <a:bodyPr/>
+                    <a:lstStyle/>
+                    <a:p>
+                      <a:pPr marL="0" marR="0" lvl="0" indent="0" algn="r" defTabSz="685800" rtl="0" eaLnBrk="1" fontAlgn="auto" latinLnBrk="1" hangingPunct="1">
+                        <a:lnSpc>
+                          <a:spcPct val="100000"/>
+                        </a:lnSpc>
+                        <a:spcBef>
+                          <a:spcPts val="0"/>
+                        </a:spcBef>
+                        <a:spcAft>
+                          <a:spcPts val="0"/>
+                        </a:spcAft>
+                        <a:buClrTx/>
+                        <a:buSzTx/>
+                        <a:buFontTx/>
+                        <a:buNone/>
+                        <a:tabLst/>
+                        <a:defRPr/>
+                      </a:pPr>
+                      <a:r>
+                        <a:rPr lang="ko-KR" altLang="en-US" sz="900" dirty="0">
+                          <a:latin typeface="나눔고딕" panose="020D0604000000000000" pitchFamily="50" charset="-127"/>
+                          <a:ea typeface="나눔고딕" panose="020D0604000000000000" pitchFamily="50" charset="-127"/>
+                        </a:rPr>
+                        <a:t>남은 포인트</a:t>
+                      </a:r>
+                    </a:p>
+                  </a:txBody>
+                  <a:tcPr marL="121920" marR="121920" marT="60960" marB="60960" anchor="b">
+                    <a:lnL w="12700" cap="flat" cmpd="sng" algn="ctr">
+                      <a:noFill/>
+                      <a:prstDash val="solid"/>
+                      <a:round/>
+                      <a:headEnd type="none" w="med" len="med"/>
+                      <a:tailEnd type="none" w="med" len="med"/>
+                    </a:lnL>
+                    <a:lnR w="12700" cap="flat" cmpd="sng" algn="ctr">
+                      <a:noFill/>
+                      <a:prstDash val="solid"/>
+                      <a:round/>
+                      <a:headEnd type="none" w="med" len="med"/>
+                      <a:tailEnd type="none" w="med" len="med"/>
+                    </a:lnR>
+                    <a:lnT w="12700" cap="flat" cmpd="sng" algn="ctr">
+                      <a:solidFill>
+                        <a:schemeClr val="tx1"/>
+                      </a:solidFill>
+                      <a:prstDash val="solid"/>
+                      <a:round/>
+                      <a:headEnd type="none" w="med" len="med"/>
+                      <a:tailEnd type="none" w="med" len="med"/>
+                    </a:lnT>
+                    <a:lnB w="12700" cap="flat" cmpd="sng" algn="ctr">
+                      <a:noFill/>
+                      <a:prstDash val="solid"/>
+                      <a:round/>
+                      <a:headEnd type="none" w="med" len="med"/>
+                      <a:tailEnd type="none" w="med" len="med"/>
+                    </a:lnB>
+                    <a:lnTlToBr w="12700" cmpd="sng">
+                      <a:noFill/>
+                      <a:prstDash val="solid"/>
+                    </a:lnTlToBr>
+                    <a:lnBlToTr w="12700" cmpd="sng">
+                      <a:noFill/>
+                      <a:prstDash val="solid"/>
+                    </a:lnBlToTr>
+                    <a:noFill/>
+                  </a:tcPr>
+                </a:tc>
+                <a:tc>
+                  <a:txBody>
+                    <a:bodyPr/>
+                    <a:lstStyle/>
+                    <a:p>
+                      <a:pPr algn="ctr" latinLnBrk="1"/>
+                      <a:r>
+                        <a:rPr lang="en-US" altLang="ko-KR" sz="900" b="0" dirty="0">
+                          <a:solidFill>
+                            <a:schemeClr val="tx1"/>
+                          </a:solidFill>
+                          <a:latin typeface="나눔고딕" panose="020D0604000000000000" pitchFamily="50" charset="-127"/>
+                          <a:ea typeface="나눔고딕" panose="020D0604000000000000" pitchFamily="50" charset="-127"/>
+                        </a:rPr>
+                        <a:t>P 38,230</a:t>
+                      </a:r>
+                      <a:endParaRPr lang="ko-KR" altLang="en-US" sz="900" b="0" dirty="0">
+                        <a:solidFill>
+                          <a:schemeClr val="tx1"/>
+                        </a:solidFill>
+                        <a:latin typeface="나눔고딕" panose="020D0604000000000000" pitchFamily="50" charset="-127"/>
+                        <a:ea typeface="나눔고딕" panose="020D0604000000000000" pitchFamily="50" charset="-127"/>
+                      </a:endParaRPr>
+                    </a:p>
+                  </a:txBody>
+                  <a:tcPr marL="121920" marR="121920" marT="60960" marB="60960" anchor="b">
+                    <a:lnL w="12700" cap="flat" cmpd="sng" algn="ctr">
+                      <a:noFill/>
+                      <a:prstDash val="solid"/>
+                      <a:round/>
+                      <a:headEnd type="none" w="med" len="med"/>
+                      <a:tailEnd type="none" w="med" len="med"/>
+                    </a:lnL>
+                    <a:lnR w="12700" cap="flat" cmpd="sng" algn="ctr">
+                      <a:noFill/>
+                      <a:prstDash val="solid"/>
+                      <a:round/>
+                      <a:headEnd type="none" w="med" len="med"/>
+                      <a:tailEnd type="none" w="med" len="med"/>
+                    </a:lnR>
+                    <a:lnT w="12700" cap="flat" cmpd="sng" algn="ctr">
+                      <a:solidFill>
+                        <a:schemeClr val="tx1"/>
+                      </a:solidFill>
+                      <a:prstDash val="solid"/>
+                      <a:round/>
+                      <a:headEnd type="none" w="med" len="med"/>
+                      <a:tailEnd type="none" w="med" len="med"/>
+                    </a:lnT>
+                    <a:lnB w="12700" cap="flat" cmpd="sng" algn="ctr">
+                      <a:noFill/>
+                      <a:prstDash val="solid"/>
+                      <a:round/>
+                      <a:headEnd type="none" w="med" len="med"/>
+                      <a:tailEnd type="none" w="med" len="med"/>
+                    </a:lnB>
+                    <a:lnTlToBr w="12700" cmpd="sng">
+                      <a:noFill/>
+                      <a:prstDash val="solid"/>
+                    </a:lnTlToBr>
+                    <a:lnBlToTr w="12700" cmpd="sng">
+                      <a:noFill/>
+                      <a:prstDash val="solid"/>
+                    </a:lnBlToTr>
+                    <a:noFill/>
+                  </a:tcPr>
+                </a:tc>
+                <a:extLst>
+                  <a:ext uri="{0D108BD9-81ED-4DB2-BD59-A6C34878D82A}">
+                    <a16:rowId xmlns:a16="http://schemas.microsoft.com/office/drawing/2014/main" xmlns="" val="3153771678"/>
+                  </a:ext>
+                </a:extLst>
+              </a:tr>
+              <a:tr h="267531">
+                <a:tc>
+                  <a:txBody>
+                    <a:bodyPr/>
+                    <a:lstStyle/>
+                    <a:p>
+                      <a:pPr marL="0" marR="0" lvl="0" indent="0" algn="r" defTabSz="685800" rtl="0" eaLnBrk="1" fontAlgn="auto" latinLnBrk="1" hangingPunct="1">
+                        <a:lnSpc>
+                          <a:spcPct val="100000"/>
+                        </a:lnSpc>
+                        <a:spcBef>
+                          <a:spcPts val="0"/>
+                        </a:spcBef>
+                        <a:spcAft>
+                          <a:spcPts val="0"/>
+                        </a:spcAft>
+                        <a:buClrTx/>
+                        <a:buSzTx/>
+                        <a:buFontTx/>
+                        <a:buNone/>
+                        <a:tabLst/>
+                        <a:defRPr/>
+                      </a:pPr>
+                      <a:r>
+                        <a:rPr lang="ko-KR" altLang="en-US" sz="900" dirty="0">
+                          <a:latin typeface="나눔고딕" panose="020D0604000000000000" pitchFamily="50" charset="-127"/>
+                          <a:ea typeface="나눔고딕" panose="020D0604000000000000" pitchFamily="50" charset="-127"/>
+                        </a:rPr>
+                        <a:t>총 질문 수</a:t>
+                      </a:r>
+                    </a:p>
+                  </a:txBody>
+                  <a:tcPr marL="121920" marR="121920" marT="60960" marB="60960" anchor="ctr">
+                    <a:lnL w="12700" cap="flat" cmpd="sng" algn="ctr">
+                      <a:noFill/>
+                      <a:prstDash val="solid"/>
+                      <a:round/>
+                      <a:headEnd type="none" w="med" len="med"/>
+                      <a:tailEnd type="none" w="med" len="med"/>
+                    </a:lnL>
+                    <a:lnR w="12700" cap="flat" cmpd="sng" algn="ctr">
+                      <a:noFill/>
+                      <a:prstDash val="solid"/>
+                      <a:round/>
+                      <a:headEnd type="none" w="med" len="med"/>
+                      <a:tailEnd type="none" w="med" len="med"/>
+                    </a:lnR>
+                    <a:lnT w="12700" cap="flat" cmpd="sng" algn="ctr">
+                      <a:noFill/>
+                      <a:prstDash val="solid"/>
+                      <a:round/>
+                      <a:headEnd type="none" w="med" len="med"/>
+                      <a:tailEnd type="none" w="med" len="med"/>
+                    </a:lnT>
+                    <a:lnB w="12700" cap="flat" cmpd="sng" algn="ctr">
+                      <a:noFill/>
+                      <a:prstDash val="solid"/>
+                      <a:round/>
+                      <a:headEnd type="none" w="med" len="med"/>
+                      <a:tailEnd type="none" w="med" len="med"/>
+                    </a:lnB>
+                    <a:lnTlToBr w="12700" cmpd="sng">
+                      <a:noFill/>
+                      <a:prstDash val="solid"/>
+                    </a:lnTlToBr>
+                    <a:lnBlToTr w="12700" cmpd="sng">
+                      <a:noFill/>
+                      <a:prstDash val="solid"/>
+                    </a:lnBlToTr>
+                    <a:noFill/>
+                  </a:tcPr>
+                </a:tc>
+                <a:tc>
+                  <a:txBody>
+                    <a:bodyPr/>
+                    <a:lstStyle/>
+                    <a:p>
+                      <a:pPr algn="ctr" latinLnBrk="1"/>
+                      <a:r>
+                        <a:rPr lang="en-US" altLang="ko-KR" sz="900" b="0" dirty="0">
+                          <a:solidFill>
+                            <a:schemeClr val="tx1"/>
+                          </a:solidFill>
+                          <a:latin typeface="나눔고딕" panose="020D0604000000000000" pitchFamily="50" charset="-127"/>
+                          <a:ea typeface="나눔고딕" panose="020D0604000000000000" pitchFamily="50" charset="-127"/>
+                        </a:rPr>
+                        <a:t>7</a:t>
+                      </a:r>
+                      <a:r>
+                        <a:rPr lang="ko-KR" altLang="en-US" sz="900" b="0" dirty="0">
+                          <a:solidFill>
+                            <a:schemeClr val="tx1"/>
+                          </a:solidFill>
+                          <a:latin typeface="나눔고딕" panose="020D0604000000000000" pitchFamily="50" charset="-127"/>
+                          <a:ea typeface="나눔고딕" panose="020D0604000000000000" pitchFamily="50" charset="-127"/>
+                        </a:rPr>
+                        <a:t>개</a:t>
+                      </a:r>
+                      <a:endParaRPr lang="en-US" altLang="ko-KR" sz="900" b="0" dirty="0">
+                        <a:solidFill>
+                          <a:schemeClr val="tx1"/>
+                        </a:solidFill>
+                        <a:latin typeface="나눔고딕" panose="020D0604000000000000" pitchFamily="50" charset="-127"/>
+                        <a:ea typeface="나눔고딕" panose="020D0604000000000000" pitchFamily="50" charset="-127"/>
+                      </a:endParaRPr>
+                    </a:p>
+                  </a:txBody>
+                  <a:tcPr marL="121920" marR="121920" marT="60960" marB="60960" anchor="ctr">
+                    <a:lnL w="12700" cap="flat" cmpd="sng" algn="ctr">
+                      <a:noFill/>
+                      <a:prstDash val="solid"/>
+                      <a:round/>
+                      <a:headEnd type="none" w="med" len="med"/>
+                      <a:tailEnd type="none" w="med" len="med"/>
+                    </a:lnL>
+                    <a:lnR w="12700" cap="flat" cmpd="sng" algn="ctr">
+                      <a:noFill/>
+                      <a:prstDash val="solid"/>
+                      <a:round/>
+                      <a:headEnd type="none" w="med" len="med"/>
+                      <a:tailEnd type="none" w="med" len="med"/>
+                    </a:lnR>
+                    <a:lnT w="12700" cap="flat" cmpd="sng" algn="ctr">
+                      <a:noFill/>
+                      <a:prstDash val="solid"/>
+                      <a:round/>
+                      <a:headEnd type="none" w="med" len="med"/>
+                      <a:tailEnd type="none" w="med" len="med"/>
+                    </a:lnT>
+                    <a:lnB w="12700" cap="flat" cmpd="sng" algn="ctr">
+                      <a:noFill/>
+                      <a:prstDash val="solid"/>
+                      <a:round/>
+                      <a:headEnd type="none" w="med" len="med"/>
+                      <a:tailEnd type="none" w="med" len="med"/>
+                    </a:lnB>
+                    <a:lnTlToBr w="12700" cmpd="sng">
+                      <a:noFill/>
+                      <a:prstDash val="solid"/>
+                    </a:lnTlToBr>
+                    <a:lnBlToTr w="12700" cmpd="sng">
+                      <a:noFill/>
+                      <a:prstDash val="solid"/>
+                    </a:lnBlToTr>
+                    <a:noFill/>
+                  </a:tcPr>
+                </a:tc>
+                <a:extLst>
+                  <a:ext uri="{0D108BD9-81ED-4DB2-BD59-A6C34878D82A}">
+                    <a16:rowId xmlns:a16="http://schemas.microsoft.com/office/drawing/2014/main" xmlns="" val="672683968"/>
+                  </a:ext>
+                </a:extLst>
+              </a:tr>
+              <a:tr h="267531">
+                <a:tc>
+                  <a:txBody>
+                    <a:bodyPr/>
+                    <a:lstStyle/>
+                    <a:p>
+                      <a:pPr marL="0" marR="0" lvl="0" indent="0" algn="r" defTabSz="685800" rtl="0" eaLnBrk="1" fontAlgn="auto" latinLnBrk="1" hangingPunct="1">
+                        <a:lnSpc>
+                          <a:spcPct val="100000"/>
+                        </a:lnSpc>
+                        <a:spcBef>
+                          <a:spcPts val="0"/>
+                        </a:spcBef>
+                        <a:spcAft>
+                          <a:spcPts val="0"/>
+                        </a:spcAft>
+                        <a:buClrTx/>
+                        <a:buSzTx/>
+                        <a:buFontTx/>
+                        <a:buNone/>
+                        <a:tabLst/>
+                        <a:defRPr/>
+                      </a:pPr>
+                      <a:r>
+                        <a:rPr lang="ko-KR" altLang="en-US" sz="900" dirty="0">
+                          <a:latin typeface="나눔고딕" panose="020D0604000000000000" pitchFamily="50" charset="-127"/>
+                          <a:ea typeface="나눔고딕" panose="020D0604000000000000" pitchFamily="50" charset="-127"/>
+                        </a:rPr>
+                        <a:t>오늘 질문 수</a:t>
+                      </a:r>
+                    </a:p>
+                  </a:txBody>
+                  <a:tcPr marL="121920" marR="121920" marT="60960" marB="60960" anchor="ctr">
+                    <a:lnL w="12700" cap="flat" cmpd="sng" algn="ctr">
+                      <a:noFill/>
+                      <a:prstDash val="solid"/>
+                      <a:round/>
+                      <a:headEnd type="none" w="med" len="med"/>
+                      <a:tailEnd type="none" w="med" len="med"/>
+                    </a:lnL>
+                    <a:lnR w="12700" cap="flat" cmpd="sng" algn="ctr">
+                      <a:noFill/>
+                      <a:prstDash val="solid"/>
+                      <a:round/>
+                      <a:headEnd type="none" w="med" len="med"/>
+                      <a:tailEnd type="none" w="med" len="med"/>
+                    </a:lnR>
+                    <a:lnT w="12700" cap="flat" cmpd="sng" algn="ctr">
+                      <a:noFill/>
+                      <a:prstDash val="solid"/>
+                      <a:round/>
+                      <a:headEnd type="none" w="med" len="med"/>
+                      <a:tailEnd type="none" w="med" len="med"/>
+                    </a:lnT>
+                    <a:lnB w="12700" cap="flat" cmpd="sng" algn="ctr">
+                      <a:noFill/>
+                      <a:prstDash val="solid"/>
+                      <a:round/>
+                      <a:headEnd type="none" w="med" len="med"/>
+                      <a:tailEnd type="none" w="med" len="med"/>
+                    </a:lnB>
+                    <a:lnTlToBr w="12700" cmpd="sng">
+                      <a:noFill/>
+                      <a:prstDash val="solid"/>
+                    </a:lnTlToBr>
+                    <a:lnBlToTr w="12700" cmpd="sng">
+                      <a:noFill/>
+                      <a:prstDash val="solid"/>
+                    </a:lnBlToTr>
+                    <a:noFill/>
+                  </a:tcPr>
+                </a:tc>
+                <a:tc>
+                  <a:txBody>
+                    <a:bodyPr/>
+                    <a:lstStyle/>
+                    <a:p>
+                      <a:pPr algn="ctr" latinLnBrk="1"/>
+                      <a:r>
+                        <a:rPr lang="en-US" altLang="ko-KR" sz="900" b="0" dirty="0">
+                          <a:solidFill>
+                            <a:schemeClr val="tx1"/>
+                          </a:solidFill>
+                          <a:latin typeface="나눔고딕" panose="020D0604000000000000" pitchFamily="50" charset="-127"/>
+                          <a:ea typeface="나눔고딕" panose="020D0604000000000000" pitchFamily="50" charset="-127"/>
+                        </a:rPr>
+                        <a:t>1</a:t>
+                      </a:r>
+                      <a:r>
+                        <a:rPr lang="ko-KR" altLang="en-US" sz="900" b="0" dirty="0">
+                          <a:solidFill>
+                            <a:schemeClr val="tx1"/>
+                          </a:solidFill>
+                          <a:latin typeface="나눔고딕" panose="020D0604000000000000" pitchFamily="50" charset="-127"/>
+                          <a:ea typeface="나눔고딕" panose="020D0604000000000000" pitchFamily="50" charset="-127"/>
+                        </a:rPr>
+                        <a:t>개</a:t>
+                      </a:r>
+                    </a:p>
+                  </a:txBody>
+                  <a:tcPr marL="121920" marR="121920" marT="60960" marB="60960" anchor="ctr">
+                    <a:lnL w="12700" cap="flat" cmpd="sng" algn="ctr">
+                      <a:noFill/>
+                      <a:prstDash val="solid"/>
+                      <a:round/>
+                      <a:headEnd type="none" w="med" len="med"/>
+                      <a:tailEnd type="none" w="med" len="med"/>
+                    </a:lnL>
+                    <a:lnR w="12700" cap="flat" cmpd="sng" algn="ctr">
+                      <a:noFill/>
+                      <a:prstDash val="solid"/>
+                      <a:round/>
+                      <a:headEnd type="none" w="med" len="med"/>
+                      <a:tailEnd type="none" w="med" len="med"/>
+                    </a:lnR>
+                    <a:lnT w="12700" cap="flat" cmpd="sng" algn="ctr">
+                      <a:noFill/>
+                      <a:prstDash val="solid"/>
+                      <a:round/>
+                      <a:headEnd type="none" w="med" len="med"/>
+                      <a:tailEnd type="none" w="med" len="med"/>
+                    </a:lnT>
+                    <a:lnB w="12700" cap="flat" cmpd="sng" algn="ctr">
+                      <a:noFill/>
+                      <a:prstDash val="solid"/>
+                      <a:round/>
+                      <a:headEnd type="none" w="med" len="med"/>
+                      <a:tailEnd type="none" w="med" len="med"/>
+                    </a:lnB>
+                    <a:lnTlToBr w="12700" cmpd="sng">
+                      <a:noFill/>
+                      <a:prstDash val="solid"/>
+                    </a:lnTlToBr>
+                    <a:lnBlToTr w="12700" cmpd="sng">
+                      <a:noFill/>
+                      <a:prstDash val="solid"/>
+                    </a:lnBlToTr>
+                    <a:noFill/>
+                  </a:tcPr>
+                </a:tc>
+                <a:extLst>
+                  <a:ext uri="{0D108BD9-81ED-4DB2-BD59-A6C34878D82A}">
+                    <a16:rowId xmlns:a16="http://schemas.microsoft.com/office/drawing/2014/main" xmlns="" val="1444319488"/>
+                  </a:ext>
+                </a:extLst>
+              </a:tr>
+              <a:tr h="267531">
+                <a:tc>
+                  <a:txBody>
+                    <a:bodyPr/>
+                    <a:lstStyle/>
+                    <a:p>
+                      <a:pPr marL="0" marR="0" lvl="0" indent="0" algn="r" defTabSz="685800" rtl="0" eaLnBrk="1" fontAlgn="auto" latinLnBrk="1" hangingPunct="1">
+                        <a:lnSpc>
+                          <a:spcPct val="100000"/>
+                        </a:lnSpc>
+                        <a:spcBef>
+                          <a:spcPts val="0"/>
+                        </a:spcBef>
+                        <a:spcAft>
+                          <a:spcPts val="0"/>
+                        </a:spcAft>
+                        <a:buClrTx/>
+                        <a:buSzTx/>
+                        <a:buFontTx/>
+                        <a:buNone/>
+                        <a:tabLst/>
+                        <a:defRPr/>
+                      </a:pPr>
+                      <a:r>
+                        <a:rPr lang="ko-KR" altLang="en-US" sz="900" dirty="0">
+                          <a:latin typeface="나눔고딕" panose="020D0604000000000000" pitchFamily="50" charset="-127"/>
+                          <a:ea typeface="나눔고딕" panose="020D0604000000000000" pitchFamily="50" charset="-127"/>
+                        </a:rPr>
+                        <a:t>최대 질문 수</a:t>
+                      </a:r>
+                    </a:p>
+                  </a:txBody>
+                  <a:tcPr marL="121920" marR="121920" marT="60960" marB="60960" anchor="ctr">
+                    <a:lnL w="12700" cap="flat" cmpd="sng" algn="ctr">
+                      <a:noFill/>
+                      <a:prstDash val="solid"/>
+                      <a:round/>
+                      <a:headEnd type="none" w="med" len="med"/>
+                      <a:tailEnd type="none" w="med" len="med"/>
+                    </a:lnL>
+                    <a:lnR w="12700" cap="flat" cmpd="sng" algn="ctr">
+                      <a:noFill/>
+                      <a:prstDash val="solid"/>
+                      <a:round/>
+                      <a:headEnd type="none" w="med" len="med"/>
+                      <a:tailEnd type="none" w="med" len="med"/>
+                    </a:lnR>
+                    <a:lnT w="12700" cap="flat" cmpd="sng" algn="ctr">
+                      <a:noFill/>
+                      <a:prstDash val="solid"/>
+                      <a:round/>
+                      <a:headEnd type="none" w="med" len="med"/>
+                      <a:tailEnd type="none" w="med" len="med"/>
+                    </a:lnT>
+                    <a:lnB w="12700" cap="flat" cmpd="sng" algn="ctr">
+                      <a:noFill/>
+                      <a:prstDash val="solid"/>
+                      <a:round/>
+                      <a:headEnd type="none" w="med" len="med"/>
+                      <a:tailEnd type="none" w="med" len="med"/>
+                    </a:lnB>
+                    <a:lnTlToBr w="12700" cmpd="sng">
+                      <a:noFill/>
+                      <a:prstDash val="solid"/>
+                    </a:lnTlToBr>
+                    <a:lnBlToTr w="12700" cmpd="sng">
+                      <a:noFill/>
+                      <a:prstDash val="solid"/>
+                    </a:lnBlToTr>
+                    <a:noFill/>
+                  </a:tcPr>
+                </a:tc>
+                <a:tc>
+                  <a:txBody>
+                    <a:bodyPr/>
+                    <a:lstStyle/>
+                    <a:p>
+                      <a:pPr algn="ctr" latinLnBrk="1"/>
+                      <a:r>
+                        <a:rPr lang="en-US" altLang="ko-KR" sz="900" b="0" dirty="0">
+                          <a:solidFill>
+                            <a:schemeClr val="tx1"/>
+                          </a:solidFill>
+                          <a:latin typeface="나눔고딕" panose="020D0604000000000000" pitchFamily="50" charset="-127"/>
+                          <a:ea typeface="나눔고딕" panose="020D0604000000000000" pitchFamily="50" charset="-127"/>
+                        </a:rPr>
+                        <a:t>5</a:t>
+                      </a:r>
+                      <a:r>
+                        <a:rPr lang="ko-KR" altLang="en-US" sz="900" b="0" dirty="0">
+                          <a:solidFill>
+                            <a:schemeClr val="tx1"/>
+                          </a:solidFill>
+                          <a:latin typeface="나눔고딕" panose="020D0604000000000000" pitchFamily="50" charset="-127"/>
+                          <a:ea typeface="나눔고딕" panose="020D0604000000000000" pitchFamily="50" charset="-127"/>
+                        </a:rPr>
+                        <a:t>개</a:t>
+                      </a:r>
+                      <a:r>
+                        <a:rPr lang="en-US" altLang="ko-KR" sz="900" b="0" dirty="0">
+                          <a:solidFill>
+                            <a:schemeClr val="tx1"/>
+                          </a:solidFill>
+                          <a:latin typeface="나눔고딕" panose="020D0604000000000000" pitchFamily="50" charset="-127"/>
+                          <a:ea typeface="나눔고딕" panose="020D0604000000000000" pitchFamily="50" charset="-127"/>
+                        </a:rPr>
+                        <a:t>/</a:t>
+                      </a:r>
+                      <a:r>
+                        <a:rPr lang="ko-KR" altLang="en-US" sz="900" b="0" dirty="0">
+                          <a:solidFill>
+                            <a:schemeClr val="tx1"/>
+                          </a:solidFill>
+                          <a:latin typeface="나눔고딕" panose="020D0604000000000000" pitchFamily="50" charset="-127"/>
+                          <a:ea typeface="나눔고딕" panose="020D0604000000000000" pitchFamily="50" charset="-127"/>
+                        </a:rPr>
+                        <a:t>일</a:t>
+                      </a:r>
+                    </a:p>
+                  </a:txBody>
+                  <a:tcPr marL="121920" marR="121920" marT="60960" marB="60960" anchor="ctr">
+                    <a:lnL w="12700" cap="flat" cmpd="sng" algn="ctr">
+                      <a:noFill/>
+                      <a:prstDash val="solid"/>
+                      <a:round/>
+                      <a:headEnd type="none" w="med" len="med"/>
+                      <a:tailEnd type="none" w="med" len="med"/>
+                    </a:lnL>
+                    <a:lnR w="12700" cap="flat" cmpd="sng" algn="ctr">
+                      <a:noFill/>
+                      <a:prstDash val="solid"/>
+                      <a:round/>
+                      <a:headEnd type="none" w="med" len="med"/>
+                      <a:tailEnd type="none" w="med" len="med"/>
+                    </a:lnR>
+                    <a:lnT w="12700" cap="flat" cmpd="sng" algn="ctr">
+                      <a:noFill/>
+                      <a:prstDash val="solid"/>
+                      <a:round/>
+                      <a:headEnd type="none" w="med" len="med"/>
+                      <a:tailEnd type="none" w="med" len="med"/>
+                    </a:lnT>
+                    <a:lnB w="12700" cap="flat" cmpd="sng" algn="ctr">
+                      <a:noFill/>
+                      <a:prstDash val="solid"/>
+                      <a:round/>
+                      <a:headEnd type="none" w="med" len="med"/>
+                      <a:tailEnd type="none" w="med" len="med"/>
+                    </a:lnB>
+                    <a:lnTlToBr w="12700" cmpd="sng">
+                      <a:noFill/>
+                      <a:prstDash val="solid"/>
+                    </a:lnTlToBr>
+                    <a:lnBlToTr w="12700" cmpd="sng">
+                      <a:noFill/>
+                      <a:prstDash val="solid"/>
+                    </a:lnBlToTr>
+                    <a:noFill/>
+                  </a:tcPr>
+                </a:tc>
+                <a:extLst>
+                  <a:ext uri="{0D108BD9-81ED-4DB2-BD59-A6C34878D82A}">
+                    <a16:rowId xmlns:a16="http://schemas.microsoft.com/office/drawing/2014/main" xmlns="" val="1076347283"/>
+                  </a:ext>
+                </a:extLst>
+              </a:tr>
+            </a:tbl>
+          </a:graphicData>
+        </a:graphic>
+      </p:graphicFrame>
+      <p:sp>
+        <p:nvSpPr>
+          <p:cNvPr id="86" name="TextBox 85">
+            <a:extLst>
+              <a:ext uri="{FF2B5EF4-FFF2-40B4-BE49-F238E27FC236}">
+                <a16:creationId xmlns:a16="http://schemas.microsoft.com/office/drawing/2014/main" xmlns="" id="{EE5B4C4B-F07C-46E9-BE4C-55F6C1F5E9BD}"/>
+              </a:ext>
+            </a:extLst>
+          </p:cNvPr>
+          <p:cNvSpPr txBox="1"/>
+          <p:nvPr/>
+        </p:nvSpPr>
+        <p:spPr>
+          <a:xfrm>
+            <a:off x="675233" y="4523798"/>
+            <a:ext cx="1492716" cy="338554"/>
+          </a:xfrm>
+          <a:prstGeom prst="rect">
+            <a:avLst/>
+          </a:prstGeom>
+          <a:noFill/>
+        </p:spPr>
+        <p:txBody>
+          <a:bodyPr wrap="none" rtlCol="0">
+            <a:spAutoFit/>
+          </a:bodyPr>
+          <a:lstStyle/>
+          <a:p>
+            <a:pPr algn="ctr"/>
+            <a:r>
+              <a:rPr lang="ko-KR" altLang="en-US" sz="800" dirty="0">
+                <a:latin typeface="나눔고딕" panose="020D0604000000000000" pitchFamily="50" charset="-127"/>
+                <a:ea typeface="나눔고딕" panose="020D0604000000000000" pitchFamily="50" charset="-127"/>
+              </a:rPr>
+              <a:t>자세한 내용은 마이페이지에서</a:t>
+            </a:r>
+            <a:endParaRPr lang="en-US" altLang="ko-KR" sz="800" dirty="0">
+              <a:latin typeface="나눔고딕" panose="020D0604000000000000" pitchFamily="50" charset="-127"/>
+              <a:ea typeface="나눔고딕" panose="020D0604000000000000" pitchFamily="50" charset="-127"/>
+            </a:endParaRPr>
+          </a:p>
+          <a:p>
+            <a:pPr algn="ctr"/>
+            <a:r>
+              <a:rPr lang="ko-KR" altLang="en-US" sz="800" dirty="0">
+                <a:latin typeface="나눔고딕" panose="020D0604000000000000" pitchFamily="50" charset="-127"/>
+                <a:ea typeface="나눔고딕" panose="020D0604000000000000" pitchFamily="50" charset="-127"/>
+              </a:rPr>
+              <a:t>확인하실 수 있습니다</a:t>
+            </a:r>
+            <a:r>
+              <a:rPr lang="en-US" altLang="ko-KR" sz="800" dirty="0">
+                <a:latin typeface="나눔고딕" panose="020D0604000000000000" pitchFamily="50" charset="-127"/>
+                <a:ea typeface="나눔고딕" panose="020D0604000000000000" pitchFamily="50" charset="-127"/>
+              </a:rPr>
+              <a:t>.</a:t>
+            </a:r>
+            <a:endParaRPr lang="ko-KR" altLang="en-US" sz="800" dirty="0" err="1">
+              <a:latin typeface="나눔고딕" panose="020D0604000000000000" pitchFamily="50" charset="-127"/>
+              <a:ea typeface="나눔고딕" panose="020D0604000000000000" pitchFamily="50" charset="-127"/>
+            </a:endParaRPr>
+          </a:p>
+        </p:txBody>
+      </p:sp>
+      <p:sp>
+        <p:nvSpPr>
+          <p:cNvPr id="87" name="직사각형 86">
+            <a:extLst>
+              <a:ext uri="{FF2B5EF4-FFF2-40B4-BE49-F238E27FC236}">
+                <a16:creationId xmlns:a16="http://schemas.microsoft.com/office/drawing/2014/main" xmlns="" id="{A1080B07-4237-423C-A26C-9BF47993DA6A}"/>
+              </a:ext>
+            </a:extLst>
+          </p:cNvPr>
+          <p:cNvSpPr/>
+          <p:nvPr/>
+        </p:nvSpPr>
+        <p:spPr>
+          <a:xfrm>
+            <a:off x="2004389" y="2170542"/>
+            <a:ext cx="575733" cy="172577"/>
+          </a:xfrm>
+          <a:prstGeom prst="rect">
+            <a:avLst/>
+          </a:prstGeom>
+          <a:solidFill>
+            <a:schemeClr val="accent4">
+              <a:lumMod val="20000"/>
+              <a:lumOff val="80000"/>
+            </a:schemeClr>
+          </a:solidFill>
+          <a:ln>
+            <a:noFill/>
+          </a:ln>
+        </p:spPr>
+        <p:style>
+          <a:lnRef idx="2">
+            <a:schemeClr val="accent1">
+              <a:shade val="50000"/>
+            </a:schemeClr>
+          </a:lnRef>
+          <a:fillRef idx="1">
+            <a:schemeClr val="accent1"/>
+          </a:fillRef>
+          <a:effectRef idx="0">
+            <a:schemeClr val="accent1"/>
+          </a:effectRef>
+          <a:fontRef idx="minor">
+            <a:schemeClr val="lt1"/>
+          </a:fontRef>
+        </p:style>
+        <p:txBody>
+          <a:bodyPr rot="0" spcFirstLastPara="0" vertOverflow="overflow" horzOverflow="overflow" vert="horz" wrap="square" lIns="121920" tIns="60960" rIns="121920" bIns="60960" numCol="1" spcCol="0" rtlCol="0" fromWordArt="0" anchor="ctr" anchorCtr="0" forceAA="0" compatLnSpc="1">
+            <a:prstTxWarp prst="textNoShape">
+              <a:avLst/>
+            </a:prstTxWarp>
+            <a:noAutofit/>
+          </a:bodyPr>
+          <a:lstStyle/>
+          <a:p>
+            <a:pPr algn="ctr"/>
+            <a:r>
+              <a:rPr lang="ko-KR" altLang="en-US" sz="933" dirty="0" smtClean="0">
+                <a:solidFill>
+                  <a:schemeClr val="tx1"/>
+                </a:solidFill>
+                <a:latin typeface="나눔고딕" panose="020D0604000000000000" pitchFamily="50" charset="-127"/>
+                <a:ea typeface="나눔고딕" panose="020D0604000000000000" pitchFamily="50" charset="-127"/>
+              </a:rPr>
+              <a:t>제출</a:t>
+            </a:r>
+            <a:endParaRPr lang="ko-KR" altLang="en-US" sz="933" dirty="0">
+              <a:solidFill>
+                <a:schemeClr val="tx1"/>
+              </a:solidFill>
+              <a:latin typeface="나눔고딕" panose="020D0604000000000000" pitchFamily="50" charset="-127"/>
+              <a:ea typeface="나눔고딕" panose="020D0604000000000000" pitchFamily="50" charset="-127"/>
+            </a:endParaRPr>
+          </a:p>
+        </p:txBody>
+      </p:sp>
+      <p:sp>
+        <p:nvSpPr>
+          <p:cNvPr id="20" name="직사각형 19">
+            <a:extLst>
+              <a:ext uri="{FF2B5EF4-FFF2-40B4-BE49-F238E27FC236}">
+                <a16:creationId xmlns:a16="http://schemas.microsoft.com/office/drawing/2014/main" xmlns="" id="{3D2F9A27-A0DB-436B-B627-A32C7CF2B465}"/>
+              </a:ext>
+            </a:extLst>
+          </p:cNvPr>
+          <p:cNvSpPr/>
+          <p:nvPr/>
+        </p:nvSpPr>
+        <p:spPr>
+          <a:xfrm>
+            <a:off x="233868" y="5170972"/>
+            <a:ext cx="2392361" cy="1430284"/>
+          </a:xfrm>
+          <a:prstGeom prst="rect">
+            <a:avLst/>
+          </a:prstGeom>
+          <a:noFill/>
+          <a:ln w="12700">
+            <a:solidFill>
+              <a:schemeClr val="tx1"/>
+            </a:solidFill>
+          </a:ln>
+        </p:spPr>
+        <p:style>
+          <a:lnRef idx="2">
+            <a:schemeClr val="accent1">
+              <a:shade val="50000"/>
+            </a:schemeClr>
+          </a:lnRef>
+          <a:fillRef idx="1">
+            <a:schemeClr val="accent1"/>
+          </a:fillRef>
+          <a:effectRef idx="0">
+            <a:schemeClr val="accent1"/>
+          </a:effectRef>
+          <a:fontRef idx="minor">
+            <a:schemeClr val="lt1"/>
+          </a:fontRef>
+        </p:style>
+        <p:txBody>
+          <a:bodyPr rtlCol="0" anchor="ctr"/>
+          <a:lstStyle/>
+          <a:p>
+            <a:pPr algn="ctr"/>
+            <a:endParaRPr lang="ko-KR" altLang="en-US" sz="2400"/>
+          </a:p>
+        </p:txBody>
+      </p:sp>
+      <p:graphicFrame>
+        <p:nvGraphicFramePr>
+          <p:cNvPr id="21" name="표 20">
+            <a:extLst>
+              <a:ext uri="{FF2B5EF4-FFF2-40B4-BE49-F238E27FC236}">
+                <a16:creationId xmlns:a16="http://schemas.microsoft.com/office/drawing/2014/main" xmlns="" id="{9BF05CCC-1826-483F-9401-F4CC24A2F4FB}"/>
+              </a:ext>
+            </a:extLst>
+          </p:cNvPr>
+          <p:cNvGraphicFramePr>
+            <a:graphicFrameLocks noGrp="1"/>
+          </p:cNvGraphicFramePr>
+          <p:nvPr>
+            <p:extLst>
+              <p:ext uri="{D42A27DB-BD31-4B8C-83A1-F6EECF244321}">
+                <p14:modId xmlns:p14="http://schemas.microsoft.com/office/powerpoint/2010/main" val="263881201"/>
+              </p:ext>
+            </p:extLst>
+          </p:nvPr>
+        </p:nvGraphicFramePr>
+        <p:xfrm>
+          <a:off x="300625" y="5183132"/>
+          <a:ext cx="2279408" cy="1134839"/>
+        </p:xfrm>
+        <a:graphic>
+          <a:graphicData uri="http://schemas.openxmlformats.org/drawingml/2006/table">
+            <a:tbl>
+              <a:tblPr firstRow="1" bandRow="1">
+                <a:tableStyleId>{5C22544A-7EE6-4342-B048-85BDC9FD1C3A}</a:tableStyleId>
+              </a:tblPr>
+              <a:tblGrid>
+                <a:gridCol w="898364">
+                  <a:extLst>
+                    <a:ext uri="{9D8B030D-6E8A-4147-A177-3AD203B41FA5}">
+                      <a16:colId xmlns:a16="http://schemas.microsoft.com/office/drawing/2014/main" xmlns="" val="3106673681"/>
+                    </a:ext>
+                  </a:extLst>
+                </a:gridCol>
+                <a:gridCol w="1381044">
+                  <a:extLst>
+                    <a:ext uri="{9D8B030D-6E8A-4147-A177-3AD203B41FA5}">
+                      <a16:colId xmlns:a16="http://schemas.microsoft.com/office/drawing/2014/main" xmlns="" val="680855760"/>
+                    </a:ext>
+                  </a:extLst>
+                </a:gridCol>
+              </a:tblGrid>
+              <a:tr h="356973">
+                <a:tc gridSpan="2">
+                  <a:txBody>
+                    <a:bodyPr/>
+                    <a:lstStyle/>
+                    <a:p>
+                      <a:pPr algn="l" latinLnBrk="1"/>
+                      <a:endParaRPr lang="en-US" altLang="ko-KR" sz="500" b="1" dirty="0" smtClean="0">
+                        <a:solidFill>
+                          <a:schemeClr val="tx1"/>
+                        </a:solidFill>
+                        <a:latin typeface="나눔고딕" panose="020D0604000000000000" pitchFamily="50" charset="-127"/>
+                        <a:ea typeface="나눔고딕" panose="020D0604000000000000" pitchFamily="50" charset="-127"/>
+                      </a:endParaRPr>
+                    </a:p>
+                    <a:p>
+                      <a:pPr algn="l" latinLnBrk="1"/>
+                      <a:r>
+                        <a:rPr lang="ko-KR" altLang="en-US" sz="1900" b="1" dirty="0" smtClean="0">
+                          <a:solidFill>
+                            <a:schemeClr val="tx1"/>
+                          </a:solidFill>
+                          <a:latin typeface="나눔고딕" panose="020D0604000000000000" pitchFamily="50" charset="-127"/>
+                          <a:ea typeface="나눔고딕" panose="020D0604000000000000" pitchFamily="50" charset="-127"/>
+                        </a:rPr>
+                        <a:t>공지</a:t>
+                      </a:r>
+                      <a:r>
+                        <a:rPr lang="en-US" altLang="ko-KR" sz="1900" b="1" dirty="0" smtClean="0">
+                          <a:solidFill>
+                            <a:schemeClr val="tx1"/>
+                          </a:solidFill>
+                          <a:latin typeface="나눔고딕" panose="020D0604000000000000" pitchFamily="50" charset="-127"/>
+                          <a:ea typeface="나눔고딕" panose="020D0604000000000000" pitchFamily="50" charset="-127"/>
+                        </a:rPr>
+                        <a:t>/</a:t>
+                      </a:r>
+                      <a:r>
+                        <a:rPr lang="ko-KR" altLang="en-US" sz="1900" b="1" dirty="0" smtClean="0">
+                          <a:solidFill>
+                            <a:schemeClr val="tx1"/>
+                          </a:solidFill>
+                          <a:latin typeface="나눔고딕" panose="020D0604000000000000" pitchFamily="50" charset="-127"/>
+                          <a:ea typeface="나눔고딕" panose="020D0604000000000000" pitchFamily="50" charset="-127"/>
+                        </a:rPr>
+                        <a:t>안내 등등</a:t>
+                      </a:r>
+                      <a:endParaRPr lang="ko-KR" altLang="en-US" sz="1900" b="1" dirty="0">
+                        <a:solidFill>
+                          <a:schemeClr val="tx1"/>
+                        </a:solidFill>
+                        <a:latin typeface="나눔고딕" panose="020D0604000000000000" pitchFamily="50" charset="-127"/>
+                        <a:ea typeface="나눔고딕" panose="020D0604000000000000" pitchFamily="50" charset="-127"/>
+                      </a:endParaRPr>
+                    </a:p>
+                  </a:txBody>
+                  <a:tcPr marL="121920" marR="121920" marT="60960" marB="60960">
+                    <a:lnL w="12700" cmpd="sng">
+                      <a:noFill/>
+                    </a:lnL>
+                    <a:lnR w="12700" cmpd="sng">
+                      <a:noFill/>
+                    </a:lnR>
+                    <a:lnT w="12700" cmpd="sng">
+                      <a:noFill/>
+                    </a:lnT>
+                    <a:lnB w="12700" cap="flat" cmpd="sng" algn="ctr">
+                      <a:solidFill>
+                        <a:schemeClr val="tx1"/>
+                      </a:solidFill>
+                      <a:prstDash val="solid"/>
+                      <a:round/>
+                      <a:headEnd type="none" w="med" len="med"/>
+                      <a:tailEnd type="none" w="med" len="med"/>
+                    </a:lnB>
+                    <a:lnTlToBr w="12700" cmpd="sng">
+                      <a:noFill/>
+                      <a:prstDash val="solid"/>
+                    </a:lnTlToBr>
+                    <a:lnBlToTr w="12700" cmpd="sng">
+                      <a:noFill/>
+                      <a:prstDash val="solid"/>
+                    </a:lnBlToTr>
+                    <a:noFill/>
+                  </a:tcPr>
+                </a:tc>
+                <a:tc hMerge="1">
+                  <a:txBody>
+                    <a:bodyPr/>
+                    <a:lstStyle/>
+                    <a:p>
+                      <a:pPr algn="ctr" latinLnBrk="1"/>
+                      <a:endParaRPr lang="ko-KR" altLang="en-US" sz="1100" b="0" dirty="0">
+                        <a:solidFill>
+                          <a:schemeClr val="tx1"/>
+                        </a:solidFill>
+                        <a:latin typeface="나눔고딕" panose="020D0604000000000000" pitchFamily="50" charset="-127"/>
+                        <a:ea typeface="나눔고딕" panose="020D0604000000000000" pitchFamily="50" charset="-127"/>
+                      </a:endParaRPr>
+                    </a:p>
+                  </a:txBody>
+                  <a:tcPr>
+                    <a:lnL w="12700" cmpd="sng">
+                      <a:noFill/>
+                    </a:lnL>
+                    <a:lnR w="12700" cmpd="sng">
+                      <a:noFill/>
+                    </a:lnR>
+                    <a:lnT w="12700" cmpd="sng">
+                      <a:noFill/>
+                    </a:lnT>
+                    <a:lnB w="12700" cap="flat" cmpd="sng" algn="ctr">
+                      <a:solidFill>
+                        <a:schemeClr val="tx1"/>
+                      </a:solidFill>
+                      <a:prstDash val="solid"/>
+                      <a:round/>
+                      <a:headEnd type="none" w="med" len="med"/>
+                      <a:tailEnd type="none" w="med" len="med"/>
+                    </a:lnB>
+                    <a:lnTlToBr w="12700" cmpd="sng">
+                      <a:noFill/>
+                      <a:prstDash val="solid"/>
+                    </a:lnTlToBr>
+                    <a:lnBlToTr w="12700" cmpd="sng">
+                      <a:noFill/>
+                      <a:prstDash val="solid"/>
+                    </a:lnBlToTr>
+                    <a:noFill/>
+                  </a:tcPr>
+                </a:tc>
+                <a:extLst>
+                  <a:ext uri="{0D108BD9-81ED-4DB2-BD59-A6C34878D82A}">
+                    <a16:rowId xmlns:a16="http://schemas.microsoft.com/office/drawing/2014/main" xmlns="" val="3506947314"/>
+                  </a:ext>
+                </a:extLst>
+              </a:tr>
+              <a:tr h="189642">
+                <a:tc>
+                  <a:txBody>
+                    <a:bodyPr/>
+                    <a:lstStyle/>
+                    <a:p>
+                      <a:pPr marL="0" marR="0" lvl="0" indent="0" algn="r" defTabSz="685800" rtl="0" eaLnBrk="1" fontAlgn="auto" latinLnBrk="1" hangingPunct="1">
+                        <a:lnSpc>
+                          <a:spcPct val="100000"/>
+                        </a:lnSpc>
+                        <a:spcBef>
+                          <a:spcPts val="0"/>
+                        </a:spcBef>
+                        <a:spcAft>
+                          <a:spcPts val="0"/>
+                        </a:spcAft>
+                        <a:buClrTx/>
+                        <a:buSzTx/>
+                        <a:buFontTx/>
+                        <a:buNone/>
+                        <a:tabLst/>
+                        <a:defRPr/>
+                      </a:pPr>
+                      <a:endParaRPr lang="ko-KR" altLang="en-US" sz="900" dirty="0">
+                        <a:latin typeface="나눔고딕" panose="020D0604000000000000" pitchFamily="50" charset="-127"/>
+                        <a:ea typeface="나눔고딕" panose="020D0604000000000000" pitchFamily="50" charset="-127"/>
+                      </a:endParaRPr>
+                    </a:p>
+                  </a:txBody>
+                  <a:tcPr marL="121920" marR="121920" marT="60960" marB="60960" anchor="b">
+                    <a:lnL w="12700" cap="flat" cmpd="sng" algn="ctr">
+                      <a:noFill/>
+                      <a:prstDash val="solid"/>
+                      <a:round/>
+                      <a:headEnd type="none" w="med" len="med"/>
+                      <a:tailEnd type="none" w="med" len="med"/>
+                    </a:lnL>
+                    <a:lnR w="12700" cap="flat" cmpd="sng" algn="ctr">
+                      <a:noFill/>
+                      <a:prstDash val="solid"/>
+                      <a:round/>
+                      <a:headEnd type="none" w="med" len="med"/>
+                      <a:tailEnd type="none" w="med" len="med"/>
+                    </a:lnR>
+                    <a:lnT w="12700" cap="flat" cmpd="sng" algn="ctr">
+                      <a:solidFill>
+                        <a:schemeClr val="tx1"/>
+                      </a:solidFill>
+                      <a:prstDash val="solid"/>
+                      <a:round/>
+                      <a:headEnd type="none" w="med" len="med"/>
+                      <a:tailEnd type="none" w="med" len="med"/>
+                    </a:lnT>
+                    <a:lnB w="12700" cap="flat" cmpd="sng" algn="ctr">
+                      <a:noFill/>
+                      <a:prstDash val="solid"/>
+                      <a:round/>
+                      <a:headEnd type="none" w="med" len="med"/>
+                      <a:tailEnd type="none" w="med" len="med"/>
+                    </a:lnB>
+                    <a:lnTlToBr w="12700" cmpd="sng">
+                      <a:noFill/>
+                      <a:prstDash val="solid"/>
+                    </a:lnTlToBr>
+                    <a:lnBlToTr w="12700" cmpd="sng">
+                      <a:noFill/>
+                      <a:prstDash val="solid"/>
+                    </a:lnBlToTr>
+                    <a:noFill/>
+                  </a:tcPr>
+                </a:tc>
+                <a:tc>
+                  <a:txBody>
+                    <a:bodyPr/>
+                    <a:lstStyle/>
+                    <a:p>
+                      <a:pPr algn="ctr" latinLnBrk="1"/>
+                      <a:endParaRPr lang="ko-KR" altLang="en-US" sz="900" b="0" dirty="0">
+                        <a:solidFill>
+                          <a:schemeClr val="tx1"/>
+                        </a:solidFill>
+                        <a:latin typeface="나눔고딕" panose="020D0604000000000000" pitchFamily="50" charset="-127"/>
+                        <a:ea typeface="나눔고딕" panose="020D0604000000000000" pitchFamily="50" charset="-127"/>
+                      </a:endParaRPr>
+                    </a:p>
+                  </a:txBody>
+                  <a:tcPr marL="121920" marR="121920" marT="60960" marB="60960" anchor="b">
+                    <a:lnL w="12700" cap="flat" cmpd="sng" algn="ctr">
+                      <a:noFill/>
+                      <a:prstDash val="solid"/>
+                      <a:round/>
+                      <a:headEnd type="none" w="med" len="med"/>
+                      <a:tailEnd type="none" w="med" len="med"/>
+                    </a:lnL>
+                    <a:lnR w="12700" cap="flat" cmpd="sng" algn="ctr">
+                      <a:noFill/>
+                      <a:prstDash val="solid"/>
+                      <a:round/>
+                      <a:headEnd type="none" w="med" len="med"/>
+                      <a:tailEnd type="none" w="med" len="med"/>
+                    </a:lnR>
+                    <a:lnT w="12700" cap="flat" cmpd="sng" algn="ctr">
+                      <a:solidFill>
+                        <a:schemeClr val="tx1"/>
+                      </a:solidFill>
+                      <a:prstDash val="solid"/>
+                      <a:round/>
+                      <a:headEnd type="none" w="med" len="med"/>
+                      <a:tailEnd type="none" w="med" len="med"/>
+                    </a:lnT>
+                    <a:lnB w="12700" cap="flat" cmpd="sng" algn="ctr">
+                      <a:noFill/>
+                      <a:prstDash val="solid"/>
+                      <a:round/>
+                      <a:headEnd type="none" w="med" len="med"/>
+                      <a:tailEnd type="none" w="med" len="med"/>
+                    </a:lnB>
+                    <a:lnTlToBr w="12700" cmpd="sng">
+                      <a:noFill/>
+                      <a:prstDash val="solid"/>
+                    </a:lnTlToBr>
+                    <a:lnBlToTr w="12700" cmpd="sng">
+                      <a:noFill/>
+                      <a:prstDash val="solid"/>
+                    </a:lnBlToTr>
+                    <a:noFill/>
+                  </a:tcPr>
+                </a:tc>
+                <a:extLst>
+                  <a:ext uri="{0D108BD9-81ED-4DB2-BD59-A6C34878D82A}">
+                    <a16:rowId xmlns:a16="http://schemas.microsoft.com/office/drawing/2014/main" xmlns="" val="3153771678"/>
+                  </a:ext>
+                </a:extLst>
+              </a:tr>
+              <a:tr h="388079">
+                <a:tc>
+                  <a:txBody>
+                    <a:bodyPr/>
+                    <a:lstStyle/>
+                    <a:p>
+                      <a:pPr marL="0" marR="0" lvl="0" indent="0" algn="r" defTabSz="685800" rtl="0" eaLnBrk="1" fontAlgn="auto" latinLnBrk="1" hangingPunct="1">
+                        <a:lnSpc>
+                          <a:spcPct val="100000"/>
+                        </a:lnSpc>
+                        <a:spcBef>
+                          <a:spcPts val="0"/>
+                        </a:spcBef>
+                        <a:spcAft>
+                          <a:spcPts val="0"/>
+                        </a:spcAft>
+                        <a:buClrTx/>
+                        <a:buSzTx/>
+                        <a:buFontTx/>
+                        <a:buNone/>
+                        <a:tabLst/>
+                        <a:defRPr/>
+                      </a:pPr>
+                      <a:endParaRPr lang="ko-KR" altLang="en-US" sz="900" dirty="0">
+                        <a:latin typeface="나눔고딕" panose="020D0604000000000000" pitchFamily="50" charset="-127"/>
+                        <a:ea typeface="나눔고딕" panose="020D0604000000000000" pitchFamily="50" charset="-127"/>
+                      </a:endParaRPr>
+                    </a:p>
+                  </a:txBody>
+                  <a:tcPr marL="121920" marR="121920" marT="60960" marB="60960" anchor="ctr">
+                    <a:lnL w="12700" cap="flat" cmpd="sng" algn="ctr">
+                      <a:noFill/>
+                      <a:prstDash val="solid"/>
+                      <a:round/>
+                      <a:headEnd type="none" w="med" len="med"/>
+                      <a:tailEnd type="none" w="med" len="med"/>
+                    </a:lnL>
+                    <a:lnR w="12700" cap="flat" cmpd="sng" algn="ctr">
+                      <a:noFill/>
+                      <a:prstDash val="solid"/>
+                      <a:round/>
+                      <a:headEnd type="none" w="med" len="med"/>
+                      <a:tailEnd type="none" w="med" len="med"/>
+                    </a:lnR>
+                    <a:lnT w="12700" cap="flat" cmpd="sng" algn="ctr">
+                      <a:noFill/>
+                      <a:prstDash val="solid"/>
+                      <a:round/>
+                      <a:headEnd type="none" w="med" len="med"/>
+                      <a:tailEnd type="none" w="med" len="med"/>
+                    </a:lnT>
+                    <a:lnB w="12700" cap="flat" cmpd="sng" algn="ctr">
+                      <a:noFill/>
+                      <a:prstDash val="solid"/>
+                      <a:round/>
+                      <a:headEnd type="none" w="med" len="med"/>
+                      <a:tailEnd type="none" w="med" len="med"/>
+                    </a:lnB>
+                    <a:lnTlToBr w="12700" cmpd="sng">
+                      <a:noFill/>
+                      <a:prstDash val="solid"/>
+                    </a:lnTlToBr>
+                    <a:lnBlToTr w="12700" cmpd="sng">
+                      <a:noFill/>
+                      <a:prstDash val="solid"/>
+                    </a:lnBlToTr>
+                    <a:noFill/>
+                  </a:tcPr>
+                </a:tc>
+                <a:tc>
+                  <a:txBody>
+                    <a:bodyPr/>
+                    <a:lstStyle/>
+                    <a:p>
+                      <a:pPr algn="ctr" latinLnBrk="1"/>
+                      <a:endParaRPr lang="en-US" altLang="ko-KR" sz="900" b="0" dirty="0">
+                        <a:solidFill>
+                          <a:schemeClr val="tx1"/>
+                        </a:solidFill>
+                        <a:latin typeface="나눔고딕" panose="020D0604000000000000" pitchFamily="50" charset="-127"/>
+                        <a:ea typeface="나눔고딕" panose="020D0604000000000000" pitchFamily="50" charset="-127"/>
+                      </a:endParaRPr>
+                    </a:p>
+                  </a:txBody>
+                  <a:tcPr marL="121920" marR="121920" marT="60960" marB="60960" anchor="ctr">
+                    <a:lnL w="12700" cap="flat" cmpd="sng" algn="ctr">
+                      <a:noFill/>
+                      <a:prstDash val="solid"/>
+                      <a:round/>
+                      <a:headEnd type="none" w="med" len="med"/>
+                      <a:tailEnd type="none" w="med" len="med"/>
+                    </a:lnL>
+                    <a:lnR w="12700" cap="flat" cmpd="sng" algn="ctr">
+                      <a:noFill/>
+                      <a:prstDash val="solid"/>
+                      <a:round/>
+                      <a:headEnd type="none" w="med" len="med"/>
+                      <a:tailEnd type="none" w="med" len="med"/>
+                    </a:lnR>
+                    <a:lnT w="12700" cap="flat" cmpd="sng" algn="ctr">
+                      <a:noFill/>
+                      <a:prstDash val="solid"/>
+                      <a:round/>
+                      <a:headEnd type="none" w="med" len="med"/>
+                      <a:tailEnd type="none" w="med" len="med"/>
+                    </a:lnT>
+                    <a:lnB w="12700" cap="flat" cmpd="sng" algn="ctr">
+                      <a:noFill/>
+                      <a:prstDash val="solid"/>
+                      <a:round/>
+                      <a:headEnd type="none" w="med" len="med"/>
+                      <a:tailEnd type="none" w="med" len="med"/>
+                    </a:lnB>
+                    <a:lnTlToBr w="12700" cmpd="sng">
+                      <a:noFill/>
+                      <a:prstDash val="solid"/>
+                    </a:lnTlToBr>
+                    <a:lnBlToTr w="12700" cmpd="sng">
+                      <a:noFill/>
+                      <a:prstDash val="solid"/>
+                    </a:lnBlToTr>
+                    <a:noFill/>
+                  </a:tcPr>
+                </a:tc>
+                <a:extLst>
+                  <a:ext uri="{0D108BD9-81ED-4DB2-BD59-A6C34878D82A}">
+                    <a16:rowId xmlns:a16="http://schemas.microsoft.com/office/drawing/2014/main" xmlns="" val="672683968"/>
+                  </a:ext>
+                </a:extLst>
+              </a:tr>
+            </a:tbl>
+          </a:graphicData>
+        </a:graphic>
+      </p:graphicFrame>
+    </p:spTree>
+    <p:extLst>
+      <p:ext uri="{BB962C8B-B14F-4D97-AF65-F5344CB8AC3E}">
+        <p14:creationId xmlns:p14="http://schemas.microsoft.com/office/powerpoint/2010/main" val="1436110943"/>
+      </p:ext>
+    </p:extLst>
+  </p:cSld>
+  <p:clrMapOvr>
+    <a:masterClrMapping/>
+  </p:clrMapOvr>
+</p:sld>
+</file>
+
+<file path=ppt/slides/slide3.xml><?xml version="1.0" encoding="utf-8"?>
+<p:sld xmlns:a="http://schemas.openxmlformats.org/drawingml/2006/main" xmlns:r="http://schemas.openxmlformats.org/officeDocument/2006/relationships" xmlns:p="http://schemas.openxmlformats.org/presentationml/2006/main">
+  <p:cSld>
+    <p:spTree>
+      <p:nvGrpSpPr>
+        <p:cNvPr id="1" name=""/>
+        <p:cNvGrpSpPr/>
+        <p:nvPr/>
+      </p:nvGrpSpPr>
+      <p:grpSpPr>
+        <a:xfrm>
+          <a:off x="0" y="0"/>
+          <a:ext cx="0" cy="0"/>
+          <a:chOff x="0" y="0"/>
+          <a:chExt cx="0" cy="0"/>
+        </a:xfrm>
+      </p:grpSpPr>
       <p:pic>
         <p:nvPicPr>
           <p:cNvPr id="15" name="그림 14">
             <a:extLst>
               <a:ext uri="{FF2B5EF4-FFF2-40B4-BE49-F238E27FC236}">
-                <a16:creationId xmlns:a16="http://schemas.microsoft.com/office/drawing/2014/main" id="{805166AF-6F90-4023-A94F-805CF58A7C76}"/>
+                <a16:creationId xmlns:a16="http://schemas.microsoft.com/office/drawing/2014/main" xmlns="" id="{805166AF-6F90-4023-A94F-805CF58A7C76}"/>
               </a:ext>
             </a:extLst>
           </p:cNvPr>
@@ -9627,7 +16806,7 @@
           <p:cNvPr id="5" name="그룹 4">
             <a:extLst>
               <a:ext uri="{FF2B5EF4-FFF2-40B4-BE49-F238E27FC236}">
-                <a16:creationId xmlns:a16="http://schemas.microsoft.com/office/drawing/2014/main" id="{EB17C659-E792-4631-B391-313CE6DB2FC7}"/>
+                <a16:creationId xmlns:a16="http://schemas.microsoft.com/office/drawing/2014/main" xmlns="" id="{EB17C659-E792-4631-B391-313CE6DB2FC7}"/>
               </a:ext>
             </a:extLst>
           </p:cNvPr>
@@ -9647,7 +16826,7 @@
             <p:cNvPr id="6" name="직사각형 5">
               <a:extLst>
                 <a:ext uri="{FF2B5EF4-FFF2-40B4-BE49-F238E27FC236}">
-                  <a16:creationId xmlns:a16="http://schemas.microsoft.com/office/drawing/2014/main" id="{4855A4ED-D56B-483D-8CBC-698083E53315}"/>
+                  <a16:creationId xmlns:a16="http://schemas.microsoft.com/office/drawing/2014/main" xmlns="" id="{4855A4ED-D56B-483D-8CBC-698083E53315}"/>
                 </a:ext>
               </a:extLst>
             </p:cNvPr>
@@ -9704,7 +16883,7 @@
             <p:cNvPr id="7" name="직사각형 6">
               <a:extLst>
                 <a:ext uri="{FF2B5EF4-FFF2-40B4-BE49-F238E27FC236}">
-                  <a16:creationId xmlns:a16="http://schemas.microsoft.com/office/drawing/2014/main" id="{EBA4BDA4-5621-4FAF-AF24-9894C5704AD5}"/>
+                  <a16:creationId xmlns:a16="http://schemas.microsoft.com/office/drawing/2014/main" xmlns="" id="{EBA4BDA4-5621-4FAF-AF24-9894C5704AD5}"/>
                 </a:ext>
               </a:extLst>
             </p:cNvPr>
@@ -9761,7 +16940,7 @@
             <p:cNvPr id="8" name="직사각형 7">
               <a:extLst>
                 <a:ext uri="{FF2B5EF4-FFF2-40B4-BE49-F238E27FC236}">
-                  <a16:creationId xmlns:a16="http://schemas.microsoft.com/office/drawing/2014/main" id="{D348C1AA-EB0C-469B-A430-FFA88DE109C4}"/>
+                  <a16:creationId xmlns:a16="http://schemas.microsoft.com/office/drawing/2014/main" xmlns="" id="{D348C1AA-EB0C-469B-A430-FFA88DE109C4}"/>
                 </a:ext>
               </a:extLst>
             </p:cNvPr>
@@ -9819,7 +16998,7 @@
           <p:cNvPr id="10" name="TextBox 9">
             <a:extLst>
               <a:ext uri="{FF2B5EF4-FFF2-40B4-BE49-F238E27FC236}">
-                <a16:creationId xmlns:a16="http://schemas.microsoft.com/office/drawing/2014/main" id="{030CE927-0BDC-4257-B34A-F30465425A05}"/>
+                <a16:creationId xmlns:a16="http://schemas.microsoft.com/office/drawing/2014/main" xmlns="" id="{030CE927-0BDC-4257-B34A-F30465425A05}"/>
               </a:ext>
             </a:extLst>
           </p:cNvPr>
@@ -9883,7 +17062,7 @@
           <p:cNvPr id="11" name="직사각형 10">
             <a:extLst>
               <a:ext uri="{FF2B5EF4-FFF2-40B4-BE49-F238E27FC236}">
-                <a16:creationId xmlns:a16="http://schemas.microsoft.com/office/drawing/2014/main" id="{7FB3F64A-DFF3-4D00-A423-973205009318}"/>
+                <a16:creationId xmlns:a16="http://schemas.microsoft.com/office/drawing/2014/main" xmlns="" id="{7FB3F64A-DFF3-4D00-A423-973205009318}"/>
               </a:ext>
             </a:extLst>
           </p:cNvPr>
@@ -9947,7 +17126,7 @@
           <p:cNvPr id="12" name="직사각형 11">
             <a:extLst>
               <a:ext uri="{FF2B5EF4-FFF2-40B4-BE49-F238E27FC236}">
-                <a16:creationId xmlns:a16="http://schemas.microsoft.com/office/drawing/2014/main" id="{5D74DC1D-FB28-4276-B6DE-D361C8E5C23D}"/>
+                <a16:creationId xmlns:a16="http://schemas.microsoft.com/office/drawing/2014/main" xmlns="" id="{5D74DC1D-FB28-4276-B6DE-D361C8E5C23D}"/>
               </a:ext>
             </a:extLst>
           </p:cNvPr>
@@ -10014,7 +17193,7 @@
           <p:cNvPr id="17" name="TextBox 16">
             <a:extLst>
               <a:ext uri="{FF2B5EF4-FFF2-40B4-BE49-F238E27FC236}">
-                <a16:creationId xmlns:a16="http://schemas.microsoft.com/office/drawing/2014/main" id="{F1B765E5-70FF-4DFD-B145-C920755B9F0B}"/>
+                <a16:creationId xmlns:a16="http://schemas.microsoft.com/office/drawing/2014/main" xmlns="" id="{F1B765E5-70FF-4DFD-B145-C920755B9F0B}"/>
               </a:ext>
             </a:extLst>
           </p:cNvPr>
@@ -10053,7 +17232,7 @@
           <p:cNvPr id="18" name="직사각형 17">
             <a:extLst>
               <a:ext uri="{FF2B5EF4-FFF2-40B4-BE49-F238E27FC236}">
-                <a16:creationId xmlns:a16="http://schemas.microsoft.com/office/drawing/2014/main" id="{4AAC4A2C-D89A-4D93-9D85-5307D306DEDC}"/>
+                <a16:creationId xmlns:a16="http://schemas.microsoft.com/office/drawing/2014/main" xmlns="" id="{4AAC4A2C-D89A-4D93-9D85-5307D306DEDC}"/>
               </a:ext>
             </a:extLst>
           </p:cNvPr>
@@ -10117,7 +17296,7 @@
           <p:cNvPr id="16" name="TextBox 15">
             <a:extLst>
               <a:ext uri="{FF2B5EF4-FFF2-40B4-BE49-F238E27FC236}">
-                <a16:creationId xmlns:a16="http://schemas.microsoft.com/office/drawing/2014/main" id="{C6D6B4A6-E915-46E4-B778-D26981DED874}"/>
+                <a16:creationId xmlns:a16="http://schemas.microsoft.com/office/drawing/2014/main" xmlns="" id="{C6D6B4A6-E915-46E4-B778-D26981DED874}"/>
               </a:ext>
             </a:extLst>
           </p:cNvPr>
@@ -10158,7 +17337,7 @@
           <p:cNvPr id="20" name="표 19">
             <a:extLst>
               <a:ext uri="{FF2B5EF4-FFF2-40B4-BE49-F238E27FC236}">
-                <a16:creationId xmlns:a16="http://schemas.microsoft.com/office/drawing/2014/main" id="{FD237A6B-9864-4548-ACA6-3955051FCF98}"/>
+                <a16:creationId xmlns:a16="http://schemas.microsoft.com/office/drawing/2014/main" xmlns="" id="{FD237A6B-9864-4548-ACA6-3955051FCF98}"/>
               </a:ext>
             </a:extLst>
           </p:cNvPr>
@@ -10169,7 +17348,7 @@
         </p:nvGraphicFramePr>
         <p:xfrm>
           <a:off x="1105495" y="2578309"/>
-          <a:ext cx="10323411" cy="2457195"/>
+          <a:ext cx="10323410" cy="2457195"/>
         </p:xfrm>
         <a:graphic>
           <a:graphicData uri="http://schemas.openxmlformats.org/drawingml/2006/table">
@@ -10181,49 +17360,49 @@
                 <a:gridCol w="2085757">
                   <a:extLst>
                     <a:ext uri="{9D8B030D-6E8A-4147-A177-3AD203B41FA5}">
-                      <a16:colId xmlns:a16="http://schemas.microsoft.com/office/drawing/2014/main" val="3106673681"/>
+                      <a16:colId xmlns:a16="http://schemas.microsoft.com/office/drawing/2014/main" xmlns="" val="3106673681"/>
                     </a:ext>
                   </a:extLst>
                 </a:gridCol>
                 <a:gridCol w="1001425">
                   <a:extLst>
                     <a:ext uri="{9D8B030D-6E8A-4147-A177-3AD203B41FA5}">
-                      <a16:colId xmlns:a16="http://schemas.microsoft.com/office/drawing/2014/main" val="680855760"/>
+                      <a16:colId xmlns:a16="http://schemas.microsoft.com/office/drawing/2014/main" xmlns="" val="680855760"/>
                     </a:ext>
                   </a:extLst>
                 </a:gridCol>
                 <a:gridCol w="2035507">
                   <a:extLst>
                     <a:ext uri="{9D8B030D-6E8A-4147-A177-3AD203B41FA5}">
-                      <a16:colId xmlns:a16="http://schemas.microsoft.com/office/drawing/2014/main" val="2082353642"/>
+                      <a16:colId xmlns:a16="http://schemas.microsoft.com/office/drawing/2014/main" xmlns="" val="2082353642"/>
                     </a:ext>
                   </a:extLst>
                 </a:gridCol>
                 <a:gridCol w="1022341">
                   <a:extLst>
                     <a:ext uri="{9D8B030D-6E8A-4147-A177-3AD203B41FA5}">
-                      <a16:colId xmlns:a16="http://schemas.microsoft.com/office/drawing/2014/main" val="3962123720"/>
+                      <a16:colId xmlns:a16="http://schemas.microsoft.com/office/drawing/2014/main" xmlns="" val="3962123720"/>
                     </a:ext>
                   </a:extLst>
                 </a:gridCol>
                 <a:gridCol w="804319">
                   <a:extLst>
                     <a:ext uri="{9D8B030D-6E8A-4147-A177-3AD203B41FA5}">
-                      <a16:colId xmlns:a16="http://schemas.microsoft.com/office/drawing/2014/main" val="1264403147"/>
+                      <a16:colId xmlns:a16="http://schemas.microsoft.com/office/drawing/2014/main" xmlns="" val="1264403147"/>
                     </a:ext>
                   </a:extLst>
                 </a:gridCol>
                 <a:gridCol w="344633">
                   <a:extLst>
                     <a:ext uri="{9D8B030D-6E8A-4147-A177-3AD203B41FA5}">
-                      <a16:colId xmlns:a16="http://schemas.microsoft.com/office/drawing/2014/main" val="3150065759"/>
+                      <a16:colId xmlns:a16="http://schemas.microsoft.com/office/drawing/2014/main" xmlns="" val="3150065759"/>
                     </a:ext>
                   </a:extLst>
                 </a:gridCol>
                 <a:gridCol w="3029428">
                   <a:extLst>
                     <a:ext uri="{9D8B030D-6E8A-4147-A177-3AD203B41FA5}">
-                      <a16:colId xmlns:a16="http://schemas.microsoft.com/office/drawing/2014/main" val="2583169310"/>
+                      <a16:colId xmlns:a16="http://schemas.microsoft.com/office/drawing/2014/main" xmlns="" val="2583169310"/>
                     </a:ext>
                   </a:extLst>
                 </a:gridCol>
@@ -10518,7 +17697,7 @@
                 </a:tc>
                 <a:extLst>
                   <a:ext uri="{0D108BD9-81ED-4DB2-BD59-A6C34878D82A}">
-                    <a16:rowId xmlns:a16="http://schemas.microsoft.com/office/drawing/2014/main" val="3506947314"/>
+                    <a16:rowId xmlns:a16="http://schemas.microsoft.com/office/drawing/2014/main" xmlns="" val="3506947314"/>
                   </a:ext>
                 </a:extLst>
               </a:tr>
@@ -11018,7 +18197,7 @@
                 </a:tc>
                 <a:extLst>
                   <a:ext uri="{0D108BD9-81ED-4DB2-BD59-A6C34878D82A}">
-                    <a16:rowId xmlns:a16="http://schemas.microsoft.com/office/drawing/2014/main" val="3153771678"/>
+                    <a16:rowId xmlns:a16="http://schemas.microsoft.com/office/drawing/2014/main" xmlns="" val="3153771678"/>
                   </a:ext>
                 </a:extLst>
               </a:tr>
@@ -11500,7 +18679,7 @@
                 </a:tc>
                 <a:extLst>
                   <a:ext uri="{0D108BD9-81ED-4DB2-BD59-A6C34878D82A}">
-                    <a16:rowId xmlns:a16="http://schemas.microsoft.com/office/drawing/2014/main" val="672683968"/>
+                    <a16:rowId xmlns:a16="http://schemas.microsoft.com/office/drawing/2014/main" xmlns="" val="672683968"/>
                   </a:ext>
                 </a:extLst>
               </a:tr>
@@ -12000,7 +19179,7 @@
                 </a:tc>
                 <a:extLst>
                   <a:ext uri="{0D108BD9-81ED-4DB2-BD59-A6C34878D82A}">
-                    <a16:rowId xmlns:a16="http://schemas.microsoft.com/office/drawing/2014/main" val="1444319488"/>
+                    <a16:rowId xmlns:a16="http://schemas.microsoft.com/office/drawing/2014/main" xmlns="" val="1444319488"/>
                   </a:ext>
                 </a:extLst>
               </a:tr>
@@ -12517,7 +19696,7 @@
                 </a:tc>
                 <a:extLst>
                   <a:ext uri="{0D108BD9-81ED-4DB2-BD59-A6C34878D82A}">
-                    <a16:rowId xmlns:a16="http://schemas.microsoft.com/office/drawing/2014/main" val="2432851687"/>
+                    <a16:rowId xmlns:a16="http://schemas.microsoft.com/office/drawing/2014/main" xmlns="" val="2432851687"/>
                   </a:ext>
                 </a:extLst>
               </a:tr>
@@ -13013,7 +20192,7 @@
                 </a:tc>
                 <a:extLst>
                   <a:ext uri="{0D108BD9-81ED-4DB2-BD59-A6C34878D82A}">
-                    <a16:rowId xmlns:a16="http://schemas.microsoft.com/office/drawing/2014/main" val="3237919002"/>
+                    <a16:rowId xmlns:a16="http://schemas.microsoft.com/office/drawing/2014/main" xmlns="" val="3237919002"/>
                   </a:ext>
                 </a:extLst>
               </a:tr>
@@ -13499,7 +20678,7 @@
                 </a:tc>
                 <a:extLst>
                   <a:ext uri="{0D108BD9-81ED-4DB2-BD59-A6C34878D82A}">
-                    <a16:rowId xmlns:a16="http://schemas.microsoft.com/office/drawing/2014/main" val="590487938"/>
+                    <a16:rowId xmlns:a16="http://schemas.microsoft.com/office/drawing/2014/main" xmlns="" val="590487938"/>
                   </a:ext>
                 </a:extLst>
               </a:tr>
@@ -13891,7 +21070,7 @@
                 </a:tc>
                 <a:extLst>
                   <a:ext uri="{0D108BD9-81ED-4DB2-BD59-A6C34878D82A}">
-                    <a16:rowId xmlns:a16="http://schemas.microsoft.com/office/drawing/2014/main" val="1991131042"/>
+                    <a16:rowId xmlns:a16="http://schemas.microsoft.com/office/drawing/2014/main" xmlns="" val="1991131042"/>
                   </a:ext>
                 </a:extLst>
               </a:tr>
@@ -13904,7 +21083,7 @@
           <p:cNvPr id="21" name="타원 20">
             <a:extLst>
               <a:ext uri="{FF2B5EF4-FFF2-40B4-BE49-F238E27FC236}">
-                <a16:creationId xmlns:a16="http://schemas.microsoft.com/office/drawing/2014/main" id="{77D6EEDA-9628-49AF-A8F2-1B0B11D62478}"/>
+                <a16:creationId xmlns:a16="http://schemas.microsoft.com/office/drawing/2014/main" xmlns="" id="{77D6EEDA-9628-49AF-A8F2-1B0B11D62478}"/>
               </a:ext>
             </a:extLst>
           </p:cNvPr>
@@ -13961,7 +21140,7 @@
           <p:cNvPr id="22" name="타원 21">
             <a:extLst>
               <a:ext uri="{FF2B5EF4-FFF2-40B4-BE49-F238E27FC236}">
-                <a16:creationId xmlns:a16="http://schemas.microsoft.com/office/drawing/2014/main" id="{255B468B-22E7-49EC-8CB3-3800FDB92101}"/>
+                <a16:creationId xmlns:a16="http://schemas.microsoft.com/office/drawing/2014/main" xmlns="" id="{255B468B-22E7-49EC-8CB3-3800FDB92101}"/>
               </a:ext>
             </a:extLst>
           </p:cNvPr>
@@ -14018,7 +21197,7 @@
           <p:cNvPr id="23" name="타원 22">
             <a:extLst>
               <a:ext uri="{FF2B5EF4-FFF2-40B4-BE49-F238E27FC236}">
-                <a16:creationId xmlns:a16="http://schemas.microsoft.com/office/drawing/2014/main" id="{1099AC91-E6FC-4D81-8F2F-EBF174357541}"/>
+                <a16:creationId xmlns:a16="http://schemas.microsoft.com/office/drawing/2014/main" xmlns="" id="{1099AC91-E6FC-4D81-8F2F-EBF174357541}"/>
               </a:ext>
             </a:extLst>
           </p:cNvPr>
@@ -14075,7 +21254,7 @@
           <p:cNvPr id="24" name="타원 23">
             <a:extLst>
               <a:ext uri="{FF2B5EF4-FFF2-40B4-BE49-F238E27FC236}">
-                <a16:creationId xmlns:a16="http://schemas.microsoft.com/office/drawing/2014/main" id="{466AF96E-3C72-45A1-8F88-D0D2E0F54C57}"/>
+                <a16:creationId xmlns:a16="http://schemas.microsoft.com/office/drawing/2014/main" xmlns="" id="{466AF96E-3C72-45A1-8F88-D0D2E0F54C57}"/>
               </a:ext>
             </a:extLst>
           </p:cNvPr>
@@ -14132,7 +21311,7 @@
           <p:cNvPr id="25" name="타원 24">
             <a:extLst>
               <a:ext uri="{FF2B5EF4-FFF2-40B4-BE49-F238E27FC236}">
-                <a16:creationId xmlns:a16="http://schemas.microsoft.com/office/drawing/2014/main" id="{73A3DADE-6BD3-4151-96BE-571A1200A51F}"/>
+                <a16:creationId xmlns:a16="http://schemas.microsoft.com/office/drawing/2014/main" xmlns="" id="{73A3DADE-6BD3-4151-96BE-571A1200A51F}"/>
               </a:ext>
             </a:extLst>
           </p:cNvPr>
@@ -14189,7 +21368,7 @@
           <p:cNvPr id="26" name="타원 25">
             <a:extLst>
               <a:ext uri="{FF2B5EF4-FFF2-40B4-BE49-F238E27FC236}">
-                <a16:creationId xmlns:a16="http://schemas.microsoft.com/office/drawing/2014/main" id="{1FED8E27-6072-4A83-8669-9E277FC6748D}"/>
+                <a16:creationId xmlns:a16="http://schemas.microsoft.com/office/drawing/2014/main" xmlns="" id="{1FED8E27-6072-4A83-8669-9E277FC6748D}"/>
               </a:ext>
             </a:extLst>
           </p:cNvPr>
@@ -14246,7 +21425,7 @@
           <p:cNvPr id="27" name="그림 26">
             <a:extLst>
               <a:ext uri="{FF2B5EF4-FFF2-40B4-BE49-F238E27FC236}">
-                <a16:creationId xmlns:a16="http://schemas.microsoft.com/office/drawing/2014/main" id="{A2E33558-815B-43D6-B267-B8E76CC7F3E2}"/>
+                <a16:creationId xmlns:a16="http://schemas.microsoft.com/office/drawing/2014/main" xmlns="" id="{A2E33558-815B-43D6-B267-B8E76CC7F3E2}"/>
               </a:ext>
             </a:extLst>
           </p:cNvPr>
@@ -14275,7 +21454,7 @@
           <p:cNvPr id="29" name="그림 28">
             <a:extLst>
               <a:ext uri="{FF2B5EF4-FFF2-40B4-BE49-F238E27FC236}">
-                <a16:creationId xmlns:a16="http://schemas.microsoft.com/office/drawing/2014/main" id="{3FBF8161-FEDE-4464-AD3B-01E82B7B12F7}"/>
+                <a16:creationId xmlns:a16="http://schemas.microsoft.com/office/drawing/2014/main" xmlns="" id="{3FBF8161-FEDE-4464-AD3B-01E82B7B12F7}"/>
               </a:ext>
             </a:extLst>
           </p:cNvPr>
